--- a/Eloadas.pptx
+++ b/Eloadas.pptx
@@ -5,46 +5,49 @@
     <p:sldMasterId id="2147483678" r:id="rId1"/>
   </p:sldMasterIdLst>
   <p:notesMasterIdLst>
-    <p:notesMasterId r:id="rId39"/>
+    <p:notesMasterId r:id="rId42"/>
   </p:notesMasterIdLst>
   <p:sldIdLst>
     <p:sldId id="256" r:id="rId2"/>
-    <p:sldId id="258" r:id="rId3"/>
-    <p:sldId id="290" r:id="rId4"/>
-    <p:sldId id="259" r:id="rId5"/>
-    <p:sldId id="291" r:id="rId6"/>
-    <p:sldId id="260" r:id="rId7"/>
-    <p:sldId id="292" r:id="rId8"/>
-    <p:sldId id="261" r:id="rId9"/>
-    <p:sldId id="262" r:id="rId10"/>
-    <p:sldId id="263" r:id="rId11"/>
-    <p:sldId id="264" r:id="rId12"/>
-    <p:sldId id="265" r:id="rId13"/>
-    <p:sldId id="266" r:id="rId14"/>
-    <p:sldId id="267" r:id="rId15"/>
-    <p:sldId id="293" r:id="rId16"/>
-    <p:sldId id="268" r:id="rId17"/>
-    <p:sldId id="269" r:id="rId18"/>
-    <p:sldId id="270" r:id="rId19"/>
-    <p:sldId id="271" r:id="rId20"/>
-    <p:sldId id="272" r:id="rId21"/>
-    <p:sldId id="273" r:id="rId22"/>
-    <p:sldId id="274" r:id="rId23"/>
-    <p:sldId id="275" r:id="rId24"/>
-    <p:sldId id="276" r:id="rId25"/>
-    <p:sldId id="277" r:id="rId26"/>
-    <p:sldId id="278" r:id="rId27"/>
-    <p:sldId id="279" r:id="rId28"/>
-    <p:sldId id="280" r:id="rId29"/>
-    <p:sldId id="281" r:id="rId30"/>
-    <p:sldId id="282" r:id="rId31"/>
-    <p:sldId id="283" r:id="rId32"/>
-    <p:sldId id="284" r:id="rId33"/>
-    <p:sldId id="285" r:id="rId34"/>
-    <p:sldId id="286" r:id="rId35"/>
-    <p:sldId id="287" r:id="rId36"/>
-    <p:sldId id="288" r:id="rId37"/>
-    <p:sldId id="289" r:id="rId38"/>
+    <p:sldId id="294" r:id="rId3"/>
+    <p:sldId id="258" r:id="rId4"/>
+    <p:sldId id="290" r:id="rId5"/>
+    <p:sldId id="259" r:id="rId6"/>
+    <p:sldId id="291" r:id="rId7"/>
+    <p:sldId id="261" r:id="rId8"/>
+    <p:sldId id="262" r:id="rId9"/>
+    <p:sldId id="260" r:id="rId10"/>
+    <p:sldId id="292" r:id="rId11"/>
+    <p:sldId id="263" r:id="rId12"/>
+    <p:sldId id="296" r:id="rId13"/>
+    <p:sldId id="264" r:id="rId14"/>
+    <p:sldId id="265" r:id="rId15"/>
+    <p:sldId id="295" r:id="rId16"/>
+    <p:sldId id="266" r:id="rId17"/>
+    <p:sldId id="267" r:id="rId18"/>
+    <p:sldId id="293" r:id="rId19"/>
+    <p:sldId id="268" r:id="rId20"/>
+    <p:sldId id="269" r:id="rId21"/>
+    <p:sldId id="270" r:id="rId22"/>
+    <p:sldId id="271" r:id="rId23"/>
+    <p:sldId id="272" r:id="rId24"/>
+    <p:sldId id="273" r:id="rId25"/>
+    <p:sldId id="274" r:id="rId26"/>
+    <p:sldId id="275" r:id="rId27"/>
+    <p:sldId id="276" r:id="rId28"/>
+    <p:sldId id="277" r:id="rId29"/>
+    <p:sldId id="278" r:id="rId30"/>
+    <p:sldId id="279" r:id="rId31"/>
+    <p:sldId id="280" r:id="rId32"/>
+    <p:sldId id="281" r:id="rId33"/>
+    <p:sldId id="282" r:id="rId34"/>
+    <p:sldId id="283" r:id="rId35"/>
+    <p:sldId id="284" r:id="rId36"/>
+    <p:sldId id="285" r:id="rId37"/>
+    <p:sldId id="286" r:id="rId38"/>
+    <p:sldId id="287" r:id="rId39"/>
+    <p:sldId id="288" r:id="rId40"/>
+    <p:sldId id="289" r:id="rId41"/>
   </p:sldIdLst>
   <p:sldSz cx="12192000" cy="6858000"/>
   <p:notesSz cx="6858000" cy="9144000"/>
@@ -6135,7 +6138,7 @@
           <a:p>
             <a:r>
               <a:rPr lang="hu-HU" dirty="0"/>
-              <a:t>Webfejlesztés alapjai</a:t>
+              <a:t>A Webfejlesztés alapjai</a:t>
             </a:r>
             <a:endParaRPr lang="en-US" dirty="0"/>
           </a:p>
@@ -6216,6 +6219,10 @@
           <a:bodyPr/>
           <a:lstStyle/>
           <a:p>
+            <a:r>
+              <a:rPr lang="hu-HU" dirty="0"/>
+              <a:t>Tóth Gergely</a:t>
+            </a:r>
             <a:endParaRPr lang="en-US" dirty="0"/>
           </a:p>
         </p:txBody>
@@ -6263,6 +6270,188 @@
 </file>
 
 <file path=ppt/slides/slide10.xml><?xml version="1.0" encoding="utf-8"?>
+<p:sld xmlns:a="http://schemas.openxmlformats.org/drawingml/2006/main" xmlns:r="http://schemas.openxmlformats.org/officeDocument/2006/relationships" xmlns:p="http://schemas.openxmlformats.org/presentationml/2006/main">
+  <p:cSld>
+    <p:spTree>
+      <p:nvGrpSpPr>
+        <p:cNvPr id="1" name="">
+          <a:extLst>
+            <a:ext uri="{FF2B5EF4-FFF2-40B4-BE49-F238E27FC236}">
+              <a16:creationId xmlns:a16="http://schemas.microsoft.com/office/drawing/2014/main" id="{2D18211D-E9C8-19E7-0803-FBF432CD516F}"/>
+            </a:ext>
+          </a:extLst>
+        </p:cNvPr>
+        <p:cNvGrpSpPr/>
+        <p:nvPr/>
+      </p:nvGrpSpPr>
+      <p:grpSpPr>
+        <a:xfrm>
+          <a:off x="0" y="0"/>
+          <a:ext cx="0" cy="0"/>
+          <a:chOff x="0" y="0"/>
+          <a:chExt cx="0" cy="0"/>
+        </a:xfrm>
+      </p:grpSpPr>
+      <p:sp>
+        <p:nvSpPr>
+          <p:cNvPr id="2" name="Cím 1">
+            <a:extLst>
+              <a:ext uri="{FF2B5EF4-FFF2-40B4-BE49-F238E27FC236}">
+                <a16:creationId xmlns:a16="http://schemas.microsoft.com/office/drawing/2014/main" id="{7F0AB5FD-53F8-2576-EB8C-F0A88803854A}"/>
+              </a:ext>
+            </a:extLst>
+          </p:cNvPr>
+          <p:cNvSpPr>
+            <a:spLocks noGrp="1"/>
+          </p:cNvSpPr>
+          <p:nvPr>
+            <p:ph type="title"/>
+          </p:nvPr>
+        </p:nvSpPr>
+        <p:spPr/>
+        <p:txBody>
+          <a:bodyPr/>
+          <a:lstStyle/>
+          <a:p>
+            <a:r>
+              <a:rPr lang="hu-HU" dirty="0"/>
+              <a:t>JS</a:t>
+            </a:r>
+            <a:endParaRPr lang="en-US" dirty="0"/>
+          </a:p>
+        </p:txBody>
+      </p:sp>
+      <p:sp>
+        <p:nvSpPr>
+          <p:cNvPr id="3" name="Tartalom helye 2">
+            <a:extLst>
+              <a:ext uri="{FF2B5EF4-FFF2-40B4-BE49-F238E27FC236}">
+                <a16:creationId xmlns:a16="http://schemas.microsoft.com/office/drawing/2014/main" id="{28D84C45-D861-DB3E-0977-4A311EE740FC}"/>
+              </a:ext>
+            </a:extLst>
+          </p:cNvPr>
+          <p:cNvSpPr>
+            <a:spLocks noGrp="1"/>
+          </p:cNvSpPr>
+          <p:nvPr>
+            <p:ph idx="1"/>
+          </p:nvPr>
+        </p:nvSpPr>
+        <p:spPr>
+          <a:xfrm>
+            <a:off x="1141412" y="1866899"/>
+            <a:ext cx="9905998" cy="3124201"/>
+          </a:xfrm>
+        </p:spPr>
+        <p:txBody>
+          <a:bodyPr/>
+          <a:lstStyle/>
+          <a:p>
+            <a:r>
+              <a:rPr lang="hu-HU" dirty="0"/>
+              <a:t>A JavaScript fájlunkat továbbra a böngésző fogja értelmezni és futtatni, emiatt nem lehet a backend oldalhoz sorolni</a:t>
+            </a:r>
+            <a:endParaRPr lang="en-US" dirty="0"/>
+          </a:p>
+        </p:txBody>
+      </p:sp>
+      <p:sp>
+        <p:nvSpPr>
+          <p:cNvPr id="4" name="Dátum helye 3">
+            <a:extLst>
+              <a:ext uri="{FF2B5EF4-FFF2-40B4-BE49-F238E27FC236}">
+                <a16:creationId xmlns:a16="http://schemas.microsoft.com/office/drawing/2014/main" id="{3962B836-6FAD-A26B-556E-6F66875E9A5B}"/>
+              </a:ext>
+            </a:extLst>
+          </p:cNvPr>
+          <p:cNvSpPr>
+            <a:spLocks noGrp="1"/>
+          </p:cNvSpPr>
+          <p:nvPr>
+            <p:ph type="dt" sz="half" idx="10"/>
+          </p:nvPr>
+        </p:nvSpPr>
+        <p:spPr/>
+        <p:txBody>
+          <a:bodyPr/>
+          <a:lstStyle/>
+          <a:p>
+            <a:fld id="{1BD0E5E0-A0E5-4712-AC71-8FC7E1A1C62D}" type="datetime1">
+              <a:rPr lang="hu-HU" smtClean="0"/>
+              <a:t>2024. 03. 04.</a:t>
+            </a:fld>
+            <a:endParaRPr lang="en-US"/>
+          </a:p>
+        </p:txBody>
+      </p:sp>
+      <p:sp>
+        <p:nvSpPr>
+          <p:cNvPr id="5" name="Élőláb helye 4">
+            <a:extLst>
+              <a:ext uri="{FF2B5EF4-FFF2-40B4-BE49-F238E27FC236}">
+                <a16:creationId xmlns:a16="http://schemas.microsoft.com/office/drawing/2014/main" id="{A36CE7CD-DA5C-B26E-E008-42E2C53C7978}"/>
+              </a:ext>
+            </a:extLst>
+          </p:cNvPr>
+          <p:cNvSpPr>
+            <a:spLocks noGrp="1"/>
+          </p:cNvSpPr>
+          <p:nvPr>
+            <p:ph type="ftr" sz="quarter" idx="11"/>
+          </p:nvPr>
+        </p:nvSpPr>
+        <p:spPr/>
+        <p:txBody>
+          <a:bodyPr/>
+          <a:lstStyle/>
+          <a:p>
+            <a:endParaRPr lang="en-US"/>
+          </a:p>
+        </p:txBody>
+      </p:sp>
+      <p:sp>
+        <p:nvSpPr>
+          <p:cNvPr id="6" name="Dia számának helye 5">
+            <a:extLst>
+              <a:ext uri="{FF2B5EF4-FFF2-40B4-BE49-F238E27FC236}">
+                <a16:creationId xmlns:a16="http://schemas.microsoft.com/office/drawing/2014/main" id="{7A03D443-5AA4-E9EC-CA25-33F80AF4E77D}"/>
+              </a:ext>
+            </a:extLst>
+          </p:cNvPr>
+          <p:cNvSpPr>
+            <a:spLocks noGrp="1"/>
+          </p:cNvSpPr>
+          <p:nvPr>
+            <p:ph type="sldNum" sz="quarter" idx="12"/>
+          </p:nvPr>
+        </p:nvSpPr>
+        <p:spPr/>
+        <p:txBody>
+          <a:bodyPr/>
+          <a:lstStyle/>
+          <a:p>
+            <a:fld id="{927374A8-BCF2-49CD-84BD-18DF129551B3}" type="slidenum">
+              <a:rPr lang="en-US" smtClean="0"/>
+              <a:t>10</a:t>
+            </a:fld>
+            <a:endParaRPr lang="en-US"/>
+          </a:p>
+        </p:txBody>
+      </p:sp>
+    </p:spTree>
+    <p:extLst>
+      <p:ext uri="{BB962C8B-B14F-4D97-AF65-F5344CB8AC3E}">
+        <p14:creationId xmlns:p14="http://schemas.microsoft.com/office/powerpoint/2010/main" val="695904350"/>
+      </p:ext>
+    </p:extLst>
+  </p:cSld>
+  <p:clrMapOvr>
+    <a:masterClrMapping/>
+  </p:clrMapOvr>
+</p:sld>
+</file>
+
+<file path=ppt/slides/slide11.xml><?xml version="1.0" encoding="utf-8"?>
 <p:sld xmlns:a="http://schemas.openxmlformats.org/drawingml/2006/main" xmlns:r="http://schemas.openxmlformats.org/officeDocument/2006/relationships" xmlns:p="http://schemas.openxmlformats.org/presentationml/2006/main">
   <p:cSld>
     <p:spTree>
@@ -6330,12 +6519,64 @@
             <p:ph idx="1"/>
           </p:nvPr>
         </p:nvSpPr>
-        <p:spPr/>
-        <p:txBody>
-          <a:bodyPr/>
-          <a:lstStyle/>
-          <a:p>
-            <a:endParaRPr lang="en-US"/>
+        <p:spPr>
+          <a:xfrm>
+            <a:off x="1141412" y="1866899"/>
+            <a:ext cx="9905998" cy="3401387"/>
+          </a:xfrm>
+        </p:spPr>
+        <p:txBody>
+          <a:bodyPr>
+            <a:normAutofit/>
+          </a:bodyPr>
+          <a:lstStyle/>
+          <a:p>
+            <a:r>
+              <a:rPr lang="hu-HU" dirty="0"/>
+              <a:t>JavaScript-re épül, egy olyan eszköz, amely lehetővé teszi a kód futtatását a szerver oldalon</a:t>
+            </a:r>
+          </a:p>
+          <a:p>
+            <a:r>
+              <a:rPr lang="hu-HU" dirty="0"/>
+              <a:t>Lehetővé teszi:</a:t>
+            </a:r>
+          </a:p>
+          <a:p>
+            <a:pPr lvl="1"/>
+            <a:r>
+              <a:rPr lang="hu-HU" dirty="0"/>
+              <a:t>Webes alkalmazások fejlesztését</a:t>
+            </a:r>
+          </a:p>
+          <a:p>
+            <a:pPr lvl="1"/>
+            <a:r>
+              <a:rPr lang="hu-HU" dirty="0"/>
+              <a:t>Adatbázis műveleteket</a:t>
+            </a:r>
+          </a:p>
+          <a:p>
+            <a:pPr lvl="1"/>
+            <a:r>
+              <a:rPr lang="hu-HU" dirty="0"/>
+              <a:t>Kliens-szerver kommunikációt</a:t>
+            </a:r>
+          </a:p>
+          <a:p>
+            <a:pPr lvl="1"/>
+            <a:r>
+              <a:rPr lang="hu-HU" dirty="0"/>
+              <a:t>Mikroszolgáltatások használatát</a:t>
+            </a:r>
+          </a:p>
+          <a:p>
+            <a:pPr lvl="1"/>
+            <a:r>
+              <a:rPr lang="hu-HU" dirty="0"/>
+              <a:t>Webes szerverek és alkalmazások futtatását</a:t>
+            </a:r>
+            <a:endParaRPr lang="en-US" dirty="0"/>
           </a:p>
         </p:txBody>
       </p:sp>
@@ -6416,7 +6657,7 @@
           <a:p>
             <a:fld id="{927374A8-BCF2-49CD-84BD-18DF129551B3}" type="slidenum">
               <a:rPr lang="en-US" smtClean="0"/>
-              <a:t>10</a:t>
+              <a:t>11</a:t>
             </a:fld>
             <a:endParaRPr lang="en-US"/>
           </a:p>
@@ -6435,7 +6676,227 @@
 </p:sld>
 </file>
 
-<file path=ppt/slides/slide11.xml><?xml version="1.0" encoding="utf-8"?>
+<file path=ppt/slides/slide12.xml><?xml version="1.0" encoding="utf-8"?>
+<p:sld xmlns:a="http://schemas.openxmlformats.org/drawingml/2006/main" xmlns:r="http://schemas.openxmlformats.org/officeDocument/2006/relationships" xmlns:p="http://schemas.openxmlformats.org/presentationml/2006/main">
+  <p:cSld>
+    <p:spTree>
+      <p:nvGrpSpPr>
+        <p:cNvPr id="1" name=""/>
+        <p:cNvGrpSpPr/>
+        <p:nvPr/>
+      </p:nvGrpSpPr>
+      <p:grpSpPr>
+        <a:xfrm>
+          <a:off x="0" y="0"/>
+          <a:ext cx="0" cy="0"/>
+          <a:chOff x="0" y="0"/>
+          <a:chExt cx="0" cy="0"/>
+        </a:xfrm>
+      </p:grpSpPr>
+      <p:sp>
+        <p:nvSpPr>
+          <p:cNvPr id="2" name="Cím 1">
+            <a:extLst>
+              <a:ext uri="{FF2B5EF4-FFF2-40B4-BE49-F238E27FC236}">
+                <a16:creationId xmlns:a16="http://schemas.microsoft.com/office/drawing/2014/main" id="{30A45356-78EA-26D7-5D01-EB4E931A93AA}"/>
+              </a:ext>
+            </a:extLst>
+          </p:cNvPr>
+          <p:cNvSpPr>
+            <a:spLocks noGrp="1"/>
+          </p:cNvSpPr>
+          <p:nvPr>
+            <p:ph type="title"/>
+          </p:nvPr>
+        </p:nvSpPr>
+        <p:spPr/>
+        <p:txBody>
+          <a:bodyPr/>
+          <a:lstStyle/>
+          <a:p>
+            <a:r>
+              <a:rPr lang="hu-HU" dirty="0"/>
+              <a:t>Node.js</a:t>
+            </a:r>
+            <a:endParaRPr lang="en-US" dirty="0"/>
+          </a:p>
+        </p:txBody>
+      </p:sp>
+      <p:sp>
+        <p:nvSpPr>
+          <p:cNvPr id="3" name="Tartalom helye 2">
+            <a:extLst>
+              <a:ext uri="{FF2B5EF4-FFF2-40B4-BE49-F238E27FC236}">
+                <a16:creationId xmlns:a16="http://schemas.microsoft.com/office/drawing/2014/main" id="{AE9D51B0-B219-D290-1320-7BBA0A5E31D0}"/>
+              </a:ext>
+            </a:extLst>
+          </p:cNvPr>
+          <p:cNvSpPr>
+            <a:spLocks noGrp="1"/>
+          </p:cNvSpPr>
+          <p:nvPr>
+            <p:ph idx="1"/>
+          </p:nvPr>
+        </p:nvSpPr>
+        <p:spPr>
+          <a:xfrm>
+            <a:off x="1141412" y="1866899"/>
+            <a:ext cx="5611726" cy="3124201"/>
+          </a:xfrm>
+        </p:spPr>
+        <p:txBody>
+          <a:bodyPr/>
+          <a:lstStyle/>
+          <a:p>
+            <a:r>
+              <a:rPr lang="hu-HU" dirty="0"/>
+              <a:t>Telepítés, és a szükséges </a:t>
+            </a:r>
+            <a:r>
+              <a:rPr lang="hu-HU" dirty="0" err="1"/>
+              <a:t>packagek</a:t>
+            </a:r>
+            <a:r>
+              <a:rPr lang="hu-HU" dirty="0"/>
+              <a:t> telepítése után, már lehetőségünk van, saját szerver futtatására is a segítségével</a:t>
+            </a:r>
+          </a:p>
+          <a:p>
+            <a:r>
+              <a:rPr lang="hu-HU" dirty="0"/>
+              <a:t>Már nevezhetjük a projektünk backendjének</a:t>
+            </a:r>
+            <a:endParaRPr lang="en-US" dirty="0"/>
+          </a:p>
+        </p:txBody>
+      </p:sp>
+      <p:sp>
+        <p:nvSpPr>
+          <p:cNvPr id="4" name="Dátum helye 3">
+            <a:extLst>
+              <a:ext uri="{FF2B5EF4-FFF2-40B4-BE49-F238E27FC236}">
+                <a16:creationId xmlns:a16="http://schemas.microsoft.com/office/drawing/2014/main" id="{BCFA7019-7790-F96F-4788-ECAD8D87530A}"/>
+              </a:ext>
+            </a:extLst>
+          </p:cNvPr>
+          <p:cNvSpPr>
+            <a:spLocks noGrp="1"/>
+          </p:cNvSpPr>
+          <p:nvPr>
+            <p:ph type="dt" sz="half" idx="10"/>
+          </p:nvPr>
+        </p:nvSpPr>
+        <p:spPr/>
+        <p:txBody>
+          <a:bodyPr/>
+          <a:lstStyle/>
+          <a:p>
+            <a:fld id="{E0D05676-0184-4491-83BE-2E9128DA927C}" type="datetime1">
+              <a:rPr lang="hu-HU" smtClean="0"/>
+              <a:t>2024. 03. 04.</a:t>
+            </a:fld>
+            <a:endParaRPr lang="en-US"/>
+          </a:p>
+        </p:txBody>
+      </p:sp>
+      <p:sp>
+        <p:nvSpPr>
+          <p:cNvPr id="5" name="Élőláb helye 4">
+            <a:extLst>
+              <a:ext uri="{FF2B5EF4-FFF2-40B4-BE49-F238E27FC236}">
+                <a16:creationId xmlns:a16="http://schemas.microsoft.com/office/drawing/2014/main" id="{CC2F1C7C-A447-C456-EF17-2ED61859371F}"/>
+              </a:ext>
+            </a:extLst>
+          </p:cNvPr>
+          <p:cNvSpPr>
+            <a:spLocks noGrp="1"/>
+          </p:cNvSpPr>
+          <p:nvPr>
+            <p:ph type="ftr" sz="quarter" idx="11"/>
+          </p:nvPr>
+        </p:nvSpPr>
+        <p:spPr/>
+        <p:txBody>
+          <a:bodyPr/>
+          <a:lstStyle/>
+          <a:p>
+            <a:endParaRPr lang="en-US"/>
+          </a:p>
+        </p:txBody>
+      </p:sp>
+      <p:sp>
+        <p:nvSpPr>
+          <p:cNvPr id="6" name="Dia számának helye 5">
+            <a:extLst>
+              <a:ext uri="{FF2B5EF4-FFF2-40B4-BE49-F238E27FC236}">
+                <a16:creationId xmlns:a16="http://schemas.microsoft.com/office/drawing/2014/main" id="{981C1B72-FCC4-F696-12D7-26827EEABC1A}"/>
+              </a:ext>
+            </a:extLst>
+          </p:cNvPr>
+          <p:cNvSpPr>
+            <a:spLocks noGrp="1"/>
+          </p:cNvSpPr>
+          <p:nvPr>
+            <p:ph type="sldNum" sz="quarter" idx="12"/>
+          </p:nvPr>
+        </p:nvSpPr>
+        <p:spPr/>
+        <p:txBody>
+          <a:bodyPr/>
+          <a:lstStyle/>
+          <a:p>
+            <a:fld id="{927374A8-BCF2-49CD-84BD-18DF129551B3}" type="slidenum">
+              <a:rPr lang="en-US" smtClean="0"/>
+              <a:t>12</a:t>
+            </a:fld>
+            <a:endParaRPr lang="en-US"/>
+          </a:p>
+        </p:txBody>
+      </p:sp>
+      <p:pic>
+        <p:nvPicPr>
+          <p:cNvPr id="8" name="Kép 7">
+            <a:extLst>
+              <a:ext uri="{FF2B5EF4-FFF2-40B4-BE49-F238E27FC236}">
+                <a16:creationId xmlns:a16="http://schemas.microsoft.com/office/drawing/2014/main" id="{C05ED267-E6BE-AECE-D3C0-605F52BB9F23}"/>
+              </a:ext>
+            </a:extLst>
+          </p:cNvPr>
+          <p:cNvPicPr>
+            <a:picLocks noChangeAspect="1"/>
+          </p:cNvPicPr>
+          <p:nvPr/>
+        </p:nvPicPr>
+        <p:blipFill>
+          <a:blip r:embed="rId2"/>
+          <a:stretch>
+            <a:fillRect/>
+          </a:stretch>
+        </p:blipFill>
+        <p:spPr>
+          <a:xfrm>
+            <a:off x="7004808" y="1866899"/>
+            <a:ext cx="4872368" cy="2725357"/>
+          </a:xfrm>
+          <a:prstGeom prst="rect">
+            <a:avLst/>
+          </a:prstGeom>
+        </p:spPr>
+      </p:pic>
+    </p:spTree>
+    <p:extLst>
+      <p:ext uri="{BB962C8B-B14F-4D97-AF65-F5344CB8AC3E}">
+        <p14:creationId xmlns:p14="http://schemas.microsoft.com/office/powerpoint/2010/main" val="1087644613"/>
+      </p:ext>
+    </p:extLst>
+  </p:cSld>
+  <p:clrMapOvr>
+    <a:masterClrMapping/>
+  </p:clrMapOvr>
+</p:sld>
+</file>
+
+<file path=ppt/slides/slide13.xml><?xml version="1.0" encoding="utf-8"?>
 <p:sld xmlns:a="http://schemas.openxmlformats.org/drawingml/2006/main" xmlns:r="http://schemas.openxmlformats.org/officeDocument/2006/relationships" xmlns:p="http://schemas.openxmlformats.org/presentationml/2006/main">
   <p:cSld>
     <p:spTree>
@@ -6508,7 +6969,7 @@
           <a:bodyPr/>
           <a:lstStyle/>
           <a:p>
-            <a:endParaRPr lang="en-US"/>
+            <a:endParaRPr lang="en-US" dirty="0"/>
           </a:p>
         </p:txBody>
       </p:sp>
@@ -6589,7 +7050,7 @@
           <a:p>
             <a:fld id="{927374A8-BCF2-49CD-84BD-18DF129551B3}" type="slidenum">
               <a:rPr lang="en-US" smtClean="0"/>
-              <a:t>11</a:t>
+              <a:t>13</a:t>
             </a:fld>
             <a:endParaRPr lang="en-US"/>
           </a:p>
@@ -6608,7 +7069,7 @@
 </p:sld>
 </file>
 
-<file path=ppt/slides/slide12.xml><?xml version="1.0" encoding="utf-8"?>
+<file path=ppt/slides/slide14.xml><?xml version="1.0" encoding="utf-8"?>
 <p:sld xmlns:a="http://schemas.openxmlformats.org/drawingml/2006/main" xmlns:r="http://schemas.openxmlformats.org/officeDocument/2006/relationships" xmlns:p="http://schemas.openxmlformats.org/presentationml/2006/main">
   <p:cSld>
     <p:spTree>
@@ -6762,7 +7223,7 @@
           <a:p>
             <a:fld id="{927374A8-BCF2-49CD-84BD-18DF129551B3}" type="slidenum">
               <a:rPr lang="en-US" smtClean="0"/>
-              <a:t>12</a:t>
+              <a:t>14</a:t>
             </a:fld>
             <a:endParaRPr lang="en-US"/>
           </a:p>
@@ -6772,404 +7233,6 @@
     <p:extLst>
       <p:ext uri="{BB962C8B-B14F-4D97-AF65-F5344CB8AC3E}">
         <p14:creationId xmlns:p14="http://schemas.microsoft.com/office/powerpoint/2010/main" val="1652969629"/>
-      </p:ext>
-    </p:extLst>
-  </p:cSld>
-  <p:clrMapOvr>
-    <a:masterClrMapping/>
-  </p:clrMapOvr>
-</p:sld>
-</file>
-
-<file path=ppt/slides/slide13.xml><?xml version="1.0" encoding="utf-8"?>
-<p:sld xmlns:a="http://schemas.openxmlformats.org/drawingml/2006/main" xmlns:r="http://schemas.openxmlformats.org/officeDocument/2006/relationships" xmlns:p="http://schemas.openxmlformats.org/presentationml/2006/main">
-  <p:cSld>
-    <p:spTree>
-      <p:nvGrpSpPr>
-        <p:cNvPr id="1" name="">
-          <a:extLst>
-            <a:ext uri="{FF2B5EF4-FFF2-40B4-BE49-F238E27FC236}">
-              <a16:creationId xmlns:a16="http://schemas.microsoft.com/office/drawing/2014/main" id="{8609113A-B9BE-27A3-1906-E67A29B78A5C}"/>
-            </a:ext>
-          </a:extLst>
-        </p:cNvPr>
-        <p:cNvGrpSpPr/>
-        <p:nvPr/>
-      </p:nvGrpSpPr>
-      <p:grpSpPr>
-        <a:xfrm>
-          <a:off x="0" y="0"/>
-          <a:ext cx="0" cy="0"/>
-          <a:chOff x="0" y="0"/>
-          <a:chExt cx="0" cy="0"/>
-        </a:xfrm>
-      </p:grpSpPr>
-      <p:sp>
-        <p:nvSpPr>
-          <p:cNvPr id="2" name="Cím 1">
-            <a:extLst>
-              <a:ext uri="{FF2B5EF4-FFF2-40B4-BE49-F238E27FC236}">
-                <a16:creationId xmlns:a16="http://schemas.microsoft.com/office/drawing/2014/main" id="{DBB76A7D-16BF-9C4C-806B-F6D32BA78FF9}"/>
-              </a:ext>
-            </a:extLst>
-          </p:cNvPr>
-          <p:cNvSpPr>
-            <a:spLocks noGrp="1"/>
-          </p:cNvSpPr>
-          <p:nvPr>
-            <p:ph type="title"/>
-          </p:nvPr>
-        </p:nvSpPr>
-        <p:spPr/>
-        <p:txBody>
-          <a:bodyPr/>
-          <a:lstStyle/>
-          <a:p>
-            <a:r>
-              <a:rPr lang="hu-HU" dirty="0" err="1"/>
-              <a:t>Git</a:t>
-            </a:r>
-            <a:r>
-              <a:rPr lang="hu-HU" dirty="0"/>
-              <a:t> - </a:t>
-            </a:r>
-            <a:r>
-              <a:rPr lang="hu-HU" dirty="0" err="1"/>
-              <a:t>Github</a:t>
-            </a:r>
-            <a:endParaRPr lang="en-US" dirty="0"/>
-          </a:p>
-        </p:txBody>
-      </p:sp>
-      <p:sp>
-        <p:nvSpPr>
-          <p:cNvPr id="3" name="Tartalom helye 2">
-            <a:extLst>
-              <a:ext uri="{FF2B5EF4-FFF2-40B4-BE49-F238E27FC236}">
-                <a16:creationId xmlns:a16="http://schemas.microsoft.com/office/drawing/2014/main" id="{A00E67F5-B445-4671-3FB5-430BABEBD510}"/>
-              </a:ext>
-            </a:extLst>
-          </p:cNvPr>
-          <p:cNvSpPr>
-            <a:spLocks noGrp="1"/>
-          </p:cNvSpPr>
-          <p:nvPr>
-            <p:ph idx="1"/>
-          </p:nvPr>
-        </p:nvSpPr>
-        <p:spPr/>
-        <p:txBody>
-          <a:bodyPr/>
-          <a:lstStyle/>
-          <a:p>
-            <a:endParaRPr lang="en-US"/>
-          </a:p>
-        </p:txBody>
-      </p:sp>
-      <p:sp>
-        <p:nvSpPr>
-          <p:cNvPr id="4" name="Dátum helye 3">
-            <a:extLst>
-              <a:ext uri="{FF2B5EF4-FFF2-40B4-BE49-F238E27FC236}">
-                <a16:creationId xmlns:a16="http://schemas.microsoft.com/office/drawing/2014/main" id="{27A32E8E-037B-0C7F-4AC3-EB36FDB5048E}"/>
-              </a:ext>
-            </a:extLst>
-          </p:cNvPr>
-          <p:cNvSpPr>
-            <a:spLocks noGrp="1"/>
-          </p:cNvSpPr>
-          <p:nvPr>
-            <p:ph type="dt" sz="half" idx="10"/>
-          </p:nvPr>
-        </p:nvSpPr>
-        <p:spPr/>
-        <p:txBody>
-          <a:bodyPr/>
-          <a:lstStyle/>
-          <a:p>
-            <a:fld id="{92DD11B4-80D5-44DE-A7EE-0D0C4A06CAFB}" type="datetime1">
-              <a:rPr lang="hu-HU" smtClean="0"/>
-              <a:t>2024. 03. 04.</a:t>
-            </a:fld>
-            <a:endParaRPr lang="en-US"/>
-          </a:p>
-        </p:txBody>
-      </p:sp>
-      <p:sp>
-        <p:nvSpPr>
-          <p:cNvPr id="5" name="Élőláb helye 4">
-            <a:extLst>
-              <a:ext uri="{FF2B5EF4-FFF2-40B4-BE49-F238E27FC236}">
-                <a16:creationId xmlns:a16="http://schemas.microsoft.com/office/drawing/2014/main" id="{1E506CCC-1B15-DD9E-3E1C-E2DC11881A6C}"/>
-              </a:ext>
-            </a:extLst>
-          </p:cNvPr>
-          <p:cNvSpPr>
-            <a:spLocks noGrp="1"/>
-          </p:cNvSpPr>
-          <p:nvPr>
-            <p:ph type="ftr" sz="quarter" idx="11"/>
-          </p:nvPr>
-        </p:nvSpPr>
-        <p:spPr/>
-        <p:txBody>
-          <a:bodyPr/>
-          <a:lstStyle/>
-          <a:p>
-            <a:endParaRPr lang="en-US"/>
-          </a:p>
-        </p:txBody>
-      </p:sp>
-      <p:sp>
-        <p:nvSpPr>
-          <p:cNvPr id="6" name="Dia számának helye 5">
-            <a:extLst>
-              <a:ext uri="{FF2B5EF4-FFF2-40B4-BE49-F238E27FC236}">
-                <a16:creationId xmlns:a16="http://schemas.microsoft.com/office/drawing/2014/main" id="{6D86B534-D7F0-0E8A-4F20-715F83C7A441}"/>
-              </a:ext>
-            </a:extLst>
-          </p:cNvPr>
-          <p:cNvSpPr>
-            <a:spLocks noGrp="1"/>
-          </p:cNvSpPr>
-          <p:nvPr>
-            <p:ph type="sldNum" sz="quarter" idx="12"/>
-          </p:nvPr>
-        </p:nvSpPr>
-        <p:spPr/>
-        <p:txBody>
-          <a:bodyPr/>
-          <a:lstStyle/>
-          <a:p>
-            <a:fld id="{927374A8-BCF2-49CD-84BD-18DF129551B3}" type="slidenum">
-              <a:rPr lang="en-US" smtClean="0"/>
-              <a:t>13</a:t>
-            </a:fld>
-            <a:endParaRPr lang="en-US"/>
-          </a:p>
-        </p:txBody>
-      </p:sp>
-    </p:spTree>
-    <p:extLst>
-      <p:ext uri="{BB962C8B-B14F-4D97-AF65-F5344CB8AC3E}">
-        <p14:creationId xmlns:p14="http://schemas.microsoft.com/office/powerpoint/2010/main" val="2740941923"/>
-      </p:ext>
-    </p:extLst>
-  </p:cSld>
-  <p:clrMapOvr>
-    <a:masterClrMapping/>
-  </p:clrMapOvr>
-</p:sld>
-</file>
-
-<file path=ppt/slides/slide14.xml><?xml version="1.0" encoding="utf-8"?>
-<p:sld xmlns:a="http://schemas.openxmlformats.org/drawingml/2006/main" xmlns:r="http://schemas.openxmlformats.org/officeDocument/2006/relationships" xmlns:p="http://schemas.openxmlformats.org/presentationml/2006/main">
-  <p:cSld>
-    <p:spTree>
-      <p:nvGrpSpPr>
-        <p:cNvPr id="1" name="">
-          <a:extLst>
-            <a:ext uri="{FF2B5EF4-FFF2-40B4-BE49-F238E27FC236}">
-              <a16:creationId xmlns:a16="http://schemas.microsoft.com/office/drawing/2014/main" id="{1802B7C8-8124-540B-898E-7030A173D5DD}"/>
-            </a:ext>
-          </a:extLst>
-        </p:cNvPr>
-        <p:cNvGrpSpPr/>
-        <p:nvPr/>
-      </p:nvGrpSpPr>
-      <p:grpSpPr>
-        <a:xfrm>
-          <a:off x="0" y="0"/>
-          <a:ext cx="0" cy="0"/>
-          <a:chOff x="0" y="0"/>
-          <a:chExt cx="0" cy="0"/>
-        </a:xfrm>
-      </p:grpSpPr>
-      <p:sp>
-        <p:nvSpPr>
-          <p:cNvPr id="2" name="Cím 1">
-            <a:extLst>
-              <a:ext uri="{FF2B5EF4-FFF2-40B4-BE49-F238E27FC236}">
-                <a16:creationId xmlns:a16="http://schemas.microsoft.com/office/drawing/2014/main" id="{B7A4269F-9E98-A675-0B9B-49206F0F8FFD}"/>
-              </a:ext>
-            </a:extLst>
-          </p:cNvPr>
-          <p:cNvSpPr>
-            <a:spLocks noGrp="1"/>
-          </p:cNvSpPr>
-          <p:nvPr>
-            <p:ph type="title"/>
-          </p:nvPr>
-        </p:nvSpPr>
-        <p:spPr/>
-        <p:txBody>
-          <a:bodyPr/>
-          <a:lstStyle/>
-          <a:p>
-            <a:r>
-              <a:rPr lang="hu-HU" dirty="0"/>
-              <a:t>API</a:t>
-            </a:r>
-            <a:endParaRPr lang="en-US" dirty="0"/>
-          </a:p>
-        </p:txBody>
-      </p:sp>
-      <p:sp>
-        <p:nvSpPr>
-          <p:cNvPr id="3" name="Tartalom helye 2">
-            <a:extLst>
-              <a:ext uri="{FF2B5EF4-FFF2-40B4-BE49-F238E27FC236}">
-                <a16:creationId xmlns:a16="http://schemas.microsoft.com/office/drawing/2014/main" id="{D6EBCEC3-B600-629B-2DF2-93CD0F1AFB8C}"/>
-              </a:ext>
-            </a:extLst>
-          </p:cNvPr>
-          <p:cNvSpPr>
-            <a:spLocks noGrp="1"/>
-          </p:cNvSpPr>
-          <p:nvPr>
-            <p:ph idx="1"/>
-          </p:nvPr>
-        </p:nvSpPr>
-        <p:spPr/>
-        <p:txBody>
-          <a:bodyPr/>
-          <a:lstStyle/>
-          <a:p>
-            <a:r>
-              <a:rPr lang="hu-HU" dirty="0" err="1"/>
-              <a:t>GraphQL</a:t>
-            </a:r>
-            <a:endParaRPr lang="hu-HU" dirty="0"/>
-          </a:p>
-          <a:p>
-            <a:r>
-              <a:rPr lang="hu-HU" dirty="0"/>
-              <a:t>SOAP</a:t>
-            </a:r>
-          </a:p>
-          <a:p>
-            <a:r>
-              <a:rPr lang="hu-HU" b="1" dirty="0"/>
-              <a:t>REST:API</a:t>
-            </a:r>
-          </a:p>
-          <a:p>
-            <a:r>
-              <a:rPr lang="hu-HU" dirty="0" err="1"/>
-              <a:t>gRPC</a:t>
-            </a:r>
-            <a:endParaRPr lang="hu-HU" dirty="0"/>
-          </a:p>
-          <a:p>
-            <a:r>
-              <a:rPr lang="hu-HU" dirty="0" err="1"/>
-              <a:t>Architectureal</a:t>
-            </a:r>
-            <a:r>
-              <a:rPr lang="hu-HU" dirty="0"/>
-              <a:t> </a:t>
-            </a:r>
-            <a:r>
-              <a:rPr lang="hu-HU" dirty="0" err="1"/>
-              <a:t>styles</a:t>
-            </a:r>
-            <a:endParaRPr lang="hu-HU" dirty="0"/>
-          </a:p>
-          <a:p>
-            <a:endParaRPr lang="hu-HU" dirty="0"/>
-          </a:p>
-          <a:p>
-            <a:endParaRPr lang="en-US" dirty="0"/>
-          </a:p>
-        </p:txBody>
-      </p:sp>
-      <p:sp>
-        <p:nvSpPr>
-          <p:cNvPr id="4" name="Dátum helye 3">
-            <a:extLst>
-              <a:ext uri="{FF2B5EF4-FFF2-40B4-BE49-F238E27FC236}">
-                <a16:creationId xmlns:a16="http://schemas.microsoft.com/office/drawing/2014/main" id="{CFED3465-D56C-31D8-85C2-0CD0E732756B}"/>
-              </a:ext>
-            </a:extLst>
-          </p:cNvPr>
-          <p:cNvSpPr>
-            <a:spLocks noGrp="1"/>
-          </p:cNvSpPr>
-          <p:nvPr>
-            <p:ph type="dt" sz="half" idx="10"/>
-          </p:nvPr>
-        </p:nvSpPr>
-        <p:spPr/>
-        <p:txBody>
-          <a:bodyPr/>
-          <a:lstStyle/>
-          <a:p>
-            <a:fld id="{82D5F01D-94D0-4555-86CB-29291917B8C5}" type="datetime1">
-              <a:rPr lang="hu-HU" smtClean="0"/>
-              <a:t>2024. 03. 04.</a:t>
-            </a:fld>
-            <a:endParaRPr lang="en-US"/>
-          </a:p>
-        </p:txBody>
-      </p:sp>
-      <p:sp>
-        <p:nvSpPr>
-          <p:cNvPr id="5" name="Élőláb helye 4">
-            <a:extLst>
-              <a:ext uri="{FF2B5EF4-FFF2-40B4-BE49-F238E27FC236}">
-                <a16:creationId xmlns:a16="http://schemas.microsoft.com/office/drawing/2014/main" id="{9CC711FA-79CF-332A-D5B8-F01B1CBFC037}"/>
-              </a:ext>
-            </a:extLst>
-          </p:cNvPr>
-          <p:cNvSpPr>
-            <a:spLocks noGrp="1"/>
-          </p:cNvSpPr>
-          <p:nvPr>
-            <p:ph type="ftr" sz="quarter" idx="11"/>
-          </p:nvPr>
-        </p:nvSpPr>
-        <p:spPr/>
-        <p:txBody>
-          <a:bodyPr/>
-          <a:lstStyle/>
-          <a:p>
-            <a:endParaRPr lang="en-US"/>
-          </a:p>
-        </p:txBody>
-      </p:sp>
-      <p:sp>
-        <p:nvSpPr>
-          <p:cNvPr id="6" name="Dia számának helye 5">
-            <a:extLst>
-              <a:ext uri="{FF2B5EF4-FFF2-40B4-BE49-F238E27FC236}">
-                <a16:creationId xmlns:a16="http://schemas.microsoft.com/office/drawing/2014/main" id="{730932C7-80DC-6424-13A9-D3F970009E95}"/>
-              </a:ext>
-            </a:extLst>
-          </p:cNvPr>
-          <p:cNvSpPr>
-            <a:spLocks noGrp="1"/>
-          </p:cNvSpPr>
-          <p:nvPr>
-            <p:ph type="sldNum" sz="quarter" idx="12"/>
-          </p:nvPr>
-        </p:nvSpPr>
-        <p:spPr/>
-        <p:txBody>
-          <a:bodyPr/>
-          <a:lstStyle/>
-          <a:p>
-            <a:fld id="{927374A8-BCF2-49CD-84BD-18DF129551B3}" type="slidenum">
-              <a:rPr lang="en-US" smtClean="0"/>
-              <a:t>14</a:t>
-            </a:fld>
-            <a:endParaRPr lang="en-US"/>
-          </a:p>
-        </p:txBody>
-      </p:sp>
-    </p:spTree>
-    <p:extLst>
-      <p:ext uri="{BB962C8B-B14F-4D97-AF65-F5344CB8AC3E}">
-        <p14:creationId xmlns:p14="http://schemas.microsoft.com/office/powerpoint/2010/main" val="3585972756"/>
       </p:ext>
     </p:extLst>
   </p:cSld>
@@ -7201,6 +7264,571 @@
           <p:cNvPr id="2" name="Cím 1">
             <a:extLst>
               <a:ext uri="{FF2B5EF4-FFF2-40B4-BE49-F238E27FC236}">
+                <a16:creationId xmlns:a16="http://schemas.microsoft.com/office/drawing/2014/main" id="{78C47C4C-F141-9146-56C0-57DC4B7BEA3E}"/>
+              </a:ext>
+            </a:extLst>
+          </p:cNvPr>
+          <p:cNvSpPr>
+            <a:spLocks noGrp="1"/>
+          </p:cNvSpPr>
+          <p:nvPr>
+            <p:ph type="title"/>
+          </p:nvPr>
+        </p:nvSpPr>
+        <p:spPr/>
+        <p:txBody>
+          <a:bodyPr/>
+          <a:lstStyle/>
+          <a:p>
+            <a:r>
+              <a:rPr lang="hu-HU" dirty="0" err="1"/>
+              <a:t>Middleware</a:t>
+            </a:r>
+            <a:endParaRPr lang="en-US" dirty="0"/>
+          </a:p>
+        </p:txBody>
+      </p:sp>
+      <p:sp>
+        <p:nvSpPr>
+          <p:cNvPr id="3" name="Tartalom helye 2">
+            <a:extLst>
+              <a:ext uri="{FF2B5EF4-FFF2-40B4-BE49-F238E27FC236}">
+                <a16:creationId xmlns:a16="http://schemas.microsoft.com/office/drawing/2014/main" id="{53C13D5C-4CED-1983-A039-24EB621E345F}"/>
+              </a:ext>
+            </a:extLst>
+          </p:cNvPr>
+          <p:cNvSpPr>
+            <a:spLocks noGrp="1"/>
+          </p:cNvSpPr>
+          <p:nvPr>
+            <p:ph idx="1"/>
+          </p:nvPr>
+        </p:nvSpPr>
+        <p:spPr/>
+        <p:txBody>
+          <a:bodyPr/>
+          <a:lstStyle/>
+          <a:p>
+            <a:endParaRPr lang="en-US"/>
+          </a:p>
+        </p:txBody>
+      </p:sp>
+      <p:sp>
+        <p:nvSpPr>
+          <p:cNvPr id="4" name="Dátum helye 3">
+            <a:extLst>
+              <a:ext uri="{FF2B5EF4-FFF2-40B4-BE49-F238E27FC236}">
+                <a16:creationId xmlns:a16="http://schemas.microsoft.com/office/drawing/2014/main" id="{788F9931-50D0-D65D-7177-9E25DE207F0D}"/>
+              </a:ext>
+            </a:extLst>
+          </p:cNvPr>
+          <p:cNvSpPr>
+            <a:spLocks noGrp="1"/>
+          </p:cNvSpPr>
+          <p:nvPr>
+            <p:ph type="dt" sz="half" idx="10"/>
+          </p:nvPr>
+        </p:nvSpPr>
+        <p:spPr/>
+        <p:txBody>
+          <a:bodyPr/>
+          <a:lstStyle/>
+          <a:p>
+            <a:fld id="{E0D05676-0184-4491-83BE-2E9128DA927C}" type="datetime1">
+              <a:rPr lang="hu-HU" smtClean="0"/>
+              <a:t>2024. 03. 04.</a:t>
+            </a:fld>
+            <a:endParaRPr lang="en-US"/>
+          </a:p>
+        </p:txBody>
+      </p:sp>
+      <p:sp>
+        <p:nvSpPr>
+          <p:cNvPr id="5" name="Élőláb helye 4">
+            <a:extLst>
+              <a:ext uri="{FF2B5EF4-FFF2-40B4-BE49-F238E27FC236}">
+                <a16:creationId xmlns:a16="http://schemas.microsoft.com/office/drawing/2014/main" id="{201979AA-089F-D262-F0EC-E83E93CAD7D4}"/>
+              </a:ext>
+            </a:extLst>
+          </p:cNvPr>
+          <p:cNvSpPr>
+            <a:spLocks noGrp="1"/>
+          </p:cNvSpPr>
+          <p:nvPr>
+            <p:ph type="ftr" sz="quarter" idx="11"/>
+          </p:nvPr>
+        </p:nvSpPr>
+        <p:spPr/>
+        <p:txBody>
+          <a:bodyPr/>
+          <a:lstStyle/>
+          <a:p>
+            <a:endParaRPr lang="en-US"/>
+          </a:p>
+        </p:txBody>
+      </p:sp>
+      <p:sp>
+        <p:nvSpPr>
+          <p:cNvPr id="6" name="Dia számának helye 5">
+            <a:extLst>
+              <a:ext uri="{FF2B5EF4-FFF2-40B4-BE49-F238E27FC236}">
+                <a16:creationId xmlns:a16="http://schemas.microsoft.com/office/drawing/2014/main" id="{82FFE2DA-201E-9363-A80A-E89BA5FE0676}"/>
+              </a:ext>
+            </a:extLst>
+          </p:cNvPr>
+          <p:cNvSpPr>
+            <a:spLocks noGrp="1"/>
+          </p:cNvSpPr>
+          <p:nvPr>
+            <p:ph type="sldNum" sz="quarter" idx="12"/>
+          </p:nvPr>
+        </p:nvSpPr>
+        <p:spPr/>
+        <p:txBody>
+          <a:bodyPr/>
+          <a:lstStyle/>
+          <a:p>
+            <a:fld id="{927374A8-BCF2-49CD-84BD-18DF129551B3}" type="slidenum">
+              <a:rPr lang="en-US" smtClean="0"/>
+              <a:t>15</a:t>
+            </a:fld>
+            <a:endParaRPr lang="en-US"/>
+          </a:p>
+        </p:txBody>
+      </p:sp>
+    </p:spTree>
+    <p:extLst>
+      <p:ext uri="{BB962C8B-B14F-4D97-AF65-F5344CB8AC3E}">
+        <p14:creationId xmlns:p14="http://schemas.microsoft.com/office/powerpoint/2010/main" val="4073868805"/>
+      </p:ext>
+    </p:extLst>
+  </p:cSld>
+  <p:clrMapOvr>
+    <a:masterClrMapping/>
+  </p:clrMapOvr>
+</p:sld>
+</file>
+
+<file path=ppt/slides/slide16.xml><?xml version="1.0" encoding="utf-8"?>
+<p:sld xmlns:a="http://schemas.openxmlformats.org/drawingml/2006/main" xmlns:r="http://schemas.openxmlformats.org/officeDocument/2006/relationships" xmlns:p="http://schemas.openxmlformats.org/presentationml/2006/main">
+  <p:cSld>
+    <p:spTree>
+      <p:nvGrpSpPr>
+        <p:cNvPr id="1" name="">
+          <a:extLst>
+            <a:ext uri="{FF2B5EF4-FFF2-40B4-BE49-F238E27FC236}">
+              <a16:creationId xmlns:a16="http://schemas.microsoft.com/office/drawing/2014/main" id="{8609113A-B9BE-27A3-1906-E67A29B78A5C}"/>
+            </a:ext>
+          </a:extLst>
+        </p:cNvPr>
+        <p:cNvGrpSpPr/>
+        <p:nvPr/>
+      </p:nvGrpSpPr>
+      <p:grpSpPr>
+        <a:xfrm>
+          <a:off x="0" y="0"/>
+          <a:ext cx="0" cy="0"/>
+          <a:chOff x="0" y="0"/>
+          <a:chExt cx="0" cy="0"/>
+        </a:xfrm>
+      </p:grpSpPr>
+      <p:sp>
+        <p:nvSpPr>
+          <p:cNvPr id="2" name="Cím 1">
+            <a:extLst>
+              <a:ext uri="{FF2B5EF4-FFF2-40B4-BE49-F238E27FC236}">
+                <a16:creationId xmlns:a16="http://schemas.microsoft.com/office/drawing/2014/main" id="{DBB76A7D-16BF-9C4C-806B-F6D32BA78FF9}"/>
+              </a:ext>
+            </a:extLst>
+          </p:cNvPr>
+          <p:cNvSpPr>
+            <a:spLocks noGrp="1"/>
+          </p:cNvSpPr>
+          <p:nvPr>
+            <p:ph type="title"/>
+          </p:nvPr>
+        </p:nvSpPr>
+        <p:spPr/>
+        <p:txBody>
+          <a:bodyPr/>
+          <a:lstStyle/>
+          <a:p>
+            <a:r>
+              <a:rPr lang="hu-HU" dirty="0" err="1"/>
+              <a:t>Git</a:t>
+            </a:r>
+            <a:r>
+              <a:rPr lang="hu-HU" dirty="0"/>
+              <a:t> - </a:t>
+            </a:r>
+            <a:r>
+              <a:rPr lang="hu-HU" dirty="0" err="1"/>
+              <a:t>Github</a:t>
+            </a:r>
+            <a:endParaRPr lang="en-US" dirty="0"/>
+          </a:p>
+        </p:txBody>
+      </p:sp>
+      <p:sp>
+        <p:nvSpPr>
+          <p:cNvPr id="3" name="Tartalom helye 2">
+            <a:extLst>
+              <a:ext uri="{FF2B5EF4-FFF2-40B4-BE49-F238E27FC236}">
+                <a16:creationId xmlns:a16="http://schemas.microsoft.com/office/drawing/2014/main" id="{A00E67F5-B445-4671-3FB5-430BABEBD510}"/>
+              </a:ext>
+            </a:extLst>
+          </p:cNvPr>
+          <p:cNvSpPr>
+            <a:spLocks noGrp="1"/>
+          </p:cNvSpPr>
+          <p:nvPr>
+            <p:ph idx="1"/>
+          </p:nvPr>
+        </p:nvSpPr>
+        <p:spPr/>
+        <p:txBody>
+          <a:bodyPr/>
+          <a:lstStyle/>
+          <a:p>
+            <a:endParaRPr lang="en-US"/>
+          </a:p>
+        </p:txBody>
+      </p:sp>
+      <p:sp>
+        <p:nvSpPr>
+          <p:cNvPr id="4" name="Dátum helye 3">
+            <a:extLst>
+              <a:ext uri="{FF2B5EF4-FFF2-40B4-BE49-F238E27FC236}">
+                <a16:creationId xmlns:a16="http://schemas.microsoft.com/office/drawing/2014/main" id="{27A32E8E-037B-0C7F-4AC3-EB36FDB5048E}"/>
+              </a:ext>
+            </a:extLst>
+          </p:cNvPr>
+          <p:cNvSpPr>
+            <a:spLocks noGrp="1"/>
+          </p:cNvSpPr>
+          <p:nvPr>
+            <p:ph type="dt" sz="half" idx="10"/>
+          </p:nvPr>
+        </p:nvSpPr>
+        <p:spPr/>
+        <p:txBody>
+          <a:bodyPr/>
+          <a:lstStyle/>
+          <a:p>
+            <a:fld id="{92DD11B4-80D5-44DE-A7EE-0D0C4A06CAFB}" type="datetime1">
+              <a:rPr lang="hu-HU" smtClean="0"/>
+              <a:t>2024. 03. 04.</a:t>
+            </a:fld>
+            <a:endParaRPr lang="en-US"/>
+          </a:p>
+        </p:txBody>
+      </p:sp>
+      <p:sp>
+        <p:nvSpPr>
+          <p:cNvPr id="5" name="Élőláb helye 4">
+            <a:extLst>
+              <a:ext uri="{FF2B5EF4-FFF2-40B4-BE49-F238E27FC236}">
+                <a16:creationId xmlns:a16="http://schemas.microsoft.com/office/drawing/2014/main" id="{1E506CCC-1B15-DD9E-3E1C-E2DC11881A6C}"/>
+              </a:ext>
+            </a:extLst>
+          </p:cNvPr>
+          <p:cNvSpPr>
+            <a:spLocks noGrp="1"/>
+          </p:cNvSpPr>
+          <p:nvPr>
+            <p:ph type="ftr" sz="quarter" idx="11"/>
+          </p:nvPr>
+        </p:nvSpPr>
+        <p:spPr/>
+        <p:txBody>
+          <a:bodyPr/>
+          <a:lstStyle/>
+          <a:p>
+            <a:endParaRPr lang="en-US"/>
+          </a:p>
+        </p:txBody>
+      </p:sp>
+      <p:sp>
+        <p:nvSpPr>
+          <p:cNvPr id="6" name="Dia számának helye 5">
+            <a:extLst>
+              <a:ext uri="{FF2B5EF4-FFF2-40B4-BE49-F238E27FC236}">
+                <a16:creationId xmlns:a16="http://schemas.microsoft.com/office/drawing/2014/main" id="{6D86B534-D7F0-0E8A-4F20-715F83C7A441}"/>
+              </a:ext>
+            </a:extLst>
+          </p:cNvPr>
+          <p:cNvSpPr>
+            <a:spLocks noGrp="1"/>
+          </p:cNvSpPr>
+          <p:nvPr>
+            <p:ph type="sldNum" sz="quarter" idx="12"/>
+          </p:nvPr>
+        </p:nvSpPr>
+        <p:spPr/>
+        <p:txBody>
+          <a:bodyPr/>
+          <a:lstStyle/>
+          <a:p>
+            <a:fld id="{927374A8-BCF2-49CD-84BD-18DF129551B3}" type="slidenum">
+              <a:rPr lang="en-US" smtClean="0"/>
+              <a:t>16</a:t>
+            </a:fld>
+            <a:endParaRPr lang="en-US"/>
+          </a:p>
+        </p:txBody>
+      </p:sp>
+    </p:spTree>
+    <p:extLst>
+      <p:ext uri="{BB962C8B-B14F-4D97-AF65-F5344CB8AC3E}">
+        <p14:creationId xmlns:p14="http://schemas.microsoft.com/office/powerpoint/2010/main" val="2740941923"/>
+      </p:ext>
+    </p:extLst>
+  </p:cSld>
+  <p:clrMapOvr>
+    <a:masterClrMapping/>
+  </p:clrMapOvr>
+</p:sld>
+</file>
+
+<file path=ppt/slides/slide17.xml><?xml version="1.0" encoding="utf-8"?>
+<p:sld xmlns:a="http://schemas.openxmlformats.org/drawingml/2006/main" xmlns:r="http://schemas.openxmlformats.org/officeDocument/2006/relationships" xmlns:p="http://schemas.openxmlformats.org/presentationml/2006/main">
+  <p:cSld>
+    <p:spTree>
+      <p:nvGrpSpPr>
+        <p:cNvPr id="1" name="">
+          <a:extLst>
+            <a:ext uri="{FF2B5EF4-FFF2-40B4-BE49-F238E27FC236}">
+              <a16:creationId xmlns:a16="http://schemas.microsoft.com/office/drawing/2014/main" id="{1802B7C8-8124-540B-898E-7030A173D5DD}"/>
+            </a:ext>
+          </a:extLst>
+        </p:cNvPr>
+        <p:cNvGrpSpPr/>
+        <p:nvPr/>
+      </p:nvGrpSpPr>
+      <p:grpSpPr>
+        <a:xfrm>
+          <a:off x="0" y="0"/>
+          <a:ext cx="0" cy="0"/>
+          <a:chOff x="0" y="0"/>
+          <a:chExt cx="0" cy="0"/>
+        </a:xfrm>
+      </p:grpSpPr>
+      <p:sp>
+        <p:nvSpPr>
+          <p:cNvPr id="2" name="Cím 1">
+            <a:extLst>
+              <a:ext uri="{FF2B5EF4-FFF2-40B4-BE49-F238E27FC236}">
+                <a16:creationId xmlns:a16="http://schemas.microsoft.com/office/drawing/2014/main" id="{B7A4269F-9E98-A675-0B9B-49206F0F8FFD}"/>
+              </a:ext>
+            </a:extLst>
+          </p:cNvPr>
+          <p:cNvSpPr>
+            <a:spLocks noGrp="1"/>
+          </p:cNvSpPr>
+          <p:nvPr>
+            <p:ph type="title"/>
+          </p:nvPr>
+        </p:nvSpPr>
+        <p:spPr/>
+        <p:txBody>
+          <a:bodyPr/>
+          <a:lstStyle/>
+          <a:p>
+            <a:r>
+              <a:rPr lang="hu-HU" dirty="0"/>
+              <a:t>API</a:t>
+            </a:r>
+            <a:endParaRPr lang="en-US" dirty="0"/>
+          </a:p>
+        </p:txBody>
+      </p:sp>
+      <p:sp>
+        <p:nvSpPr>
+          <p:cNvPr id="3" name="Tartalom helye 2">
+            <a:extLst>
+              <a:ext uri="{FF2B5EF4-FFF2-40B4-BE49-F238E27FC236}">
+                <a16:creationId xmlns:a16="http://schemas.microsoft.com/office/drawing/2014/main" id="{D6EBCEC3-B600-629B-2DF2-93CD0F1AFB8C}"/>
+              </a:ext>
+            </a:extLst>
+          </p:cNvPr>
+          <p:cNvSpPr>
+            <a:spLocks noGrp="1"/>
+          </p:cNvSpPr>
+          <p:nvPr>
+            <p:ph idx="1"/>
+          </p:nvPr>
+        </p:nvSpPr>
+        <p:spPr/>
+        <p:txBody>
+          <a:bodyPr/>
+          <a:lstStyle/>
+          <a:p>
+            <a:r>
+              <a:rPr lang="hu-HU" dirty="0" err="1"/>
+              <a:t>GraphQL</a:t>
+            </a:r>
+            <a:endParaRPr lang="hu-HU" dirty="0"/>
+          </a:p>
+          <a:p>
+            <a:r>
+              <a:rPr lang="hu-HU" dirty="0"/>
+              <a:t>SOAP</a:t>
+            </a:r>
+          </a:p>
+          <a:p>
+            <a:r>
+              <a:rPr lang="hu-HU" b="1" dirty="0"/>
+              <a:t>REST:API</a:t>
+            </a:r>
+          </a:p>
+          <a:p>
+            <a:r>
+              <a:rPr lang="hu-HU" dirty="0" err="1"/>
+              <a:t>gRPC</a:t>
+            </a:r>
+            <a:endParaRPr lang="hu-HU" dirty="0"/>
+          </a:p>
+          <a:p>
+            <a:r>
+              <a:rPr lang="hu-HU" dirty="0" err="1"/>
+              <a:t>Architectureal</a:t>
+            </a:r>
+            <a:r>
+              <a:rPr lang="hu-HU" dirty="0"/>
+              <a:t> </a:t>
+            </a:r>
+            <a:r>
+              <a:rPr lang="hu-HU" dirty="0" err="1"/>
+              <a:t>styles</a:t>
+            </a:r>
+            <a:endParaRPr lang="hu-HU" dirty="0"/>
+          </a:p>
+          <a:p>
+            <a:endParaRPr lang="hu-HU" dirty="0"/>
+          </a:p>
+          <a:p>
+            <a:endParaRPr lang="en-US" dirty="0"/>
+          </a:p>
+        </p:txBody>
+      </p:sp>
+      <p:sp>
+        <p:nvSpPr>
+          <p:cNvPr id="4" name="Dátum helye 3">
+            <a:extLst>
+              <a:ext uri="{FF2B5EF4-FFF2-40B4-BE49-F238E27FC236}">
+                <a16:creationId xmlns:a16="http://schemas.microsoft.com/office/drawing/2014/main" id="{CFED3465-D56C-31D8-85C2-0CD0E732756B}"/>
+              </a:ext>
+            </a:extLst>
+          </p:cNvPr>
+          <p:cNvSpPr>
+            <a:spLocks noGrp="1"/>
+          </p:cNvSpPr>
+          <p:nvPr>
+            <p:ph type="dt" sz="half" idx="10"/>
+          </p:nvPr>
+        </p:nvSpPr>
+        <p:spPr/>
+        <p:txBody>
+          <a:bodyPr/>
+          <a:lstStyle/>
+          <a:p>
+            <a:fld id="{82D5F01D-94D0-4555-86CB-29291917B8C5}" type="datetime1">
+              <a:rPr lang="hu-HU" smtClean="0"/>
+              <a:t>2024. 03. 04.</a:t>
+            </a:fld>
+            <a:endParaRPr lang="en-US"/>
+          </a:p>
+        </p:txBody>
+      </p:sp>
+      <p:sp>
+        <p:nvSpPr>
+          <p:cNvPr id="5" name="Élőláb helye 4">
+            <a:extLst>
+              <a:ext uri="{FF2B5EF4-FFF2-40B4-BE49-F238E27FC236}">
+                <a16:creationId xmlns:a16="http://schemas.microsoft.com/office/drawing/2014/main" id="{9CC711FA-79CF-332A-D5B8-F01B1CBFC037}"/>
+              </a:ext>
+            </a:extLst>
+          </p:cNvPr>
+          <p:cNvSpPr>
+            <a:spLocks noGrp="1"/>
+          </p:cNvSpPr>
+          <p:nvPr>
+            <p:ph type="ftr" sz="quarter" idx="11"/>
+          </p:nvPr>
+        </p:nvSpPr>
+        <p:spPr/>
+        <p:txBody>
+          <a:bodyPr/>
+          <a:lstStyle/>
+          <a:p>
+            <a:endParaRPr lang="en-US"/>
+          </a:p>
+        </p:txBody>
+      </p:sp>
+      <p:sp>
+        <p:nvSpPr>
+          <p:cNvPr id="6" name="Dia számának helye 5">
+            <a:extLst>
+              <a:ext uri="{FF2B5EF4-FFF2-40B4-BE49-F238E27FC236}">
+                <a16:creationId xmlns:a16="http://schemas.microsoft.com/office/drawing/2014/main" id="{730932C7-80DC-6424-13A9-D3F970009E95}"/>
+              </a:ext>
+            </a:extLst>
+          </p:cNvPr>
+          <p:cNvSpPr>
+            <a:spLocks noGrp="1"/>
+          </p:cNvSpPr>
+          <p:nvPr>
+            <p:ph type="sldNum" sz="quarter" idx="12"/>
+          </p:nvPr>
+        </p:nvSpPr>
+        <p:spPr/>
+        <p:txBody>
+          <a:bodyPr/>
+          <a:lstStyle/>
+          <a:p>
+            <a:fld id="{927374A8-BCF2-49CD-84BD-18DF129551B3}" type="slidenum">
+              <a:rPr lang="en-US" smtClean="0"/>
+              <a:t>17</a:t>
+            </a:fld>
+            <a:endParaRPr lang="en-US"/>
+          </a:p>
+        </p:txBody>
+      </p:sp>
+    </p:spTree>
+    <p:extLst>
+      <p:ext uri="{BB962C8B-B14F-4D97-AF65-F5344CB8AC3E}">
+        <p14:creationId xmlns:p14="http://schemas.microsoft.com/office/powerpoint/2010/main" val="3585972756"/>
+      </p:ext>
+    </p:extLst>
+  </p:cSld>
+  <p:clrMapOvr>
+    <a:masterClrMapping/>
+  </p:clrMapOvr>
+</p:sld>
+</file>
+
+<file path=ppt/slides/slide18.xml><?xml version="1.0" encoding="utf-8"?>
+<p:sld xmlns:a="http://schemas.openxmlformats.org/drawingml/2006/main" xmlns:r="http://schemas.openxmlformats.org/officeDocument/2006/relationships" xmlns:p="http://schemas.openxmlformats.org/presentationml/2006/main">
+  <p:cSld>
+    <p:spTree>
+      <p:nvGrpSpPr>
+        <p:cNvPr id="1" name=""/>
+        <p:cNvGrpSpPr/>
+        <p:nvPr/>
+      </p:nvGrpSpPr>
+      <p:grpSpPr>
+        <a:xfrm>
+          <a:off x="0" y="0"/>
+          <a:ext cx="0" cy="0"/>
+          <a:chOff x="0" y="0"/>
+          <a:chExt cx="0" cy="0"/>
+        </a:xfrm>
+      </p:grpSpPr>
+      <p:sp>
+        <p:nvSpPr>
+          <p:cNvPr id="2" name="Cím 1">
+            <a:extLst>
+              <a:ext uri="{FF2B5EF4-FFF2-40B4-BE49-F238E27FC236}">
                 <a16:creationId xmlns:a16="http://schemas.microsoft.com/office/drawing/2014/main" id="{8738C9A4-4035-AE6A-96C1-80F39481A31B}"/>
               </a:ext>
             </a:extLst>
@@ -7377,7 +8005,7 @@
           <a:p>
             <a:fld id="{927374A8-BCF2-49CD-84BD-18DF129551B3}" type="slidenum">
               <a:rPr lang="en-US" smtClean="0"/>
-              <a:t>15</a:t>
+              <a:t>18</a:t>
             </a:fld>
             <a:endParaRPr lang="en-US"/>
           </a:p>
@@ -7396,7 +8024,7 @@
 </p:sld>
 </file>
 
-<file path=ppt/slides/slide16.xml><?xml version="1.0" encoding="utf-8"?>
+<file path=ppt/slides/slide19.xml><?xml version="1.0" encoding="utf-8"?>
 <p:sld xmlns:a="http://schemas.openxmlformats.org/drawingml/2006/main" xmlns:r="http://schemas.openxmlformats.org/officeDocument/2006/relationships" xmlns:p="http://schemas.openxmlformats.org/presentationml/2006/main">
   <p:cSld>
     <p:spTree>
@@ -7634,7 +8262,7 @@
           <a:p>
             <a:fld id="{927374A8-BCF2-49CD-84BD-18DF129551B3}" type="slidenum">
               <a:rPr lang="en-US" smtClean="0"/>
-              <a:t>16</a:t>
+              <a:t>19</a:t>
             </a:fld>
             <a:endParaRPr lang="en-US"/>
           </a:p>
@@ -7644,630 +8272,6 @@
     <p:extLst>
       <p:ext uri="{BB962C8B-B14F-4D97-AF65-F5344CB8AC3E}">
         <p14:creationId xmlns:p14="http://schemas.microsoft.com/office/powerpoint/2010/main" val="2694272554"/>
-      </p:ext>
-    </p:extLst>
-  </p:cSld>
-  <p:clrMapOvr>
-    <a:masterClrMapping/>
-  </p:clrMapOvr>
-</p:sld>
-</file>
-
-<file path=ppt/slides/slide17.xml><?xml version="1.0" encoding="utf-8"?>
-<p:sld xmlns:a="http://schemas.openxmlformats.org/drawingml/2006/main" xmlns:r="http://schemas.openxmlformats.org/officeDocument/2006/relationships" xmlns:p="http://schemas.openxmlformats.org/presentationml/2006/main">
-  <p:cSld>
-    <p:spTree>
-      <p:nvGrpSpPr>
-        <p:cNvPr id="1" name="">
-          <a:extLst>
-            <a:ext uri="{FF2B5EF4-FFF2-40B4-BE49-F238E27FC236}">
-              <a16:creationId xmlns:a16="http://schemas.microsoft.com/office/drawing/2014/main" id="{5D585CD1-CE58-8742-FB7A-2400532968FD}"/>
-            </a:ext>
-          </a:extLst>
-        </p:cNvPr>
-        <p:cNvGrpSpPr/>
-        <p:nvPr/>
-      </p:nvGrpSpPr>
-      <p:grpSpPr>
-        <a:xfrm>
-          <a:off x="0" y="0"/>
-          <a:ext cx="0" cy="0"/>
-          <a:chOff x="0" y="0"/>
-          <a:chExt cx="0" cy="0"/>
-        </a:xfrm>
-      </p:grpSpPr>
-      <p:sp>
-        <p:nvSpPr>
-          <p:cNvPr id="2" name="Cím 1">
-            <a:extLst>
-              <a:ext uri="{FF2B5EF4-FFF2-40B4-BE49-F238E27FC236}">
-                <a16:creationId xmlns:a16="http://schemas.microsoft.com/office/drawing/2014/main" id="{A72FE74F-2F7C-A32A-BC8D-E2766F2DCF90}"/>
-              </a:ext>
-            </a:extLst>
-          </p:cNvPr>
-          <p:cNvSpPr>
-            <a:spLocks noGrp="1"/>
-          </p:cNvSpPr>
-          <p:nvPr>
-            <p:ph type="title"/>
-          </p:nvPr>
-        </p:nvSpPr>
-        <p:spPr/>
-        <p:txBody>
-          <a:bodyPr/>
-          <a:lstStyle/>
-          <a:p>
-            <a:r>
-              <a:rPr lang="hu-HU" dirty="0"/>
-              <a:t>JSON</a:t>
-            </a:r>
-            <a:endParaRPr lang="en-US" dirty="0"/>
-          </a:p>
-        </p:txBody>
-      </p:sp>
-      <p:sp>
-        <p:nvSpPr>
-          <p:cNvPr id="3" name="Tartalom helye 2">
-            <a:extLst>
-              <a:ext uri="{FF2B5EF4-FFF2-40B4-BE49-F238E27FC236}">
-                <a16:creationId xmlns:a16="http://schemas.microsoft.com/office/drawing/2014/main" id="{34AD1AA0-C069-6881-0525-39220649ACA6}"/>
-              </a:ext>
-            </a:extLst>
-          </p:cNvPr>
-          <p:cNvSpPr>
-            <a:spLocks noGrp="1"/>
-          </p:cNvSpPr>
-          <p:nvPr>
-            <p:ph idx="1"/>
-          </p:nvPr>
-        </p:nvSpPr>
-        <p:spPr/>
-        <p:txBody>
-          <a:bodyPr/>
-          <a:lstStyle/>
-          <a:p>
-            <a:r>
-              <a:rPr lang="hu-HU" dirty="0" err="1"/>
-              <a:t>JavaScrip</a:t>
-            </a:r>
-            <a:r>
-              <a:rPr lang="hu-HU" dirty="0"/>
-              <a:t> </a:t>
-            </a:r>
-            <a:r>
-              <a:rPr lang="hu-HU" dirty="0" err="1"/>
-              <a:t>Object</a:t>
-            </a:r>
-            <a:r>
-              <a:rPr lang="hu-HU" dirty="0"/>
-              <a:t> </a:t>
-            </a:r>
-            <a:r>
-              <a:rPr lang="hu-HU" dirty="0" err="1"/>
-              <a:t>Notation</a:t>
-            </a:r>
-            <a:endParaRPr lang="hu-HU" dirty="0"/>
-          </a:p>
-          <a:p>
-            <a:r>
-              <a:rPr lang="hu-HU" dirty="0" err="1"/>
-              <a:t>JavaScrip</a:t>
-            </a:r>
-            <a:r>
-              <a:rPr lang="hu-HU" dirty="0"/>
-              <a:t> </a:t>
-            </a:r>
-            <a:r>
-              <a:rPr lang="hu-HU" dirty="0" err="1"/>
-              <a:t>object</a:t>
-            </a:r>
-            <a:r>
-              <a:rPr lang="hu-HU" dirty="0"/>
-              <a:t> alapján van felépítve, és arra szolgál, hogy adatot tudjunk továbbítani</a:t>
-            </a:r>
-          </a:p>
-          <a:p>
-            <a:r>
-              <a:rPr lang="en-US" dirty="0"/>
-              <a:t>https://jsonviewer.stack.hu</a:t>
-            </a:r>
-          </a:p>
-        </p:txBody>
-      </p:sp>
-      <p:sp>
-        <p:nvSpPr>
-          <p:cNvPr id="4" name="Dátum helye 3">
-            <a:extLst>
-              <a:ext uri="{FF2B5EF4-FFF2-40B4-BE49-F238E27FC236}">
-                <a16:creationId xmlns:a16="http://schemas.microsoft.com/office/drawing/2014/main" id="{582F4D84-0188-0E8A-BDAC-B0A97EA4FDE4}"/>
-              </a:ext>
-            </a:extLst>
-          </p:cNvPr>
-          <p:cNvSpPr>
-            <a:spLocks noGrp="1"/>
-          </p:cNvSpPr>
-          <p:nvPr>
-            <p:ph type="dt" sz="half" idx="10"/>
-          </p:nvPr>
-        </p:nvSpPr>
-        <p:spPr/>
-        <p:txBody>
-          <a:bodyPr/>
-          <a:lstStyle/>
-          <a:p>
-            <a:fld id="{DD1C1BF3-2DD5-4223-B860-0E40CABDF328}" type="datetime1">
-              <a:rPr lang="hu-HU" smtClean="0"/>
-              <a:t>2024. 03. 04.</a:t>
-            </a:fld>
-            <a:endParaRPr lang="en-US"/>
-          </a:p>
-        </p:txBody>
-      </p:sp>
-      <p:sp>
-        <p:nvSpPr>
-          <p:cNvPr id="5" name="Élőláb helye 4">
-            <a:extLst>
-              <a:ext uri="{FF2B5EF4-FFF2-40B4-BE49-F238E27FC236}">
-                <a16:creationId xmlns:a16="http://schemas.microsoft.com/office/drawing/2014/main" id="{C8DEF511-4831-0F6F-5EF9-89A0812A1F9E}"/>
-              </a:ext>
-            </a:extLst>
-          </p:cNvPr>
-          <p:cNvSpPr>
-            <a:spLocks noGrp="1"/>
-          </p:cNvSpPr>
-          <p:nvPr>
-            <p:ph type="ftr" sz="quarter" idx="11"/>
-          </p:nvPr>
-        </p:nvSpPr>
-        <p:spPr/>
-        <p:txBody>
-          <a:bodyPr/>
-          <a:lstStyle/>
-          <a:p>
-            <a:endParaRPr lang="en-US"/>
-          </a:p>
-        </p:txBody>
-      </p:sp>
-      <p:sp>
-        <p:nvSpPr>
-          <p:cNvPr id="6" name="Dia számának helye 5">
-            <a:extLst>
-              <a:ext uri="{FF2B5EF4-FFF2-40B4-BE49-F238E27FC236}">
-                <a16:creationId xmlns:a16="http://schemas.microsoft.com/office/drawing/2014/main" id="{9AB4CCEF-916C-94D2-9994-CCCF01F27188}"/>
-              </a:ext>
-            </a:extLst>
-          </p:cNvPr>
-          <p:cNvSpPr>
-            <a:spLocks noGrp="1"/>
-          </p:cNvSpPr>
-          <p:nvPr>
-            <p:ph type="sldNum" sz="quarter" idx="12"/>
-          </p:nvPr>
-        </p:nvSpPr>
-        <p:spPr/>
-        <p:txBody>
-          <a:bodyPr/>
-          <a:lstStyle/>
-          <a:p>
-            <a:fld id="{927374A8-BCF2-49CD-84BD-18DF129551B3}" type="slidenum">
-              <a:rPr lang="en-US" smtClean="0"/>
-              <a:t>17</a:t>
-            </a:fld>
-            <a:endParaRPr lang="en-US"/>
-          </a:p>
-        </p:txBody>
-      </p:sp>
-    </p:spTree>
-    <p:extLst>
-      <p:ext uri="{BB962C8B-B14F-4D97-AF65-F5344CB8AC3E}">
-        <p14:creationId xmlns:p14="http://schemas.microsoft.com/office/powerpoint/2010/main" val="1161368133"/>
-      </p:ext>
-    </p:extLst>
-  </p:cSld>
-  <p:clrMapOvr>
-    <a:masterClrMapping/>
-  </p:clrMapOvr>
-</p:sld>
-</file>
-
-<file path=ppt/slides/slide18.xml><?xml version="1.0" encoding="utf-8"?>
-<p:sld xmlns:a="http://schemas.openxmlformats.org/drawingml/2006/main" xmlns:r="http://schemas.openxmlformats.org/officeDocument/2006/relationships" xmlns:p="http://schemas.openxmlformats.org/presentationml/2006/main">
-  <p:cSld>
-    <p:spTree>
-      <p:nvGrpSpPr>
-        <p:cNvPr id="1" name="">
-          <a:extLst>
-            <a:ext uri="{FF2B5EF4-FFF2-40B4-BE49-F238E27FC236}">
-              <a16:creationId xmlns:a16="http://schemas.microsoft.com/office/drawing/2014/main" id="{E6E00A08-F2CD-CFF4-243E-D4CFA7F2FAD2}"/>
-            </a:ext>
-          </a:extLst>
-        </p:cNvPr>
-        <p:cNvGrpSpPr/>
-        <p:nvPr/>
-      </p:nvGrpSpPr>
-      <p:grpSpPr>
-        <a:xfrm>
-          <a:off x="0" y="0"/>
-          <a:ext cx="0" cy="0"/>
-          <a:chOff x="0" y="0"/>
-          <a:chExt cx="0" cy="0"/>
-        </a:xfrm>
-      </p:grpSpPr>
-      <p:sp>
-        <p:nvSpPr>
-          <p:cNvPr id="2" name="Cím 1">
-            <a:extLst>
-              <a:ext uri="{FF2B5EF4-FFF2-40B4-BE49-F238E27FC236}">
-                <a16:creationId xmlns:a16="http://schemas.microsoft.com/office/drawing/2014/main" id="{C5266B89-13EF-8C42-B550-ABC332C09460}"/>
-              </a:ext>
-            </a:extLst>
-          </p:cNvPr>
-          <p:cNvSpPr>
-            <a:spLocks noGrp="1"/>
-          </p:cNvSpPr>
-          <p:nvPr>
-            <p:ph type="title"/>
-          </p:nvPr>
-        </p:nvSpPr>
-        <p:spPr/>
-        <p:txBody>
-          <a:bodyPr/>
-          <a:lstStyle/>
-          <a:p>
-            <a:r>
-              <a:rPr lang="hu-HU" dirty="0"/>
-              <a:t>API </a:t>
-            </a:r>
-            <a:r>
-              <a:rPr lang="hu-HU" dirty="0" err="1"/>
-              <a:t>authentication</a:t>
-            </a:r>
-            <a:endParaRPr lang="en-US" dirty="0"/>
-          </a:p>
-        </p:txBody>
-      </p:sp>
-      <p:sp>
-        <p:nvSpPr>
-          <p:cNvPr id="3" name="Tartalom helye 2">
-            <a:extLst>
-              <a:ext uri="{FF2B5EF4-FFF2-40B4-BE49-F238E27FC236}">
-                <a16:creationId xmlns:a16="http://schemas.microsoft.com/office/drawing/2014/main" id="{0B55BFBF-17D3-D1D0-41F4-B323C187239B}"/>
-              </a:ext>
-            </a:extLst>
-          </p:cNvPr>
-          <p:cNvSpPr>
-            <a:spLocks noGrp="1"/>
-          </p:cNvSpPr>
-          <p:nvPr>
-            <p:ph idx="1"/>
-          </p:nvPr>
-        </p:nvSpPr>
-        <p:spPr/>
-        <p:txBody>
-          <a:bodyPr/>
-          <a:lstStyle/>
-          <a:p>
-            <a:r>
-              <a:rPr lang="hu-HU" dirty="0"/>
-              <a:t>No </a:t>
-            </a:r>
-            <a:r>
-              <a:rPr lang="hu-HU" dirty="0" err="1"/>
-              <a:t>authentication</a:t>
-            </a:r>
-            <a:endParaRPr lang="hu-HU" dirty="0"/>
-          </a:p>
-          <a:p>
-            <a:r>
-              <a:rPr lang="hu-HU" dirty="0"/>
-              <a:t>Basic </a:t>
-            </a:r>
-            <a:r>
-              <a:rPr lang="hu-HU" dirty="0" err="1"/>
-              <a:t>authentication</a:t>
-            </a:r>
-            <a:endParaRPr lang="hu-HU" dirty="0"/>
-          </a:p>
-          <a:p>
-            <a:r>
-              <a:rPr lang="hu-HU" dirty="0"/>
-              <a:t>API </a:t>
-            </a:r>
-            <a:r>
-              <a:rPr lang="hu-HU" dirty="0" err="1"/>
-              <a:t>key</a:t>
-            </a:r>
-            <a:r>
-              <a:rPr lang="hu-HU" dirty="0"/>
-              <a:t> </a:t>
-            </a:r>
-            <a:r>
-              <a:rPr lang="hu-HU" dirty="0" err="1"/>
-              <a:t>authentication</a:t>
-            </a:r>
-            <a:endParaRPr lang="hu-HU" dirty="0"/>
-          </a:p>
-          <a:p>
-            <a:r>
-              <a:rPr lang="hu-HU" dirty="0" err="1"/>
-              <a:t>Token</a:t>
-            </a:r>
-            <a:r>
-              <a:rPr lang="hu-HU" dirty="0"/>
-              <a:t> </a:t>
-            </a:r>
-            <a:r>
-              <a:rPr lang="hu-HU" dirty="0" err="1"/>
-              <a:t>Based</a:t>
-            </a:r>
-            <a:r>
-              <a:rPr lang="hu-HU" dirty="0"/>
-              <a:t> </a:t>
-            </a:r>
-            <a:r>
-              <a:rPr lang="hu-HU"/>
-              <a:t>Authentication</a:t>
-            </a:r>
-            <a:endParaRPr lang="en-US"/>
-          </a:p>
-        </p:txBody>
-      </p:sp>
-      <p:sp>
-        <p:nvSpPr>
-          <p:cNvPr id="4" name="Dátum helye 3">
-            <a:extLst>
-              <a:ext uri="{FF2B5EF4-FFF2-40B4-BE49-F238E27FC236}">
-                <a16:creationId xmlns:a16="http://schemas.microsoft.com/office/drawing/2014/main" id="{ED91E0AD-A22A-50AF-234C-BDA16DB598B5}"/>
-              </a:ext>
-            </a:extLst>
-          </p:cNvPr>
-          <p:cNvSpPr>
-            <a:spLocks noGrp="1"/>
-          </p:cNvSpPr>
-          <p:nvPr>
-            <p:ph type="dt" sz="half" idx="10"/>
-          </p:nvPr>
-        </p:nvSpPr>
-        <p:spPr/>
-        <p:txBody>
-          <a:bodyPr/>
-          <a:lstStyle/>
-          <a:p>
-            <a:fld id="{FDFA07F5-76D8-4C4D-9F61-61FEE3D9FD04}" type="datetime1">
-              <a:rPr lang="hu-HU" smtClean="0"/>
-              <a:t>2024. 03. 04.</a:t>
-            </a:fld>
-            <a:endParaRPr lang="en-US"/>
-          </a:p>
-        </p:txBody>
-      </p:sp>
-      <p:sp>
-        <p:nvSpPr>
-          <p:cNvPr id="5" name="Élőláb helye 4">
-            <a:extLst>
-              <a:ext uri="{FF2B5EF4-FFF2-40B4-BE49-F238E27FC236}">
-                <a16:creationId xmlns:a16="http://schemas.microsoft.com/office/drawing/2014/main" id="{D05FC713-C5EF-43D6-7448-84E76DAEB5E1}"/>
-              </a:ext>
-            </a:extLst>
-          </p:cNvPr>
-          <p:cNvSpPr>
-            <a:spLocks noGrp="1"/>
-          </p:cNvSpPr>
-          <p:nvPr>
-            <p:ph type="ftr" sz="quarter" idx="11"/>
-          </p:nvPr>
-        </p:nvSpPr>
-        <p:spPr/>
-        <p:txBody>
-          <a:bodyPr/>
-          <a:lstStyle/>
-          <a:p>
-            <a:endParaRPr lang="en-US"/>
-          </a:p>
-        </p:txBody>
-      </p:sp>
-      <p:sp>
-        <p:nvSpPr>
-          <p:cNvPr id="6" name="Dia számának helye 5">
-            <a:extLst>
-              <a:ext uri="{FF2B5EF4-FFF2-40B4-BE49-F238E27FC236}">
-                <a16:creationId xmlns:a16="http://schemas.microsoft.com/office/drawing/2014/main" id="{49EBFEC3-7971-F058-3D4E-57ADE3FBEF9F}"/>
-              </a:ext>
-            </a:extLst>
-          </p:cNvPr>
-          <p:cNvSpPr>
-            <a:spLocks noGrp="1"/>
-          </p:cNvSpPr>
-          <p:nvPr>
-            <p:ph type="sldNum" sz="quarter" idx="12"/>
-          </p:nvPr>
-        </p:nvSpPr>
-        <p:spPr/>
-        <p:txBody>
-          <a:bodyPr/>
-          <a:lstStyle/>
-          <a:p>
-            <a:fld id="{927374A8-BCF2-49CD-84BD-18DF129551B3}" type="slidenum">
-              <a:rPr lang="en-US" smtClean="0"/>
-              <a:t>18</a:t>
-            </a:fld>
-            <a:endParaRPr lang="en-US"/>
-          </a:p>
-        </p:txBody>
-      </p:sp>
-    </p:spTree>
-    <p:extLst>
-      <p:ext uri="{BB962C8B-B14F-4D97-AF65-F5344CB8AC3E}">
-        <p14:creationId xmlns:p14="http://schemas.microsoft.com/office/powerpoint/2010/main" val="4106304598"/>
-      </p:ext>
-    </p:extLst>
-  </p:cSld>
-  <p:clrMapOvr>
-    <a:masterClrMapping/>
-  </p:clrMapOvr>
-</p:sld>
-</file>
-
-<file path=ppt/slides/slide19.xml><?xml version="1.0" encoding="utf-8"?>
-<p:sld xmlns:a="http://schemas.openxmlformats.org/drawingml/2006/main" xmlns:r="http://schemas.openxmlformats.org/officeDocument/2006/relationships" xmlns:p="http://schemas.openxmlformats.org/presentationml/2006/main">
-  <p:cSld>
-    <p:spTree>
-      <p:nvGrpSpPr>
-        <p:cNvPr id="1" name="">
-          <a:extLst>
-            <a:ext uri="{FF2B5EF4-FFF2-40B4-BE49-F238E27FC236}">
-              <a16:creationId xmlns:a16="http://schemas.microsoft.com/office/drawing/2014/main" id="{33F6CD7D-D07D-9AC0-509D-831BC6128109}"/>
-            </a:ext>
-          </a:extLst>
-        </p:cNvPr>
-        <p:cNvGrpSpPr/>
-        <p:nvPr/>
-      </p:nvGrpSpPr>
-      <p:grpSpPr>
-        <a:xfrm>
-          <a:off x="0" y="0"/>
-          <a:ext cx="0" cy="0"/>
-          <a:chOff x="0" y="0"/>
-          <a:chExt cx="0" cy="0"/>
-        </a:xfrm>
-      </p:grpSpPr>
-      <p:sp>
-        <p:nvSpPr>
-          <p:cNvPr id="2" name="Cím 1">
-            <a:extLst>
-              <a:ext uri="{FF2B5EF4-FFF2-40B4-BE49-F238E27FC236}">
-                <a16:creationId xmlns:a16="http://schemas.microsoft.com/office/drawing/2014/main" id="{40AFE33C-09DE-F9BC-2A41-51CC0D19BF5D}"/>
-              </a:ext>
-            </a:extLst>
-          </p:cNvPr>
-          <p:cNvSpPr>
-            <a:spLocks noGrp="1"/>
-          </p:cNvSpPr>
-          <p:nvPr>
-            <p:ph type="title"/>
-          </p:nvPr>
-        </p:nvSpPr>
-        <p:spPr/>
-        <p:txBody>
-          <a:bodyPr/>
-          <a:lstStyle/>
-          <a:p>
-            <a:endParaRPr lang="en-US"/>
-          </a:p>
-        </p:txBody>
-      </p:sp>
-      <p:sp>
-        <p:nvSpPr>
-          <p:cNvPr id="3" name="Tartalom helye 2">
-            <a:extLst>
-              <a:ext uri="{FF2B5EF4-FFF2-40B4-BE49-F238E27FC236}">
-                <a16:creationId xmlns:a16="http://schemas.microsoft.com/office/drawing/2014/main" id="{05A1AF17-6C7E-9886-058D-6E06ED0AAD8E}"/>
-              </a:ext>
-            </a:extLst>
-          </p:cNvPr>
-          <p:cNvSpPr>
-            <a:spLocks noGrp="1"/>
-          </p:cNvSpPr>
-          <p:nvPr>
-            <p:ph idx="1"/>
-          </p:nvPr>
-        </p:nvSpPr>
-        <p:spPr/>
-        <p:txBody>
-          <a:bodyPr/>
-          <a:lstStyle/>
-          <a:p>
-            <a:endParaRPr lang="en-US"/>
-          </a:p>
-        </p:txBody>
-      </p:sp>
-      <p:sp>
-        <p:nvSpPr>
-          <p:cNvPr id="4" name="Dátum helye 3">
-            <a:extLst>
-              <a:ext uri="{FF2B5EF4-FFF2-40B4-BE49-F238E27FC236}">
-                <a16:creationId xmlns:a16="http://schemas.microsoft.com/office/drawing/2014/main" id="{F63DCEE4-F1CD-682C-1185-E15CC1A0398F}"/>
-              </a:ext>
-            </a:extLst>
-          </p:cNvPr>
-          <p:cNvSpPr>
-            <a:spLocks noGrp="1"/>
-          </p:cNvSpPr>
-          <p:nvPr>
-            <p:ph type="dt" sz="half" idx="10"/>
-          </p:nvPr>
-        </p:nvSpPr>
-        <p:spPr/>
-        <p:txBody>
-          <a:bodyPr/>
-          <a:lstStyle/>
-          <a:p>
-            <a:fld id="{48B87EE5-0B8E-4120-BE41-69C15EC2CEA3}" type="datetime1">
-              <a:rPr lang="hu-HU" smtClean="0"/>
-              <a:t>2024. 03. 04.</a:t>
-            </a:fld>
-            <a:endParaRPr lang="en-US"/>
-          </a:p>
-        </p:txBody>
-      </p:sp>
-      <p:sp>
-        <p:nvSpPr>
-          <p:cNvPr id="5" name="Élőláb helye 4">
-            <a:extLst>
-              <a:ext uri="{FF2B5EF4-FFF2-40B4-BE49-F238E27FC236}">
-                <a16:creationId xmlns:a16="http://schemas.microsoft.com/office/drawing/2014/main" id="{B31FC79E-C410-2CD7-F7C2-35B3EAB8691E}"/>
-              </a:ext>
-            </a:extLst>
-          </p:cNvPr>
-          <p:cNvSpPr>
-            <a:spLocks noGrp="1"/>
-          </p:cNvSpPr>
-          <p:nvPr>
-            <p:ph type="ftr" sz="quarter" idx="11"/>
-          </p:nvPr>
-        </p:nvSpPr>
-        <p:spPr/>
-        <p:txBody>
-          <a:bodyPr/>
-          <a:lstStyle/>
-          <a:p>
-            <a:endParaRPr lang="en-US"/>
-          </a:p>
-        </p:txBody>
-      </p:sp>
-      <p:sp>
-        <p:nvSpPr>
-          <p:cNvPr id="6" name="Dia számának helye 5">
-            <a:extLst>
-              <a:ext uri="{FF2B5EF4-FFF2-40B4-BE49-F238E27FC236}">
-                <a16:creationId xmlns:a16="http://schemas.microsoft.com/office/drawing/2014/main" id="{F8358DA5-33FD-8908-A52E-8D99982C21C8}"/>
-              </a:ext>
-            </a:extLst>
-          </p:cNvPr>
-          <p:cNvSpPr>
-            <a:spLocks noGrp="1"/>
-          </p:cNvSpPr>
-          <p:nvPr>
-            <p:ph type="sldNum" sz="quarter" idx="12"/>
-          </p:nvPr>
-        </p:nvSpPr>
-        <p:spPr/>
-        <p:txBody>
-          <a:bodyPr/>
-          <a:lstStyle/>
-          <a:p>
-            <a:fld id="{927374A8-BCF2-49CD-84BD-18DF129551B3}" type="slidenum">
-              <a:rPr lang="en-US" smtClean="0"/>
-              <a:t>19</a:t>
-            </a:fld>
-            <a:endParaRPr lang="en-US"/>
-          </a:p>
-        </p:txBody>
-      </p:sp>
-    </p:spTree>
-    <p:extLst>
-      <p:ext uri="{BB962C8B-B14F-4D97-AF65-F5344CB8AC3E}">
-        <p14:creationId xmlns:p14="http://schemas.microsoft.com/office/powerpoint/2010/main" val="348263951"/>
       </p:ext>
     </p:extLst>
   </p:cSld>
@@ -8299,7 +8303,7 @@
           <p:cNvPr id="2" name="Cím 1">
             <a:extLst>
               <a:ext uri="{FF2B5EF4-FFF2-40B4-BE49-F238E27FC236}">
-                <a16:creationId xmlns:a16="http://schemas.microsoft.com/office/drawing/2014/main" id="{4043BA31-C345-C4F0-821C-7F88AF34898A}"/>
+                <a16:creationId xmlns:a16="http://schemas.microsoft.com/office/drawing/2014/main" id="{E37C5352-52DC-06F3-1C55-3C1DAF2F941C}"/>
               </a:ext>
             </a:extLst>
           </p:cNvPr>
@@ -8317,7 +8321,7 @@
           <a:p>
             <a:r>
               <a:rPr lang="hu-HU" dirty="0"/>
-              <a:t>HTML	</a:t>
+              <a:t>Linkek</a:t>
             </a:r>
             <a:endParaRPr lang="en-US" dirty="0"/>
           </a:p>
@@ -8328,7 +8332,7 @@
           <p:cNvPr id="3" name="Tartalom helye 2">
             <a:extLst>
               <a:ext uri="{FF2B5EF4-FFF2-40B4-BE49-F238E27FC236}">
-                <a16:creationId xmlns:a16="http://schemas.microsoft.com/office/drawing/2014/main" id="{DC06511F-18AB-1711-0EBB-D7640B2D1B03}"/>
+                <a16:creationId xmlns:a16="http://schemas.microsoft.com/office/drawing/2014/main" id="{7303DEEA-3028-E935-926E-1611D968A71D}"/>
               </a:ext>
             </a:extLst>
           </p:cNvPr>
@@ -8341,7 +8345,7 @@
         </p:nvSpPr>
         <p:spPr>
           <a:xfrm>
-            <a:off x="1141412" y="2113326"/>
+            <a:off x="1141412" y="1866899"/>
             <a:ext cx="9905998" cy="3124201"/>
           </a:xfrm>
         </p:spPr>
@@ -8350,113 +8354,58 @@
           <a:lstStyle/>
           <a:p>
             <a:r>
+              <a:rPr lang="en-US" dirty="0">
+                <a:solidFill>
+                  <a:schemeClr val="accent5">
+                    <a:lumMod val="60000"/>
+                    <a:lumOff val="40000"/>
+                  </a:schemeClr>
+                </a:solidFill>
+                <a:hlinkClick r:id="rId2">
+                  <a:extLst>
+                    <a:ext uri="{A12FA001-AC4F-418D-AE19-62706E023703}">
+                      <ahyp:hlinkClr xmlns:ahyp="http://schemas.microsoft.com/office/drawing/2018/hyperlinkcolor" val="tx"/>
+                    </a:ext>
+                  </a:extLst>
+                </a:hlinkClick>
+              </a:rPr>
+              <a:t>https://gereyl.github.io/html-portfolio/index.html</a:t>
+            </a:r>
+            <a:endParaRPr lang="hu-HU" dirty="0">
+              <a:solidFill>
+                <a:schemeClr val="accent5">
+                  <a:lumMod val="60000"/>
+                  <a:lumOff val="40000"/>
+                </a:schemeClr>
+              </a:solidFill>
+            </a:endParaRPr>
+          </a:p>
+          <a:p>
+            <a:r>
               <a:rPr lang="hu-HU" dirty="0">
-                <a:effectLst>
-                  <a:glow rad="38100">
-                    <a:schemeClr val="bg1">
-                      <a:lumMod val="50000"/>
-                      <a:lumOff val="50000"/>
-                      <a:alpha val="20000"/>
-                    </a:schemeClr>
-                  </a:glow>
-                </a:effectLst>
+                <a:solidFill>
+                  <a:schemeClr val="accent5">
+                    <a:lumMod val="60000"/>
+                    <a:lumOff val="40000"/>
+                  </a:schemeClr>
+                </a:solidFill>
+                <a:hlinkClick r:id="rId3">
+                  <a:extLst>
+                    <a:ext uri="{A12FA001-AC4F-418D-AE19-62706E023703}">
+                      <ahyp:hlinkClr xmlns:ahyp="http://schemas.microsoft.com/office/drawing/2018/hyperlinkcolor" val="tx"/>
+                    </a:ext>
+                  </a:extLst>
+                </a:hlinkClick>
               </a:rPr>
-              <a:t>Weboldal strukturált tartalmát és formázását tartalmazza</a:t>
-            </a:r>
-          </a:p>
-          <a:p>
-            <a:r>
-              <a:rPr lang="hu-HU" dirty="0">
-                <a:effectLst>
-                  <a:glow rad="38100">
-                    <a:schemeClr val="bg1">
-                      <a:lumMod val="50000"/>
-                      <a:lumOff val="50000"/>
-                      <a:alpha val="20000"/>
-                    </a:schemeClr>
-                  </a:glow>
-                </a:effectLst>
-              </a:rPr>
-              <a:t>Ezek lehetnek:</a:t>
-            </a:r>
-          </a:p>
-          <a:p>
-            <a:pPr lvl="1"/>
-            <a:r>
-              <a:rPr lang="hu-HU" dirty="0">
-                <a:effectLst>
-                  <a:glow rad="38100">
-                    <a:schemeClr val="bg1">
-                      <a:lumMod val="50000"/>
-                      <a:lumOff val="50000"/>
-                      <a:alpha val="20000"/>
-                    </a:schemeClr>
-                  </a:glow>
-                </a:effectLst>
-              </a:rPr>
-              <a:t>Gombok</a:t>
-            </a:r>
-          </a:p>
-          <a:p>
-            <a:pPr lvl="1"/>
-            <a:r>
-              <a:rPr lang="hu-HU" dirty="0">
-                <a:effectLst>
-                  <a:glow rad="38100">
-                    <a:schemeClr val="bg1">
-                      <a:lumMod val="50000"/>
-                      <a:lumOff val="50000"/>
-                      <a:alpha val="20000"/>
-                    </a:schemeClr>
-                  </a:glow>
-                </a:effectLst>
-              </a:rPr>
-              <a:t>Hivatkozások</a:t>
-            </a:r>
-          </a:p>
-          <a:p>
-            <a:pPr lvl="1"/>
-            <a:r>
-              <a:rPr lang="hu-HU" dirty="0">
-                <a:effectLst>
-                  <a:glow rad="38100">
-                    <a:schemeClr val="bg1">
-                      <a:lumMod val="50000"/>
-                      <a:lumOff val="50000"/>
-                      <a:alpha val="20000"/>
-                    </a:schemeClr>
-                  </a:glow>
-                </a:effectLst>
-              </a:rPr>
-              <a:t>Szöveg</a:t>
-            </a:r>
-          </a:p>
-          <a:p>
-            <a:pPr lvl="1"/>
-            <a:r>
-              <a:rPr lang="hu-HU" dirty="0" err="1">
-                <a:effectLst>
-                  <a:glow rad="38100">
-                    <a:schemeClr val="bg1">
-                      <a:lumMod val="50000"/>
-                      <a:lumOff val="50000"/>
-                      <a:alpha val="20000"/>
-                    </a:schemeClr>
-                  </a:glow>
-                </a:effectLst>
-              </a:rPr>
-              <a:t>stb</a:t>
+              <a:t>https://github.com/gereyl/html-portfolio/tree/main</a:t>
             </a:r>
             <a:endParaRPr lang="hu-HU" dirty="0">
-              <a:effectLst>
-                <a:glow rad="38100">
-                  <a:schemeClr val="bg1">
-                    <a:lumMod val="50000"/>
-                    <a:lumOff val="50000"/>
-                    <a:alpha val="20000"/>
-                  </a:schemeClr>
-                </a:glow>
-              </a:effectLst>
+              <a:solidFill>
+                <a:schemeClr val="accent5">
+                  <a:lumMod val="60000"/>
+                  <a:lumOff val="40000"/>
+                </a:schemeClr>
+              </a:solidFill>
             </a:endParaRPr>
           </a:p>
         </p:txBody>
@@ -8466,7 +8415,7 @@
           <p:cNvPr id="4" name="Dátum helye 3">
             <a:extLst>
               <a:ext uri="{FF2B5EF4-FFF2-40B4-BE49-F238E27FC236}">
-                <a16:creationId xmlns:a16="http://schemas.microsoft.com/office/drawing/2014/main" id="{B7AF66B6-4266-7F30-4F64-405859A1E2D9}"/>
+                <a16:creationId xmlns:a16="http://schemas.microsoft.com/office/drawing/2014/main" id="{42F2F93E-EB1A-10DF-EDFE-3655DC1ACB28}"/>
               </a:ext>
             </a:extLst>
           </p:cNvPr>
@@ -8482,7 +8431,7 @@
           <a:bodyPr/>
           <a:lstStyle/>
           <a:p>
-            <a:fld id="{AA7EECDD-3C13-4CE3-9CDC-D4FABA4A0D44}" type="datetime1">
+            <a:fld id="{E0D05676-0184-4491-83BE-2E9128DA927C}" type="datetime1">
               <a:rPr lang="hu-HU" smtClean="0"/>
               <a:t>2024. 03. 04.</a:t>
             </a:fld>
@@ -8495,7 +8444,7 @@
           <p:cNvPr id="5" name="Élőláb helye 4">
             <a:extLst>
               <a:ext uri="{FF2B5EF4-FFF2-40B4-BE49-F238E27FC236}">
-                <a16:creationId xmlns:a16="http://schemas.microsoft.com/office/drawing/2014/main" id="{8E20298B-C5E9-FE31-699B-DCB2F769B5B4}"/>
+                <a16:creationId xmlns:a16="http://schemas.microsoft.com/office/drawing/2014/main" id="{305AB1C3-B542-A0E6-2ED1-425DEC973688}"/>
               </a:ext>
             </a:extLst>
           </p:cNvPr>
@@ -8511,11 +8460,7 @@
           <a:bodyPr/>
           <a:lstStyle/>
           <a:p>
-            <a:r>
-              <a:rPr lang="hu-HU" dirty="0"/>
-              <a:t>Tóth Gergely</a:t>
-            </a:r>
-            <a:endParaRPr lang="en-US" dirty="0"/>
+            <a:endParaRPr lang="en-US"/>
           </a:p>
         </p:txBody>
       </p:sp>
@@ -8524,7 +8469,7 @@
           <p:cNvPr id="6" name="Dia számának helye 5">
             <a:extLst>
               <a:ext uri="{FF2B5EF4-FFF2-40B4-BE49-F238E27FC236}">
-                <a16:creationId xmlns:a16="http://schemas.microsoft.com/office/drawing/2014/main" id="{44462040-2D88-668E-EDD7-F15D19B9F4B7}"/>
+                <a16:creationId xmlns:a16="http://schemas.microsoft.com/office/drawing/2014/main" id="{832990DD-F282-006D-DB16-CB7AA3287BF0}"/>
               </a:ext>
             </a:extLst>
           </p:cNvPr>
@@ -8551,7 +8496,7 @@
     </p:spTree>
     <p:extLst>
       <p:ext uri="{BB962C8B-B14F-4D97-AF65-F5344CB8AC3E}">
-        <p14:creationId xmlns:p14="http://schemas.microsoft.com/office/powerpoint/2010/main" val="1897996604"/>
+        <p14:creationId xmlns:p14="http://schemas.microsoft.com/office/powerpoint/2010/main" val="1602547607"/>
       </p:ext>
     </p:extLst>
   </p:cSld>
@@ -8562,6 +8507,630 @@
 </file>
 
 <file path=ppt/slides/slide20.xml><?xml version="1.0" encoding="utf-8"?>
+<p:sld xmlns:a="http://schemas.openxmlformats.org/drawingml/2006/main" xmlns:r="http://schemas.openxmlformats.org/officeDocument/2006/relationships" xmlns:p="http://schemas.openxmlformats.org/presentationml/2006/main">
+  <p:cSld>
+    <p:spTree>
+      <p:nvGrpSpPr>
+        <p:cNvPr id="1" name="">
+          <a:extLst>
+            <a:ext uri="{FF2B5EF4-FFF2-40B4-BE49-F238E27FC236}">
+              <a16:creationId xmlns:a16="http://schemas.microsoft.com/office/drawing/2014/main" id="{5D585CD1-CE58-8742-FB7A-2400532968FD}"/>
+            </a:ext>
+          </a:extLst>
+        </p:cNvPr>
+        <p:cNvGrpSpPr/>
+        <p:nvPr/>
+      </p:nvGrpSpPr>
+      <p:grpSpPr>
+        <a:xfrm>
+          <a:off x="0" y="0"/>
+          <a:ext cx="0" cy="0"/>
+          <a:chOff x="0" y="0"/>
+          <a:chExt cx="0" cy="0"/>
+        </a:xfrm>
+      </p:grpSpPr>
+      <p:sp>
+        <p:nvSpPr>
+          <p:cNvPr id="2" name="Cím 1">
+            <a:extLst>
+              <a:ext uri="{FF2B5EF4-FFF2-40B4-BE49-F238E27FC236}">
+                <a16:creationId xmlns:a16="http://schemas.microsoft.com/office/drawing/2014/main" id="{A72FE74F-2F7C-A32A-BC8D-E2766F2DCF90}"/>
+              </a:ext>
+            </a:extLst>
+          </p:cNvPr>
+          <p:cNvSpPr>
+            <a:spLocks noGrp="1"/>
+          </p:cNvSpPr>
+          <p:nvPr>
+            <p:ph type="title"/>
+          </p:nvPr>
+        </p:nvSpPr>
+        <p:spPr/>
+        <p:txBody>
+          <a:bodyPr/>
+          <a:lstStyle/>
+          <a:p>
+            <a:r>
+              <a:rPr lang="hu-HU" dirty="0"/>
+              <a:t>JSON</a:t>
+            </a:r>
+            <a:endParaRPr lang="en-US" dirty="0"/>
+          </a:p>
+        </p:txBody>
+      </p:sp>
+      <p:sp>
+        <p:nvSpPr>
+          <p:cNvPr id="3" name="Tartalom helye 2">
+            <a:extLst>
+              <a:ext uri="{FF2B5EF4-FFF2-40B4-BE49-F238E27FC236}">
+                <a16:creationId xmlns:a16="http://schemas.microsoft.com/office/drawing/2014/main" id="{34AD1AA0-C069-6881-0525-39220649ACA6}"/>
+              </a:ext>
+            </a:extLst>
+          </p:cNvPr>
+          <p:cNvSpPr>
+            <a:spLocks noGrp="1"/>
+          </p:cNvSpPr>
+          <p:nvPr>
+            <p:ph idx="1"/>
+          </p:nvPr>
+        </p:nvSpPr>
+        <p:spPr/>
+        <p:txBody>
+          <a:bodyPr/>
+          <a:lstStyle/>
+          <a:p>
+            <a:r>
+              <a:rPr lang="hu-HU" dirty="0" err="1"/>
+              <a:t>JavaScrip</a:t>
+            </a:r>
+            <a:r>
+              <a:rPr lang="hu-HU" dirty="0"/>
+              <a:t> </a:t>
+            </a:r>
+            <a:r>
+              <a:rPr lang="hu-HU" dirty="0" err="1"/>
+              <a:t>Object</a:t>
+            </a:r>
+            <a:r>
+              <a:rPr lang="hu-HU" dirty="0"/>
+              <a:t> </a:t>
+            </a:r>
+            <a:r>
+              <a:rPr lang="hu-HU" dirty="0" err="1"/>
+              <a:t>Notation</a:t>
+            </a:r>
+            <a:endParaRPr lang="hu-HU" dirty="0"/>
+          </a:p>
+          <a:p>
+            <a:r>
+              <a:rPr lang="hu-HU" dirty="0" err="1"/>
+              <a:t>JavaScrip</a:t>
+            </a:r>
+            <a:r>
+              <a:rPr lang="hu-HU" dirty="0"/>
+              <a:t> </a:t>
+            </a:r>
+            <a:r>
+              <a:rPr lang="hu-HU" dirty="0" err="1"/>
+              <a:t>object</a:t>
+            </a:r>
+            <a:r>
+              <a:rPr lang="hu-HU" dirty="0"/>
+              <a:t> alapján van felépítve, és arra szolgál, hogy adatot tudjunk továbbítani</a:t>
+            </a:r>
+          </a:p>
+          <a:p>
+            <a:r>
+              <a:rPr lang="en-US" dirty="0"/>
+              <a:t>https://jsonviewer.stack.hu</a:t>
+            </a:r>
+          </a:p>
+        </p:txBody>
+      </p:sp>
+      <p:sp>
+        <p:nvSpPr>
+          <p:cNvPr id="4" name="Dátum helye 3">
+            <a:extLst>
+              <a:ext uri="{FF2B5EF4-FFF2-40B4-BE49-F238E27FC236}">
+                <a16:creationId xmlns:a16="http://schemas.microsoft.com/office/drawing/2014/main" id="{582F4D84-0188-0E8A-BDAC-B0A97EA4FDE4}"/>
+              </a:ext>
+            </a:extLst>
+          </p:cNvPr>
+          <p:cNvSpPr>
+            <a:spLocks noGrp="1"/>
+          </p:cNvSpPr>
+          <p:nvPr>
+            <p:ph type="dt" sz="half" idx="10"/>
+          </p:nvPr>
+        </p:nvSpPr>
+        <p:spPr/>
+        <p:txBody>
+          <a:bodyPr/>
+          <a:lstStyle/>
+          <a:p>
+            <a:fld id="{DD1C1BF3-2DD5-4223-B860-0E40CABDF328}" type="datetime1">
+              <a:rPr lang="hu-HU" smtClean="0"/>
+              <a:t>2024. 03. 04.</a:t>
+            </a:fld>
+            <a:endParaRPr lang="en-US"/>
+          </a:p>
+        </p:txBody>
+      </p:sp>
+      <p:sp>
+        <p:nvSpPr>
+          <p:cNvPr id="5" name="Élőláb helye 4">
+            <a:extLst>
+              <a:ext uri="{FF2B5EF4-FFF2-40B4-BE49-F238E27FC236}">
+                <a16:creationId xmlns:a16="http://schemas.microsoft.com/office/drawing/2014/main" id="{C8DEF511-4831-0F6F-5EF9-89A0812A1F9E}"/>
+              </a:ext>
+            </a:extLst>
+          </p:cNvPr>
+          <p:cNvSpPr>
+            <a:spLocks noGrp="1"/>
+          </p:cNvSpPr>
+          <p:nvPr>
+            <p:ph type="ftr" sz="quarter" idx="11"/>
+          </p:nvPr>
+        </p:nvSpPr>
+        <p:spPr/>
+        <p:txBody>
+          <a:bodyPr/>
+          <a:lstStyle/>
+          <a:p>
+            <a:endParaRPr lang="en-US"/>
+          </a:p>
+        </p:txBody>
+      </p:sp>
+      <p:sp>
+        <p:nvSpPr>
+          <p:cNvPr id="6" name="Dia számának helye 5">
+            <a:extLst>
+              <a:ext uri="{FF2B5EF4-FFF2-40B4-BE49-F238E27FC236}">
+                <a16:creationId xmlns:a16="http://schemas.microsoft.com/office/drawing/2014/main" id="{9AB4CCEF-916C-94D2-9994-CCCF01F27188}"/>
+              </a:ext>
+            </a:extLst>
+          </p:cNvPr>
+          <p:cNvSpPr>
+            <a:spLocks noGrp="1"/>
+          </p:cNvSpPr>
+          <p:nvPr>
+            <p:ph type="sldNum" sz="quarter" idx="12"/>
+          </p:nvPr>
+        </p:nvSpPr>
+        <p:spPr/>
+        <p:txBody>
+          <a:bodyPr/>
+          <a:lstStyle/>
+          <a:p>
+            <a:fld id="{927374A8-BCF2-49CD-84BD-18DF129551B3}" type="slidenum">
+              <a:rPr lang="en-US" smtClean="0"/>
+              <a:t>20</a:t>
+            </a:fld>
+            <a:endParaRPr lang="en-US"/>
+          </a:p>
+        </p:txBody>
+      </p:sp>
+    </p:spTree>
+    <p:extLst>
+      <p:ext uri="{BB962C8B-B14F-4D97-AF65-F5344CB8AC3E}">
+        <p14:creationId xmlns:p14="http://schemas.microsoft.com/office/powerpoint/2010/main" val="1161368133"/>
+      </p:ext>
+    </p:extLst>
+  </p:cSld>
+  <p:clrMapOvr>
+    <a:masterClrMapping/>
+  </p:clrMapOvr>
+</p:sld>
+</file>
+
+<file path=ppt/slides/slide21.xml><?xml version="1.0" encoding="utf-8"?>
+<p:sld xmlns:a="http://schemas.openxmlformats.org/drawingml/2006/main" xmlns:r="http://schemas.openxmlformats.org/officeDocument/2006/relationships" xmlns:p="http://schemas.openxmlformats.org/presentationml/2006/main">
+  <p:cSld>
+    <p:spTree>
+      <p:nvGrpSpPr>
+        <p:cNvPr id="1" name="">
+          <a:extLst>
+            <a:ext uri="{FF2B5EF4-FFF2-40B4-BE49-F238E27FC236}">
+              <a16:creationId xmlns:a16="http://schemas.microsoft.com/office/drawing/2014/main" id="{E6E00A08-F2CD-CFF4-243E-D4CFA7F2FAD2}"/>
+            </a:ext>
+          </a:extLst>
+        </p:cNvPr>
+        <p:cNvGrpSpPr/>
+        <p:nvPr/>
+      </p:nvGrpSpPr>
+      <p:grpSpPr>
+        <a:xfrm>
+          <a:off x="0" y="0"/>
+          <a:ext cx="0" cy="0"/>
+          <a:chOff x="0" y="0"/>
+          <a:chExt cx="0" cy="0"/>
+        </a:xfrm>
+      </p:grpSpPr>
+      <p:sp>
+        <p:nvSpPr>
+          <p:cNvPr id="2" name="Cím 1">
+            <a:extLst>
+              <a:ext uri="{FF2B5EF4-FFF2-40B4-BE49-F238E27FC236}">
+                <a16:creationId xmlns:a16="http://schemas.microsoft.com/office/drawing/2014/main" id="{C5266B89-13EF-8C42-B550-ABC332C09460}"/>
+              </a:ext>
+            </a:extLst>
+          </p:cNvPr>
+          <p:cNvSpPr>
+            <a:spLocks noGrp="1"/>
+          </p:cNvSpPr>
+          <p:nvPr>
+            <p:ph type="title"/>
+          </p:nvPr>
+        </p:nvSpPr>
+        <p:spPr/>
+        <p:txBody>
+          <a:bodyPr/>
+          <a:lstStyle/>
+          <a:p>
+            <a:r>
+              <a:rPr lang="hu-HU" dirty="0"/>
+              <a:t>API </a:t>
+            </a:r>
+            <a:r>
+              <a:rPr lang="hu-HU" dirty="0" err="1"/>
+              <a:t>authentication</a:t>
+            </a:r>
+            <a:endParaRPr lang="en-US" dirty="0"/>
+          </a:p>
+        </p:txBody>
+      </p:sp>
+      <p:sp>
+        <p:nvSpPr>
+          <p:cNvPr id="3" name="Tartalom helye 2">
+            <a:extLst>
+              <a:ext uri="{FF2B5EF4-FFF2-40B4-BE49-F238E27FC236}">
+                <a16:creationId xmlns:a16="http://schemas.microsoft.com/office/drawing/2014/main" id="{0B55BFBF-17D3-D1D0-41F4-B323C187239B}"/>
+              </a:ext>
+            </a:extLst>
+          </p:cNvPr>
+          <p:cNvSpPr>
+            <a:spLocks noGrp="1"/>
+          </p:cNvSpPr>
+          <p:nvPr>
+            <p:ph idx="1"/>
+          </p:nvPr>
+        </p:nvSpPr>
+        <p:spPr/>
+        <p:txBody>
+          <a:bodyPr/>
+          <a:lstStyle/>
+          <a:p>
+            <a:r>
+              <a:rPr lang="hu-HU" dirty="0"/>
+              <a:t>No </a:t>
+            </a:r>
+            <a:r>
+              <a:rPr lang="hu-HU" dirty="0" err="1"/>
+              <a:t>authentication</a:t>
+            </a:r>
+            <a:endParaRPr lang="hu-HU" dirty="0"/>
+          </a:p>
+          <a:p>
+            <a:r>
+              <a:rPr lang="hu-HU" dirty="0"/>
+              <a:t>Basic </a:t>
+            </a:r>
+            <a:r>
+              <a:rPr lang="hu-HU" dirty="0" err="1"/>
+              <a:t>authentication</a:t>
+            </a:r>
+            <a:endParaRPr lang="hu-HU" dirty="0"/>
+          </a:p>
+          <a:p>
+            <a:r>
+              <a:rPr lang="hu-HU" dirty="0"/>
+              <a:t>API </a:t>
+            </a:r>
+            <a:r>
+              <a:rPr lang="hu-HU" dirty="0" err="1"/>
+              <a:t>key</a:t>
+            </a:r>
+            <a:r>
+              <a:rPr lang="hu-HU" dirty="0"/>
+              <a:t> </a:t>
+            </a:r>
+            <a:r>
+              <a:rPr lang="hu-HU" dirty="0" err="1"/>
+              <a:t>authentication</a:t>
+            </a:r>
+            <a:endParaRPr lang="hu-HU" dirty="0"/>
+          </a:p>
+          <a:p>
+            <a:r>
+              <a:rPr lang="hu-HU" dirty="0" err="1"/>
+              <a:t>Token</a:t>
+            </a:r>
+            <a:r>
+              <a:rPr lang="hu-HU" dirty="0"/>
+              <a:t> </a:t>
+            </a:r>
+            <a:r>
+              <a:rPr lang="hu-HU" dirty="0" err="1"/>
+              <a:t>Based</a:t>
+            </a:r>
+            <a:r>
+              <a:rPr lang="hu-HU" dirty="0"/>
+              <a:t> </a:t>
+            </a:r>
+            <a:r>
+              <a:rPr lang="hu-HU"/>
+              <a:t>Authentication</a:t>
+            </a:r>
+            <a:endParaRPr lang="en-US"/>
+          </a:p>
+        </p:txBody>
+      </p:sp>
+      <p:sp>
+        <p:nvSpPr>
+          <p:cNvPr id="4" name="Dátum helye 3">
+            <a:extLst>
+              <a:ext uri="{FF2B5EF4-FFF2-40B4-BE49-F238E27FC236}">
+                <a16:creationId xmlns:a16="http://schemas.microsoft.com/office/drawing/2014/main" id="{ED91E0AD-A22A-50AF-234C-BDA16DB598B5}"/>
+              </a:ext>
+            </a:extLst>
+          </p:cNvPr>
+          <p:cNvSpPr>
+            <a:spLocks noGrp="1"/>
+          </p:cNvSpPr>
+          <p:nvPr>
+            <p:ph type="dt" sz="half" idx="10"/>
+          </p:nvPr>
+        </p:nvSpPr>
+        <p:spPr/>
+        <p:txBody>
+          <a:bodyPr/>
+          <a:lstStyle/>
+          <a:p>
+            <a:fld id="{FDFA07F5-76D8-4C4D-9F61-61FEE3D9FD04}" type="datetime1">
+              <a:rPr lang="hu-HU" smtClean="0"/>
+              <a:t>2024. 03. 04.</a:t>
+            </a:fld>
+            <a:endParaRPr lang="en-US"/>
+          </a:p>
+        </p:txBody>
+      </p:sp>
+      <p:sp>
+        <p:nvSpPr>
+          <p:cNvPr id="5" name="Élőláb helye 4">
+            <a:extLst>
+              <a:ext uri="{FF2B5EF4-FFF2-40B4-BE49-F238E27FC236}">
+                <a16:creationId xmlns:a16="http://schemas.microsoft.com/office/drawing/2014/main" id="{D05FC713-C5EF-43D6-7448-84E76DAEB5E1}"/>
+              </a:ext>
+            </a:extLst>
+          </p:cNvPr>
+          <p:cNvSpPr>
+            <a:spLocks noGrp="1"/>
+          </p:cNvSpPr>
+          <p:nvPr>
+            <p:ph type="ftr" sz="quarter" idx="11"/>
+          </p:nvPr>
+        </p:nvSpPr>
+        <p:spPr/>
+        <p:txBody>
+          <a:bodyPr/>
+          <a:lstStyle/>
+          <a:p>
+            <a:endParaRPr lang="en-US"/>
+          </a:p>
+        </p:txBody>
+      </p:sp>
+      <p:sp>
+        <p:nvSpPr>
+          <p:cNvPr id="6" name="Dia számának helye 5">
+            <a:extLst>
+              <a:ext uri="{FF2B5EF4-FFF2-40B4-BE49-F238E27FC236}">
+                <a16:creationId xmlns:a16="http://schemas.microsoft.com/office/drawing/2014/main" id="{49EBFEC3-7971-F058-3D4E-57ADE3FBEF9F}"/>
+              </a:ext>
+            </a:extLst>
+          </p:cNvPr>
+          <p:cNvSpPr>
+            <a:spLocks noGrp="1"/>
+          </p:cNvSpPr>
+          <p:nvPr>
+            <p:ph type="sldNum" sz="quarter" idx="12"/>
+          </p:nvPr>
+        </p:nvSpPr>
+        <p:spPr/>
+        <p:txBody>
+          <a:bodyPr/>
+          <a:lstStyle/>
+          <a:p>
+            <a:fld id="{927374A8-BCF2-49CD-84BD-18DF129551B3}" type="slidenum">
+              <a:rPr lang="en-US" smtClean="0"/>
+              <a:t>21</a:t>
+            </a:fld>
+            <a:endParaRPr lang="en-US"/>
+          </a:p>
+        </p:txBody>
+      </p:sp>
+    </p:spTree>
+    <p:extLst>
+      <p:ext uri="{BB962C8B-B14F-4D97-AF65-F5344CB8AC3E}">
+        <p14:creationId xmlns:p14="http://schemas.microsoft.com/office/powerpoint/2010/main" val="4106304598"/>
+      </p:ext>
+    </p:extLst>
+  </p:cSld>
+  <p:clrMapOvr>
+    <a:masterClrMapping/>
+  </p:clrMapOvr>
+</p:sld>
+</file>
+
+<file path=ppt/slides/slide22.xml><?xml version="1.0" encoding="utf-8"?>
+<p:sld xmlns:a="http://schemas.openxmlformats.org/drawingml/2006/main" xmlns:r="http://schemas.openxmlformats.org/officeDocument/2006/relationships" xmlns:p="http://schemas.openxmlformats.org/presentationml/2006/main">
+  <p:cSld>
+    <p:spTree>
+      <p:nvGrpSpPr>
+        <p:cNvPr id="1" name="">
+          <a:extLst>
+            <a:ext uri="{FF2B5EF4-FFF2-40B4-BE49-F238E27FC236}">
+              <a16:creationId xmlns:a16="http://schemas.microsoft.com/office/drawing/2014/main" id="{33F6CD7D-D07D-9AC0-509D-831BC6128109}"/>
+            </a:ext>
+          </a:extLst>
+        </p:cNvPr>
+        <p:cNvGrpSpPr/>
+        <p:nvPr/>
+      </p:nvGrpSpPr>
+      <p:grpSpPr>
+        <a:xfrm>
+          <a:off x="0" y="0"/>
+          <a:ext cx="0" cy="0"/>
+          <a:chOff x="0" y="0"/>
+          <a:chExt cx="0" cy="0"/>
+        </a:xfrm>
+      </p:grpSpPr>
+      <p:sp>
+        <p:nvSpPr>
+          <p:cNvPr id="2" name="Cím 1">
+            <a:extLst>
+              <a:ext uri="{FF2B5EF4-FFF2-40B4-BE49-F238E27FC236}">
+                <a16:creationId xmlns:a16="http://schemas.microsoft.com/office/drawing/2014/main" id="{40AFE33C-09DE-F9BC-2A41-51CC0D19BF5D}"/>
+              </a:ext>
+            </a:extLst>
+          </p:cNvPr>
+          <p:cNvSpPr>
+            <a:spLocks noGrp="1"/>
+          </p:cNvSpPr>
+          <p:nvPr>
+            <p:ph type="title"/>
+          </p:nvPr>
+        </p:nvSpPr>
+        <p:spPr/>
+        <p:txBody>
+          <a:bodyPr/>
+          <a:lstStyle/>
+          <a:p>
+            <a:endParaRPr lang="en-US"/>
+          </a:p>
+        </p:txBody>
+      </p:sp>
+      <p:sp>
+        <p:nvSpPr>
+          <p:cNvPr id="3" name="Tartalom helye 2">
+            <a:extLst>
+              <a:ext uri="{FF2B5EF4-FFF2-40B4-BE49-F238E27FC236}">
+                <a16:creationId xmlns:a16="http://schemas.microsoft.com/office/drawing/2014/main" id="{05A1AF17-6C7E-9886-058D-6E06ED0AAD8E}"/>
+              </a:ext>
+            </a:extLst>
+          </p:cNvPr>
+          <p:cNvSpPr>
+            <a:spLocks noGrp="1"/>
+          </p:cNvSpPr>
+          <p:nvPr>
+            <p:ph idx="1"/>
+          </p:nvPr>
+        </p:nvSpPr>
+        <p:spPr/>
+        <p:txBody>
+          <a:bodyPr/>
+          <a:lstStyle/>
+          <a:p>
+            <a:endParaRPr lang="en-US"/>
+          </a:p>
+        </p:txBody>
+      </p:sp>
+      <p:sp>
+        <p:nvSpPr>
+          <p:cNvPr id="4" name="Dátum helye 3">
+            <a:extLst>
+              <a:ext uri="{FF2B5EF4-FFF2-40B4-BE49-F238E27FC236}">
+                <a16:creationId xmlns:a16="http://schemas.microsoft.com/office/drawing/2014/main" id="{F63DCEE4-F1CD-682C-1185-E15CC1A0398F}"/>
+              </a:ext>
+            </a:extLst>
+          </p:cNvPr>
+          <p:cNvSpPr>
+            <a:spLocks noGrp="1"/>
+          </p:cNvSpPr>
+          <p:nvPr>
+            <p:ph type="dt" sz="half" idx="10"/>
+          </p:nvPr>
+        </p:nvSpPr>
+        <p:spPr/>
+        <p:txBody>
+          <a:bodyPr/>
+          <a:lstStyle/>
+          <a:p>
+            <a:fld id="{48B87EE5-0B8E-4120-BE41-69C15EC2CEA3}" type="datetime1">
+              <a:rPr lang="hu-HU" smtClean="0"/>
+              <a:t>2024. 03. 04.</a:t>
+            </a:fld>
+            <a:endParaRPr lang="en-US"/>
+          </a:p>
+        </p:txBody>
+      </p:sp>
+      <p:sp>
+        <p:nvSpPr>
+          <p:cNvPr id="5" name="Élőláb helye 4">
+            <a:extLst>
+              <a:ext uri="{FF2B5EF4-FFF2-40B4-BE49-F238E27FC236}">
+                <a16:creationId xmlns:a16="http://schemas.microsoft.com/office/drawing/2014/main" id="{B31FC79E-C410-2CD7-F7C2-35B3EAB8691E}"/>
+              </a:ext>
+            </a:extLst>
+          </p:cNvPr>
+          <p:cNvSpPr>
+            <a:spLocks noGrp="1"/>
+          </p:cNvSpPr>
+          <p:nvPr>
+            <p:ph type="ftr" sz="quarter" idx="11"/>
+          </p:nvPr>
+        </p:nvSpPr>
+        <p:spPr/>
+        <p:txBody>
+          <a:bodyPr/>
+          <a:lstStyle/>
+          <a:p>
+            <a:endParaRPr lang="en-US"/>
+          </a:p>
+        </p:txBody>
+      </p:sp>
+      <p:sp>
+        <p:nvSpPr>
+          <p:cNvPr id="6" name="Dia számának helye 5">
+            <a:extLst>
+              <a:ext uri="{FF2B5EF4-FFF2-40B4-BE49-F238E27FC236}">
+                <a16:creationId xmlns:a16="http://schemas.microsoft.com/office/drawing/2014/main" id="{F8358DA5-33FD-8908-A52E-8D99982C21C8}"/>
+              </a:ext>
+            </a:extLst>
+          </p:cNvPr>
+          <p:cNvSpPr>
+            <a:spLocks noGrp="1"/>
+          </p:cNvSpPr>
+          <p:nvPr>
+            <p:ph type="sldNum" sz="quarter" idx="12"/>
+          </p:nvPr>
+        </p:nvSpPr>
+        <p:spPr/>
+        <p:txBody>
+          <a:bodyPr/>
+          <a:lstStyle/>
+          <a:p>
+            <a:fld id="{927374A8-BCF2-49CD-84BD-18DF129551B3}" type="slidenum">
+              <a:rPr lang="en-US" smtClean="0"/>
+              <a:t>22</a:t>
+            </a:fld>
+            <a:endParaRPr lang="en-US"/>
+          </a:p>
+        </p:txBody>
+      </p:sp>
+    </p:spTree>
+    <p:extLst>
+      <p:ext uri="{BB962C8B-B14F-4D97-AF65-F5344CB8AC3E}">
+        <p14:creationId xmlns:p14="http://schemas.microsoft.com/office/powerpoint/2010/main" val="348263951"/>
+      </p:ext>
+    </p:extLst>
+  </p:cSld>
+  <p:clrMapOvr>
+    <a:masterClrMapping/>
+  </p:clrMapOvr>
+</p:sld>
+</file>
+
+<file path=ppt/slides/slide23.xml><?xml version="1.0" encoding="utf-8"?>
 <p:sld xmlns:a="http://schemas.openxmlformats.org/drawingml/2006/main" xmlns:r="http://schemas.openxmlformats.org/officeDocument/2006/relationships" xmlns:p="http://schemas.openxmlformats.org/presentationml/2006/main">
   <p:cSld>
     <p:spTree>
@@ -8711,7 +9280,7 @@
           <a:p>
             <a:fld id="{927374A8-BCF2-49CD-84BD-18DF129551B3}" type="slidenum">
               <a:rPr lang="en-US" smtClean="0"/>
-              <a:t>20</a:t>
+              <a:t>23</a:t>
             </a:fld>
             <a:endParaRPr lang="en-US"/>
           </a:p>
@@ -8730,7 +9299,7 @@
 </p:sld>
 </file>
 
-<file path=ppt/slides/slide21.xml><?xml version="1.0" encoding="utf-8"?>
+<file path=ppt/slides/slide24.xml><?xml version="1.0" encoding="utf-8"?>
 <p:sld xmlns:a="http://schemas.openxmlformats.org/drawingml/2006/main" xmlns:r="http://schemas.openxmlformats.org/officeDocument/2006/relationships" xmlns:p="http://schemas.openxmlformats.org/presentationml/2006/main">
   <p:cSld>
     <p:spTree>
@@ -8880,7 +9449,7 @@
           <a:p>
             <a:fld id="{927374A8-BCF2-49CD-84BD-18DF129551B3}" type="slidenum">
               <a:rPr lang="en-US" smtClean="0"/>
-              <a:t>21</a:t>
+              <a:t>24</a:t>
             </a:fld>
             <a:endParaRPr lang="en-US"/>
           </a:p>
@@ -8899,7 +9468,7 @@
 </p:sld>
 </file>
 
-<file path=ppt/slides/slide22.xml><?xml version="1.0" encoding="utf-8"?>
+<file path=ppt/slides/slide25.xml><?xml version="1.0" encoding="utf-8"?>
 <p:sld xmlns:a="http://schemas.openxmlformats.org/drawingml/2006/main" xmlns:r="http://schemas.openxmlformats.org/officeDocument/2006/relationships" xmlns:p="http://schemas.openxmlformats.org/presentationml/2006/main">
   <p:cSld>
     <p:spTree>
@@ -9049,7 +9618,7 @@
           <a:p>
             <a:fld id="{927374A8-BCF2-49CD-84BD-18DF129551B3}" type="slidenum">
               <a:rPr lang="en-US" smtClean="0"/>
-              <a:t>22</a:t>
+              <a:t>25</a:t>
             </a:fld>
             <a:endParaRPr lang="en-US"/>
           </a:p>
@@ -9068,7 +9637,7 @@
 </p:sld>
 </file>
 
-<file path=ppt/slides/slide23.xml><?xml version="1.0" encoding="utf-8"?>
+<file path=ppt/slides/slide26.xml><?xml version="1.0" encoding="utf-8"?>
 <p:sld xmlns:a="http://schemas.openxmlformats.org/drawingml/2006/main" xmlns:r="http://schemas.openxmlformats.org/officeDocument/2006/relationships" xmlns:p="http://schemas.openxmlformats.org/presentationml/2006/main">
   <p:cSld>
     <p:spTree>
@@ -9218,7 +9787,7 @@
           <a:p>
             <a:fld id="{927374A8-BCF2-49CD-84BD-18DF129551B3}" type="slidenum">
               <a:rPr lang="en-US" smtClean="0"/>
-              <a:t>23</a:t>
+              <a:t>26</a:t>
             </a:fld>
             <a:endParaRPr lang="en-US"/>
           </a:p>
@@ -9237,7 +9806,7 @@
 </p:sld>
 </file>
 
-<file path=ppt/slides/slide24.xml><?xml version="1.0" encoding="utf-8"?>
+<file path=ppt/slides/slide27.xml><?xml version="1.0" encoding="utf-8"?>
 <p:sld xmlns:a="http://schemas.openxmlformats.org/drawingml/2006/main" xmlns:r="http://schemas.openxmlformats.org/officeDocument/2006/relationships" xmlns:p="http://schemas.openxmlformats.org/presentationml/2006/main">
   <p:cSld>
     <p:spTree>
@@ -9387,7 +9956,7 @@
           <a:p>
             <a:fld id="{927374A8-BCF2-49CD-84BD-18DF129551B3}" type="slidenum">
               <a:rPr lang="en-US" smtClean="0"/>
-              <a:t>24</a:t>
+              <a:t>27</a:t>
             </a:fld>
             <a:endParaRPr lang="en-US"/>
           </a:p>
@@ -9406,7 +9975,7 @@
 </p:sld>
 </file>
 
-<file path=ppt/slides/slide25.xml><?xml version="1.0" encoding="utf-8"?>
+<file path=ppt/slides/slide28.xml><?xml version="1.0" encoding="utf-8"?>
 <p:sld xmlns:a="http://schemas.openxmlformats.org/drawingml/2006/main" xmlns:r="http://schemas.openxmlformats.org/officeDocument/2006/relationships" xmlns:p="http://schemas.openxmlformats.org/presentationml/2006/main">
   <p:cSld>
     <p:spTree>
@@ -9556,7 +10125,7 @@
           <a:p>
             <a:fld id="{927374A8-BCF2-49CD-84BD-18DF129551B3}" type="slidenum">
               <a:rPr lang="en-US" smtClean="0"/>
-              <a:t>25</a:t>
+              <a:t>28</a:t>
             </a:fld>
             <a:endParaRPr lang="en-US"/>
           </a:p>
@@ -9575,7 +10144,7 @@
 </p:sld>
 </file>
 
-<file path=ppt/slides/slide26.xml><?xml version="1.0" encoding="utf-8"?>
+<file path=ppt/slides/slide29.xml><?xml version="1.0" encoding="utf-8"?>
 <p:sld xmlns:a="http://schemas.openxmlformats.org/drawingml/2006/main" xmlns:r="http://schemas.openxmlformats.org/officeDocument/2006/relationships" xmlns:p="http://schemas.openxmlformats.org/presentationml/2006/main">
   <p:cSld>
     <p:spTree>
@@ -9725,7 +10294,7 @@
           <a:p>
             <a:fld id="{927374A8-BCF2-49CD-84BD-18DF129551B3}" type="slidenum">
               <a:rPr lang="en-US" smtClean="0"/>
-              <a:t>26</a:t>
+              <a:t>29</a:t>
             </a:fld>
             <a:endParaRPr lang="en-US"/>
           </a:p>
@@ -9744,7 +10313,291 @@
 </p:sld>
 </file>
 
-<file path=ppt/slides/slide27.xml><?xml version="1.0" encoding="utf-8"?>
+<file path=ppt/slides/slide3.xml><?xml version="1.0" encoding="utf-8"?>
+<p:sld xmlns:a="http://schemas.openxmlformats.org/drawingml/2006/main" xmlns:r="http://schemas.openxmlformats.org/officeDocument/2006/relationships" xmlns:p="http://schemas.openxmlformats.org/presentationml/2006/main">
+  <p:cSld>
+    <p:spTree>
+      <p:nvGrpSpPr>
+        <p:cNvPr id="1" name=""/>
+        <p:cNvGrpSpPr/>
+        <p:nvPr/>
+      </p:nvGrpSpPr>
+      <p:grpSpPr>
+        <a:xfrm>
+          <a:off x="0" y="0"/>
+          <a:ext cx="0" cy="0"/>
+          <a:chOff x="0" y="0"/>
+          <a:chExt cx="0" cy="0"/>
+        </a:xfrm>
+      </p:grpSpPr>
+      <p:sp>
+        <p:nvSpPr>
+          <p:cNvPr id="2" name="Cím 1">
+            <a:extLst>
+              <a:ext uri="{FF2B5EF4-FFF2-40B4-BE49-F238E27FC236}">
+                <a16:creationId xmlns:a16="http://schemas.microsoft.com/office/drawing/2014/main" id="{4043BA31-C345-C4F0-821C-7F88AF34898A}"/>
+              </a:ext>
+            </a:extLst>
+          </p:cNvPr>
+          <p:cNvSpPr>
+            <a:spLocks noGrp="1"/>
+          </p:cNvSpPr>
+          <p:nvPr>
+            <p:ph type="title"/>
+          </p:nvPr>
+        </p:nvSpPr>
+        <p:spPr/>
+        <p:txBody>
+          <a:bodyPr/>
+          <a:lstStyle/>
+          <a:p>
+            <a:r>
+              <a:rPr lang="hu-HU" dirty="0"/>
+              <a:t>HTML	</a:t>
+            </a:r>
+            <a:endParaRPr lang="en-US" dirty="0"/>
+          </a:p>
+        </p:txBody>
+      </p:sp>
+      <p:sp>
+        <p:nvSpPr>
+          <p:cNvPr id="3" name="Tartalom helye 2">
+            <a:extLst>
+              <a:ext uri="{FF2B5EF4-FFF2-40B4-BE49-F238E27FC236}">
+                <a16:creationId xmlns:a16="http://schemas.microsoft.com/office/drawing/2014/main" id="{DC06511F-18AB-1711-0EBB-D7640B2D1B03}"/>
+              </a:ext>
+            </a:extLst>
+          </p:cNvPr>
+          <p:cNvSpPr>
+            <a:spLocks noGrp="1"/>
+          </p:cNvSpPr>
+          <p:nvPr>
+            <p:ph idx="1"/>
+          </p:nvPr>
+        </p:nvSpPr>
+        <p:spPr>
+          <a:xfrm>
+            <a:off x="1141412" y="2113326"/>
+            <a:ext cx="9905998" cy="3124201"/>
+          </a:xfrm>
+        </p:spPr>
+        <p:txBody>
+          <a:bodyPr/>
+          <a:lstStyle/>
+          <a:p>
+            <a:r>
+              <a:rPr lang="hu-HU" dirty="0">
+                <a:effectLst>
+                  <a:glow rad="38100">
+                    <a:schemeClr val="bg1">
+                      <a:lumMod val="50000"/>
+                      <a:lumOff val="50000"/>
+                      <a:alpha val="20000"/>
+                    </a:schemeClr>
+                  </a:glow>
+                </a:effectLst>
+              </a:rPr>
+              <a:t>Weboldal strukturált tartalmát és formázását tartalmazza</a:t>
+            </a:r>
+          </a:p>
+          <a:p>
+            <a:r>
+              <a:rPr lang="hu-HU" dirty="0">
+                <a:effectLst>
+                  <a:glow rad="38100">
+                    <a:schemeClr val="bg1">
+                      <a:lumMod val="50000"/>
+                      <a:lumOff val="50000"/>
+                      <a:alpha val="20000"/>
+                    </a:schemeClr>
+                  </a:glow>
+                </a:effectLst>
+              </a:rPr>
+              <a:t>Ezek lehetnek:</a:t>
+            </a:r>
+          </a:p>
+          <a:p>
+            <a:pPr lvl="1"/>
+            <a:r>
+              <a:rPr lang="hu-HU" dirty="0">
+                <a:effectLst>
+                  <a:glow rad="38100">
+                    <a:schemeClr val="bg1">
+                      <a:lumMod val="50000"/>
+                      <a:lumOff val="50000"/>
+                      <a:alpha val="20000"/>
+                    </a:schemeClr>
+                  </a:glow>
+                </a:effectLst>
+              </a:rPr>
+              <a:t>Gombok</a:t>
+            </a:r>
+          </a:p>
+          <a:p>
+            <a:pPr lvl="1"/>
+            <a:r>
+              <a:rPr lang="hu-HU" dirty="0">
+                <a:effectLst>
+                  <a:glow rad="38100">
+                    <a:schemeClr val="bg1">
+                      <a:lumMod val="50000"/>
+                      <a:lumOff val="50000"/>
+                      <a:alpha val="20000"/>
+                    </a:schemeClr>
+                  </a:glow>
+                </a:effectLst>
+              </a:rPr>
+              <a:t>Hivatkozások</a:t>
+            </a:r>
+          </a:p>
+          <a:p>
+            <a:pPr lvl="1"/>
+            <a:r>
+              <a:rPr lang="hu-HU" dirty="0">
+                <a:effectLst>
+                  <a:glow rad="38100">
+                    <a:schemeClr val="bg1">
+                      <a:lumMod val="50000"/>
+                      <a:lumOff val="50000"/>
+                      <a:alpha val="20000"/>
+                    </a:schemeClr>
+                  </a:glow>
+                </a:effectLst>
+              </a:rPr>
+              <a:t>Szöveg</a:t>
+            </a:r>
+          </a:p>
+          <a:p>
+            <a:pPr lvl="1"/>
+            <a:r>
+              <a:rPr lang="hu-HU" dirty="0" err="1">
+                <a:effectLst>
+                  <a:glow rad="38100">
+                    <a:schemeClr val="bg1">
+                      <a:lumMod val="50000"/>
+                      <a:lumOff val="50000"/>
+                      <a:alpha val="20000"/>
+                    </a:schemeClr>
+                  </a:glow>
+                </a:effectLst>
+              </a:rPr>
+              <a:t>stb</a:t>
+            </a:r>
+            <a:endParaRPr lang="hu-HU" dirty="0">
+              <a:effectLst>
+                <a:glow rad="38100">
+                  <a:schemeClr val="bg1">
+                    <a:lumMod val="50000"/>
+                    <a:lumOff val="50000"/>
+                    <a:alpha val="20000"/>
+                  </a:schemeClr>
+                </a:glow>
+              </a:effectLst>
+            </a:endParaRPr>
+          </a:p>
+        </p:txBody>
+      </p:sp>
+      <p:sp>
+        <p:nvSpPr>
+          <p:cNvPr id="4" name="Dátum helye 3">
+            <a:extLst>
+              <a:ext uri="{FF2B5EF4-FFF2-40B4-BE49-F238E27FC236}">
+                <a16:creationId xmlns:a16="http://schemas.microsoft.com/office/drawing/2014/main" id="{B7AF66B6-4266-7F30-4F64-405859A1E2D9}"/>
+              </a:ext>
+            </a:extLst>
+          </p:cNvPr>
+          <p:cNvSpPr>
+            <a:spLocks noGrp="1"/>
+          </p:cNvSpPr>
+          <p:nvPr>
+            <p:ph type="dt" sz="half" idx="10"/>
+          </p:nvPr>
+        </p:nvSpPr>
+        <p:spPr/>
+        <p:txBody>
+          <a:bodyPr/>
+          <a:lstStyle/>
+          <a:p>
+            <a:fld id="{AA7EECDD-3C13-4CE3-9CDC-D4FABA4A0D44}" type="datetime1">
+              <a:rPr lang="hu-HU" smtClean="0"/>
+              <a:t>2024. 03. 04.</a:t>
+            </a:fld>
+            <a:endParaRPr lang="en-US"/>
+          </a:p>
+        </p:txBody>
+      </p:sp>
+      <p:sp>
+        <p:nvSpPr>
+          <p:cNvPr id="5" name="Élőláb helye 4">
+            <a:extLst>
+              <a:ext uri="{FF2B5EF4-FFF2-40B4-BE49-F238E27FC236}">
+                <a16:creationId xmlns:a16="http://schemas.microsoft.com/office/drawing/2014/main" id="{8E20298B-C5E9-FE31-699B-DCB2F769B5B4}"/>
+              </a:ext>
+            </a:extLst>
+          </p:cNvPr>
+          <p:cNvSpPr>
+            <a:spLocks noGrp="1"/>
+          </p:cNvSpPr>
+          <p:nvPr>
+            <p:ph type="ftr" sz="quarter" idx="11"/>
+          </p:nvPr>
+        </p:nvSpPr>
+        <p:spPr/>
+        <p:txBody>
+          <a:bodyPr/>
+          <a:lstStyle/>
+          <a:p>
+            <a:r>
+              <a:rPr lang="hu-HU" dirty="0"/>
+              <a:t>Tóth Gergely</a:t>
+            </a:r>
+            <a:endParaRPr lang="en-US" dirty="0"/>
+          </a:p>
+        </p:txBody>
+      </p:sp>
+      <p:sp>
+        <p:nvSpPr>
+          <p:cNvPr id="6" name="Dia számának helye 5">
+            <a:extLst>
+              <a:ext uri="{FF2B5EF4-FFF2-40B4-BE49-F238E27FC236}">
+                <a16:creationId xmlns:a16="http://schemas.microsoft.com/office/drawing/2014/main" id="{44462040-2D88-668E-EDD7-F15D19B9F4B7}"/>
+              </a:ext>
+            </a:extLst>
+          </p:cNvPr>
+          <p:cNvSpPr>
+            <a:spLocks noGrp="1"/>
+          </p:cNvSpPr>
+          <p:nvPr>
+            <p:ph type="sldNum" sz="quarter" idx="12"/>
+          </p:nvPr>
+        </p:nvSpPr>
+        <p:spPr/>
+        <p:txBody>
+          <a:bodyPr/>
+          <a:lstStyle/>
+          <a:p>
+            <a:fld id="{927374A8-BCF2-49CD-84BD-18DF129551B3}" type="slidenum">
+              <a:rPr lang="en-US" smtClean="0"/>
+              <a:t>3</a:t>
+            </a:fld>
+            <a:endParaRPr lang="en-US"/>
+          </a:p>
+        </p:txBody>
+      </p:sp>
+    </p:spTree>
+    <p:extLst>
+      <p:ext uri="{BB962C8B-B14F-4D97-AF65-F5344CB8AC3E}">
+        <p14:creationId xmlns:p14="http://schemas.microsoft.com/office/powerpoint/2010/main" val="1897996604"/>
+      </p:ext>
+    </p:extLst>
+  </p:cSld>
+  <p:clrMapOvr>
+    <a:masterClrMapping/>
+  </p:clrMapOvr>
+</p:sld>
+</file>
+
+<file path=ppt/slides/slide30.xml><?xml version="1.0" encoding="utf-8"?>
 <p:sld xmlns:a="http://schemas.openxmlformats.org/drawingml/2006/main" xmlns:r="http://schemas.openxmlformats.org/officeDocument/2006/relationships" xmlns:p="http://schemas.openxmlformats.org/presentationml/2006/main">
   <p:cSld>
     <p:spTree>
@@ -9894,7 +10747,7 @@
           <a:p>
             <a:fld id="{927374A8-BCF2-49CD-84BD-18DF129551B3}" type="slidenum">
               <a:rPr lang="en-US" smtClean="0"/>
-              <a:t>27</a:t>
+              <a:t>30</a:t>
             </a:fld>
             <a:endParaRPr lang="en-US"/>
           </a:p>
@@ -9913,7 +10766,7 @@
 </p:sld>
 </file>
 
-<file path=ppt/slides/slide28.xml><?xml version="1.0" encoding="utf-8"?>
+<file path=ppt/slides/slide31.xml><?xml version="1.0" encoding="utf-8"?>
 <p:sld xmlns:a="http://schemas.openxmlformats.org/drawingml/2006/main" xmlns:r="http://schemas.openxmlformats.org/officeDocument/2006/relationships" xmlns:p="http://schemas.openxmlformats.org/presentationml/2006/main">
   <p:cSld>
     <p:spTree>
@@ -10063,7 +10916,7 @@
           <a:p>
             <a:fld id="{927374A8-BCF2-49CD-84BD-18DF129551B3}" type="slidenum">
               <a:rPr lang="en-US" smtClean="0"/>
-              <a:t>28</a:t>
+              <a:t>31</a:t>
             </a:fld>
             <a:endParaRPr lang="en-US"/>
           </a:p>
@@ -10082,7 +10935,7 @@
 </p:sld>
 </file>
 
-<file path=ppt/slides/slide29.xml><?xml version="1.0" encoding="utf-8"?>
+<file path=ppt/slides/slide32.xml><?xml version="1.0" encoding="utf-8"?>
 <p:sld xmlns:a="http://schemas.openxmlformats.org/drawingml/2006/main" xmlns:r="http://schemas.openxmlformats.org/officeDocument/2006/relationships" xmlns:p="http://schemas.openxmlformats.org/presentationml/2006/main">
   <p:cSld>
     <p:spTree>
@@ -10232,7 +11085,7 @@
           <a:p>
             <a:fld id="{927374A8-BCF2-49CD-84BD-18DF129551B3}" type="slidenum">
               <a:rPr lang="en-US" smtClean="0"/>
-              <a:t>29</a:t>
+              <a:t>32</a:t>
             </a:fld>
             <a:endParaRPr lang="en-US"/>
           </a:p>
@@ -10251,7 +11104,1190 @@
 </p:sld>
 </file>
 
-<file path=ppt/slides/slide3.xml><?xml version="1.0" encoding="utf-8"?>
+<file path=ppt/slides/slide33.xml><?xml version="1.0" encoding="utf-8"?>
+<p:sld xmlns:a="http://schemas.openxmlformats.org/drawingml/2006/main" xmlns:r="http://schemas.openxmlformats.org/officeDocument/2006/relationships" xmlns:p="http://schemas.openxmlformats.org/presentationml/2006/main">
+  <p:cSld>
+    <p:spTree>
+      <p:nvGrpSpPr>
+        <p:cNvPr id="1" name="">
+          <a:extLst>
+            <a:ext uri="{FF2B5EF4-FFF2-40B4-BE49-F238E27FC236}">
+              <a16:creationId xmlns:a16="http://schemas.microsoft.com/office/drawing/2014/main" id="{6A98303F-FFA3-0ACB-4B90-1640171889ED}"/>
+            </a:ext>
+          </a:extLst>
+        </p:cNvPr>
+        <p:cNvGrpSpPr/>
+        <p:nvPr/>
+      </p:nvGrpSpPr>
+      <p:grpSpPr>
+        <a:xfrm>
+          <a:off x="0" y="0"/>
+          <a:ext cx="0" cy="0"/>
+          <a:chOff x="0" y="0"/>
+          <a:chExt cx="0" cy="0"/>
+        </a:xfrm>
+      </p:grpSpPr>
+      <p:sp>
+        <p:nvSpPr>
+          <p:cNvPr id="2" name="Cím 1">
+            <a:extLst>
+              <a:ext uri="{FF2B5EF4-FFF2-40B4-BE49-F238E27FC236}">
+                <a16:creationId xmlns:a16="http://schemas.microsoft.com/office/drawing/2014/main" id="{CF0018DB-40AA-AA69-5169-21A9DCCA564A}"/>
+              </a:ext>
+            </a:extLst>
+          </p:cNvPr>
+          <p:cNvSpPr>
+            <a:spLocks noGrp="1"/>
+          </p:cNvSpPr>
+          <p:nvPr>
+            <p:ph type="title"/>
+          </p:nvPr>
+        </p:nvSpPr>
+        <p:spPr/>
+        <p:txBody>
+          <a:bodyPr/>
+          <a:lstStyle/>
+          <a:p>
+            <a:endParaRPr lang="en-US"/>
+          </a:p>
+        </p:txBody>
+      </p:sp>
+      <p:sp>
+        <p:nvSpPr>
+          <p:cNvPr id="3" name="Tartalom helye 2">
+            <a:extLst>
+              <a:ext uri="{FF2B5EF4-FFF2-40B4-BE49-F238E27FC236}">
+                <a16:creationId xmlns:a16="http://schemas.microsoft.com/office/drawing/2014/main" id="{6C00AFB7-3DC9-D588-9AEE-CCD3D0220434}"/>
+              </a:ext>
+            </a:extLst>
+          </p:cNvPr>
+          <p:cNvSpPr>
+            <a:spLocks noGrp="1"/>
+          </p:cNvSpPr>
+          <p:nvPr>
+            <p:ph idx="1"/>
+          </p:nvPr>
+        </p:nvSpPr>
+        <p:spPr/>
+        <p:txBody>
+          <a:bodyPr/>
+          <a:lstStyle/>
+          <a:p>
+            <a:endParaRPr lang="en-US"/>
+          </a:p>
+        </p:txBody>
+      </p:sp>
+      <p:sp>
+        <p:nvSpPr>
+          <p:cNvPr id="4" name="Dátum helye 3">
+            <a:extLst>
+              <a:ext uri="{FF2B5EF4-FFF2-40B4-BE49-F238E27FC236}">
+                <a16:creationId xmlns:a16="http://schemas.microsoft.com/office/drawing/2014/main" id="{685326CF-AB43-BF91-783F-D8DC1E53F187}"/>
+              </a:ext>
+            </a:extLst>
+          </p:cNvPr>
+          <p:cNvSpPr>
+            <a:spLocks noGrp="1"/>
+          </p:cNvSpPr>
+          <p:nvPr>
+            <p:ph type="dt" sz="half" idx="10"/>
+          </p:nvPr>
+        </p:nvSpPr>
+        <p:spPr/>
+        <p:txBody>
+          <a:bodyPr/>
+          <a:lstStyle/>
+          <a:p>
+            <a:fld id="{EB97F16F-FFE6-41DC-A3AD-CE93007B8BC1}" type="datetime1">
+              <a:rPr lang="hu-HU" smtClean="0"/>
+              <a:t>2024. 03. 04.</a:t>
+            </a:fld>
+            <a:endParaRPr lang="en-US"/>
+          </a:p>
+        </p:txBody>
+      </p:sp>
+      <p:sp>
+        <p:nvSpPr>
+          <p:cNvPr id="5" name="Élőláb helye 4">
+            <a:extLst>
+              <a:ext uri="{FF2B5EF4-FFF2-40B4-BE49-F238E27FC236}">
+                <a16:creationId xmlns:a16="http://schemas.microsoft.com/office/drawing/2014/main" id="{7297C95F-8964-83CD-0087-7EE9ACF278E7}"/>
+              </a:ext>
+            </a:extLst>
+          </p:cNvPr>
+          <p:cNvSpPr>
+            <a:spLocks noGrp="1"/>
+          </p:cNvSpPr>
+          <p:nvPr>
+            <p:ph type="ftr" sz="quarter" idx="11"/>
+          </p:nvPr>
+        </p:nvSpPr>
+        <p:spPr/>
+        <p:txBody>
+          <a:bodyPr/>
+          <a:lstStyle/>
+          <a:p>
+            <a:endParaRPr lang="en-US"/>
+          </a:p>
+        </p:txBody>
+      </p:sp>
+      <p:sp>
+        <p:nvSpPr>
+          <p:cNvPr id="6" name="Dia számának helye 5">
+            <a:extLst>
+              <a:ext uri="{FF2B5EF4-FFF2-40B4-BE49-F238E27FC236}">
+                <a16:creationId xmlns:a16="http://schemas.microsoft.com/office/drawing/2014/main" id="{1D630C00-7B77-C24F-0ABD-CC85F35B6E71}"/>
+              </a:ext>
+            </a:extLst>
+          </p:cNvPr>
+          <p:cNvSpPr>
+            <a:spLocks noGrp="1"/>
+          </p:cNvSpPr>
+          <p:nvPr>
+            <p:ph type="sldNum" sz="quarter" idx="12"/>
+          </p:nvPr>
+        </p:nvSpPr>
+        <p:spPr/>
+        <p:txBody>
+          <a:bodyPr/>
+          <a:lstStyle/>
+          <a:p>
+            <a:fld id="{927374A8-BCF2-49CD-84BD-18DF129551B3}" type="slidenum">
+              <a:rPr lang="en-US" smtClean="0"/>
+              <a:t>33</a:t>
+            </a:fld>
+            <a:endParaRPr lang="en-US"/>
+          </a:p>
+        </p:txBody>
+      </p:sp>
+    </p:spTree>
+    <p:extLst>
+      <p:ext uri="{BB962C8B-B14F-4D97-AF65-F5344CB8AC3E}">
+        <p14:creationId xmlns:p14="http://schemas.microsoft.com/office/powerpoint/2010/main" val="4209739796"/>
+      </p:ext>
+    </p:extLst>
+  </p:cSld>
+  <p:clrMapOvr>
+    <a:masterClrMapping/>
+  </p:clrMapOvr>
+</p:sld>
+</file>
+
+<file path=ppt/slides/slide34.xml><?xml version="1.0" encoding="utf-8"?>
+<p:sld xmlns:a="http://schemas.openxmlformats.org/drawingml/2006/main" xmlns:r="http://schemas.openxmlformats.org/officeDocument/2006/relationships" xmlns:p="http://schemas.openxmlformats.org/presentationml/2006/main">
+  <p:cSld>
+    <p:spTree>
+      <p:nvGrpSpPr>
+        <p:cNvPr id="1" name="">
+          <a:extLst>
+            <a:ext uri="{FF2B5EF4-FFF2-40B4-BE49-F238E27FC236}">
+              <a16:creationId xmlns:a16="http://schemas.microsoft.com/office/drawing/2014/main" id="{48605962-86F5-A6E3-BC2D-F924EA0F5D7D}"/>
+            </a:ext>
+          </a:extLst>
+        </p:cNvPr>
+        <p:cNvGrpSpPr/>
+        <p:nvPr/>
+      </p:nvGrpSpPr>
+      <p:grpSpPr>
+        <a:xfrm>
+          <a:off x="0" y="0"/>
+          <a:ext cx="0" cy="0"/>
+          <a:chOff x="0" y="0"/>
+          <a:chExt cx="0" cy="0"/>
+        </a:xfrm>
+      </p:grpSpPr>
+      <p:sp>
+        <p:nvSpPr>
+          <p:cNvPr id="2" name="Cím 1">
+            <a:extLst>
+              <a:ext uri="{FF2B5EF4-FFF2-40B4-BE49-F238E27FC236}">
+                <a16:creationId xmlns:a16="http://schemas.microsoft.com/office/drawing/2014/main" id="{FF8ECAF4-CF89-94A6-5DF7-8F1308825688}"/>
+              </a:ext>
+            </a:extLst>
+          </p:cNvPr>
+          <p:cNvSpPr>
+            <a:spLocks noGrp="1"/>
+          </p:cNvSpPr>
+          <p:nvPr>
+            <p:ph type="title"/>
+          </p:nvPr>
+        </p:nvSpPr>
+        <p:spPr/>
+        <p:txBody>
+          <a:bodyPr/>
+          <a:lstStyle/>
+          <a:p>
+            <a:endParaRPr lang="en-US"/>
+          </a:p>
+        </p:txBody>
+      </p:sp>
+      <p:sp>
+        <p:nvSpPr>
+          <p:cNvPr id="3" name="Tartalom helye 2">
+            <a:extLst>
+              <a:ext uri="{FF2B5EF4-FFF2-40B4-BE49-F238E27FC236}">
+                <a16:creationId xmlns:a16="http://schemas.microsoft.com/office/drawing/2014/main" id="{53B3DDB0-4358-A89E-AF9A-C49B0E0A7C7B}"/>
+              </a:ext>
+            </a:extLst>
+          </p:cNvPr>
+          <p:cNvSpPr>
+            <a:spLocks noGrp="1"/>
+          </p:cNvSpPr>
+          <p:nvPr>
+            <p:ph idx="1"/>
+          </p:nvPr>
+        </p:nvSpPr>
+        <p:spPr/>
+        <p:txBody>
+          <a:bodyPr/>
+          <a:lstStyle/>
+          <a:p>
+            <a:endParaRPr lang="en-US"/>
+          </a:p>
+        </p:txBody>
+      </p:sp>
+      <p:sp>
+        <p:nvSpPr>
+          <p:cNvPr id="4" name="Dátum helye 3">
+            <a:extLst>
+              <a:ext uri="{FF2B5EF4-FFF2-40B4-BE49-F238E27FC236}">
+                <a16:creationId xmlns:a16="http://schemas.microsoft.com/office/drawing/2014/main" id="{54CAA46D-2A82-7E2D-B22A-3B45E4B27FA7}"/>
+              </a:ext>
+            </a:extLst>
+          </p:cNvPr>
+          <p:cNvSpPr>
+            <a:spLocks noGrp="1"/>
+          </p:cNvSpPr>
+          <p:nvPr>
+            <p:ph type="dt" sz="half" idx="10"/>
+          </p:nvPr>
+        </p:nvSpPr>
+        <p:spPr/>
+        <p:txBody>
+          <a:bodyPr/>
+          <a:lstStyle/>
+          <a:p>
+            <a:fld id="{4BCEB398-D0B5-49F4-BFFD-BF773C3998CE}" type="datetime1">
+              <a:rPr lang="hu-HU" smtClean="0"/>
+              <a:t>2024. 03. 04.</a:t>
+            </a:fld>
+            <a:endParaRPr lang="en-US"/>
+          </a:p>
+        </p:txBody>
+      </p:sp>
+      <p:sp>
+        <p:nvSpPr>
+          <p:cNvPr id="5" name="Élőláb helye 4">
+            <a:extLst>
+              <a:ext uri="{FF2B5EF4-FFF2-40B4-BE49-F238E27FC236}">
+                <a16:creationId xmlns:a16="http://schemas.microsoft.com/office/drawing/2014/main" id="{F4653724-E007-513C-FD45-8D641EF30D82}"/>
+              </a:ext>
+            </a:extLst>
+          </p:cNvPr>
+          <p:cNvSpPr>
+            <a:spLocks noGrp="1"/>
+          </p:cNvSpPr>
+          <p:nvPr>
+            <p:ph type="ftr" sz="quarter" idx="11"/>
+          </p:nvPr>
+        </p:nvSpPr>
+        <p:spPr/>
+        <p:txBody>
+          <a:bodyPr/>
+          <a:lstStyle/>
+          <a:p>
+            <a:endParaRPr lang="en-US"/>
+          </a:p>
+        </p:txBody>
+      </p:sp>
+      <p:sp>
+        <p:nvSpPr>
+          <p:cNvPr id="6" name="Dia számának helye 5">
+            <a:extLst>
+              <a:ext uri="{FF2B5EF4-FFF2-40B4-BE49-F238E27FC236}">
+                <a16:creationId xmlns:a16="http://schemas.microsoft.com/office/drawing/2014/main" id="{33F52419-D19D-34F6-924F-D408CD146446}"/>
+              </a:ext>
+            </a:extLst>
+          </p:cNvPr>
+          <p:cNvSpPr>
+            <a:spLocks noGrp="1"/>
+          </p:cNvSpPr>
+          <p:nvPr>
+            <p:ph type="sldNum" sz="quarter" idx="12"/>
+          </p:nvPr>
+        </p:nvSpPr>
+        <p:spPr/>
+        <p:txBody>
+          <a:bodyPr/>
+          <a:lstStyle/>
+          <a:p>
+            <a:fld id="{927374A8-BCF2-49CD-84BD-18DF129551B3}" type="slidenum">
+              <a:rPr lang="en-US" smtClean="0"/>
+              <a:t>34</a:t>
+            </a:fld>
+            <a:endParaRPr lang="en-US"/>
+          </a:p>
+        </p:txBody>
+      </p:sp>
+    </p:spTree>
+    <p:extLst>
+      <p:ext uri="{BB962C8B-B14F-4D97-AF65-F5344CB8AC3E}">
+        <p14:creationId xmlns:p14="http://schemas.microsoft.com/office/powerpoint/2010/main" val="1798607486"/>
+      </p:ext>
+    </p:extLst>
+  </p:cSld>
+  <p:clrMapOvr>
+    <a:masterClrMapping/>
+  </p:clrMapOvr>
+</p:sld>
+</file>
+
+<file path=ppt/slides/slide35.xml><?xml version="1.0" encoding="utf-8"?>
+<p:sld xmlns:a="http://schemas.openxmlformats.org/drawingml/2006/main" xmlns:r="http://schemas.openxmlformats.org/officeDocument/2006/relationships" xmlns:p="http://schemas.openxmlformats.org/presentationml/2006/main">
+  <p:cSld>
+    <p:spTree>
+      <p:nvGrpSpPr>
+        <p:cNvPr id="1" name="">
+          <a:extLst>
+            <a:ext uri="{FF2B5EF4-FFF2-40B4-BE49-F238E27FC236}">
+              <a16:creationId xmlns:a16="http://schemas.microsoft.com/office/drawing/2014/main" id="{EC295C81-B4AF-5AEF-0A55-82E7CEA28C31}"/>
+            </a:ext>
+          </a:extLst>
+        </p:cNvPr>
+        <p:cNvGrpSpPr/>
+        <p:nvPr/>
+      </p:nvGrpSpPr>
+      <p:grpSpPr>
+        <a:xfrm>
+          <a:off x="0" y="0"/>
+          <a:ext cx="0" cy="0"/>
+          <a:chOff x="0" y="0"/>
+          <a:chExt cx="0" cy="0"/>
+        </a:xfrm>
+      </p:grpSpPr>
+      <p:sp>
+        <p:nvSpPr>
+          <p:cNvPr id="2" name="Cím 1">
+            <a:extLst>
+              <a:ext uri="{FF2B5EF4-FFF2-40B4-BE49-F238E27FC236}">
+                <a16:creationId xmlns:a16="http://schemas.microsoft.com/office/drawing/2014/main" id="{B321F35F-14CD-BB06-C17B-11ADC0652D5A}"/>
+              </a:ext>
+            </a:extLst>
+          </p:cNvPr>
+          <p:cNvSpPr>
+            <a:spLocks noGrp="1"/>
+          </p:cNvSpPr>
+          <p:nvPr>
+            <p:ph type="title"/>
+          </p:nvPr>
+        </p:nvSpPr>
+        <p:spPr/>
+        <p:txBody>
+          <a:bodyPr/>
+          <a:lstStyle/>
+          <a:p>
+            <a:endParaRPr lang="en-US"/>
+          </a:p>
+        </p:txBody>
+      </p:sp>
+      <p:sp>
+        <p:nvSpPr>
+          <p:cNvPr id="3" name="Tartalom helye 2">
+            <a:extLst>
+              <a:ext uri="{FF2B5EF4-FFF2-40B4-BE49-F238E27FC236}">
+                <a16:creationId xmlns:a16="http://schemas.microsoft.com/office/drawing/2014/main" id="{CC3E3C6F-6003-FFE2-F5AE-3FF979F62D1F}"/>
+              </a:ext>
+            </a:extLst>
+          </p:cNvPr>
+          <p:cNvSpPr>
+            <a:spLocks noGrp="1"/>
+          </p:cNvSpPr>
+          <p:nvPr>
+            <p:ph idx="1"/>
+          </p:nvPr>
+        </p:nvSpPr>
+        <p:spPr/>
+        <p:txBody>
+          <a:bodyPr/>
+          <a:lstStyle/>
+          <a:p>
+            <a:endParaRPr lang="en-US"/>
+          </a:p>
+        </p:txBody>
+      </p:sp>
+      <p:sp>
+        <p:nvSpPr>
+          <p:cNvPr id="4" name="Dátum helye 3">
+            <a:extLst>
+              <a:ext uri="{FF2B5EF4-FFF2-40B4-BE49-F238E27FC236}">
+                <a16:creationId xmlns:a16="http://schemas.microsoft.com/office/drawing/2014/main" id="{ACFF4E46-E3A8-7EA7-73FE-19FA8F187D9E}"/>
+              </a:ext>
+            </a:extLst>
+          </p:cNvPr>
+          <p:cNvSpPr>
+            <a:spLocks noGrp="1"/>
+          </p:cNvSpPr>
+          <p:nvPr>
+            <p:ph type="dt" sz="half" idx="10"/>
+          </p:nvPr>
+        </p:nvSpPr>
+        <p:spPr/>
+        <p:txBody>
+          <a:bodyPr/>
+          <a:lstStyle/>
+          <a:p>
+            <a:fld id="{9380AAEC-0757-4011-8966-326D523FA5EB}" type="datetime1">
+              <a:rPr lang="hu-HU" smtClean="0"/>
+              <a:t>2024. 03. 04.</a:t>
+            </a:fld>
+            <a:endParaRPr lang="en-US"/>
+          </a:p>
+        </p:txBody>
+      </p:sp>
+      <p:sp>
+        <p:nvSpPr>
+          <p:cNvPr id="5" name="Élőláb helye 4">
+            <a:extLst>
+              <a:ext uri="{FF2B5EF4-FFF2-40B4-BE49-F238E27FC236}">
+                <a16:creationId xmlns:a16="http://schemas.microsoft.com/office/drawing/2014/main" id="{7C391F11-3A85-EC1D-4246-EDCE5CA495FC}"/>
+              </a:ext>
+            </a:extLst>
+          </p:cNvPr>
+          <p:cNvSpPr>
+            <a:spLocks noGrp="1"/>
+          </p:cNvSpPr>
+          <p:nvPr>
+            <p:ph type="ftr" sz="quarter" idx="11"/>
+          </p:nvPr>
+        </p:nvSpPr>
+        <p:spPr/>
+        <p:txBody>
+          <a:bodyPr/>
+          <a:lstStyle/>
+          <a:p>
+            <a:endParaRPr lang="en-US"/>
+          </a:p>
+        </p:txBody>
+      </p:sp>
+      <p:sp>
+        <p:nvSpPr>
+          <p:cNvPr id="6" name="Dia számának helye 5">
+            <a:extLst>
+              <a:ext uri="{FF2B5EF4-FFF2-40B4-BE49-F238E27FC236}">
+                <a16:creationId xmlns:a16="http://schemas.microsoft.com/office/drawing/2014/main" id="{316E978D-C5E0-238D-126B-6D30D6CD7C7B}"/>
+              </a:ext>
+            </a:extLst>
+          </p:cNvPr>
+          <p:cNvSpPr>
+            <a:spLocks noGrp="1"/>
+          </p:cNvSpPr>
+          <p:nvPr>
+            <p:ph type="sldNum" sz="quarter" idx="12"/>
+          </p:nvPr>
+        </p:nvSpPr>
+        <p:spPr/>
+        <p:txBody>
+          <a:bodyPr/>
+          <a:lstStyle/>
+          <a:p>
+            <a:fld id="{927374A8-BCF2-49CD-84BD-18DF129551B3}" type="slidenum">
+              <a:rPr lang="en-US" smtClean="0"/>
+              <a:t>35</a:t>
+            </a:fld>
+            <a:endParaRPr lang="en-US"/>
+          </a:p>
+        </p:txBody>
+      </p:sp>
+    </p:spTree>
+    <p:extLst>
+      <p:ext uri="{BB962C8B-B14F-4D97-AF65-F5344CB8AC3E}">
+        <p14:creationId xmlns:p14="http://schemas.microsoft.com/office/powerpoint/2010/main" val="2327993938"/>
+      </p:ext>
+    </p:extLst>
+  </p:cSld>
+  <p:clrMapOvr>
+    <a:masterClrMapping/>
+  </p:clrMapOvr>
+</p:sld>
+</file>
+
+<file path=ppt/slides/slide36.xml><?xml version="1.0" encoding="utf-8"?>
+<p:sld xmlns:a="http://schemas.openxmlformats.org/drawingml/2006/main" xmlns:r="http://schemas.openxmlformats.org/officeDocument/2006/relationships" xmlns:p="http://schemas.openxmlformats.org/presentationml/2006/main">
+  <p:cSld>
+    <p:spTree>
+      <p:nvGrpSpPr>
+        <p:cNvPr id="1" name="">
+          <a:extLst>
+            <a:ext uri="{FF2B5EF4-FFF2-40B4-BE49-F238E27FC236}">
+              <a16:creationId xmlns:a16="http://schemas.microsoft.com/office/drawing/2014/main" id="{21472F92-F50B-C31B-3B7C-0C1D66D95966}"/>
+            </a:ext>
+          </a:extLst>
+        </p:cNvPr>
+        <p:cNvGrpSpPr/>
+        <p:nvPr/>
+      </p:nvGrpSpPr>
+      <p:grpSpPr>
+        <a:xfrm>
+          <a:off x="0" y="0"/>
+          <a:ext cx="0" cy="0"/>
+          <a:chOff x="0" y="0"/>
+          <a:chExt cx="0" cy="0"/>
+        </a:xfrm>
+      </p:grpSpPr>
+      <p:sp>
+        <p:nvSpPr>
+          <p:cNvPr id="2" name="Cím 1">
+            <a:extLst>
+              <a:ext uri="{FF2B5EF4-FFF2-40B4-BE49-F238E27FC236}">
+                <a16:creationId xmlns:a16="http://schemas.microsoft.com/office/drawing/2014/main" id="{077B96B8-2278-2262-06FB-24D13D72E9BD}"/>
+              </a:ext>
+            </a:extLst>
+          </p:cNvPr>
+          <p:cNvSpPr>
+            <a:spLocks noGrp="1"/>
+          </p:cNvSpPr>
+          <p:nvPr>
+            <p:ph type="title"/>
+          </p:nvPr>
+        </p:nvSpPr>
+        <p:spPr/>
+        <p:txBody>
+          <a:bodyPr/>
+          <a:lstStyle/>
+          <a:p>
+            <a:endParaRPr lang="en-US"/>
+          </a:p>
+        </p:txBody>
+      </p:sp>
+      <p:sp>
+        <p:nvSpPr>
+          <p:cNvPr id="3" name="Tartalom helye 2">
+            <a:extLst>
+              <a:ext uri="{FF2B5EF4-FFF2-40B4-BE49-F238E27FC236}">
+                <a16:creationId xmlns:a16="http://schemas.microsoft.com/office/drawing/2014/main" id="{25C44789-49EB-91F4-C8C8-EE5F147EAB2C}"/>
+              </a:ext>
+            </a:extLst>
+          </p:cNvPr>
+          <p:cNvSpPr>
+            <a:spLocks noGrp="1"/>
+          </p:cNvSpPr>
+          <p:nvPr>
+            <p:ph idx="1"/>
+          </p:nvPr>
+        </p:nvSpPr>
+        <p:spPr/>
+        <p:txBody>
+          <a:bodyPr/>
+          <a:lstStyle/>
+          <a:p>
+            <a:endParaRPr lang="en-US"/>
+          </a:p>
+        </p:txBody>
+      </p:sp>
+      <p:sp>
+        <p:nvSpPr>
+          <p:cNvPr id="4" name="Dátum helye 3">
+            <a:extLst>
+              <a:ext uri="{FF2B5EF4-FFF2-40B4-BE49-F238E27FC236}">
+                <a16:creationId xmlns:a16="http://schemas.microsoft.com/office/drawing/2014/main" id="{9C774B24-2060-BE96-064C-0267DD145DCC}"/>
+              </a:ext>
+            </a:extLst>
+          </p:cNvPr>
+          <p:cNvSpPr>
+            <a:spLocks noGrp="1"/>
+          </p:cNvSpPr>
+          <p:nvPr>
+            <p:ph type="dt" sz="half" idx="10"/>
+          </p:nvPr>
+        </p:nvSpPr>
+        <p:spPr/>
+        <p:txBody>
+          <a:bodyPr/>
+          <a:lstStyle/>
+          <a:p>
+            <a:fld id="{7AFF3A3C-CB5D-4013-A7B1-2E170D1DA9D3}" type="datetime1">
+              <a:rPr lang="hu-HU" smtClean="0"/>
+              <a:t>2024. 03. 04.</a:t>
+            </a:fld>
+            <a:endParaRPr lang="en-US"/>
+          </a:p>
+        </p:txBody>
+      </p:sp>
+      <p:sp>
+        <p:nvSpPr>
+          <p:cNvPr id="5" name="Élőláb helye 4">
+            <a:extLst>
+              <a:ext uri="{FF2B5EF4-FFF2-40B4-BE49-F238E27FC236}">
+                <a16:creationId xmlns:a16="http://schemas.microsoft.com/office/drawing/2014/main" id="{01AEA849-032A-CEDC-0E44-FE89715A45D4}"/>
+              </a:ext>
+            </a:extLst>
+          </p:cNvPr>
+          <p:cNvSpPr>
+            <a:spLocks noGrp="1"/>
+          </p:cNvSpPr>
+          <p:nvPr>
+            <p:ph type="ftr" sz="quarter" idx="11"/>
+          </p:nvPr>
+        </p:nvSpPr>
+        <p:spPr/>
+        <p:txBody>
+          <a:bodyPr/>
+          <a:lstStyle/>
+          <a:p>
+            <a:endParaRPr lang="en-US"/>
+          </a:p>
+        </p:txBody>
+      </p:sp>
+      <p:sp>
+        <p:nvSpPr>
+          <p:cNvPr id="6" name="Dia számának helye 5">
+            <a:extLst>
+              <a:ext uri="{FF2B5EF4-FFF2-40B4-BE49-F238E27FC236}">
+                <a16:creationId xmlns:a16="http://schemas.microsoft.com/office/drawing/2014/main" id="{ADC3DB1F-C824-8DA4-67BD-43690A237672}"/>
+              </a:ext>
+            </a:extLst>
+          </p:cNvPr>
+          <p:cNvSpPr>
+            <a:spLocks noGrp="1"/>
+          </p:cNvSpPr>
+          <p:nvPr>
+            <p:ph type="sldNum" sz="quarter" idx="12"/>
+          </p:nvPr>
+        </p:nvSpPr>
+        <p:spPr/>
+        <p:txBody>
+          <a:bodyPr/>
+          <a:lstStyle/>
+          <a:p>
+            <a:fld id="{927374A8-BCF2-49CD-84BD-18DF129551B3}" type="slidenum">
+              <a:rPr lang="en-US" smtClean="0"/>
+              <a:t>36</a:t>
+            </a:fld>
+            <a:endParaRPr lang="en-US"/>
+          </a:p>
+        </p:txBody>
+      </p:sp>
+    </p:spTree>
+    <p:extLst>
+      <p:ext uri="{BB962C8B-B14F-4D97-AF65-F5344CB8AC3E}">
+        <p14:creationId xmlns:p14="http://schemas.microsoft.com/office/powerpoint/2010/main" val="3094222309"/>
+      </p:ext>
+    </p:extLst>
+  </p:cSld>
+  <p:clrMapOvr>
+    <a:masterClrMapping/>
+  </p:clrMapOvr>
+</p:sld>
+</file>
+
+<file path=ppt/slides/slide37.xml><?xml version="1.0" encoding="utf-8"?>
+<p:sld xmlns:a="http://schemas.openxmlformats.org/drawingml/2006/main" xmlns:r="http://schemas.openxmlformats.org/officeDocument/2006/relationships" xmlns:p="http://schemas.openxmlformats.org/presentationml/2006/main">
+  <p:cSld>
+    <p:spTree>
+      <p:nvGrpSpPr>
+        <p:cNvPr id="1" name="">
+          <a:extLst>
+            <a:ext uri="{FF2B5EF4-FFF2-40B4-BE49-F238E27FC236}">
+              <a16:creationId xmlns:a16="http://schemas.microsoft.com/office/drawing/2014/main" id="{0EFD9816-EF88-059D-257E-E189648B6AE7}"/>
+            </a:ext>
+          </a:extLst>
+        </p:cNvPr>
+        <p:cNvGrpSpPr/>
+        <p:nvPr/>
+      </p:nvGrpSpPr>
+      <p:grpSpPr>
+        <a:xfrm>
+          <a:off x="0" y="0"/>
+          <a:ext cx="0" cy="0"/>
+          <a:chOff x="0" y="0"/>
+          <a:chExt cx="0" cy="0"/>
+        </a:xfrm>
+      </p:grpSpPr>
+      <p:sp>
+        <p:nvSpPr>
+          <p:cNvPr id="2" name="Cím 1">
+            <a:extLst>
+              <a:ext uri="{FF2B5EF4-FFF2-40B4-BE49-F238E27FC236}">
+                <a16:creationId xmlns:a16="http://schemas.microsoft.com/office/drawing/2014/main" id="{41FB978F-2BD7-87A5-CC39-0C6B06D60394}"/>
+              </a:ext>
+            </a:extLst>
+          </p:cNvPr>
+          <p:cNvSpPr>
+            <a:spLocks noGrp="1"/>
+          </p:cNvSpPr>
+          <p:nvPr>
+            <p:ph type="title"/>
+          </p:nvPr>
+        </p:nvSpPr>
+        <p:spPr/>
+        <p:txBody>
+          <a:bodyPr/>
+          <a:lstStyle/>
+          <a:p>
+            <a:endParaRPr lang="en-US"/>
+          </a:p>
+        </p:txBody>
+      </p:sp>
+      <p:sp>
+        <p:nvSpPr>
+          <p:cNvPr id="3" name="Tartalom helye 2">
+            <a:extLst>
+              <a:ext uri="{FF2B5EF4-FFF2-40B4-BE49-F238E27FC236}">
+                <a16:creationId xmlns:a16="http://schemas.microsoft.com/office/drawing/2014/main" id="{240CA2DC-46F8-8724-45CF-0581DDEF8348}"/>
+              </a:ext>
+            </a:extLst>
+          </p:cNvPr>
+          <p:cNvSpPr>
+            <a:spLocks noGrp="1"/>
+          </p:cNvSpPr>
+          <p:nvPr>
+            <p:ph idx="1"/>
+          </p:nvPr>
+        </p:nvSpPr>
+        <p:spPr/>
+        <p:txBody>
+          <a:bodyPr/>
+          <a:lstStyle/>
+          <a:p>
+            <a:endParaRPr lang="en-US"/>
+          </a:p>
+        </p:txBody>
+      </p:sp>
+      <p:sp>
+        <p:nvSpPr>
+          <p:cNvPr id="4" name="Dátum helye 3">
+            <a:extLst>
+              <a:ext uri="{FF2B5EF4-FFF2-40B4-BE49-F238E27FC236}">
+                <a16:creationId xmlns:a16="http://schemas.microsoft.com/office/drawing/2014/main" id="{5C29319D-AF18-F15B-9FCA-A77EDB5E9128}"/>
+              </a:ext>
+            </a:extLst>
+          </p:cNvPr>
+          <p:cNvSpPr>
+            <a:spLocks noGrp="1"/>
+          </p:cNvSpPr>
+          <p:nvPr>
+            <p:ph type="dt" sz="half" idx="10"/>
+          </p:nvPr>
+        </p:nvSpPr>
+        <p:spPr/>
+        <p:txBody>
+          <a:bodyPr/>
+          <a:lstStyle/>
+          <a:p>
+            <a:fld id="{317C457E-7F68-4E59-8D91-D8DE8B261664}" type="datetime1">
+              <a:rPr lang="hu-HU" smtClean="0"/>
+              <a:t>2024. 03. 04.</a:t>
+            </a:fld>
+            <a:endParaRPr lang="en-US"/>
+          </a:p>
+        </p:txBody>
+      </p:sp>
+      <p:sp>
+        <p:nvSpPr>
+          <p:cNvPr id="5" name="Élőláb helye 4">
+            <a:extLst>
+              <a:ext uri="{FF2B5EF4-FFF2-40B4-BE49-F238E27FC236}">
+                <a16:creationId xmlns:a16="http://schemas.microsoft.com/office/drawing/2014/main" id="{84DBCEF8-61A6-892F-78ED-A42CF3792038}"/>
+              </a:ext>
+            </a:extLst>
+          </p:cNvPr>
+          <p:cNvSpPr>
+            <a:spLocks noGrp="1"/>
+          </p:cNvSpPr>
+          <p:nvPr>
+            <p:ph type="ftr" sz="quarter" idx="11"/>
+          </p:nvPr>
+        </p:nvSpPr>
+        <p:spPr/>
+        <p:txBody>
+          <a:bodyPr/>
+          <a:lstStyle/>
+          <a:p>
+            <a:endParaRPr lang="en-US"/>
+          </a:p>
+        </p:txBody>
+      </p:sp>
+      <p:sp>
+        <p:nvSpPr>
+          <p:cNvPr id="6" name="Dia számának helye 5">
+            <a:extLst>
+              <a:ext uri="{FF2B5EF4-FFF2-40B4-BE49-F238E27FC236}">
+                <a16:creationId xmlns:a16="http://schemas.microsoft.com/office/drawing/2014/main" id="{4EE648F6-4B41-E8CD-A14E-762189F63BCB}"/>
+              </a:ext>
+            </a:extLst>
+          </p:cNvPr>
+          <p:cNvSpPr>
+            <a:spLocks noGrp="1"/>
+          </p:cNvSpPr>
+          <p:nvPr>
+            <p:ph type="sldNum" sz="quarter" idx="12"/>
+          </p:nvPr>
+        </p:nvSpPr>
+        <p:spPr/>
+        <p:txBody>
+          <a:bodyPr/>
+          <a:lstStyle/>
+          <a:p>
+            <a:fld id="{927374A8-BCF2-49CD-84BD-18DF129551B3}" type="slidenum">
+              <a:rPr lang="en-US" smtClean="0"/>
+              <a:t>37</a:t>
+            </a:fld>
+            <a:endParaRPr lang="en-US"/>
+          </a:p>
+        </p:txBody>
+      </p:sp>
+    </p:spTree>
+    <p:extLst>
+      <p:ext uri="{BB962C8B-B14F-4D97-AF65-F5344CB8AC3E}">
+        <p14:creationId xmlns:p14="http://schemas.microsoft.com/office/powerpoint/2010/main" val="1232345935"/>
+      </p:ext>
+    </p:extLst>
+  </p:cSld>
+  <p:clrMapOvr>
+    <a:masterClrMapping/>
+  </p:clrMapOvr>
+</p:sld>
+</file>
+
+<file path=ppt/slides/slide38.xml><?xml version="1.0" encoding="utf-8"?>
+<p:sld xmlns:a="http://schemas.openxmlformats.org/drawingml/2006/main" xmlns:r="http://schemas.openxmlformats.org/officeDocument/2006/relationships" xmlns:p="http://schemas.openxmlformats.org/presentationml/2006/main">
+  <p:cSld>
+    <p:spTree>
+      <p:nvGrpSpPr>
+        <p:cNvPr id="1" name="">
+          <a:extLst>
+            <a:ext uri="{FF2B5EF4-FFF2-40B4-BE49-F238E27FC236}">
+              <a16:creationId xmlns:a16="http://schemas.microsoft.com/office/drawing/2014/main" id="{610E0522-72A5-FD1B-6B8A-BCF0610518C5}"/>
+            </a:ext>
+          </a:extLst>
+        </p:cNvPr>
+        <p:cNvGrpSpPr/>
+        <p:nvPr/>
+      </p:nvGrpSpPr>
+      <p:grpSpPr>
+        <a:xfrm>
+          <a:off x="0" y="0"/>
+          <a:ext cx="0" cy="0"/>
+          <a:chOff x="0" y="0"/>
+          <a:chExt cx="0" cy="0"/>
+        </a:xfrm>
+      </p:grpSpPr>
+      <p:sp>
+        <p:nvSpPr>
+          <p:cNvPr id="2" name="Cím 1">
+            <a:extLst>
+              <a:ext uri="{FF2B5EF4-FFF2-40B4-BE49-F238E27FC236}">
+                <a16:creationId xmlns:a16="http://schemas.microsoft.com/office/drawing/2014/main" id="{A27CFD70-B7D9-F056-AD7F-3D152EC73091}"/>
+              </a:ext>
+            </a:extLst>
+          </p:cNvPr>
+          <p:cNvSpPr>
+            <a:spLocks noGrp="1"/>
+          </p:cNvSpPr>
+          <p:nvPr>
+            <p:ph type="title"/>
+          </p:nvPr>
+        </p:nvSpPr>
+        <p:spPr/>
+        <p:txBody>
+          <a:bodyPr/>
+          <a:lstStyle/>
+          <a:p>
+            <a:endParaRPr lang="en-US"/>
+          </a:p>
+        </p:txBody>
+      </p:sp>
+      <p:sp>
+        <p:nvSpPr>
+          <p:cNvPr id="3" name="Tartalom helye 2">
+            <a:extLst>
+              <a:ext uri="{FF2B5EF4-FFF2-40B4-BE49-F238E27FC236}">
+                <a16:creationId xmlns:a16="http://schemas.microsoft.com/office/drawing/2014/main" id="{556603B4-015C-1F4F-68BB-EFD8CCB29B6C}"/>
+              </a:ext>
+            </a:extLst>
+          </p:cNvPr>
+          <p:cNvSpPr>
+            <a:spLocks noGrp="1"/>
+          </p:cNvSpPr>
+          <p:nvPr>
+            <p:ph idx="1"/>
+          </p:nvPr>
+        </p:nvSpPr>
+        <p:spPr/>
+        <p:txBody>
+          <a:bodyPr/>
+          <a:lstStyle/>
+          <a:p>
+            <a:endParaRPr lang="en-US"/>
+          </a:p>
+        </p:txBody>
+      </p:sp>
+      <p:sp>
+        <p:nvSpPr>
+          <p:cNvPr id="4" name="Dátum helye 3">
+            <a:extLst>
+              <a:ext uri="{FF2B5EF4-FFF2-40B4-BE49-F238E27FC236}">
+                <a16:creationId xmlns:a16="http://schemas.microsoft.com/office/drawing/2014/main" id="{AB958072-4172-5CC5-72A1-A10C15B62C3C}"/>
+              </a:ext>
+            </a:extLst>
+          </p:cNvPr>
+          <p:cNvSpPr>
+            <a:spLocks noGrp="1"/>
+          </p:cNvSpPr>
+          <p:nvPr>
+            <p:ph type="dt" sz="half" idx="10"/>
+          </p:nvPr>
+        </p:nvSpPr>
+        <p:spPr/>
+        <p:txBody>
+          <a:bodyPr/>
+          <a:lstStyle/>
+          <a:p>
+            <a:fld id="{78D344C7-78CD-4B15-A28B-0A3D224F87A7}" type="datetime1">
+              <a:rPr lang="hu-HU" smtClean="0"/>
+              <a:t>2024. 03. 04.</a:t>
+            </a:fld>
+            <a:endParaRPr lang="en-US"/>
+          </a:p>
+        </p:txBody>
+      </p:sp>
+      <p:sp>
+        <p:nvSpPr>
+          <p:cNvPr id="5" name="Élőláb helye 4">
+            <a:extLst>
+              <a:ext uri="{FF2B5EF4-FFF2-40B4-BE49-F238E27FC236}">
+                <a16:creationId xmlns:a16="http://schemas.microsoft.com/office/drawing/2014/main" id="{22BDF72C-F098-D16A-43F0-AE310A57A5DD}"/>
+              </a:ext>
+            </a:extLst>
+          </p:cNvPr>
+          <p:cNvSpPr>
+            <a:spLocks noGrp="1"/>
+          </p:cNvSpPr>
+          <p:nvPr>
+            <p:ph type="ftr" sz="quarter" idx="11"/>
+          </p:nvPr>
+        </p:nvSpPr>
+        <p:spPr/>
+        <p:txBody>
+          <a:bodyPr/>
+          <a:lstStyle/>
+          <a:p>
+            <a:endParaRPr lang="en-US"/>
+          </a:p>
+        </p:txBody>
+      </p:sp>
+      <p:sp>
+        <p:nvSpPr>
+          <p:cNvPr id="6" name="Dia számának helye 5">
+            <a:extLst>
+              <a:ext uri="{FF2B5EF4-FFF2-40B4-BE49-F238E27FC236}">
+                <a16:creationId xmlns:a16="http://schemas.microsoft.com/office/drawing/2014/main" id="{E0527142-AAC9-033C-A4C7-DDCE3C59939E}"/>
+              </a:ext>
+            </a:extLst>
+          </p:cNvPr>
+          <p:cNvSpPr>
+            <a:spLocks noGrp="1"/>
+          </p:cNvSpPr>
+          <p:nvPr>
+            <p:ph type="sldNum" sz="quarter" idx="12"/>
+          </p:nvPr>
+        </p:nvSpPr>
+        <p:spPr/>
+        <p:txBody>
+          <a:bodyPr/>
+          <a:lstStyle/>
+          <a:p>
+            <a:fld id="{927374A8-BCF2-49CD-84BD-18DF129551B3}" type="slidenum">
+              <a:rPr lang="en-US" smtClean="0"/>
+              <a:t>38</a:t>
+            </a:fld>
+            <a:endParaRPr lang="en-US"/>
+          </a:p>
+        </p:txBody>
+      </p:sp>
+    </p:spTree>
+    <p:extLst>
+      <p:ext uri="{BB962C8B-B14F-4D97-AF65-F5344CB8AC3E}">
+        <p14:creationId xmlns:p14="http://schemas.microsoft.com/office/powerpoint/2010/main" val="664453703"/>
+      </p:ext>
+    </p:extLst>
+  </p:cSld>
+  <p:clrMapOvr>
+    <a:masterClrMapping/>
+  </p:clrMapOvr>
+</p:sld>
+</file>
+
+<file path=ppt/slides/slide39.xml><?xml version="1.0" encoding="utf-8"?>
+<p:sld xmlns:a="http://schemas.openxmlformats.org/drawingml/2006/main" xmlns:r="http://schemas.openxmlformats.org/officeDocument/2006/relationships" xmlns:p="http://schemas.openxmlformats.org/presentationml/2006/main">
+  <p:cSld>
+    <p:spTree>
+      <p:nvGrpSpPr>
+        <p:cNvPr id="1" name="">
+          <a:extLst>
+            <a:ext uri="{FF2B5EF4-FFF2-40B4-BE49-F238E27FC236}">
+              <a16:creationId xmlns:a16="http://schemas.microsoft.com/office/drawing/2014/main" id="{F78FB7C1-9531-40DF-90DF-C70C03229875}"/>
+            </a:ext>
+          </a:extLst>
+        </p:cNvPr>
+        <p:cNvGrpSpPr/>
+        <p:nvPr/>
+      </p:nvGrpSpPr>
+      <p:grpSpPr>
+        <a:xfrm>
+          <a:off x="0" y="0"/>
+          <a:ext cx="0" cy="0"/>
+          <a:chOff x="0" y="0"/>
+          <a:chExt cx="0" cy="0"/>
+        </a:xfrm>
+      </p:grpSpPr>
+      <p:sp>
+        <p:nvSpPr>
+          <p:cNvPr id="2" name="Cím 1">
+            <a:extLst>
+              <a:ext uri="{FF2B5EF4-FFF2-40B4-BE49-F238E27FC236}">
+                <a16:creationId xmlns:a16="http://schemas.microsoft.com/office/drawing/2014/main" id="{E59C4F50-50AE-93CB-BD23-00DAF7DE10FF}"/>
+              </a:ext>
+            </a:extLst>
+          </p:cNvPr>
+          <p:cNvSpPr>
+            <a:spLocks noGrp="1"/>
+          </p:cNvSpPr>
+          <p:nvPr>
+            <p:ph type="title"/>
+          </p:nvPr>
+        </p:nvSpPr>
+        <p:spPr/>
+        <p:txBody>
+          <a:bodyPr/>
+          <a:lstStyle/>
+          <a:p>
+            <a:endParaRPr lang="en-US"/>
+          </a:p>
+        </p:txBody>
+      </p:sp>
+      <p:sp>
+        <p:nvSpPr>
+          <p:cNvPr id="3" name="Tartalom helye 2">
+            <a:extLst>
+              <a:ext uri="{FF2B5EF4-FFF2-40B4-BE49-F238E27FC236}">
+                <a16:creationId xmlns:a16="http://schemas.microsoft.com/office/drawing/2014/main" id="{57DE6EFD-EC2A-A705-4AF6-F7E834066BCD}"/>
+              </a:ext>
+            </a:extLst>
+          </p:cNvPr>
+          <p:cNvSpPr>
+            <a:spLocks noGrp="1"/>
+          </p:cNvSpPr>
+          <p:nvPr>
+            <p:ph idx="1"/>
+          </p:nvPr>
+        </p:nvSpPr>
+        <p:spPr/>
+        <p:txBody>
+          <a:bodyPr/>
+          <a:lstStyle/>
+          <a:p>
+            <a:endParaRPr lang="en-US"/>
+          </a:p>
+        </p:txBody>
+      </p:sp>
+      <p:sp>
+        <p:nvSpPr>
+          <p:cNvPr id="4" name="Dátum helye 3">
+            <a:extLst>
+              <a:ext uri="{FF2B5EF4-FFF2-40B4-BE49-F238E27FC236}">
+                <a16:creationId xmlns:a16="http://schemas.microsoft.com/office/drawing/2014/main" id="{386EB360-409C-2608-8DFB-474057CBE274}"/>
+              </a:ext>
+            </a:extLst>
+          </p:cNvPr>
+          <p:cNvSpPr>
+            <a:spLocks noGrp="1"/>
+          </p:cNvSpPr>
+          <p:nvPr>
+            <p:ph type="dt" sz="half" idx="10"/>
+          </p:nvPr>
+        </p:nvSpPr>
+        <p:spPr/>
+        <p:txBody>
+          <a:bodyPr/>
+          <a:lstStyle/>
+          <a:p>
+            <a:fld id="{BFFD06DE-3E29-4078-B0EF-20AD029256D4}" type="datetime1">
+              <a:rPr lang="hu-HU" smtClean="0"/>
+              <a:t>2024. 03. 04.</a:t>
+            </a:fld>
+            <a:endParaRPr lang="en-US"/>
+          </a:p>
+        </p:txBody>
+      </p:sp>
+      <p:sp>
+        <p:nvSpPr>
+          <p:cNvPr id="5" name="Élőláb helye 4">
+            <a:extLst>
+              <a:ext uri="{FF2B5EF4-FFF2-40B4-BE49-F238E27FC236}">
+                <a16:creationId xmlns:a16="http://schemas.microsoft.com/office/drawing/2014/main" id="{CC895655-36BC-1A48-5BE3-D9376548F66A}"/>
+              </a:ext>
+            </a:extLst>
+          </p:cNvPr>
+          <p:cNvSpPr>
+            <a:spLocks noGrp="1"/>
+          </p:cNvSpPr>
+          <p:nvPr>
+            <p:ph type="ftr" sz="quarter" idx="11"/>
+          </p:nvPr>
+        </p:nvSpPr>
+        <p:spPr/>
+        <p:txBody>
+          <a:bodyPr/>
+          <a:lstStyle/>
+          <a:p>
+            <a:endParaRPr lang="en-US"/>
+          </a:p>
+        </p:txBody>
+      </p:sp>
+      <p:sp>
+        <p:nvSpPr>
+          <p:cNvPr id="6" name="Dia számának helye 5">
+            <a:extLst>
+              <a:ext uri="{FF2B5EF4-FFF2-40B4-BE49-F238E27FC236}">
+                <a16:creationId xmlns:a16="http://schemas.microsoft.com/office/drawing/2014/main" id="{0E0F732B-6743-E3EC-0E3A-B90479EE9446}"/>
+              </a:ext>
+            </a:extLst>
+          </p:cNvPr>
+          <p:cNvSpPr>
+            <a:spLocks noGrp="1"/>
+          </p:cNvSpPr>
+          <p:nvPr>
+            <p:ph type="sldNum" sz="quarter" idx="12"/>
+          </p:nvPr>
+        </p:nvSpPr>
+        <p:spPr/>
+        <p:txBody>
+          <a:bodyPr/>
+          <a:lstStyle/>
+          <a:p>
+            <a:fld id="{927374A8-BCF2-49CD-84BD-18DF129551B3}" type="slidenum">
+              <a:rPr lang="en-US" smtClean="0"/>
+              <a:t>39</a:t>
+            </a:fld>
+            <a:endParaRPr lang="en-US"/>
+          </a:p>
+        </p:txBody>
+      </p:sp>
+    </p:spTree>
+    <p:extLst>
+      <p:ext uri="{BB962C8B-B14F-4D97-AF65-F5344CB8AC3E}">
+        <p14:creationId xmlns:p14="http://schemas.microsoft.com/office/powerpoint/2010/main" val="698182686"/>
+      </p:ext>
+    </p:extLst>
+  </p:cSld>
+  <p:clrMapOvr>
+    <a:masterClrMapping/>
+  </p:clrMapOvr>
+</p:sld>
+</file>
+
+<file path=ppt/slides/slide4.xml><?xml version="1.0" encoding="utf-8"?>
 <p:sld xmlns:a="http://schemas.openxmlformats.org/drawingml/2006/main" xmlns:r="http://schemas.openxmlformats.org/officeDocument/2006/relationships" xmlns:p="http://schemas.openxmlformats.org/presentationml/2006/main">
   <p:cSld>
     <p:spTree>
@@ -10319,12 +12355,20 @@
             <p:ph idx="1"/>
           </p:nvPr>
         </p:nvSpPr>
-        <p:spPr/>
-        <p:txBody>
-          <a:bodyPr/>
-          <a:lstStyle/>
-          <a:p>
-            <a:endParaRPr lang="en-US"/>
+        <p:spPr>
+          <a:xfrm>
+            <a:off x="1141412" y="818275"/>
+            <a:ext cx="9905998" cy="3124201"/>
+          </a:xfrm>
+        </p:spPr>
+        <p:txBody>
+          <a:bodyPr/>
+          <a:lstStyle/>
+          <a:p>
+            <a:r>
+              <a:rPr lang="hu-HU" dirty="0"/>
+              <a:t>A böngészők ezt a fájlt értelmezik, és megjelenítik a tartalmát a felhasználónak</a:t>
+            </a:r>
           </a:p>
         </p:txBody>
       </p:sp>
@@ -10405,12 +12449,42 @@
           <a:p>
             <a:fld id="{927374A8-BCF2-49CD-84BD-18DF129551B3}" type="slidenum">
               <a:rPr lang="en-US" smtClean="0"/>
-              <a:t>3</a:t>
+              <a:t>4</a:t>
             </a:fld>
             <a:endParaRPr lang="en-US"/>
           </a:p>
         </p:txBody>
       </p:sp>
+      <p:pic>
+        <p:nvPicPr>
+          <p:cNvPr id="8" name="Kép 7">
+            <a:extLst>
+              <a:ext uri="{FF2B5EF4-FFF2-40B4-BE49-F238E27FC236}">
+                <a16:creationId xmlns:a16="http://schemas.microsoft.com/office/drawing/2014/main" id="{F633CAAB-D515-9DFA-4389-64BE09417F29}"/>
+              </a:ext>
+            </a:extLst>
+          </p:cNvPr>
+          <p:cNvPicPr>
+            <a:picLocks noChangeAspect="1"/>
+          </p:cNvPicPr>
+          <p:nvPr/>
+        </p:nvPicPr>
+        <p:blipFill>
+          <a:blip r:embed="rId2"/>
+          <a:stretch>
+            <a:fillRect/>
+          </a:stretch>
+        </p:blipFill>
+        <p:spPr>
+          <a:xfrm>
+            <a:off x="3303365" y="2643249"/>
+            <a:ext cx="5010124" cy="3015803"/>
+          </a:xfrm>
+          <a:prstGeom prst="rect">
+            <a:avLst/>
+          </a:prstGeom>
+        </p:spPr>
+      </p:pic>
     </p:spTree>
     <p:extLst>
       <p:ext uri="{BB962C8B-B14F-4D97-AF65-F5344CB8AC3E}">
@@ -10424,1190 +12498,7 @@
 </p:sld>
 </file>
 
-<file path=ppt/slides/slide30.xml><?xml version="1.0" encoding="utf-8"?>
-<p:sld xmlns:a="http://schemas.openxmlformats.org/drawingml/2006/main" xmlns:r="http://schemas.openxmlformats.org/officeDocument/2006/relationships" xmlns:p="http://schemas.openxmlformats.org/presentationml/2006/main">
-  <p:cSld>
-    <p:spTree>
-      <p:nvGrpSpPr>
-        <p:cNvPr id="1" name="">
-          <a:extLst>
-            <a:ext uri="{FF2B5EF4-FFF2-40B4-BE49-F238E27FC236}">
-              <a16:creationId xmlns:a16="http://schemas.microsoft.com/office/drawing/2014/main" id="{6A98303F-FFA3-0ACB-4B90-1640171889ED}"/>
-            </a:ext>
-          </a:extLst>
-        </p:cNvPr>
-        <p:cNvGrpSpPr/>
-        <p:nvPr/>
-      </p:nvGrpSpPr>
-      <p:grpSpPr>
-        <a:xfrm>
-          <a:off x="0" y="0"/>
-          <a:ext cx="0" cy="0"/>
-          <a:chOff x="0" y="0"/>
-          <a:chExt cx="0" cy="0"/>
-        </a:xfrm>
-      </p:grpSpPr>
-      <p:sp>
-        <p:nvSpPr>
-          <p:cNvPr id="2" name="Cím 1">
-            <a:extLst>
-              <a:ext uri="{FF2B5EF4-FFF2-40B4-BE49-F238E27FC236}">
-                <a16:creationId xmlns:a16="http://schemas.microsoft.com/office/drawing/2014/main" id="{CF0018DB-40AA-AA69-5169-21A9DCCA564A}"/>
-              </a:ext>
-            </a:extLst>
-          </p:cNvPr>
-          <p:cNvSpPr>
-            <a:spLocks noGrp="1"/>
-          </p:cNvSpPr>
-          <p:nvPr>
-            <p:ph type="title"/>
-          </p:nvPr>
-        </p:nvSpPr>
-        <p:spPr/>
-        <p:txBody>
-          <a:bodyPr/>
-          <a:lstStyle/>
-          <a:p>
-            <a:endParaRPr lang="en-US"/>
-          </a:p>
-        </p:txBody>
-      </p:sp>
-      <p:sp>
-        <p:nvSpPr>
-          <p:cNvPr id="3" name="Tartalom helye 2">
-            <a:extLst>
-              <a:ext uri="{FF2B5EF4-FFF2-40B4-BE49-F238E27FC236}">
-                <a16:creationId xmlns:a16="http://schemas.microsoft.com/office/drawing/2014/main" id="{6C00AFB7-3DC9-D588-9AEE-CCD3D0220434}"/>
-              </a:ext>
-            </a:extLst>
-          </p:cNvPr>
-          <p:cNvSpPr>
-            <a:spLocks noGrp="1"/>
-          </p:cNvSpPr>
-          <p:nvPr>
-            <p:ph idx="1"/>
-          </p:nvPr>
-        </p:nvSpPr>
-        <p:spPr/>
-        <p:txBody>
-          <a:bodyPr/>
-          <a:lstStyle/>
-          <a:p>
-            <a:endParaRPr lang="en-US"/>
-          </a:p>
-        </p:txBody>
-      </p:sp>
-      <p:sp>
-        <p:nvSpPr>
-          <p:cNvPr id="4" name="Dátum helye 3">
-            <a:extLst>
-              <a:ext uri="{FF2B5EF4-FFF2-40B4-BE49-F238E27FC236}">
-                <a16:creationId xmlns:a16="http://schemas.microsoft.com/office/drawing/2014/main" id="{685326CF-AB43-BF91-783F-D8DC1E53F187}"/>
-              </a:ext>
-            </a:extLst>
-          </p:cNvPr>
-          <p:cNvSpPr>
-            <a:spLocks noGrp="1"/>
-          </p:cNvSpPr>
-          <p:nvPr>
-            <p:ph type="dt" sz="half" idx="10"/>
-          </p:nvPr>
-        </p:nvSpPr>
-        <p:spPr/>
-        <p:txBody>
-          <a:bodyPr/>
-          <a:lstStyle/>
-          <a:p>
-            <a:fld id="{EB97F16F-FFE6-41DC-A3AD-CE93007B8BC1}" type="datetime1">
-              <a:rPr lang="hu-HU" smtClean="0"/>
-              <a:t>2024. 03. 04.</a:t>
-            </a:fld>
-            <a:endParaRPr lang="en-US"/>
-          </a:p>
-        </p:txBody>
-      </p:sp>
-      <p:sp>
-        <p:nvSpPr>
-          <p:cNvPr id="5" name="Élőláb helye 4">
-            <a:extLst>
-              <a:ext uri="{FF2B5EF4-FFF2-40B4-BE49-F238E27FC236}">
-                <a16:creationId xmlns:a16="http://schemas.microsoft.com/office/drawing/2014/main" id="{7297C95F-8964-83CD-0087-7EE9ACF278E7}"/>
-              </a:ext>
-            </a:extLst>
-          </p:cNvPr>
-          <p:cNvSpPr>
-            <a:spLocks noGrp="1"/>
-          </p:cNvSpPr>
-          <p:nvPr>
-            <p:ph type="ftr" sz="quarter" idx="11"/>
-          </p:nvPr>
-        </p:nvSpPr>
-        <p:spPr/>
-        <p:txBody>
-          <a:bodyPr/>
-          <a:lstStyle/>
-          <a:p>
-            <a:endParaRPr lang="en-US"/>
-          </a:p>
-        </p:txBody>
-      </p:sp>
-      <p:sp>
-        <p:nvSpPr>
-          <p:cNvPr id="6" name="Dia számának helye 5">
-            <a:extLst>
-              <a:ext uri="{FF2B5EF4-FFF2-40B4-BE49-F238E27FC236}">
-                <a16:creationId xmlns:a16="http://schemas.microsoft.com/office/drawing/2014/main" id="{1D630C00-7B77-C24F-0ABD-CC85F35B6E71}"/>
-              </a:ext>
-            </a:extLst>
-          </p:cNvPr>
-          <p:cNvSpPr>
-            <a:spLocks noGrp="1"/>
-          </p:cNvSpPr>
-          <p:nvPr>
-            <p:ph type="sldNum" sz="quarter" idx="12"/>
-          </p:nvPr>
-        </p:nvSpPr>
-        <p:spPr/>
-        <p:txBody>
-          <a:bodyPr/>
-          <a:lstStyle/>
-          <a:p>
-            <a:fld id="{927374A8-BCF2-49CD-84BD-18DF129551B3}" type="slidenum">
-              <a:rPr lang="en-US" smtClean="0"/>
-              <a:t>30</a:t>
-            </a:fld>
-            <a:endParaRPr lang="en-US"/>
-          </a:p>
-        </p:txBody>
-      </p:sp>
-    </p:spTree>
-    <p:extLst>
-      <p:ext uri="{BB962C8B-B14F-4D97-AF65-F5344CB8AC3E}">
-        <p14:creationId xmlns:p14="http://schemas.microsoft.com/office/powerpoint/2010/main" val="4209739796"/>
-      </p:ext>
-    </p:extLst>
-  </p:cSld>
-  <p:clrMapOvr>
-    <a:masterClrMapping/>
-  </p:clrMapOvr>
-</p:sld>
-</file>
-
-<file path=ppt/slides/slide31.xml><?xml version="1.0" encoding="utf-8"?>
-<p:sld xmlns:a="http://schemas.openxmlformats.org/drawingml/2006/main" xmlns:r="http://schemas.openxmlformats.org/officeDocument/2006/relationships" xmlns:p="http://schemas.openxmlformats.org/presentationml/2006/main">
-  <p:cSld>
-    <p:spTree>
-      <p:nvGrpSpPr>
-        <p:cNvPr id="1" name="">
-          <a:extLst>
-            <a:ext uri="{FF2B5EF4-FFF2-40B4-BE49-F238E27FC236}">
-              <a16:creationId xmlns:a16="http://schemas.microsoft.com/office/drawing/2014/main" id="{48605962-86F5-A6E3-BC2D-F924EA0F5D7D}"/>
-            </a:ext>
-          </a:extLst>
-        </p:cNvPr>
-        <p:cNvGrpSpPr/>
-        <p:nvPr/>
-      </p:nvGrpSpPr>
-      <p:grpSpPr>
-        <a:xfrm>
-          <a:off x="0" y="0"/>
-          <a:ext cx="0" cy="0"/>
-          <a:chOff x="0" y="0"/>
-          <a:chExt cx="0" cy="0"/>
-        </a:xfrm>
-      </p:grpSpPr>
-      <p:sp>
-        <p:nvSpPr>
-          <p:cNvPr id="2" name="Cím 1">
-            <a:extLst>
-              <a:ext uri="{FF2B5EF4-FFF2-40B4-BE49-F238E27FC236}">
-                <a16:creationId xmlns:a16="http://schemas.microsoft.com/office/drawing/2014/main" id="{FF8ECAF4-CF89-94A6-5DF7-8F1308825688}"/>
-              </a:ext>
-            </a:extLst>
-          </p:cNvPr>
-          <p:cNvSpPr>
-            <a:spLocks noGrp="1"/>
-          </p:cNvSpPr>
-          <p:nvPr>
-            <p:ph type="title"/>
-          </p:nvPr>
-        </p:nvSpPr>
-        <p:spPr/>
-        <p:txBody>
-          <a:bodyPr/>
-          <a:lstStyle/>
-          <a:p>
-            <a:endParaRPr lang="en-US"/>
-          </a:p>
-        </p:txBody>
-      </p:sp>
-      <p:sp>
-        <p:nvSpPr>
-          <p:cNvPr id="3" name="Tartalom helye 2">
-            <a:extLst>
-              <a:ext uri="{FF2B5EF4-FFF2-40B4-BE49-F238E27FC236}">
-                <a16:creationId xmlns:a16="http://schemas.microsoft.com/office/drawing/2014/main" id="{53B3DDB0-4358-A89E-AF9A-C49B0E0A7C7B}"/>
-              </a:ext>
-            </a:extLst>
-          </p:cNvPr>
-          <p:cNvSpPr>
-            <a:spLocks noGrp="1"/>
-          </p:cNvSpPr>
-          <p:nvPr>
-            <p:ph idx="1"/>
-          </p:nvPr>
-        </p:nvSpPr>
-        <p:spPr/>
-        <p:txBody>
-          <a:bodyPr/>
-          <a:lstStyle/>
-          <a:p>
-            <a:endParaRPr lang="en-US"/>
-          </a:p>
-        </p:txBody>
-      </p:sp>
-      <p:sp>
-        <p:nvSpPr>
-          <p:cNvPr id="4" name="Dátum helye 3">
-            <a:extLst>
-              <a:ext uri="{FF2B5EF4-FFF2-40B4-BE49-F238E27FC236}">
-                <a16:creationId xmlns:a16="http://schemas.microsoft.com/office/drawing/2014/main" id="{54CAA46D-2A82-7E2D-B22A-3B45E4B27FA7}"/>
-              </a:ext>
-            </a:extLst>
-          </p:cNvPr>
-          <p:cNvSpPr>
-            <a:spLocks noGrp="1"/>
-          </p:cNvSpPr>
-          <p:nvPr>
-            <p:ph type="dt" sz="half" idx="10"/>
-          </p:nvPr>
-        </p:nvSpPr>
-        <p:spPr/>
-        <p:txBody>
-          <a:bodyPr/>
-          <a:lstStyle/>
-          <a:p>
-            <a:fld id="{4BCEB398-D0B5-49F4-BFFD-BF773C3998CE}" type="datetime1">
-              <a:rPr lang="hu-HU" smtClean="0"/>
-              <a:t>2024. 03. 04.</a:t>
-            </a:fld>
-            <a:endParaRPr lang="en-US"/>
-          </a:p>
-        </p:txBody>
-      </p:sp>
-      <p:sp>
-        <p:nvSpPr>
-          <p:cNvPr id="5" name="Élőláb helye 4">
-            <a:extLst>
-              <a:ext uri="{FF2B5EF4-FFF2-40B4-BE49-F238E27FC236}">
-                <a16:creationId xmlns:a16="http://schemas.microsoft.com/office/drawing/2014/main" id="{F4653724-E007-513C-FD45-8D641EF30D82}"/>
-              </a:ext>
-            </a:extLst>
-          </p:cNvPr>
-          <p:cNvSpPr>
-            <a:spLocks noGrp="1"/>
-          </p:cNvSpPr>
-          <p:nvPr>
-            <p:ph type="ftr" sz="quarter" idx="11"/>
-          </p:nvPr>
-        </p:nvSpPr>
-        <p:spPr/>
-        <p:txBody>
-          <a:bodyPr/>
-          <a:lstStyle/>
-          <a:p>
-            <a:endParaRPr lang="en-US"/>
-          </a:p>
-        </p:txBody>
-      </p:sp>
-      <p:sp>
-        <p:nvSpPr>
-          <p:cNvPr id="6" name="Dia számának helye 5">
-            <a:extLst>
-              <a:ext uri="{FF2B5EF4-FFF2-40B4-BE49-F238E27FC236}">
-                <a16:creationId xmlns:a16="http://schemas.microsoft.com/office/drawing/2014/main" id="{33F52419-D19D-34F6-924F-D408CD146446}"/>
-              </a:ext>
-            </a:extLst>
-          </p:cNvPr>
-          <p:cNvSpPr>
-            <a:spLocks noGrp="1"/>
-          </p:cNvSpPr>
-          <p:nvPr>
-            <p:ph type="sldNum" sz="quarter" idx="12"/>
-          </p:nvPr>
-        </p:nvSpPr>
-        <p:spPr/>
-        <p:txBody>
-          <a:bodyPr/>
-          <a:lstStyle/>
-          <a:p>
-            <a:fld id="{927374A8-BCF2-49CD-84BD-18DF129551B3}" type="slidenum">
-              <a:rPr lang="en-US" smtClean="0"/>
-              <a:t>31</a:t>
-            </a:fld>
-            <a:endParaRPr lang="en-US"/>
-          </a:p>
-        </p:txBody>
-      </p:sp>
-    </p:spTree>
-    <p:extLst>
-      <p:ext uri="{BB962C8B-B14F-4D97-AF65-F5344CB8AC3E}">
-        <p14:creationId xmlns:p14="http://schemas.microsoft.com/office/powerpoint/2010/main" val="1798607486"/>
-      </p:ext>
-    </p:extLst>
-  </p:cSld>
-  <p:clrMapOvr>
-    <a:masterClrMapping/>
-  </p:clrMapOvr>
-</p:sld>
-</file>
-
-<file path=ppt/slides/slide32.xml><?xml version="1.0" encoding="utf-8"?>
-<p:sld xmlns:a="http://schemas.openxmlformats.org/drawingml/2006/main" xmlns:r="http://schemas.openxmlformats.org/officeDocument/2006/relationships" xmlns:p="http://schemas.openxmlformats.org/presentationml/2006/main">
-  <p:cSld>
-    <p:spTree>
-      <p:nvGrpSpPr>
-        <p:cNvPr id="1" name="">
-          <a:extLst>
-            <a:ext uri="{FF2B5EF4-FFF2-40B4-BE49-F238E27FC236}">
-              <a16:creationId xmlns:a16="http://schemas.microsoft.com/office/drawing/2014/main" id="{EC295C81-B4AF-5AEF-0A55-82E7CEA28C31}"/>
-            </a:ext>
-          </a:extLst>
-        </p:cNvPr>
-        <p:cNvGrpSpPr/>
-        <p:nvPr/>
-      </p:nvGrpSpPr>
-      <p:grpSpPr>
-        <a:xfrm>
-          <a:off x="0" y="0"/>
-          <a:ext cx="0" cy="0"/>
-          <a:chOff x="0" y="0"/>
-          <a:chExt cx="0" cy="0"/>
-        </a:xfrm>
-      </p:grpSpPr>
-      <p:sp>
-        <p:nvSpPr>
-          <p:cNvPr id="2" name="Cím 1">
-            <a:extLst>
-              <a:ext uri="{FF2B5EF4-FFF2-40B4-BE49-F238E27FC236}">
-                <a16:creationId xmlns:a16="http://schemas.microsoft.com/office/drawing/2014/main" id="{B321F35F-14CD-BB06-C17B-11ADC0652D5A}"/>
-              </a:ext>
-            </a:extLst>
-          </p:cNvPr>
-          <p:cNvSpPr>
-            <a:spLocks noGrp="1"/>
-          </p:cNvSpPr>
-          <p:nvPr>
-            <p:ph type="title"/>
-          </p:nvPr>
-        </p:nvSpPr>
-        <p:spPr/>
-        <p:txBody>
-          <a:bodyPr/>
-          <a:lstStyle/>
-          <a:p>
-            <a:endParaRPr lang="en-US"/>
-          </a:p>
-        </p:txBody>
-      </p:sp>
-      <p:sp>
-        <p:nvSpPr>
-          <p:cNvPr id="3" name="Tartalom helye 2">
-            <a:extLst>
-              <a:ext uri="{FF2B5EF4-FFF2-40B4-BE49-F238E27FC236}">
-                <a16:creationId xmlns:a16="http://schemas.microsoft.com/office/drawing/2014/main" id="{CC3E3C6F-6003-FFE2-F5AE-3FF979F62D1F}"/>
-              </a:ext>
-            </a:extLst>
-          </p:cNvPr>
-          <p:cNvSpPr>
-            <a:spLocks noGrp="1"/>
-          </p:cNvSpPr>
-          <p:nvPr>
-            <p:ph idx="1"/>
-          </p:nvPr>
-        </p:nvSpPr>
-        <p:spPr/>
-        <p:txBody>
-          <a:bodyPr/>
-          <a:lstStyle/>
-          <a:p>
-            <a:endParaRPr lang="en-US"/>
-          </a:p>
-        </p:txBody>
-      </p:sp>
-      <p:sp>
-        <p:nvSpPr>
-          <p:cNvPr id="4" name="Dátum helye 3">
-            <a:extLst>
-              <a:ext uri="{FF2B5EF4-FFF2-40B4-BE49-F238E27FC236}">
-                <a16:creationId xmlns:a16="http://schemas.microsoft.com/office/drawing/2014/main" id="{ACFF4E46-E3A8-7EA7-73FE-19FA8F187D9E}"/>
-              </a:ext>
-            </a:extLst>
-          </p:cNvPr>
-          <p:cNvSpPr>
-            <a:spLocks noGrp="1"/>
-          </p:cNvSpPr>
-          <p:nvPr>
-            <p:ph type="dt" sz="half" idx="10"/>
-          </p:nvPr>
-        </p:nvSpPr>
-        <p:spPr/>
-        <p:txBody>
-          <a:bodyPr/>
-          <a:lstStyle/>
-          <a:p>
-            <a:fld id="{9380AAEC-0757-4011-8966-326D523FA5EB}" type="datetime1">
-              <a:rPr lang="hu-HU" smtClean="0"/>
-              <a:t>2024. 03. 04.</a:t>
-            </a:fld>
-            <a:endParaRPr lang="en-US"/>
-          </a:p>
-        </p:txBody>
-      </p:sp>
-      <p:sp>
-        <p:nvSpPr>
-          <p:cNvPr id="5" name="Élőláb helye 4">
-            <a:extLst>
-              <a:ext uri="{FF2B5EF4-FFF2-40B4-BE49-F238E27FC236}">
-                <a16:creationId xmlns:a16="http://schemas.microsoft.com/office/drawing/2014/main" id="{7C391F11-3A85-EC1D-4246-EDCE5CA495FC}"/>
-              </a:ext>
-            </a:extLst>
-          </p:cNvPr>
-          <p:cNvSpPr>
-            <a:spLocks noGrp="1"/>
-          </p:cNvSpPr>
-          <p:nvPr>
-            <p:ph type="ftr" sz="quarter" idx="11"/>
-          </p:nvPr>
-        </p:nvSpPr>
-        <p:spPr/>
-        <p:txBody>
-          <a:bodyPr/>
-          <a:lstStyle/>
-          <a:p>
-            <a:endParaRPr lang="en-US"/>
-          </a:p>
-        </p:txBody>
-      </p:sp>
-      <p:sp>
-        <p:nvSpPr>
-          <p:cNvPr id="6" name="Dia számának helye 5">
-            <a:extLst>
-              <a:ext uri="{FF2B5EF4-FFF2-40B4-BE49-F238E27FC236}">
-                <a16:creationId xmlns:a16="http://schemas.microsoft.com/office/drawing/2014/main" id="{316E978D-C5E0-238D-126B-6D30D6CD7C7B}"/>
-              </a:ext>
-            </a:extLst>
-          </p:cNvPr>
-          <p:cNvSpPr>
-            <a:spLocks noGrp="1"/>
-          </p:cNvSpPr>
-          <p:nvPr>
-            <p:ph type="sldNum" sz="quarter" idx="12"/>
-          </p:nvPr>
-        </p:nvSpPr>
-        <p:spPr/>
-        <p:txBody>
-          <a:bodyPr/>
-          <a:lstStyle/>
-          <a:p>
-            <a:fld id="{927374A8-BCF2-49CD-84BD-18DF129551B3}" type="slidenum">
-              <a:rPr lang="en-US" smtClean="0"/>
-              <a:t>32</a:t>
-            </a:fld>
-            <a:endParaRPr lang="en-US"/>
-          </a:p>
-        </p:txBody>
-      </p:sp>
-    </p:spTree>
-    <p:extLst>
-      <p:ext uri="{BB962C8B-B14F-4D97-AF65-F5344CB8AC3E}">
-        <p14:creationId xmlns:p14="http://schemas.microsoft.com/office/powerpoint/2010/main" val="2327993938"/>
-      </p:ext>
-    </p:extLst>
-  </p:cSld>
-  <p:clrMapOvr>
-    <a:masterClrMapping/>
-  </p:clrMapOvr>
-</p:sld>
-</file>
-
-<file path=ppt/slides/slide33.xml><?xml version="1.0" encoding="utf-8"?>
-<p:sld xmlns:a="http://schemas.openxmlformats.org/drawingml/2006/main" xmlns:r="http://schemas.openxmlformats.org/officeDocument/2006/relationships" xmlns:p="http://schemas.openxmlformats.org/presentationml/2006/main">
-  <p:cSld>
-    <p:spTree>
-      <p:nvGrpSpPr>
-        <p:cNvPr id="1" name="">
-          <a:extLst>
-            <a:ext uri="{FF2B5EF4-FFF2-40B4-BE49-F238E27FC236}">
-              <a16:creationId xmlns:a16="http://schemas.microsoft.com/office/drawing/2014/main" id="{21472F92-F50B-C31B-3B7C-0C1D66D95966}"/>
-            </a:ext>
-          </a:extLst>
-        </p:cNvPr>
-        <p:cNvGrpSpPr/>
-        <p:nvPr/>
-      </p:nvGrpSpPr>
-      <p:grpSpPr>
-        <a:xfrm>
-          <a:off x="0" y="0"/>
-          <a:ext cx="0" cy="0"/>
-          <a:chOff x="0" y="0"/>
-          <a:chExt cx="0" cy="0"/>
-        </a:xfrm>
-      </p:grpSpPr>
-      <p:sp>
-        <p:nvSpPr>
-          <p:cNvPr id="2" name="Cím 1">
-            <a:extLst>
-              <a:ext uri="{FF2B5EF4-FFF2-40B4-BE49-F238E27FC236}">
-                <a16:creationId xmlns:a16="http://schemas.microsoft.com/office/drawing/2014/main" id="{077B96B8-2278-2262-06FB-24D13D72E9BD}"/>
-              </a:ext>
-            </a:extLst>
-          </p:cNvPr>
-          <p:cNvSpPr>
-            <a:spLocks noGrp="1"/>
-          </p:cNvSpPr>
-          <p:nvPr>
-            <p:ph type="title"/>
-          </p:nvPr>
-        </p:nvSpPr>
-        <p:spPr/>
-        <p:txBody>
-          <a:bodyPr/>
-          <a:lstStyle/>
-          <a:p>
-            <a:endParaRPr lang="en-US"/>
-          </a:p>
-        </p:txBody>
-      </p:sp>
-      <p:sp>
-        <p:nvSpPr>
-          <p:cNvPr id="3" name="Tartalom helye 2">
-            <a:extLst>
-              <a:ext uri="{FF2B5EF4-FFF2-40B4-BE49-F238E27FC236}">
-                <a16:creationId xmlns:a16="http://schemas.microsoft.com/office/drawing/2014/main" id="{25C44789-49EB-91F4-C8C8-EE5F147EAB2C}"/>
-              </a:ext>
-            </a:extLst>
-          </p:cNvPr>
-          <p:cNvSpPr>
-            <a:spLocks noGrp="1"/>
-          </p:cNvSpPr>
-          <p:nvPr>
-            <p:ph idx="1"/>
-          </p:nvPr>
-        </p:nvSpPr>
-        <p:spPr/>
-        <p:txBody>
-          <a:bodyPr/>
-          <a:lstStyle/>
-          <a:p>
-            <a:endParaRPr lang="en-US"/>
-          </a:p>
-        </p:txBody>
-      </p:sp>
-      <p:sp>
-        <p:nvSpPr>
-          <p:cNvPr id="4" name="Dátum helye 3">
-            <a:extLst>
-              <a:ext uri="{FF2B5EF4-FFF2-40B4-BE49-F238E27FC236}">
-                <a16:creationId xmlns:a16="http://schemas.microsoft.com/office/drawing/2014/main" id="{9C774B24-2060-BE96-064C-0267DD145DCC}"/>
-              </a:ext>
-            </a:extLst>
-          </p:cNvPr>
-          <p:cNvSpPr>
-            <a:spLocks noGrp="1"/>
-          </p:cNvSpPr>
-          <p:nvPr>
-            <p:ph type="dt" sz="half" idx="10"/>
-          </p:nvPr>
-        </p:nvSpPr>
-        <p:spPr/>
-        <p:txBody>
-          <a:bodyPr/>
-          <a:lstStyle/>
-          <a:p>
-            <a:fld id="{7AFF3A3C-CB5D-4013-A7B1-2E170D1DA9D3}" type="datetime1">
-              <a:rPr lang="hu-HU" smtClean="0"/>
-              <a:t>2024. 03. 04.</a:t>
-            </a:fld>
-            <a:endParaRPr lang="en-US"/>
-          </a:p>
-        </p:txBody>
-      </p:sp>
-      <p:sp>
-        <p:nvSpPr>
-          <p:cNvPr id="5" name="Élőláb helye 4">
-            <a:extLst>
-              <a:ext uri="{FF2B5EF4-FFF2-40B4-BE49-F238E27FC236}">
-                <a16:creationId xmlns:a16="http://schemas.microsoft.com/office/drawing/2014/main" id="{01AEA849-032A-CEDC-0E44-FE89715A45D4}"/>
-              </a:ext>
-            </a:extLst>
-          </p:cNvPr>
-          <p:cNvSpPr>
-            <a:spLocks noGrp="1"/>
-          </p:cNvSpPr>
-          <p:nvPr>
-            <p:ph type="ftr" sz="quarter" idx="11"/>
-          </p:nvPr>
-        </p:nvSpPr>
-        <p:spPr/>
-        <p:txBody>
-          <a:bodyPr/>
-          <a:lstStyle/>
-          <a:p>
-            <a:endParaRPr lang="en-US"/>
-          </a:p>
-        </p:txBody>
-      </p:sp>
-      <p:sp>
-        <p:nvSpPr>
-          <p:cNvPr id="6" name="Dia számának helye 5">
-            <a:extLst>
-              <a:ext uri="{FF2B5EF4-FFF2-40B4-BE49-F238E27FC236}">
-                <a16:creationId xmlns:a16="http://schemas.microsoft.com/office/drawing/2014/main" id="{ADC3DB1F-C824-8DA4-67BD-43690A237672}"/>
-              </a:ext>
-            </a:extLst>
-          </p:cNvPr>
-          <p:cNvSpPr>
-            <a:spLocks noGrp="1"/>
-          </p:cNvSpPr>
-          <p:nvPr>
-            <p:ph type="sldNum" sz="quarter" idx="12"/>
-          </p:nvPr>
-        </p:nvSpPr>
-        <p:spPr/>
-        <p:txBody>
-          <a:bodyPr/>
-          <a:lstStyle/>
-          <a:p>
-            <a:fld id="{927374A8-BCF2-49CD-84BD-18DF129551B3}" type="slidenum">
-              <a:rPr lang="en-US" smtClean="0"/>
-              <a:t>33</a:t>
-            </a:fld>
-            <a:endParaRPr lang="en-US"/>
-          </a:p>
-        </p:txBody>
-      </p:sp>
-    </p:spTree>
-    <p:extLst>
-      <p:ext uri="{BB962C8B-B14F-4D97-AF65-F5344CB8AC3E}">
-        <p14:creationId xmlns:p14="http://schemas.microsoft.com/office/powerpoint/2010/main" val="3094222309"/>
-      </p:ext>
-    </p:extLst>
-  </p:cSld>
-  <p:clrMapOvr>
-    <a:masterClrMapping/>
-  </p:clrMapOvr>
-</p:sld>
-</file>
-
-<file path=ppt/slides/slide34.xml><?xml version="1.0" encoding="utf-8"?>
-<p:sld xmlns:a="http://schemas.openxmlformats.org/drawingml/2006/main" xmlns:r="http://schemas.openxmlformats.org/officeDocument/2006/relationships" xmlns:p="http://schemas.openxmlformats.org/presentationml/2006/main">
-  <p:cSld>
-    <p:spTree>
-      <p:nvGrpSpPr>
-        <p:cNvPr id="1" name="">
-          <a:extLst>
-            <a:ext uri="{FF2B5EF4-FFF2-40B4-BE49-F238E27FC236}">
-              <a16:creationId xmlns:a16="http://schemas.microsoft.com/office/drawing/2014/main" id="{0EFD9816-EF88-059D-257E-E189648B6AE7}"/>
-            </a:ext>
-          </a:extLst>
-        </p:cNvPr>
-        <p:cNvGrpSpPr/>
-        <p:nvPr/>
-      </p:nvGrpSpPr>
-      <p:grpSpPr>
-        <a:xfrm>
-          <a:off x="0" y="0"/>
-          <a:ext cx="0" cy="0"/>
-          <a:chOff x="0" y="0"/>
-          <a:chExt cx="0" cy="0"/>
-        </a:xfrm>
-      </p:grpSpPr>
-      <p:sp>
-        <p:nvSpPr>
-          <p:cNvPr id="2" name="Cím 1">
-            <a:extLst>
-              <a:ext uri="{FF2B5EF4-FFF2-40B4-BE49-F238E27FC236}">
-                <a16:creationId xmlns:a16="http://schemas.microsoft.com/office/drawing/2014/main" id="{41FB978F-2BD7-87A5-CC39-0C6B06D60394}"/>
-              </a:ext>
-            </a:extLst>
-          </p:cNvPr>
-          <p:cNvSpPr>
-            <a:spLocks noGrp="1"/>
-          </p:cNvSpPr>
-          <p:nvPr>
-            <p:ph type="title"/>
-          </p:nvPr>
-        </p:nvSpPr>
-        <p:spPr/>
-        <p:txBody>
-          <a:bodyPr/>
-          <a:lstStyle/>
-          <a:p>
-            <a:endParaRPr lang="en-US"/>
-          </a:p>
-        </p:txBody>
-      </p:sp>
-      <p:sp>
-        <p:nvSpPr>
-          <p:cNvPr id="3" name="Tartalom helye 2">
-            <a:extLst>
-              <a:ext uri="{FF2B5EF4-FFF2-40B4-BE49-F238E27FC236}">
-                <a16:creationId xmlns:a16="http://schemas.microsoft.com/office/drawing/2014/main" id="{240CA2DC-46F8-8724-45CF-0581DDEF8348}"/>
-              </a:ext>
-            </a:extLst>
-          </p:cNvPr>
-          <p:cNvSpPr>
-            <a:spLocks noGrp="1"/>
-          </p:cNvSpPr>
-          <p:nvPr>
-            <p:ph idx="1"/>
-          </p:nvPr>
-        </p:nvSpPr>
-        <p:spPr/>
-        <p:txBody>
-          <a:bodyPr/>
-          <a:lstStyle/>
-          <a:p>
-            <a:endParaRPr lang="en-US"/>
-          </a:p>
-        </p:txBody>
-      </p:sp>
-      <p:sp>
-        <p:nvSpPr>
-          <p:cNvPr id="4" name="Dátum helye 3">
-            <a:extLst>
-              <a:ext uri="{FF2B5EF4-FFF2-40B4-BE49-F238E27FC236}">
-                <a16:creationId xmlns:a16="http://schemas.microsoft.com/office/drawing/2014/main" id="{5C29319D-AF18-F15B-9FCA-A77EDB5E9128}"/>
-              </a:ext>
-            </a:extLst>
-          </p:cNvPr>
-          <p:cNvSpPr>
-            <a:spLocks noGrp="1"/>
-          </p:cNvSpPr>
-          <p:nvPr>
-            <p:ph type="dt" sz="half" idx="10"/>
-          </p:nvPr>
-        </p:nvSpPr>
-        <p:spPr/>
-        <p:txBody>
-          <a:bodyPr/>
-          <a:lstStyle/>
-          <a:p>
-            <a:fld id="{317C457E-7F68-4E59-8D91-D8DE8B261664}" type="datetime1">
-              <a:rPr lang="hu-HU" smtClean="0"/>
-              <a:t>2024. 03. 04.</a:t>
-            </a:fld>
-            <a:endParaRPr lang="en-US"/>
-          </a:p>
-        </p:txBody>
-      </p:sp>
-      <p:sp>
-        <p:nvSpPr>
-          <p:cNvPr id="5" name="Élőláb helye 4">
-            <a:extLst>
-              <a:ext uri="{FF2B5EF4-FFF2-40B4-BE49-F238E27FC236}">
-                <a16:creationId xmlns:a16="http://schemas.microsoft.com/office/drawing/2014/main" id="{84DBCEF8-61A6-892F-78ED-A42CF3792038}"/>
-              </a:ext>
-            </a:extLst>
-          </p:cNvPr>
-          <p:cNvSpPr>
-            <a:spLocks noGrp="1"/>
-          </p:cNvSpPr>
-          <p:nvPr>
-            <p:ph type="ftr" sz="quarter" idx="11"/>
-          </p:nvPr>
-        </p:nvSpPr>
-        <p:spPr/>
-        <p:txBody>
-          <a:bodyPr/>
-          <a:lstStyle/>
-          <a:p>
-            <a:endParaRPr lang="en-US"/>
-          </a:p>
-        </p:txBody>
-      </p:sp>
-      <p:sp>
-        <p:nvSpPr>
-          <p:cNvPr id="6" name="Dia számának helye 5">
-            <a:extLst>
-              <a:ext uri="{FF2B5EF4-FFF2-40B4-BE49-F238E27FC236}">
-                <a16:creationId xmlns:a16="http://schemas.microsoft.com/office/drawing/2014/main" id="{4EE648F6-4B41-E8CD-A14E-762189F63BCB}"/>
-              </a:ext>
-            </a:extLst>
-          </p:cNvPr>
-          <p:cNvSpPr>
-            <a:spLocks noGrp="1"/>
-          </p:cNvSpPr>
-          <p:nvPr>
-            <p:ph type="sldNum" sz="quarter" idx="12"/>
-          </p:nvPr>
-        </p:nvSpPr>
-        <p:spPr/>
-        <p:txBody>
-          <a:bodyPr/>
-          <a:lstStyle/>
-          <a:p>
-            <a:fld id="{927374A8-BCF2-49CD-84BD-18DF129551B3}" type="slidenum">
-              <a:rPr lang="en-US" smtClean="0"/>
-              <a:t>34</a:t>
-            </a:fld>
-            <a:endParaRPr lang="en-US"/>
-          </a:p>
-        </p:txBody>
-      </p:sp>
-    </p:spTree>
-    <p:extLst>
-      <p:ext uri="{BB962C8B-B14F-4D97-AF65-F5344CB8AC3E}">
-        <p14:creationId xmlns:p14="http://schemas.microsoft.com/office/powerpoint/2010/main" val="1232345935"/>
-      </p:ext>
-    </p:extLst>
-  </p:cSld>
-  <p:clrMapOvr>
-    <a:masterClrMapping/>
-  </p:clrMapOvr>
-</p:sld>
-</file>
-
-<file path=ppt/slides/slide35.xml><?xml version="1.0" encoding="utf-8"?>
-<p:sld xmlns:a="http://schemas.openxmlformats.org/drawingml/2006/main" xmlns:r="http://schemas.openxmlformats.org/officeDocument/2006/relationships" xmlns:p="http://schemas.openxmlformats.org/presentationml/2006/main">
-  <p:cSld>
-    <p:spTree>
-      <p:nvGrpSpPr>
-        <p:cNvPr id="1" name="">
-          <a:extLst>
-            <a:ext uri="{FF2B5EF4-FFF2-40B4-BE49-F238E27FC236}">
-              <a16:creationId xmlns:a16="http://schemas.microsoft.com/office/drawing/2014/main" id="{610E0522-72A5-FD1B-6B8A-BCF0610518C5}"/>
-            </a:ext>
-          </a:extLst>
-        </p:cNvPr>
-        <p:cNvGrpSpPr/>
-        <p:nvPr/>
-      </p:nvGrpSpPr>
-      <p:grpSpPr>
-        <a:xfrm>
-          <a:off x="0" y="0"/>
-          <a:ext cx="0" cy="0"/>
-          <a:chOff x="0" y="0"/>
-          <a:chExt cx="0" cy="0"/>
-        </a:xfrm>
-      </p:grpSpPr>
-      <p:sp>
-        <p:nvSpPr>
-          <p:cNvPr id="2" name="Cím 1">
-            <a:extLst>
-              <a:ext uri="{FF2B5EF4-FFF2-40B4-BE49-F238E27FC236}">
-                <a16:creationId xmlns:a16="http://schemas.microsoft.com/office/drawing/2014/main" id="{A27CFD70-B7D9-F056-AD7F-3D152EC73091}"/>
-              </a:ext>
-            </a:extLst>
-          </p:cNvPr>
-          <p:cNvSpPr>
-            <a:spLocks noGrp="1"/>
-          </p:cNvSpPr>
-          <p:nvPr>
-            <p:ph type="title"/>
-          </p:nvPr>
-        </p:nvSpPr>
-        <p:spPr/>
-        <p:txBody>
-          <a:bodyPr/>
-          <a:lstStyle/>
-          <a:p>
-            <a:endParaRPr lang="en-US"/>
-          </a:p>
-        </p:txBody>
-      </p:sp>
-      <p:sp>
-        <p:nvSpPr>
-          <p:cNvPr id="3" name="Tartalom helye 2">
-            <a:extLst>
-              <a:ext uri="{FF2B5EF4-FFF2-40B4-BE49-F238E27FC236}">
-                <a16:creationId xmlns:a16="http://schemas.microsoft.com/office/drawing/2014/main" id="{556603B4-015C-1F4F-68BB-EFD8CCB29B6C}"/>
-              </a:ext>
-            </a:extLst>
-          </p:cNvPr>
-          <p:cNvSpPr>
-            <a:spLocks noGrp="1"/>
-          </p:cNvSpPr>
-          <p:nvPr>
-            <p:ph idx="1"/>
-          </p:nvPr>
-        </p:nvSpPr>
-        <p:spPr/>
-        <p:txBody>
-          <a:bodyPr/>
-          <a:lstStyle/>
-          <a:p>
-            <a:endParaRPr lang="en-US"/>
-          </a:p>
-        </p:txBody>
-      </p:sp>
-      <p:sp>
-        <p:nvSpPr>
-          <p:cNvPr id="4" name="Dátum helye 3">
-            <a:extLst>
-              <a:ext uri="{FF2B5EF4-FFF2-40B4-BE49-F238E27FC236}">
-                <a16:creationId xmlns:a16="http://schemas.microsoft.com/office/drawing/2014/main" id="{AB958072-4172-5CC5-72A1-A10C15B62C3C}"/>
-              </a:ext>
-            </a:extLst>
-          </p:cNvPr>
-          <p:cNvSpPr>
-            <a:spLocks noGrp="1"/>
-          </p:cNvSpPr>
-          <p:nvPr>
-            <p:ph type="dt" sz="half" idx="10"/>
-          </p:nvPr>
-        </p:nvSpPr>
-        <p:spPr/>
-        <p:txBody>
-          <a:bodyPr/>
-          <a:lstStyle/>
-          <a:p>
-            <a:fld id="{78D344C7-78CD-4B15-A28B-0A3D224F87A7}" type="datetime1">
-              <a:rPr lang="hu-HU" smtClean="0"/>
-              <a:t>2024. 03. 04.</a:t>
-            </a:fld>
-            <a:endParaRPr lang="en-US"/>
-          </a:p>
-        </p:txBody>
-      </p:sp>
-      <p:sp>
-        <p:nvSpPr>
-          <p:cNvPr id="5" name="Élőláb helye 4">
-            <a:extLst>
-              <a:ext uri="{FF2B5EF4-FFF2-40B4-BE49-F238E27FC236}">
-                <a16:creationId xmlns:a16="http://schemas.microsoft.com/office/drawing/2014/main" id="{22BDF72C-F098-D16A-43F0-AE310A57A5DD}"/>
-              </a:ext>
-            </a:extLst>
-          </p:cNvPr>
-          <p:cNvSpPr>
-            <a:spLocks noGrp="1"/>
-          </p:cNvSpPr>
-          <p:nvPr>
-            <p:ph type="ftr" sz="quarter" idx="11"/>
-          </p:nvPr>
-        </p:nvSpPr>
-        <p:spPr/>
-        <p:txBody>
-          <a:bodyPr/>
-          <a:lstStyle/>
-          <a:p>
-            <a:endParaRPr lang="en-US"/>
-          </a:p>
-        </p:txBody>
-      </p:sp>
-      <p:sp>
-        <p:nvSpPr>
-          <p:cNvPr id="6" name="Dia számának helye 5">
-            <a:extLst>
-              <a:ext uri="{FF2B5EF4-FFF2-40B4-BE49-F238E27FC236}">
-                <a16:creationId xmlns:a16="http://schemas.microsoft.com/office/drawing/2014/main" id="{E0527142-AAC9-033C-A4C7-DDCE3C59939E}"/>
-              </a:ext>
-            </a:extLst>
-          </p:cNvPr>
-          <p:cNvSpPr>
-            <a:spLocks noGrp="1"/>
-          </p:cNvSpPr>
-          <p:nvPr>
-            <p:ph type="sldNum" sz="quarter" idx="12"/>
-          </p:nvPr>
-        </p:nvSpPr>
-        <p:spPr/>
-        <p:txBody>
-          <a:bodyPr/>
-          <a:lstStyle/>
-          <a:p>
-            <a:fld id="{927374A8-BCF2-49CD-84BD-18DF129551B3}" type="slidenum">
-              <a:rPr lang="en-US" smtClean="0"/>
-              <a:t>35</a:t>
-            </a:fld>
-            <a:endParaRPr lang="en-US"/>
-          </a:p>
-        </p:txBody>
-      </p:sp>
-    </p:spTree>
-    <p:extLst>
-      <p:ext uri="{BB962C8B-B14F-4D97-AF65-F5344CB8AC3E}">
-        <p14:creationId xmlns:p14="http://schemas.microsoft.com/office/powerpoint/2010/main" val="664453703"/>
-      </p:ext>
-    </p:extLst>
-  </p:cSld>
-  <p:clrMapOvr>
-    <a:masterClrMapping/>
-  </p:clrMapOvr>
-</p:sld>
-</file>
-
-<file path=ppt/slides/slide36.xml><?xml version="1.0" encoding="utf-8"?>
-<p:sld xmlns:a="http://schemas.openxmlformats.org/drawingml/2006/main" xmlns:r="http://schemas.openxmlformats.org/officeDocument/2006/relationships" xmlns:p="http://schemas.openxmlformats.org/presentationml/2006/main">
-  <p:cSld>
-    <p:spTree>
-      <p:nvGrpSpPr>
-        <p:cNvPr id="1" name="">
-          <a:extLst>
-            <a:ext uri="{FF2B5EF4-FFF2-40B4-BE49-F238E27FC236}">
-              <a16:creationId xmlns:a16="http://schemas.microsoft.com/office/drawing/2014/main" id="{F78FB7C1-9531-40DF-90DF-C70C03229875}"/>
-            </a:ext>
-          </a:extLst>
-        </p:cNvPr>
-        <p:cNvGrpSpPr/>
-        <p:nvPr/>
-      </p:nvGrpSpPr>
-      <p:grpSpPr>
-        <a:xfrm>
-          <a:off x="0" y="0"/>
-          <a:ext cx="0" cy="0"/>
-          <a:chOff x="0" y="0"/>
-          <a:chExt cx="0" cy="0"/>
-        </a:xfrm>
-      </p:grpSpPr>
-      <p:sp>
-        <p:nvSpPr>
-          <p:cNvPr id="2" name="Cím 1">
-            <a:extLst>
-              <a:ext uri="{FF2B5EF4-FFF2-40B4-BE49-F238E27FC236}">
-                <a16:creationId xmlns:a16="http://schemas.microsoft.com/office/drawing/2014/main" id="{E59C4F50-50AE-93CB-BD23-00DAF7DE10FF}"/>
-              </a:ext>
-            </a:extLst>
-          </p:cNvPr>
-          <p:cNvSpPr>
-            <a:spLocks noGrp="1"/>
-          </p:cNvSpPr>
-          <p:nvPr>
-            <p:ph type="title"/>
-          </p:nvPr>
-        </p:nvSpPr>
-        <p:spPr/>
-        <p:txBody>
-          <a:bodyPr/>
-          <a:lstStyle/>
-          <a:p>
-            <a:endParaRPr lang="en-US"/>
-          </a:p>
-        </p:txBody>
-      </p:sp>
-      <p:sp>
-        <p:nvSpPr>
-          <p:cNvPr id="3" name="Tartalom helye 2">
-            <a:extLst>
-              <a:ext uri="{FF2B5EF4-FFF2-40B4-BE49-F238E27FC236}">
-                <a16:creationId xmlns:a16="http://schemas.microsoft.com/office/drawing/2014/main" id="{57DE6EFD-EC2A-A705-4AF6-F7E834066BCD}"/>
-              </a:ext>
-            </a:extLst>
-          </p:cNvPr>
-          <p:cNvSpPr>
-            <a:spLocks noGrp="1"/>
-          </p:cNvSpPr>
-          <p:nvPr>
-            <p:ph idx="1"/>
-          </p:nvPr>
-        </p:nvSpPr>
-        <p:spPr/>
-        <p:txBody>
-          <a:bodyPr/>
-          <a:lstStyle/>
-          <a:p>
-            <a:endParaRPr lang="en-US"/>
-          </a:p>
-        </p:txBody>
-      </p:sp>
-      <p:sp>
-        <p:nvSpPr>
-          <p:cNvPr id="4" name="Dátum helye 3">
-            <a:extLst>
-              <a:ext uri="{FF2B5EF4-FFF2-40B4-BE49-F238E27FC236}">
-                <a16:creationId xmlns:a16="http://schemas.microsoft.com/office/drawing/2014/main" id="{386EB360-409C-2608-8DFB-474057CBE274}"/>
-              </a:ext>
-            </a:extLst>
-          </p:cNvPr>
-          <p:cNvSpPr>
-            <a:spLocks noGrp="1"/>
-          </p:cNvSpPr>
-          <p:nvPr>
-            <p:ph type="dt" sz="half" idx="10"/>
-          </p:nvPr>
-        </p:nvSpPr>
-        <p:spPr/>
-        <p:txBody>
-          <a:bodyPr/>
-          <a:lstStyle/>
-          <a:p>
-            <a:fld id="{BFFD06DE-3E29-4078-B0EF-20AD029256D4}" type="datetime1">
-              <a:rPr lang="hu-HU" smtClean="0"/>
-              <a:t>2024. 03. 04.</a:t>
-            </a:fld>
-            <a:endParaRPr lang="en-US"/>
-          </a:p>
-        </p:txBody>
-      </p:sp>
-      <p:sp>
-        <p:nvSpPr>
-          <p:cNvPr id="5" name="Élőláb helye 4">
-            <a:extLst>
-              <a:ext uri="{FF2B5EF4-FFF2-40B4-BE49-F238E27FC236}">
-                <a16:creationId xmlns:a16="http://schemas.microsoft.com/office/drawing/2014/main" id="{CC895655-36BC-1A48-5BE3-D9376548F66A}"/>
-              </a:ext>
-            </a:extLst>
-          </p:cNvPr>
-          <p:cNvSpPr>
-            <a:spLocks noGrp="1"/>
-          </p:cNvSpPr>
-          <p:nvPr>
-            <p:ph type="ftr" sz="quarter" idx="11"/>
-          </p:nvPr>
-        </p:nvSpPr>
-        <p:spPr/>
-        <p:txBody>
-          <a:bodyPr/>
-          <a:lstStyle/>
-          <a:p>
-            <a:endParaRPr lang="en-US"/>
-          </a:p>
-        </p:txBody>
-      </p:sp>
-      <p:sp>
-        <p:nvSpPr>
-          <p:cNvPr id="6" name="Dia számának helye 5">
-            <a:extLst>
-              <a:ext uri="{FF2B5EF4-FFF2-40B4-BE49-F238E27FC236}">
-                <a16:creationId xmlns:a16="http://schemas.microsoft.com/office/drawing/2014/main" id="{0E0F732B-6743-E3EC-0E3A-B90479EE9446}"/>
-              </a:ext>
-            </a:extLst>
-          </p:cNvPr>
-          <p:cNvSpPr>
-            <a:spLocks noGrp="1"/>
-          </p:cNvSpPr>
-          <p:nvPr>
-            <p:ph type="sldNum" sz="quarter" idx="12"/>
-          </p:nvPr>
-        </p:nvSpPr>
-        <p:spPr/>
-        <p:txBody>
-          <a:bodyPr/>
-          <a:lstStyle/>
-          <a:p>
-            <a:fld id="{927374A8-BCF2-49CD-84BD-18DF129551B3}" type="slidenum">
-              <a:rPr lang="en-US" smtClean="0"/>
-              <a:t>36</a:t>
-            </a:fld>
-            <a:endParaRPr lang="en-US"/>
-          </a:p>
-        </p:txBody>
-      </p:sp>
-    </p:spTree>
-    <p:extLst>
-      <p:ext uri="{BB962C8B-B14F-4D97-AF65-F5344CB8AC3E}">
-        <p14:creationId xmlns:p14="http://schemas.microsoft.com/office/powerpoint/2010/main" val="698182686"/>
-      </p:ext>
-    </p:extLst>
-  </p:cSld>
-  <p:clrMapOvr>
-    <a:masterClrMapping/>
-  </p:clrMapOvr>
-</p:sld>
-</file>
-
-<file path=ppt/slides/slide37.xml><?xml version="1.0" encoding="utf-8"?>
+<file path=ppt/slides/slide40.xml><?xml version="1.0" encoding="utf-8"?>
 <p:sld xmlns:a="http://schemas.openxmlformats.org/drawingml/2006/main" xmlns:r="http://schemas.openxmlformats.org/officeDocument/2006/relationships" xmlns:p="http://schemas.openxmlformats.org/presentationml/2006/main">
   <p:cSld>
     <p:spTree>
@@ -11757,7 +12648,7 @@
           <a:p>
             <a:fld id="{927374A8-BCF2-49CD-84BD-18DF129551B3}" type="slidenum">
               <a:rPr lang="en-US" smtClean="0"/>
-              <a:t>37</a:t>
+              <a:t>40</a:t>
             </a:fld>
             <a:endParaRPr lang="en-US"/>
           </a:p>
@@ -11776,7 +12667,7 @@
 </p:sld>
 </file>
 
-<file path=ppt/slides/slide4.xml><?xml version="1.0" encoding="utf-8"?>
+<file path=ppt/slides/slide5.xml><?xml version="1.0" encoding="utf-8"?>
 <p:sld xmlns:a="http://schemas.openxmlformats.org/drawingml/2006/main" xmlns:r="http://schemas.openxmlformats.org/officeDocument/2006/relationships" xmlns:p="http://schemas.openxmlformats.org/presentationml/2006/main">
   <p:cSld>
     <p:spTree>
@@ -11838,12 +12729,40 @@
             <p:ph idx="1"/>
           </p:nvPr>
         </p:nvSpPr>
-        <p:spPr/>
-        <p:txBody>
-          <a:bodyPr/>
-          <a:lstStyle/>
-          <a:p>
-            <a:endParaRPr lang="en-US"/>
+        <p:spPr>
+          <a:xfrm>
+            <a:off x="1141412" y="2130104"/>
+            <a:ext cx="9905998" cy="3124201"/>
+          </a:xfrm>
+        </p:spPr>
+        <p:txBody>
+          <a:bodyPr/>
+          <a:lstStyle/>
+          <a:p>
+            <a:r>
+              <a:rPr lang="hu-HU" dirty="0"/>
+              <a:t>Stílusinformációt tartalmaz a weboldalhoz</a:t>
+            </a:r>
+          </a:p>
+          <a:p>
+            <a:r>
+              <a:rPr lang="hu-HU" dirty="0"/>
+              <a:t>Segítségével lehet megadni a weboldalak kinézetét és formázását</a:t>
+            </a:r>
+          </a:p>
+          <a:p>
+            <a:pPr lvl="1"/>
+            <a:r>
+              <a:rPr lang="hu-HU" dirty="0"/>
+              <a:t>Szöveg stílusát, méretét, színét, elrendezését</a:t>
+            </a:r>
+          </a:p>
+          <a:p>
+            <a:pPr lvl="1"/>
+            <a:r>
+              <a:rPr lang="hu-HU" dirty="0"/>
+              <a:t>Képek és egyéb elemek tulajdonságait</a:t>
+            </a:r>
           </a:p>
         </p:txBody>
       </p:sp>
@@ -11924,7 +12843,7 @@
           <a:p>
             <a:fld id="{927374A8-BCF2-49CD-84BD-18DF129551B3}" type="slidenum">
               <a:rPr lang="en-US" smtClean="0"/>
-              <a:t>4</a:t>
+              <a:t>5</a:t>
             </a:fld>
             <a:endParaRPr lang="en-US"/>
           </a:p>
@@ -11943,7 +12862,7 @@
 </p:sld>
 </file>
 
-<file path=ppt/slides/slide5.xml><?xml version="1.0" encoding="utf-8"?>
+<file path=ppt/slides/slide6.xml><?xml version="1.0" encoding="utf-8"?>
 <p:sld xmlns:a="http://schemas.openxmlformats.org/drawingml/2006/main" xmlns:r="http://schemas.openxmlformats.org/officeDocument/2006/relationships" xmlns:p="http://schemas.openxmlformats.org/presentationml/2006/main">
   <p:cSld>
     <p:spTree>
@@ -12011,12 +12930,33 @@
             <p:ph idx="1"/>
           </p:nvPr>
         </p:nvSpPr>
-        <p:spPr/>
-        <p:txBody>
-          <a:bodyPr/>
-          <a:lstStyle/>
-          <a:p>
-            <a:endParaRPr lang="en-US"/>
+        <p:spPr>
+          <a:xfrm>
+            <a:off x="1141411" y="1293653"/>
+            <a:ext cx="9905998" cy="3124201"/>
+          </a:xfrm>
+        </p:spPr>
+        <p:txBody>
+          <a:bodyPr/>
+          <a:lstStyle/>
+          <a:p>
+            <a:r>
+              <a:rPr lang="hu-HU" dirty="0"/>
+              <a:t>Létrehozhatunk osztályokat benn, így nem kell minden elem tulajdonságát külön megadni, csak az adott osztályhoz kell rendelnünk az elemünket a HTML fájlban</a:t>
+            </a:r>
+          </a:p>
+          <a:p>
+            <a:r>
+              <a:rPr lang="hu-HU" dirty="0"/>
+              <a:t>Egy elemet több osztályhoz is hozzárendelhetünk</a:t>
+            </a:r>
+          </a:p>
+          <a:p>
+            <a:r>
+              <a:rPr lang="hu-HU" dirty="0"/>
+              <a:t>Így segítjük saját munkánk, egységes dizájn teremtve, és időt spórolva</a:t>
+            </a:r>
+            <a:endParaRPr lang="en-US" dirty="0"/>
           </a:p>
         </p:txBody>
       </p:sp>
@@ -12097,12 +13037,42 @@
           <a:p>
             <a:fld id="{927374A8-BCF2-49CD-84BD-18DF129551B3}" type="slidenum">
               <a:rPr lang="en-US" smtClean="0"/>
-              <a:t>5</a:t>
+              <a:t>6</a:t>
             </a:fld>
             <a:endParaRPr lang="en-US"/>
           </a:p>
         </p:txBody>
       </p:sp>
+      <p:pic>
+        <p:nvPicPr>
+          <p:cNvPr id="8" name="Kép 7">
+            <a:extLst>
+              <a:ext uri="{FF2B5EF4-FFF2-40B4-BE49-F238E27FC236}">
+                <a16:creationId xmlns:a16="http://schemas.microsoft.com/office/drawing/2014/main" id="{CEA9D4E3-E413-A0FD-7A1D-AF6C0BAE3503}"/>
+              </a:ext>
+            </a:extLst>
+          </p:cNvPr>
+          <p:cNvPicPr>
+            <a:picLocks noChangeAspect="1"/>
+          </p:cNvPicPr>
+          <p:nvPr/>
+        </p:nvPicPr>
+        <p:blipFill>
+          <a:blip r:embed="rId2"/>
+          <a:stretch>
+            <a:fillRect/>
+          </a:stretch>
+        </p:blipFill>
+        <p:spPr>
+          <a:xfrm>
+            <a:off x="4306952" y="3711574"/>
+            <a:ext cx="3574917" cy="1995389"/>
+          </a:xfrm>
+          <a:prstGeom prst="rect">
+            <a:avLst/>
+          </a:prstGeom>
+        </p:spPr>
+      </p:pic>
     </p:spTree>
     <p:extLst>
       <p:ext uri="{BB962C8B-B14F-4D97-AF65-F5344CB8AC3E}">
@@ -12116,7 +13086,395 @@
 </p:sld>
 </file>
 
-<file path=ppt/slides/slide6.xml><?xml version="1.0" encoding="utf-8"?>
+<file path=ppt/slides/slide7.xml><?xml version="1.0" encoding="utf-8"?>
+<p:sld xmlns:a="http://schemas.openxmlformats.org/drawingml/2006/main" xmlns:r="http://schemas.openxmlformats.org/officeDocument/2006/relationships" xmlns:p="http://schemas.openxmlformats.org/presentationml/2006/main">
+  <p:cSld>
+    <p:spTree>
+      <p:nvGrpSpPr>
+        <p:cNvPr id="1" name="">
+          <a:extLst>
+            <a:ext uri="{FF2B5EF4-FFF2-40B4-BE49-F238E27FC236}">
+              <a16:creationId xmlns:a16="http://schemas.microsoft.com/office/drawing/2014/main" id="{CCC4DA3B-EC58-CC2D-C8F9-E6264B11B975}"/>
+            </a:ext>
+          </a:extLst>
+        </p:cNvPr>
+        <p:cNvGrpSpPr/>
+        <p:nvPr/>
+      </p:nvGrpSpPr>
+      <p:grpSpPr>
+        <a:xfrm>
+          <a:off x="0" y="0"/>
+          <a:ext cx="0" cy="0"/>
+          <a:chOff x="0" y="0"/>
+          <a:chExt cx="0" cy="0"/>
+        </a:xfrm>
+      </p:grpSpPr>
+      <p:sp>
+        <p:nvSpPr>
+          <p:cNvPr id="2" name="Cím 1">
+            <a:extLst>
+              <a:ext uri="{FF2B5EF4-FFF2-40B4-BE49-F238E27FC236}">
+                <a16:creationId xmlns:a16="http://schemas.microsoft.com/office/drawing/2014/main" id="{294D1CC6-B607-EA85-7A37-688D87880CEB}"/>
+              </a:ext>
+            </a:extLst>
+          </p:cNvPr>
+          <p:cNvSpPr>
+            <a:spLocks noGrp="1"/>
+          </p:cNvSpPr>
+          <p:nvPr>
+            <p:ph type="title"/>
+          </p:nvPr>
+        </p:nvSpPr>
+        <p:spPr/>
+        <p:txBody>
+          <a:bodyPr/>
+          <a:lstStyle/>
+          <a:p>
+            <a:r>
+              <a:rPr lang="hu-HU" dirty="0" err="1"/>
+              <a:t>Bootstrap</a:t>
+            </a:r>
+            <a:endParaRPr lang="en-US" dirty="0"/>
+          </a:p>
+        </p:txBody>
+      </p:sp>
+      <p:sp>
+        <p:nvSpPr>
+          <p:cNvPr id="3" name="Tartalom helye 2">
+            <a:extLst>
+              <a:ext uri="{FF2B5EF4-FFF2-40B4-BE49-F238E27FC236}">
+                <a16:creationId xmlns:a16="http://schemas.microsoft.com/office/drawing/2014/main" id="{27AA4E8C-83C7-769E-8789-7D676BB721F3}"/>
+              </a:ext>
+            </a:extLst>
+          </p:cNvPr>
+          <p:cNvSpPr>
+            <a:spLocks noGrp="1"/>
+          </p:cNvSpPr>
+          <p:nvPr>
+            <p:ph idx="1"/>
+          </p:nvPr>
+        </p:nvSpPr>
+        <p:spPr>
+          <a:xfrm>
+            <a:off x="1141412" y="1866899"/>
+            <a:ext cx="9905998" cy="3124201"/>
+          </a:xfrm>
+        </p:spPr>
+        <p:txBody>
+          <a:bodyPr/>
+          <a:lstStyle/>
+          <a:p>
+            <a:r>
+              <a:rPr lang="en-US" dirty="0">
+                <a:hlinkClick r:id="rId2"/>
+              </a:rPr>
+              <a:t>https://getbootstrap.com</a:t>
+            </a:r>
+            <a:endParaRPr lang="hu-HU" dirty="0"/>
+          </a:p>
+          <a:p>
+            <a:r>
+              <a:rPr lang="hu-HU" dirty="0"/>
+              <a:t>Elérhető rengeteg előre formázott elem a weblapunk felépítéséhez</a:t>
+            </a:r>
+          </a:p>
+          <a:p>
+            <a:endParaRPr lang="en-US" dirty="0"/>
+          </a:p>
+        </p:txBody>
+      </p:sp>
+      <p:sp>
+        <p:nvSpPr>
+          <p:cNvPr id="4" name="Dátum helye 3">
+            <a:extLst>
+              <a:ext uri="{FF2B5EF4-FFF2-40B4-BE49-F238E27FC236}">
+                <a16:creationId xmlns:a16="http://schemas.microsoft.com/office/drawing/2014/main" id="{3407CBF3-432A-088D-0FB2-CA6FC62E5807}"/>
+              </a:ext>
+            </a:extLst>
+          </p:cNvPr>
+          <p:cNvSpPr>
+            <a:spLocks noGrp="1"/>
+          </p:cNvSpPr>
+          <p:nvPr>
+            <p:ph type="dt" sz="half" idx="10"/>
+          </p:nvPr>
+        </p:nvSpPr>
+        <p:spPr/>
+        <p:txBody>
+          <a:bodyPr/>
+          <a:lstStyle/>
+          <a:p>
+            <a:fld id="{FF804E32-905A-49F3-99B8-9C09C2E8727C}" type="datetime1">
+              <a:rPr lang="hu-HU" smtClean="0"/>
+              <a:t>2024. 03. 04.</a:t>
+            </a:fld>
+            <a:endParaRPr lang="en-US"/>
+          </a:p>
+        </p:txBody>
+      </p:sp>
+      <p:sp>
+        <p:nvSpPr>
+          <p:cNvPr id="5" name="Élőláb helye 4">
+            <a:extLst>
+              <a:ext uri="{FF2B5EF4-FFF2-40B4-BE49-F238E27FC236}">
+                <a16:creationId xmlns:a16="http://schemas.microsoft.com/office/drawing/2014/main" id="{09975A48-DC22-936B-B54B-2CB7C9FDB721}"/>
+              </a:ext>
+            </a:extLst>
+          </p:cNvPr>
+          <p:cNvSpPr>
+            <a:spLocks noGrp="1"/>
+          </p:cNvSpPr>
+          <p:nvPr>
+            <p:ph type="ftr" sz="quarter" idx="11"/>
+          </p:nvPr>
+        </p:nvSpPr>
+        <p:spPr/>
+        <p:txBody>
+          <a:bodyPr/>
+          <a:lstStyle/>
+          <a:p>
+            <a:endParaRPr lang="en-US"/>
+          </a:p>
+        </p:txBody>
+      </p:sp>
+      <p:sp>
+        <p:nvSpPr>
+          <p:cNvPr id="6" name="Dia számának helye 5">
+            <a:extLst>
+              <a:ext uri="{FF2B5EF4-FFF2-40B4-BE49-F238E27FC236}">
+                <a16:creationId xmlns:a16="http://schemas.microsoft.com/office/drawing/2014/main" id="{213782DF-67A5-38D8-9406-1460410E3A85}"/>
+              </a:ext>
+            </a:extLst>
+          </p:cNvPr>
+          <p:cNvSpPr>
+            <a:spLocks noGrp="1"/>
+          </p:cNvSpPr>
+          <p:nvPr>
+            <p:ph type="sldNum" sz="quarter" idx="12"/>
+          </p:nvPr>
+        </p:nvSpPr>
+        <p:spPr/>
+        <p:txBody>
+          <a:bodyPr/>
+          <a:lstStyle/>
+          <a:p>
+            <a:fld id="{927374A8-BCF2-49CD-84BD-18DF129551B3}" type="slidenum">
+              <a:rPr lang="en-US" smtClean="0"/>
+              <a:t>7</a:t>
+            </a:fld>
+            <a:endParaRPr lang="en-US"/>
+          </a:p>
+        </p:txBody>
+      </p:sp>
+    </p:spTree>
+    <p:extLst>
+      <p:ext uri="{BB962C8B-B14F-4D97-AF65-F5344CB8AC3E}">
+        <p14:creationId xmlns:p14="http://schemas.microsoft.com/office/powerpoint/2010/main" val="1994835838"/>
+      </p:ext>
+    </p:extLst>
+  </p:cSld>
+  <p:clrMapOvr>
+    <a:masterClrMapping/>
+  </p:clrMapOvr>
+</p:sld>
+</file>
+
+<file path=ppt/slides/slide8.xml><?xml version="1.0" encoding="utf-8"?>
+<p:sld xmlns:a="http://schemas.openxmlformats.org/drawingml/2006/main" xmlns:r="http://schemas.openxmlformats.org/officeDocument/2006/relationships" xmlns:p="http://schemas.openxmlformats.org/presentationml/2006/main">
+  <p:cSld>
+    <p:spTree>
+      <p:nvGrpSpPr>
+        <p:cNvPr id="1" name="">
+          <a:extLst>
+            <a:ext uri="{FF2B5EF4-FFF2-40B4-BE49-F238E27FC236}">
+              <a16:creationId xmlns:a16="http://schemas.microsoft.com/office/drawing/2014/main" id="{05E787E5-3814-AFD0-9547-304277D222CD}"/>
+            </a:ext>
+          </a:extLst>
+        </p:cNvPr>
+        <p:cNvGrpSpPr/>
+        <p:nvPr/>
+      </p:nvGrpSpPr>
+      <p:grpSpPr>
+        <a:xfrm>
+          <a:off x="0" y="0"/>
+          <a:ext cx="0" cy="0"/>
+          <a:chOff x="0" y="0"/>
+          <a:chExt cx="0" cy="0"/>
+        </a:xfrm>
+      </p:grpSpPr>
+      <p:sp>
+        <p:nvSpPr>
+          <p:cNvPr id="2" name="Cím 1">
+            <a:extLst>
+              <a:ext uri="{FF2B5EF4-FFF2-40B4-BE49-F238E27FC236}">
+                <a16:creationId xmlns:a16="http://schemas.microsoft.com/office/drawing/2014/main" id="{FC193D83-5052-F442-6EEC-5F6D59E8468F}"/>
+              </a:ext>
+            </a:extLst>
+          </p:cNvPr>
+          <p:cNvSpPr>
+            <a:spLocks noGrp="1"/>
+          </p:cNvSpPr>
+          <p:nvPr>
+            <p:ph type="title"/>
+          </p:nvPr>
+        </p:nvSpPr>
+        <p:spPr/>
+        <p:txBody>
+          <a:bodyPr/>
+          <a:lstStyle/>
+          <a:p>
+            <a:r>
+              <a:rPr lang="hu-HU" dirty="0" err="1"/>
+              <a:t>Colorhunt</a:t>
+            </a:r>
+            <a:endParaRPr lang="en-US" dirty="0"/>
+          </a:p>
+        </p:txBody>
+      </p:sp>
+      <p:sp>
+        <p:nvSpPr>
+          <p:cNvPr id="3" name="Tartalom helye 2">
+            <a:extLst>
+              <a:ext uri="{FF2B5EF4-FFF2-40B4-BE49-F238E27FC236}">
+                <a16:creationId xmlns:a16="http://schemas.microsoft.com/office/drawing/2014/main" id="{B9F9040B-CAF0-F663-8171-815390C3288D}"/>
+              </a:ext>
+            </a:extLst>
+          </p:cNvPr>
+          <p:cNvSpPr>
+            <a:spLocks noGrp="1"/>
+          </p:cNvSpPr>
+          <p:nvPr>
+            <p:ph idx="1"/>
+          </p:nvPr>
+        </p:nvSpPr>
+        <p:spPr>
+          <a:xfrm>
+            <a:off x="1141412" y="1866899"/>
+            <a:ext cx="9905998" cy="3124201"/>
+          </a:xfrm>
+        </p:spPr>
+        <p:txBody>
+          <a:bodyPr/>
+          <a:lstStyle/>
+          <a:p>
+            <a:r>
+              <a:rPr lang="en-US" dirty="0">
+                <a:hlinkClick r:id="rId2"/>
+              </a:rPr>
+              <a:t>https://colorhunt.co</a:t>
+            </a:r>
+            <a:endParaRPr lang="hu-HU" dirty="0"/>
+          </a:p>
+          <a:p>
+            <a:r>
+              <a:rPr lang="hu-HU" dirty="0" err="1"/>
+              <a:t>Segítéget</a:t>
+            </a:r>
+            <a:r>
+              <a:rPr lang="hu-HU" dirty="0"/>
+              <a:t> nyújt a design megalkotásához</a:t>
+            </a:r>
+            <a:endParaRPr lang="en-US" dirty="0"/>
+          </a:p>
+        </p:txBody>
+      </p:sp>
+      <p:sp>
+        <p:nvSpPr>
+          <p:cNvPr id="4" name="Dátum helye 3">
+            <a:extLst>
+              <a:ext uri="{FF2B5EF4-FFF2-40B4-BE49-F238E27FC236}">
+                <a16:creationId xmlns:a16="http://schemas.microsoft.com/office/drawing/2014/main" id="{5C76B709-4BF5-3BCF-D103-DBC16C18EDE7}"/>
+              </a:ext>
+            </a:extLst>
+          </p:cNvPr>
+          <p:cNvSpPr>
+            <a:spLocks noGrp="1"/>
+          </p:cNvSpPr>
+          <p:nvPr>
+            <p:ph type="dt" sz="half" idx="10"/>
+          </p:nvPr>
+        </p:nvSpPr>
+        <p:spPr/>
+        <p:txBody>
+          <a:bodyPr/>
+          <a:lstStyle/>
+          <a:p>
+            <a:fld id="{6AE699B2-AC3E-4B15-B55F-F50A00C67863}" type="datetime1">
+              <a:rPr lang="hu-HU" smtClean="0"/>
+              <a:t>2024. 03. 04.</a:t>
+            </a:fld>
+            <a:endParaRPr lang="en-US"/>
+          </a:p>
+        </p:txBody>
+      </p:sp>
+      <p:sp>
+        <p:nvSpPr>
+          <p:cNvPr id="5" name="Élőláb helye 4">
+            <a:extLst>
+              <a:ext uri="{FF2B5EF4-FFF2-40B4-BE49-F238E27FC236}">
+                <a16:creationId xmlns:a16="http://schemas.microsoft.com/office/drawing/2014/main" id="{7019233B-2F53-A12C-94C5-D018EE3AAC7B}"/>
+              </a:ext>
+            </a:extLst>
+          </p:cNvPr>
+          <p:cNvSpPr>
+            <a:spLocks noGrp="1"/>
+          </p:cNvSpPr>
+          <p:nvPr>
+            <p:ph type="ftr" sz="quarter" idx="11"/>
+          </p:nvPr>
+        </p:nvSpPr>
+        <p:spPr/>
+        <p:txBody>
+          <a:bodyPr/>
+          <a:lstStyle/>
+          <a:p>
+            <a:endParaRPr lang="en-US"/>
+          </a:p>
+        </p:txBody>
+      </p:sp>
+      <p:sp>
+        <p:nvSpPr>
+          <p:cNvPr id="6" name="Dia számának helye 5">
+            <a:extLst>
+              <a:ext uri="{FF2B5EF4-FFF2-40B4-BE49-F238E27FC236}">
+                <a16:creationId xmlns:a16="http://schemas.microsoft.com/office/drawing/2014/main" id="{7A717759-DBA3-1B7E-93F6-FB32ACE397E0}"/>
+              </a:ext>
+            </a:extLst>
+          </p:cNvPr>
+          <p:cNvSpPr>
+            <a:spLocks noGrp="1"/>
+          </p:cNvSpPr>
+          <p:nvPr>
+            <p:ph type="sldNum" sz="quarter" idx="12"/>
+          </p:nvPr>
+        </p:nvSpPr>
+        <p:spPr/>
+        <p:txBody>
+          <a:bodyPr/>
+          <a:lstStyle/>
+          <a:p>
+            <a:fld id="{927374A8-BCF2-49CD-84BD-18DF129551B3}" type="slidenum">
+              <a:rPr lang="en-US" smtClean="0"/>
+              <a:t>8</a:t>
+            </a:fld>
+            <a:endParaRPr lang="en-US"/>
+          </a:p>
+        </p:txBody>
+      </p:sp>
+    </p:spTree>
+    <p:extLst>
+      <p:ext uri="{BB962C8B-B14F-4D97-AF65-F5344CB8AC3E}">
+        <p14:creationId xmlns:p14="http://schemas.microsoft.com/office/powerpoint/2010/main" val="2598129947"/>
+      </p:ext>
+    </p:extLst>
+  </p:cSld>
+  <p:clrMapOvr>
+    <a:masterClrMapping/>
+  </p:clrMapOvr>
+</p:sld>
+</file>
+
+<file path=ppt/slides/slide9.xml><?xml version="1.0" encoding="utf-8"?>
 <p:sld xmlns:a="http://schemas.openxmlformats.org/drawingml/2006/main" xmlns:r="http://schemas.openxmlformats.org/officeDocument/2006/relationships" xmlns:p="http://schemas.openxmlformats.org/presentationml/2006/main">
   <p:cSld>
     <p:spTree>
@@ -12184,12 +13542,60 @@
             <p:ph idx="1"/>
           </p:nvPr>
         </p:nvSpPr>
-        <p:spPr/>
-        <p:txBody>
-          <a:bodyPr/>
-          <a:lstStyle/>
-          <a:p>
-            <a:endParaRPr lang="en-US"/>
+        <p:spPr>
+          <a:xfrm>
+            <a:off x="1141412" y="2091656"/>
+            <a:ext cx="9905998" cy="3124201"/>
+          </a:xfrm>
+        </p:spPr>
+        <p:txBody>
+          <a:bodyPr/>
+          <a:lstStyle/>
+          <a:p>
+            <a:r>
+              <a:rPr lang="hu-HU" dirty="0"/>
+              <a:t>JavaScript </a:t>
+            </a:r>
+            <a:r>
+              <a:rPr lang="hu-HU" dirty="0" err="1"/>
+              <a:t>kódót</a:t>
+            </a:r>
+            <a:r>
+              <a:rPr lang="hu-HU" dirty="0"/>
+              <a:t> tartalmaz</a:t>
+            </a:r>
+          </a:p>
+          <a:p>
+            <a:r>
+              <a:rPr lang="hu-HU" dirty="0"/>
+              <a:t>A weboldalak interaktív műveleteinek és viselkedésének vezérlésére használják</a:t>
+            </a:r>
+          </a:p>
+          <a:p>
+            <a:r>
+              <a:rPr lang="hu-HU" dirty="0"/>
+              <a:t>Segítségével lehet dinamikusan manipulálni a HTML tartalmat</a:t>
+            </a:r>
+          </a:p>
+          <a:p>
+            <a:pPr lvl="1"/>
+            <a:r>
+              <a:rPr lang="hu-HU" dirty="0"/>
+              <a:t>Reagálni felhasználó interakciókra, lekérdezni vagy módosítani adatokat</a:t>
+            </a:r>
+          </a:p>
+          <a:p>
+            <a:pPr lvl="1"/>
+            <a:r>
+              <a:rPr lang="hu-HU" dirty="0"/>
+              <a:t>Valamint egyéb funkciókat adni a weboldalhoz</a:t>
+            </a:r>
+          </a:p>
+          <a:p>
+            <a:endParaRPr lang="hu-HU" dirty="0"/>
+          </a:p>
+          <a:p>
+            <a:endParaRPr lang="en-US" dirty="0"/>
           </a:p>
         </p:txBody>
       </p:sp>
@@ -12270,7 +13676,7 @@
           <a:p>
             <a:fld id="{927374A8-BCF2-49CD-84BD-18DF129551B3}" type="slidenum">
               <a:rPr lang="en-US" smtClean="0"/>
-              <a:t>6</a:t>
+              <a:t>9</a:t>
             </a:fld>
             <a:endParaRPr lang="en-US"/>
           </a:p>
@@ -12280,525 +13686,6 @@
     <p:extLst>
       <p:ext uri="{BB962C8B-B14F-4D97-AF65-F5344CB8AC3E}">
         <p14:creationId xmlns:p14="http://schemas.microsoft.com/office/powerpoint/2010/main" val="1670281844"/>
-      </p:ext>
-    </p:extLst>
-  </p:cSld>
-  <p:clrMapOvr>
-    <a:masterClrMapping/>
-  </p:clrMapOvr>
-</p:sld>
-</file>
-
-<file path=ppt/slides/slide7.xml><?xml version="1.0" encoding="utf-8"?>
-<p:sld xmlns:a="http://schemas.openxmlformats.org/drawingml/2006/main" xmlns:r="http://schemas.openxmlformats.org/officeDocument/2006/relationships" xmlns:p="http://schemas.openxmlformats.org/presentationml/2006/main">
-  <p:cSld>
-    <p:spTree>
-      <p:nvGrpSpPr>
-        <p:cNvPr id="1" name="">
-          <a:extLst>
-            <a:ext uri="{FF2B5EF4-FFF2-40B4-BE49-F238E27FC236}">
-              <a16:creationId xmlns:a16="http://schemas.microsoft.com/office/drawing/2014/main" id="{2D18211D-E9C8-19E7-0803-FBF432CD516F}"/>
-            </a:ext>
-          </a:extLst>
-        </p:cNvPr>
-        <p:cNvGrpSpPr/>
-        <p:nvPr/>
-      </p:nvGrpSpPr>
-      <p:grpSpPr>
-        <a:xfrm>
-          <a:off x="0" y="0"/>
-          <a:ext cx="0" cy="0"/>
-          <a:chOff x="0" y="0"/>
-          <a:chExt cx="0" cy="0"/>
-        </a:xfrm>
-      </p:grpSpPr>
-      <p:sp>
-        <p:nvSpPr>
-          <p:cNvPr id="2" name="Cím 1">
-            <a:extLst>
-              <a:ext uri="{FF2B5EF4-FFF2-40B4-BE49-F238E27FC236}">
-                <a16:creationId xmlns:a16="http://schemas.microsoft.com/office/drawing/2014/main" id="{7F0AB5FD-53F8-2576-EB8C-F0A88803854A}"/>
-              </a:ext>
-            </a:extLst>
-          </p:cNvPr>
-          <p:cNvSpPr>
-            <a:spLocks noGrp="1"/>
-          </p:cNvSpPr>
-          <p:nvPr>
-            <p:ph type="title"/>
-          </p:nvPr>
-        </p:nvSpPr>
-        <p:spPr/>
-        <p:txBody>
-          <a:bodyPr/>
-          <a:lstStyle/>
-          <a:p>
-            <a:r>
-              <a:rPr lang="hu-HU" dirty="0"/>
-              <a:t>JS</a:t>
-            </a:r>
-            <a:endParaRPr lang="en-US" dirty="0"/>
-          </a:p>
-        </p:txBody>
-      </p:sp>
-      <p:sp>
-        <p:nvSpPr>
-          <p:cNvPr id="3" name="Tartalom helye 2">
-            <a:extLst>
-              <a:ext uri="{FF2B5EF4-FFF2-40B4-BE49-F238E27FC236}">
-                <a16:creationId xmlns:a16="http://schemas.microsoft.com/office/drawing/2014/main" id="{28D84C45-D861-DB3E-0977-4A311EE740FC}"/>
-              </a:ext>
-            </a:extLst>
-          </p:cNvPr>
-          <p:cNvSpPr>
-            <a:spLocks noGrp="1"/>
-          </p:cNvSpPr>
-          <p:nvPr>
-            <p:ph idx="1"/>
-          </p:nvPr>
-        </p:nvSpPr>
-        <p:spPr/>
-        <p:txBody>
-          <a:bodyPr/>
-          <a:lstStyle/>
-          <a:p>
-            <a:endParaRPr lang="en-US"/>
-          </a:p>
-        </p:txBody>
-      </p:sp>
-      <p:sp>
-        <p:nvSpPr>
-          <p:cNvPr id="4" name="Dátum helye 3">
-            <a:extLst>
-              <a:ext uri="{FF2B5EF4-FFF2-40B4-BE49-F238E27FC236}">
-                <a16:creationId xmlns:a16="http://schemas.microsoft.com/office/drawing/2014/main" id="{3962B836-6FAD-A26B-556E-6F66875E9A5B}"/>
-              </a:ext>
-            </a:extLst>
-          </p:cNvPr>
-          <p:cNvSpPr>
-            <a:spLocks noGrp="1"/>
-          </p:cNvSpPr>
-          <p:nvPr>
-            <p:ph type="dt" sz="half" idx="10"/>
-          </p:nvPr>
-        </p:nvSpPr>
-        <p:spPr/>
-        <p:txBody>
-          <a:bodyPr/>
-          <a:lstStyle/>
-          <a:p>
-            <a:fld id="{1BD0E5E0-A0E5-4712-AC71-8FC7E1A1C62D}" type="datetime1">
-              <a:rPr lang="hu-HU" smtClean="0"/>
-              <a:t>2024. 03. 04.</a:t>
-            </a:fld>
-            <a:endParaRPr lang="en-US"/>
-          </a:p>
-        </p:txBody>
-      </p:sp>
-      <p:sp>
-        <p:nvSpPr>
-          <p:cNvPr id="5" name="Élőláb helye 4">
-            <a:extLst>
-              <a:ext uri="{FF2B5EF4-FFF2-40B4-BE49-F238E27FC236}">
-                <a16:creationId xmlns:a16="http://schemas.microsoft.com/office/drawing/2014/main" id="{A36CE7CD-DA5C-B26E-E008-42E2C53C7978}"/>
-              </a:ext>
-            </a:extLst>
-          </p:cNvPr>
-          <p:cNvSpPr>
-            <a:spLocks noGrp="1"/>
-          </p:cNvSpPr>
-          <p:nvPr>
-            <p:ph type="ftr" sz="quarter" idx="11"/>
-          </p:nvPr>
-        </p:nvSpPr>
-        <p:spPr/>
-        <p:txBody>
-          <a:bodyPr/>
-          <a:lstStyle/>
-          <a:p>
-            <a:endParaRPr lang="en-US"/>
-          </a:p>
-        </p:txBody>
-      </p:sp>
-      <p:sp>
-        <p:nvSpPr>
-          <p:cNvPr id="6" name="Dia számának helye 5">
-            <a:extLst>
-              <a:ext uri="{FF2B5EF4-FFF2-40B4-BE49-F238E27FC236}">
-                <a16:creationId xmlns:a16="http://schemas.microsoft.com/office/drawing/2014/main" id="{7A03D443-5AA4-E9EC-CA25-33F80AF4E77D}"/>
-              </a:ext>
-            </a:extLst>
-          </p:cNvPr>
-          <p:cNvSpPr>
-            <a:spLocks noGrp="1"/>
-          </p:cNvSpPr>
-          <p:nvPr>
-            <p:ph type="sldNum" sz="quarter" idx="12"/>
-          </p:nvPr>
-        </p:nvSpPr>
-        <p:spPr/>
-        <p:txBody>
-          <a:bodyPr/>
-          <a:lstStyle/>
-          <a:p>
-            <a:fld id="{927374A8-BCF2-49CD-84BD-18DF129551B3}" type="slidenum">
-              <a:rPr lang="en-US" smtClean="0"/>
-              <a:t>7</a:t>
-            </a:fld>
-            <a:endParaRPr lang="en-US"/>
-          </a:p>
-        </p:txBody>
-      </p:sp>
-    </p:spTree>
-    <p:extLst>
-      <p:ext uri="{BB962C8B-B14F-4D97-AF65-F5344CB8AC3E}">
-        <p14:creationId xmlns:p14="http://schemas.microsoft.com/office/powerpoint/2010/main" val="695904350"/>
-      </p:ext>
-    </p:extLst>
-  </p:cSld>
-  <p:clrMapOvr>
-    <a:masterClrMapping/>
-  </p:clrMapOvr>
-</p:sld>
-</file>
-
-<file path=ppt/slides/slide8.xml><?xml version="1.0" encoding="utf-8"?>
-<p:sld xmlns:a="http://schemas.openxmlformats.org/drawingml/2006/main" xmlns:r="http://schemas.openxmlformats.org/officeDocument/2006/relationships" xmlns:p="http://schemas.openxmlformats.org/presentationml/2006/main">
-  <p:cSld>
-    <p:spTree>
-      <p:nvGrpSpPr>
-        <p:cNvPr id="1" name="">
-          <a:extLst>
-            <a:ext uri="{FF2B5EF4-FFF2-40B4-BE49-F238E27FC236}">
-              <a16:creationId xmlns:a16="http://schemas.microsoft.com/office/drawing/2014/main" id="{CCC4DA3B-EC58-CC2D-C8F9-E6264B11B975}"/>
-            </a:ext>
-          </a:extLst>
-        </p:cNvPr>
-        <p:cNvGrpSpPr/>
-        <p:nvPr/>
-      </p:nvGrpSpPr>
-      <p:grpSpPr>
-        <a:xfrm>
-          <a:off x="0" y="0"/>
-          <a:ext cx="0" cy="0"/>
-          <a:chOff x="0" y="0"/>
-          <a:chExt cx="0" cy="0"/>
-        </a:xfrm>
-      </p:grpSpPr>
-      <p:sp>
-        <p:nvSpPr>
-          <p:cNvPr id="2" name="Cím 1">
-            <a:extLst>
-              <a:ext uri="{FF2B5EF4-FFF2-40B4-BE49-F238E27FC236}">
-                <a16:creationId xmlns:a16="http://schemas.microsoft.com/office/drawing/2014/main" id="{294D1CC6-B607-EA85-7A37-688D87880CEB}"/>
-              </a:ext>
-            </a:extLst>
-          </p:cNvPr>
-          <p:cNvSpPr>
-            <a:spLocks noGrp="1"/>
-          </p:cNvSpPr>
-          <p:nvPr>
-            <p:ph type="title"/>
-          </p:nvPr>
-        </p:nvSpPr>
-        <p:spPr/>
-        <p:txBody>
-          <a:bodyPr/>
-          <a:lstStyle/>
-          <a:p>
-            <a:r>
-              <a:rPr lang="hu-HU" dirty="0" err="1"/>
-              <a:t>Bootstrap</a:t>
-            </a:r>
-            <a:endParaRPr lang="en-US" dirty="0"/>
-          </a:p>
-        </p:txBody>
-      </p:sp>
-      <p:sp>
-        <p:nvSpPr>
-          <p:cNvPr id="3" name="Tartalom helye 2">
-            <a:extLst>
-              <a:ext uri="{FF2B5EF4-FFF2-40B4-BE49-F238E27FC236}">
-                <a16:creationId xmlns:a16="http://schemas.microsoft.com/office/drawing/2014/main" id="{27AA4E8C-83C7-769E-8789-7D676BB721F3}"/>
-              </a:ext>
-            </a:extLst>
-          </p:cNvPr>
-          <p:cNvSpPr>
-            <a:spLocks noGrp="1"/>
-          </p:cNvSpPr>
-          <p:nvPr>
-            <p:ph idx="1"/>
-          </p:nvPr>
-        </p:nvSpPr>
-        <p:spPr/>
-        <p:txBody>
-          <a:bodyPr/>
-          <a:lstStyle/>
-          <a:p>
-            <a:endParaRPr lang="en-US"/>
-          </a:p>
-        </p:txBody>
-      </p:sp>
-      <p:sp>
-        <p:nvSpPr>
-          <p:cNvPr id="4" name="Dátum helye 3">
-            <a:extLst>
-              <a:ext uri="{FF2B5EF4-FFF2-40B4-BE49-F238E27FC236}">
-                <a16:creationId xmlns:a16="http://schemas.microsoft.com/office/drawing/2014/main" id="{3407CBF3-432A-088D-0FB2-CA6FC62E5807}"/>
-              </a:ext>
-            </a:extLst>
-          </p:cNvPr>
-          <p:cNvSpPr>
-            <a:spLocks noGrp="1"/>
-          </p:cNvSpPr>
-          <p:nvPr>
-            <p:ph type="dt" sz="half" idx="10"/>
-          </p:nvPr>
-        </p:nvSpPr>
-        <p:spPr/>
-        <p:txBody>
-          <a:bodyPr/>
-          <a:lstStyle/>
-          <a:p>
-            <a:fld id="{FF804E32-905A-49F3-99B8-9C09C2E8727C}" type="datetime1">
-              <a:rPr lang="hu-HU" smtClean="0"/>
-              <a:t>2024. 03. 04.</a:t>
-            </a:fld>
-            <a:endParaRPr lang="en-US"/>
-          </a:p>
-        </p:txBody>
-      </p:sp>
-      <p:sp>
-        <p:nvSpPr>
-          <p:cNvPr id="5" name="Élőláb helye 4">
-            <a:extLst>
-              <a:ext uri="{FF2B5EF4-FFF2-40B4-BE49-F238E27FC236}">
-                <a16:creationId xmlns:a16="http://schemas.microsoft.com/office/drawing/2014/main" id="{09975A48-DC22-936B-B54B-2CB7C9FDB721}"/>
-              </a:ext>
-            </a:extLst>
-          </p:cNvPr>
-          <p:cNvSpPr>
-            <a:spLocks noGrp="1"/>
-          </p:cNvSpPr>
-          <p:nvPr>
-            <p:ph type="ftr" sz="quarter" idx="11"/>
-          </p:nvPr>
-        </p:nvSpPr>
-        <p:spPr/>
-        <p:txBody>
-          <a:bodyPr/>
-          <a:lstStyle/>
-          <a:p>
-            <a:endParaRPr lang="en-US"/>
-          </a:p>
-        </p:txBody>
-      </p:sp>
-      <p:sp>
-        <p:nvSpPr>
-          <p:cNvPr id="6" name="Dia számának helye 5">
-            <a:extLst>
-              <a:ext uri="{FF2B5EF4-FFF2-40B4-BE49-F238E27FC236}">
-                <a16:creationId xmlns:a16="http://schemas.microsoft.com/office/drawing/2014/main" id="{213782DF-67A5-38D8-9406-1460410E3A85}"/>
-              </a:ext>
-            </a:extLst>
-          </p:cNvPr>
-          <p:cNvSpPr>
-            <a:spLocks noGrp="1"/>
-          </p:cNvSpPr>
-          <p:nvPr>
-            <p:ph type="sldNum" sz="quarter" idx="12"/>
-          </p:nvPr>
-        </p:nvSpPr>
-        <p:spPr/>
-        <p:txBody>
-          <a:bodyPr/>
-          <a:lstStyle/>
-          <a:p>
-            <a:fld id="{927374A8-BCF2-49CD-84BD-18DF129551B3}" type="slidenum">
-              <a:rPr lang="en-US" smtClean="0"/>
-              <a:t>8</a:t>
-            </a:fld>
-            <a:endParaRPr lang="en-US"/>
-          </a:p>
-        </p:txBody>
-      </p:sp>
-    </p:spTree>
-    <p:extLst>
-      <p:ext uri="{BB962C8B-B14F-4D97-AF65-F5344CB8AC3E}">
-        <p14:creationId xmlns:p14="http://schemas.microsoft.com/office/powerpoint/2010/main" val="1994835838"/>
-      </p:ext>
-    </p:extLst>
-  </p:cSld>
-  <p:clrMapOvr>
-    <a:masterClrMapping/>
-  </p:clrMapOvr>
-</p:sld>
-</file>
-
-<file path=ppt/slides/slide9.xml><?xml version="1.0" encoding="utf-8"?>
-<p:sld xmlns:a="http://schemas.openxmlformats.org/drawingml/2006/main" xmlns:r="http://schemas.openxmlformats.org/officeDocument/2006/relationships" xmlns:p="http://schemas.openxmlformats.org/presentationml/2006/main">
-  <p:cSld>
-    <p:spTree>
-      <p:nvGrpSpPr>
-        <p:cNvPr id="1" name="">
-          <a:extLst>
-            <a:ext uri="{FF2B5EF4-FFF2-40B4-BE49-F238E27FC236}">
-              <a16:creationId xmlns:a16="http://schemas.microsoft.com/office/drawing/2014/main" id="{05E787E5-3814-AFD0-9547-304277D222CD}"/>
-            </a:ext>
-          </a:extLst>
-        </p:cNvPr>
-        <p:cNvGrpSpPr/>
-        <p:nvPr/>
-      </p:nvGrpSpPr>
-      <p:grpSpPr>
-        <a:xfrm>
-          <a:off x="0" y="0"/>
-          <a:ext cx="0" cy="0"/>
-          <a:chOff x="0" y="0"/>
-          <a:chExt cx="0" cy="0"/>
-        </a:xfrm>
-      </p:grpSpPr>
-      <p:sp>
-        <p:nvSpPr>
-          <p:cNvPr id="2" name="Cím 1">
-            <a:extLst>
-              <a:ext uri="{FF2B5EF4-FFF2-40B4-BE49-F238E27FC236}">
-                <a16:creationId xmlns:a16="http://schemas.microsoft.com/office/drawing/2014/main" id="{FC193D83-5052-F442-6EEC-5F6D59E8468F}"/>
-              </a:ext>
-            </a:extLst>
-          </p:cNvPr>
-          <p:cNvSpPr>
-            <a:spLocks noGrp="1"/>
-          </p:cNvSpPr>
-          <p:nvPr>
-            <p:ph type="title"/>
-          </p:nvPr>
-        </p:nvSpPr>
-        <p:spPr/>
-        <p:txBody>
-          <a:bodyPr/>
-          <a:lstStyle/>
-          <a:p>
-            <a:r>
-              <a:rPr lang="hu-HU" dirty="0" err="1"/>
-              <a:t>Colorvmi</a:t>
-            </a:r>
-            <a:endParaRPr lang="en-US" dirty="0"/>
-          </a:p>
-        </p:txBody>
-      </p:sp>
-      <p:sp>
-        <p:nvSpPr>
-          <p:cNvPr id="3" name="Tartalom helye 2">
-            <a:extLst>
-              <a:ext uri="{FF2B5EF4-FFF2-40B4-BE49-F238E27FC236}">
-                <a16:creationId xmlns:a16="http://schemas.microsoft.com/office/drawing/2014/main" id="{B9F9040B-CAF0-F663-8171-815390C3288D}"/>
-              </a:ext>
-            </a:extLst>
-          </p:cNvPr>
-          <p:cNvSpPr>
-            <a:spLocks noGrp="1"/>
-          </p:cNvSpPr>
-          <p:nvPr>
-            <p:ph idx="1"/>
-          </p:nvPr>
-        </p:nvSpPr>
-        <p:spPr/>
-        <p:txBody>
-          <a:bodyPr/>
-          <a:lstStyle/>
-          <a:p>
-            <a:endParaRPr lang="en-US"/>
-          </a:p>
-        </p:txBody>
-      </p:sp>
-      <p:sp>
-        <p:nvSpPr>
-          <p:cNvPr id="4" name="Dátum helye 3">
-            <a:extLst>
-              <a:ext uri="{FF2B5EF4-FFF2-40B4-BE49-F238E27FC236}">
-                <a16:creationId xmlns:a16="http://schemas.microsoft.com/office/drawing/2014/main" id="{5C76B709-4BF5-3BCF-D103-DBC16C18EDE7}"/>
-              </a:ext>
-            </a:extLst>
-          </p:cNvPr>
-          <p:cNvSpPr>
-            <a:spLocks noGrp="1"/>
-          </p:cNvSpPr>
-          <p:nvPr>
-            <p:ph type="dt" sz="half" idx="10"/>
-          </p:nvPr>
-        </p:nvSpPr>
-        <p:spPr/>
-        <p:txBody>
-          <a:bodyPr/>
-          <a:lstStyle/>
-          <a:p>
-            <a:fld id="{6AE699B2-AC3E-4B15-B55F-F50A00C67863}" type="datetime1">
-              <a:rPr lang="hu-HU" smtClean="0"/>
-              <a:t>2024. 03. 04.</a:t>
-            </a:fld>
-            <a:endParaRPr lang="en-US"/>
-          </a:p>
-        </p:txBody>
-      </p:sp>
-      <p:sp>
-        <p:nvSpPr>
-          <p:cNvPr id="5" name="Élőláb helye 4">
-            <a:extLst>
-              <a:ext uri="{FF2B5EF4-FFF2-40B4-BE49-F238E27FC236}">
-                <a16:creationId xmlns:a16="http://schemas.microsoft.com/office/drawing/2014/main" id="{7019233B-2F53-A12C-94C5-D018EE3AAC7B}"/>
-              </a:ext>
-            </a:extLst>
-          </p:cNvPr>
-          <p:cNvSpPr>
-            <a:spLocks noGrp="1"/>
-          </p:cNvSpPr>
-          <p:nvPr>
-            <p:ph type="ftr" sz="quarter" idx="11"/>
-          </p:nvPr>
-        </p:nvSpPr>
-        <p:spPr/>
-        <p:txBody>
-          <a:bodyPr/>
-          <a:lstStyle/>
-          <a:p>
-            <a:endParaRPr lang="en-US"/>
-          </a:p>
-        </p:txBody>
-      </p:sp>
-      <p:sp>
-        <p:nvSpPr>
-          <p:cNvPr id="6" name="Dia számának helye 5">
-            <a:extLst>
-              <a:ext uri="{FF2B5EF4-FFF2-40B4-BE49-F238E27FC236}">
-                <a16:creationId xmlns:a16="http://schemas.microsoft.com/office/drawing/2014/main" id="{7A717759-DBA3-1B7E-93F6-FB32ACE397E0}"/>
-              </a:ext>
-            </a:extLst>
-          </p:cNvPr>
-          <p:cNvSpPr>
-            <a:spLocks noGrp="1"/>
-          </p:cNvSpPr>
-          <p:nvPr>
-            <p:ph type="sldNum" sz="quarter" idx="12"/>
-          </p:nvPr>
-        </p:nvSpPr>
-        <p:spPr/>
-        <p:txBody>
-          <a:bodyPr/>
-          <a:lstStyle/>
-          <a:p>
-            <a:fld id="{927374A8-BCF2-49CD-84BD-18DF129551B3}" type="slidenum">
-              <a:rPr lang="en-US" smtClean="0"/>
-              <a:t>9</a:t>
-            </a:fld>
-            <a:endParaRPr lang="en-US"/>
-          </a:p>
-        </p:txBody>
-      </p:sp>
-    </p:spTree>
-    <p:extLst>
-      <p:ext uri="{BB962C8B-B14F-4D97-AF65-F5344CB8AC3E}">
-        <p14:creationId xmlns:p14="http://schemas.microsoft.com/office/powerpoint/2010/main" val="2598129947"/>
       </p:ext>
     </p:extLst>
   </p:cSld>

--- a/Eloadas.pptx
+++ b/Eloadas.pptx
@@ -5,7 +5,7 @@
     <p:sldMasterId id="2147483678" r:id="rId1"/>
   </p:sldMasterIdLst>
   <p:notesMasterIdLst>
-    <p:notesMasterId r:id="rId42"/>
+    <p:notesMasterId r:id="rId43"/>
   </p:notesMasterIdLst>
   <p:sldIdLst>
     <p:sldId id="256" r:id="rId2"/>
@@ -21,33 +21,34 @@
     <p:sldId id="263" r:id="rId12"/>
     <p:sldId id="296" r:id="rId13"/>
     <p:sldId id="264" r:id="rId14"/>
-    <p:sldId id="265" r:id="rId15"/>
-    <p:sldId id="295" r:id="rId16"/>
-    <p:sldId id="266" r:id="rId17"/>
-    <p:sldId id="267" r:id="rId18"/>
-    <p:sldId id="293" r:id="rId19"/>
-    <p:sldId id="268" r:id="rId20"/>
-    <p:sldId id="269" r:id="rId21"/>
-    <p:sldId id="270" r:id="rId22"/>
-    <p:sldId id="271" r:id="rId23"/>
-    <p:sldId id="272" r:id="rId24"/>
-    <p:sldId id="273" r:id="rId25"/>
-    <p:sldId id="274" r:id="rId26"/>
-    <p:sldId id="275" r:id="rId27"/>
-    <p:sldId id="276" r:id="rId28"/>
-    <p:sldId id="277" r:id="rId29"/>
-    <p:sldId id="278" r:id="rId30"/>
-    <p:sldId id="279" r:id="rId31"/>
-    <p:sldId id="280" r:id="rId32"/>
-    <p:sldId id="281" r:id="rId33"/>
-    <p:sldId id="282" r:id="rId34"/>
-    <p:sldId id="283" r:id="rId35"/>
-    <p:sldId id="284" r:id="rId36"/>
-    <p:sldId id="285" r:id="rId37"/>
-    <p:sldId id="286" r:id="rId38"/>
-    <p:sldId id="287" r:id="rId39"/>
-    <p:sldId id="288" r:id="rId40"/>
-    <p:sldId id="289" r:id="rId41"/>
+    <p:sldId id="295" r:id="rId15"/>
+    <p:sldId id="265" r:id="rId16"/>
+    <p:sldId id="297" r:id="rId17"/>
+    <p:sldId id="266" r:id="rId18"/>
+    <p:sldId id="267" r:id="rId19"/>
+    <p:sldId id="293" r:id="rId20"/>
+    <p:sldId id="268" r:id="rId21"/>
+    <p:sldId id="269" r:id="rId22"/>
+    <p:sldId id="270" r:id="rId23"/>
+    <p:sldId id="271" r:id="rId24"/>
+    <p:sldId id="272" r:id="rId25"/>
+    <p:sldId id="273" r:id="rId26"/>
+    <p:sldId id="274" r:id="rId27"/>
+    <p:sldId id="275" r:id="rId28"/>
+    <p:sldId id="276" r:id="rId29"/>
+    <p:sldId id="277" r:id="rId30"/>
+    <p:sldId id="278" r:id="rId31"/>
+    <p:sldId id="279" r:id="rId32"/>
+    <p:sldId id="280" r:id="rId33"/>
+    <p:sldId id="281" r:id="rId34"/>
+    <p:sldId id="282" r:id="rId35"/>
+    <p:sldId id="283" r:id="rId36"/>
+    <p:sldId id="284" r:id="rId37"/>
+    <p:sldId id="285" r:id="rId38"/>
+    <p:sldId id="286" r:id="rId39"/>
+    <p:sldId id="287" r:id="rId40"/>
+    <p:sldId id="288" r:id="rId41"/>
+    <p:sldId id="289" r:id="rId42"/>
   </p:sldIdLst>
   <p:sldSz cx="12192000" cy="6858000"/>
   <p:notesSz cx="6858000" cy="9144000"/>
@@ -236,7 +237,7 @@
           <a:p>
             <a:fld id="{9539DBB2-DA9E-4BD2-8B96-8EC01E745535}" type="datetimeFigureOut">
               <a:rPr lang="hu-HU" smtClean="0"/>
-              <a:t>2024. 03. 04.</a:t>
+              <a:t>2024. 03. 05.</a:t>
             </a:fld>
             <a:endParaRPr lang="hu-HU"/>
           </a:p>
@@ -716,7 +717,7 @@
           <a:p>
             <a:fld id="{35F6CDDD-4D09-4325-AAB0-6994F1F6DF1D}" type="datetime1">
               <a:rPr lang="hu-HU" smtClean="0"/>
-              <a:t>2024. 03. 04.</a:t>
+              <a:t>2024. 03. 05.</a:t>
             </a:fld>
             <a:endParaRPr lang="en-US"/>
           </a:p>
@@ -1007,7 +1008,7 @@
           <a:p>
             <a:fld id="{6CA5DD3F-BD74-4592-AD62-EE2B5668FD20}" type="datetime1">
               <a:rPr lang="hu-HU" smtClean="0"/>
-              <a:t>2024. 03. 04.</a:t>
+              <a:t>2024. 03. 05.</a:t>
             </a:fld>
             <a:endParaRPr lang="en-US"/>
           </a:p>
@@ -1266,7 +1267,7 @@
           <a:p>
             <a:fld id="{C532F4C0-6C3B-434E-8985-3FE9D841DE33}" type="datetime1">
               <a:rPr lang="hu-HU" smtClean="0"/>
-              <a:t>2024. 03. 04.</a:t>
+              <a:t>2024. 03. 05.</a:t>
             </a:fld>
             <a:endParaRPr lang="en-US"/>
           </a:p>
@@ -1735,7 +1736,7 @@
           <a:p>
             <a:fld id="{DB55B1BB-66D8-48C6-B3E9-6A3294BF66ED}" type="datetime1">
               <a:rPr lang="hu-HU" smtClean="0"/>
-              <a:t>2024. 03. 04.</a:t>
+              <a:t>2024. 03. 05.</a:t>
             </a:fld>
             <a:endParaRPr lang="en-US"/>
           </a:p>
@@ -1915,7 +1916,7 @@
           <a:p>
             <a:fld id="{49EC83CC-F374-49ED-BC21-1BB4999D5F2E}" type="datetime1">
               <a:rPr lang="hu-HU" smtClean="0"/>
-              <a:t>2024. 03. 04.</a:t>
+              <a:t>2024. 03. 05.</a:t>
             </a:fld>
             <a:endParaRPr lang="en-US"/>
           </a:p>
@@ -2491,7 +2492,7 @@
           <a:p>
             <a:fld id="{FCCC7D26-52FD-4F8B-A666-74BD5B15A815}" type="datetime1">
               <a:rPr lang="hu-HU" smtClean="0"/>
-              <a:t>2024. 03. 04.</a:t>
+              <a:t>2024. 03. 05.</a:t>
             </a:fld>
             <a:endParaRPr lang="en-US"/>
           </a:p>
@@ -2823,7 +2824,7 @@
           <a:p>
             <a:fld id="{CF3E9872-871E-4FDD-8A7D-7FE20CE0BA1B}" type="datetime1">
               <a:rPr lang="hu-HU" smtClean="0"/>
-              <a:t>2024. 03. 04.</a:t>
+              <a:t>2024. 03. 05.</a:t>
             </a:fld>
             <a:endParaRPr lang="en-US"/>
           </a:p>
@@ -2998,7 +2999,7 @@
           <a:p>
             <a:fld id="{0BA1DBA7-4590-4B3F-9648-242176767EE1}" type="datetime1">
               <a:rPr lang="hu-HU" smtClean="0"/>
-              <a:t>2024. 03. 04.</a:t>
+              <a:t>2024. 03. 05.</a:t>
             </a:fld>
             <a:endParaRPr lang="en-US"/>
           </a:p>
@@ -3178,7 +3179,7 @@
           <a:p>
             <a:fld id="{CA8E1152-7537-437A-A378-7721DD277177}" type="datetime1">
               <a:rPr lang="hu-HU" smtClean="0"/>
-              <a:t>2024. 03. 04.</a:t>
+              <a:t>2024. 03. 05.</a:t>
             </a:fld>
             <a:endParaRPr lang="en-US"/>
           </a:p>
@@ -3348,7 +3349,7 @@
           <a:p>
             <a:fld id="{E0D05676-0184-4491-83BE-2E9128DA927C}" type="datetime1">
               <a:rPr lang="hu-HU" smtClean="0"/>
-              <a:t>2024. 03. 04.</a:t>
+              <a:t>2024. 03. 05.</a:t>
             </a:fld>
             <a:endParaRPr lang="en-US"/>
           </a:p>
@@ -3605,7 +3606,7 @@
           <a:p>
             <a:fld id="{794BBC14-934D-407B-B570-0E213EE45376}" type="datetime1">
               <a:rPr lang="hu-HU" smtClean="0"/>
-              <a:t>2024. 03. 04.</a:t>
+              <a:t>2024. 03. 05.</a:t>
             </a:fld>
             <a:endParaRPr lang="en-US"/>
           </a:p>
@@ -3897,7 +3898,7 @@
           <a:p>
             <a:fld id="{64AFC66C-B1E3-4331-B998-C4FF86A0CB73}" type="datetime1">
               <a:rPr lang="hu-HU" smtClean="0"/>
-              <a:t>2024. 03. 04.</a:t>
+              <a:t>2024. 03. 05.</a:t>
             </a:fld>
             <a:endParaRPr lang="en-US"/>
           </a:p>
@@ -4327,7 +4328,7 @@
           <a:p>
             <a:fld id="{F0AD6A2C-8EF1-43AA-B62A-10066E0BC334}" type="datetime1">
               <a:rPr lang="hu-HU" smtClean="0"/>
-              <a:t>2024. 03. 04.</a:t>
+              <a:t>2024. 03. 05.</a:t>
             </a:fld>
             <a:endParaRPr lang="en-US"/>
           </a:p>
@@ -4445,7 +4446,7 @@
           <a:p>
             <a:fld id="{381753EF-6E48-4FBF-BF52-EDA576793409}" type="datetime1">
               <a:rPr lang="hu-HU" smtClean="0"/>
-              <a:t>2024. 03. 04.</a:t>
+              <a:t>2024. 03. 05.</a:t>
             </a:fld>
             <a:endParaRPr lang="en-US"/>
           </a:p>
@@ -4540,7 +4541,7 @@
           <a:p>
             <a:fld id="{B535D664-E444-4E6A-8753-FD95071F0340}" type="datetime1">
               <a:rPr lang="hu-HU" smtClean="0"/>
-              <a:t>2024. 03. 04.</a:t>
+              <a:t>2024. 03. 05.</a:t>
             </a:fld>
             <a:endParaRPr lang="en-US"/>
           </a:p>
@@ -4823,7 +4824,7 @@
           <a:p>
             <a:fld id="{A1D01FA1-9B59-48DD-966B-1E37F582F694}" type="datetime1">
               <a:rPr lang="hu-HU" smtClean="0"/>
-              <a:t>2024. 03. 04.</a:t>
+              <a:t>2024. 03. 05.</a:t>
             </a:fld>
             <a:endParaRPr lang="en-US"/>
           </a:p>
@@ -5114,7 +5115,7 @@
           <a:p>
             <a:fld id="{1ECCCA80-C6B6-4458-B564-7F77D293528D}" type="datetime1">
               <a:rPr lang="hu-HU" smtClean="0"/>
-              <a:t>2024. 03. 04.</a:t>
+              <a:t>2024. 03. 05.</a:t>
             </a:fld>
             <a:endParaRPr lang="en-US"/>
           </a:p>
@@ -5345,7 +5346,7 @@
           <a:p>
             <a:fld id="{1D65D15B-46DF-4FB3-ABD2-924E8F02A47D}" type="datetime1">
               <a:rPr lang="hu-HU" smtClean="0"/>
-              <a:t>2024. 03. 04.</a:t>
+              <a:t>2024. 03. 05.</a:t>
             </a:fld>
             <a:endParaRPr lang="en-US"/>
           </a:p>
@@ -6192,7 +6193,7 @@
           <a:p>
             <a:fld id="{DD4C33B9-A6B8-4212-9644-1927E84D6641}" type="datetime1">
               <a:rPr lang="hu-HU" smtClean="0"/>
-              <a:t>2024. 03. 04.</a:t>
+              <a:t>2024. 03. 05.</a:t>
             </a:fld>
             <a:endParaRPr lang="en-US"/>
           </a:p>
@@ -6378,7 +6379,7 @@
           <a:p>
             <a:fld id="{1BD0E5E0-A0E5-4712-AC71-8FC7E1A1C62D}" type="datetime1">
               <a:rPr lang="hu-HU" smtClean="0"/>
-              <a:t>2024. 03. 04.</a:t>
+              <a:t>2024. 03. 05.</a:t>
             </a:fld>
             <a:endParaRPr lang="en-US"/>
           </a:p>
@@ -6405,7 +6406,11 @@
           <a:bodyPr/>
           <a:lstStyle/>
           <a:p>
-            <a:endParaRPr lang="en-US"/>
+            <a:r>
+              <a:rPr lang="hu-HU" dirty="0"/>
+              <a:t>Tóth Gergely</a:t>
+            </a:r>
+            <a:endParaRPr lang="en-US" dirty="0"/>
           </a:p>
         </p:txBody>
       </p:sp>
@@ -6533,7 +6538,23 @@
           <a:p>
             <a:r>
               <a:rPr lang="hu-HU" dirty="0"/>
-              <a:t>JavaScript-re épül, egy olyan eszköz, amely lehetővé teszi a kód futtatását a szerver oldalon</a:t>
+              <a:t>JavaScript-re épül, egy olyan eszköz, amely lehetővé teszi a kód futtatását a szerver oldalon (</a:t>
+            </a:r>
+            <a:r>
+              <a:rPr lang="hu-HU" dirty="0" err="1"/>
+              <a:t>runtime</a:t>
+            </a:r>
+            <a:r>
+              <a:rPr lang="hu-HU" dirty="0"/>
+              <a:t> </a:t>
+            </a:r>
+            <a:r>
+              <a:rPr lang="hu-HU" dirty="0" err="1"/>
+              <a:t>enviroment</a:t>
+            </a:r>
+            <a:r>
+              <a:rPr lang="hu-HU" dirty="0"/>
+              <a:t>)</a:t>
             </a:r>
           </a:p>
           <a:p>
@@ -6603,7 +6624,7 @@
           <a:p>
             <a:fld id="{09ADD76B-5E97-42F4-BE1C-F97FC8519DED}" type="datetime1">
               <a:rPr lang="hu-HU" smtClean="0"/>
-              <a:t>2024. 03. 04.</a:t>
+              <a:t>2024. 03. 05.</a:t>
             </a:fld>
             <a:endParaRPr lang="en-US"/>
           </a:p>
@@ -6630,7 +6651,11 @@
           <a:bodyPr/>
           <a:lstStyle/>
           <a:p>
-            <a:endParaRPr lang="en-US"/>
+            <a:r>
+              <a:rPr lang="hu-HU" dirty="0"/>
+              <a:t>Tóth Gergely</a:t>
+            </a:r>
+            <a:endParaRPr lang="en-US" dirty="0"/>
           </a:p>
         </p:txBody>
       </p:sp>
@@ -6764,9 +6789,38 @@
           <a:p>
             <a:r>
               <a:rPr lang="hu-HU" dirty="0"/>
+              <a:t>Ez a </a:t>
+            </a:r>
+            <a:r>
+              <a:rPr lang="hu-HU" dirty="0" err="1"/>
+              <a:t>Githubon</a:t>
+            </a:r>
+            <a:r>
+              <a:rPr lang="hu-HU" dirty="0"/>
+              <a:t> </a:t>
+            </a:r>
+            <a:r>
+              <a:rPr lang="hu-HU" dirty="0" err="1"/>
+              <a:t>hostolt</a:t>
+            </a:r>
+            <a:r>
+              <a:rPr lang="hu-HU" dirty="0"/>
+              <a:t> weblap-</a:t>
+            </a:r>
+            <a:r>
+              <a:rPr lang="hu-HU" dirty="0" err="1"/>
+              <a:t>ba</a:t>
+            </a:r>
+            <a:r>
+              <a:rPr lang="hu-HU" dirty="0"/>
+              <a:t> már nincs beépítve</a:t>
+            </a:r>
+          </a:p>
+          <a:p>
+            <a:r>
+              <a:rPr lang="hu-HU" dirty="0"/>
               <a:t>Már nevezhetjük a projektünk backendjének</a:t>
             </a:r>
-            <a:endParaRPr lang="en-US" dirty="0"/>
           </a:p>
         </p:txBody>
       </p:sp>
@@ -6793,7 +6847,7 @@
           <a:p>
             <a:fld id="{E0D05676-0184-4491-83BE-2E9128DA927C}" type="datetime1">
               <a:rPr lang="hu-HU" smtClean="0"/>
-              <a:t>2024. 03. 04.</a:t>
+              <a:t>2024. 03. 05.</a:t>
             </a:fld>
             <a:endParaRPr lang="en-US"/>
           </a:p>
@@ -6820,7 +6874,11 @@
           <a:bodyPr/>
           <a:lstStyle/>
           <a:p>
-            <a:endParaRPr lang="en-US"/>
+            <a:r>
+              <a:rPr lang="hu-HU" dirty="0"/>
+              <a:t>Tóth Gergely</a:t>
+            </a:r>
+            <a:endParaRPr lang="en-US" dirty="0"/>
           </a:p>
         </p:txBody>
       </p:sp>
@@ -6875,7 +6933,7 @@
         </p:blipFill>
         <p:spPr>
           <a:xfrm>
-            <a:off x="7004808" y="1866899"/>
+            <a:off x="7004808" y="2066320"/>
             <a:ext cx="4872368" cy="2725357"/>
           </a:xfrm>
           <a:prstGeom prst="rect">
@@ -6964,12 +7022,74 @@
             <p:ph idx="1"/>
           </p:nvPr>
         </p:nvSpPr>
-        <p:spPr/>
-        <p:txBody>
-          <a:bodyPr/>
-          <a:lstStyle/>
-          <a:p>
-            <a:endParaRPr lang="en-US" dirty="0"/>
+        <p:spPr>
+          <a:xfrm>
+            <a:off x="1082689" y="2124163"/>
+            <a:ext cx="9905998" cy="3124201"/>
+          </a:xfrm>
+        </p:spPr>
+        <p:txBody>
+          <a:bodyPr/>
+          <a:lstStyle/>
+          <a:p>
+            <a:r>
+              <a:rPr lang="hu-HU" dirty="0"/>
+              <a:t>JavaScript alapú keretrendszer</a:t>
+            </a:r>
+          </a:p>
+          <a:p>
+            <a:r>
+              <a:rPr lang="hu-HU" dirty="0"/>
+              <a:t>Segédfunkciókat tartalmaz a  node.js számára:</a:t>
+            </a:r>
+          </a:p>
+          <a:p>
+            <a:pPr lvl="1"/>
+            <a:r>
+              <a:rPr lang="hu-HU" dirty="0"/>
+              <a:t>Könnyebb olvashatóság</a:t>
+            </a:r>
+          </a:p>
+          <a:p>
+            <a:pPr lvl="1"/>
+            <a:r>
+              <a:rPr lang="hu-HU" dirty="0"/>
+              <a:t>Kevesebb kód</a:t>
+            </a:r>
+          </a:p>
+          <a:p>
+            <a:pPr lvl="1"/>
+            <a:r>
+              <a:rPr lang="hu-HU" dirty="0" err="1"/>
+              <a:t>Middleware</a:t>
+            </a:r>
+            <a:r>
+              <a:rPr lang="hu-HU" dirty="0"/>
+              <a:t> kezelés</a:t>
+            </a:r>
+          </a:p>
+          <a:p>
+            <a:r>
+              <a:rPr lang="hu-HU" dirty="0"/>
+              <a:t>Legelterjedtebb </a:t>
+            </a:r>
+            <a:r>
+              <a:rPr lang="hu-HU" dirty="0" err="1"/>
+              <a:t>js</a:t>
+            </a:r>
+            <a:r>
+              <a:rPr lang="hu-HU" dirty="0"/>
+              <a:t> </a:t>
+            </a:r>
+            <a:r>
+              <a:rPr lang="hu-HU" dirty="0" err="1"/>
+              <a:t>framework</a:t>
+            </a:r>
+            <a:endParaRPr lang="hu-HU" dirty="0"/>
+          </a:p>
+          <a:p>
+            <a:pPr lvl="1"/>
+            <a:endParaRPr lang="hu-HU" dirty="0"/>
           </a:p>
         </p:txBody>
       </p:sp>
@@ -6996,7 +7116,7 @@
           <a:p>
             <a:fld id="{6F93DF9F-0DD8-4A19-A096-18518C94C96D}" type="datetime1">
               <a:rPr lang="hu-HU" smtClean="0"/>
-              <a:t>2024. 03. 04.</a:t>
+              <a:t>2024. 03. 05.</a:t>
             </a:fld>
             <a:endParaRPr lang="en-US"/>
           </a:p>
@@ -7023,7 +7143,11 @@
           <a:bodyPr/>
           <a:lstStyle/>
           <a:p>
-            <a:endParaRPr lang="en-US"/>
+            <a:r>
+              <a:rPr lang="hu-HU" dirty="0"/>
+              <a:t>Tóth Gergely</a:t>
+            </a:r>
+            <a:endParaRPr lang="en-US" dirty="0"/>
           </a:p>
         </p:txBody>
       </p:sp>
@@ -7070,6 +7194,217 @@
 </file>
 
 <file path=ppt/slides/slide14.xml><?xml version="1.0" encoding="utf-8"?>
+<p:sld xmlns:a="http://schemas.openxmlformats.org/drawingml/2006/main" xmlns:r="http://schemas.openxmlformats.org/officeDocument/2006/relationships" xmlns:p="http://schemas.openxmlformats.org/presentationml/2006/main">
+  <p:cSld>
+    <p:spTree>
+      <p:nvGrpSpPr>
+        <p:cNvPr id="1" name=""/>
+        <p:cNvGrpSpPr/>
+        <p:nvPr/>
+      </p:nvGrpSpPr>
+      <p:grpSpPr>
+        <a:xfrm>
+          <a:off x="0" y="0"/>
+          <a:ext cx="0" cy="0"/>
+          <a:chOff x="0" y="0"/>
+          <a:chExt cx="0" cy="0"/>
+        </a:xfrm>
+      </p:grpSpPr>
+      <p:sp>
+        <p:nvSpPr>
+          <p:cNvPr id="2" name="Cím 1">
+            <a:extLst>
+              <a:ext uri="{FF2B5EF4-FFF2-40B4-BE49-F238E27FC236}">
+                <a16:creationId xmlns:a16="http://schemas.microsoft.com/office/drawing/2014/main" id="{78C47C4C-F141-9146-56C0-57DC4B7BEA3E}"/>
+              </a:ext>
+            </a:extLst>
+          </p:cNvPr>
+          <p:cNvSpPr>
+            <a:spLocks noGrp="1"/>
+          </p:cNvSpPr>
+          <p:nvPr>
+            <p:ph type="title"/>
+          </p:nvPr>
+        </p:nvSpPr>
+        <p:spPr/>
+        <p:txBody>
+          <a:bodyPr/>
+          <a:lstStyle/>
+          <a:p>
+            <a:r>
+              <a:rPr lang="hu-HU" dirty="0" err="1"/>
+              <a:t>Middleware</a:t>
+            </a:r>
+            <a:endParaRPr lang="en-US" dirty="0"/>
+          </a:p>
+        </p:txBody>
+      </p:sp>
+      <p:sp>
+        <p:nvSpPr>
+          <p:cNvPr id="3" name="Tartalom helye 2">
+            <a:extLst>
+              <a:ext uri="{FF2B5EF4-FFF2-40B4-BE49-F238E27FC236}">
+                <a16:creationId xmlns:a16="http://schemas.microsoft.com/office/drawing/2014/main" id="{53C13D5C-4CED-1983-A039-24EB621E345F}"/>
+              </a:ext>
+            </a:extLst>
+          </p:cNvPr>
+          <p:cNvSpPr>
+            <a:spLocks noGrp="1"/>
+          </p:cNvSpPr>
+          <p:nvPr>
+            <p:ph idx="1"/>
+          </p:nvPr>
+        </p:nvSpPr>
+        <p:spPr>
+          <a:xfrm>
+            <a:off x="1141412" y="1866899"/>
+            <a:ext cx="9905998" cy="3124201"/>
+          </a:xfrm>
+        </p:spPr>
+        <p:txBody>
+          <a:bodyPr/>
+          <a:lstStyle/>
+          <a:p>
+            <a:r>
+              <a:rPr lang="hu-HU" dirty="0"/>
+              <a:t>Front- és backend közt helyezkedik el logikailag</a:t>
+            </a:r>
+          </a:p>
+          <a:p>
+            <a:r>
+              <a:rPr lang="hu-HU" dirty="0"/>
+              <a:t>Segítségével manipulálhatni, ellenőrizni lehet a bejövő kéréseket</a:t>
+            </a:r>
+          </a:p>
+          <a:p>
+            <a:r>
+              <a:rPr lang="hu-HU" dirty="0"/>
+              <a:t>Példa:</a:t>
+            </a:r>
+          </a:p>
+          <a:p>
+            <a:pPr lvl="1"/>
+            <a:r>
+              <a:rPr lang="hu-HU" dirty="0"/>
+              <a:t>hitelesítési </a:t>
+            </a:r>
+            <a:r>
+              <a:rPr lang="hu-HU" dirty="0" err="1"/>
+              <a:t>middleware</a:t>
+            </a:r>
+            <a:endParaRPr lang="hu-HU" dirty="0"/>
+          </a:p>
+          <a:p>
+            <a:pPr lvl="1"/>
+            <a:r>
+              <a:rPr lang="hu-HU" dirty="0" err="1"/>
+              <a:t>Logolás</a:t>
+            </a:r>
+            <a:endParaRPr lang="en-US" dirty="0"/>
+          </a:p>
+        </p:txBody>
+      </p:sp>
+      <p:sp>
+        <p:nvSpPr>
+          <p:cNvPr id="4" name="Dátum helye 3">
+            <a:extLst>
+              <a:ext uri="{FF2B5EF4-FFF2-40B4-BE49-F238E27FC236}">
+                <a16:creationId xmlns:a16="http://schemas.microsoft.com/office/drawing/2014/main" id="{788F9931-50D0-D65D-7177-9E25DE207F0D}"/>
+              </a:ext>
+            </a:extLst>
+          </p:cNvPr>
+          <p:cNvSpPr>
+            <a:spLocks noGrp="1"/>
+          </p:cNvSpPr>
+          <p:nvPr>
+            <p:ph type="dt" sz="half" idx="10"/>
+          </p:nvPr>
+        </p:nvSpPr>
+        <p:spPr/>
+        <p:txBody>
+          <a:bodyPr/>
+          <a:lstStyle/>
+          <a:p>
+            <a:fld id="{E0D05676-0184-4491-83BE-2E9128DA927C}" type="datetime1">
+              <a:rPr lang="hu-HU" smtClean="0"/>
+              <a:t>2024. 03. 05.</a:t>
+            </a:fld>
+            <a:endParaRPr lang="en-US"/>
+          </a:p>
+        </p:txBody>
+      </p:sp>
+      <p:sp>
+        <p:nvSpPr>
+          <p:cNvPr id="5" name="Élőláb helye 4">
+            <a:extLst>
+              <a:ext uri="{FF2B5EF4-FFF2-40B4-BE49-F238E27FC236}">
+                <a16:creationId xmlns:a16="http://schemas.microsoft.com/office/drawing/2014/main" id="{201979AA-089F-D262-F0EC-E83E93CAD7D4}"/>
+              </a:ext>
+            </a:extLst>
+          </p:cNvPr>
+          <p:cNvSpPr>
+            <a:spLocks noGrp="1"/>
+          </p:cNvSpPr>
+          <p:nvPr>
+            <p:ph type="ftr" sz="quarter" idx="11"/>
+          </p:nvPr>
+        </p:nvSpPr>
+        <p:spPr/>
+        <p:txBody>
+          <a:bodyPr/>
+          <a:lstStyle/>
+          <a:p>
+            <a:r>
+              <a:rPr lang="hu-HU" dirty="0"/>
+              <a:t>Tóth Gergely</a:t>
+            </a:r>
+            <a:endParaRPr lang="en-US" dirty="0"/>
+          </a:p>
+        </p:txBody>
+      </p:sp>
+      <p:sp>
+        <p:nvSpPr>
+          <p:cNvPr id="6" name="Dia számának helye 5">
+            <a:extLst>
+              <a:ext uri="{FF2B5EF4-FFF2-40B4-BE49-F238E27FC236}">
+                <a16:creationId xmlns:a16="http://schemas.microsoft.com/office/drawing/2014/main" id="{82FFE2DA-201E-9363-A80A-E89BA5FE0676}"/>
+              </a:ext>
+            </a:extLst>
+          </p:cNvPr>
+          <p:cNvSpPr>
+            <a:spLocks noGrp="1"/>
+          </p:cNvSpPr>
+          <p:nvPr>
+            <p:ph type="sldNum" sz="quarter" idx="12"/>
+          </p:nvPr>
+        </p:nvSpPr>
+        <p:spPr/>
+        <p:txBody>
+          <a:bodyPr/>
+          <a:lstStyle/>
+          <a:p>
+            <a:fld id="{927374A8-BCF2-49CD-84BD-18DF129551B3}" type="slidenum">
+              <a:rPr lang="en-US" smtClean="0"/>
+              <a:t>14</a:t>
+            </a:fld>
+            <a:endParaRPr lang="en-US"/>
+          </a:p>
+        </p:txBody>
+      </p:sp>
+    </p:spTree>
+    <p:extLst>
+      <p:ext uri="{BB962C8B-B14F-4D97-AF65-F5344CB8AC3E}">
+        <p14:creationId xmlns:p14="http://schemas.microsoft.com/office/powerpoint/2010/main" val="4073868805"/>
+      </p:ext>
+    </p:extLst>
+  </p:cSld>
+  <p:clrMapOvr>
+    <a:masterClrMapping/>
+  </p:clrMapOvr>
+</p:sld>
+</file>
+
+<file path=ppt/slides/slide15.xml><?xml version="1.0" encoding="utf-8"?>
 <p:sld xmlns:a="http://schemas.openxmlformats.org/drawingml/2006/main" xmlns:r="http://schemas.openxmlformats.org/officeDocument/2006/relationships" xmlns:p="http://schemas.openxmlformats.org/presentationml/2006/main">
   <p:cSld>
     <p:spTree>
@@ -7137,12 +7472,41 @@
             <p:ph idx="1"/>
           </p:nvPr>
         </p:nvSpPr>
-        <p:spPr/>
-        <p:txBody>
-          <a:bodyPr/>
-          <a:lstStyle/>
-          <a:p>
-            <a:endParaRPr lang="en-US"/>
+        <p:spPr>
+          <a:xfrm>
+            <a:off x="1141412" y="1702413"/>
+            <a:ext cx="5863396" cy="3942607"/>
+          </a:xfrm>
+        </p:spPr>
+        <p:txBody>
+          <a:bodyPr/>
+          <a:lstStyle/>
+          <a:p>
+            <a:r>
+              <a:rPr lang="hu-HU" dirty="0"/>
+              <a:t>Dinamikus tartalom generálásra használják</a:t>
+            </a:r>
+          </a:p>
+          <a:p>
+            <a:r>
+              <a:rPr lang="hu-HU" dirty="0"/>
+              <a:t>Könnyebbé teszi a fejlesztést, karbantartást, kódolást</a:t>
+            </a:r>
+          </a:p>
+          <a:p>
+            <a:r>
+              <a:rPr lang="hu-HU" dirty="0"/>
+              <a:t>Elősegíti a jobb strukturálást modularitást</a:t>
+            </a:r>
+          </a:p>
+          <a:p>
+            <a:r>
+              <a:rPr lang="hu-HU" dirty="0"/>
+              <a:t>Segíthet jobban elkülöníteni a frontendet a backendtől</a:t>
+            </a:r>
+          </a:p>
+          <a:p>
+            <a:endParaRPr lang="en-US" dirty="0"/>
           </a:p>
         </p:txBody>
       </p:sp>
@@ -7169,7 +7533,7 @@
           <a:p>
             <a:fld id="{0932C999-B6F9-4D04-B13B-6E303EAC2D46}" type="datetime1">
               <a:rPr lang="hu-HU" smtClean="0"/>
-              <a:t>2024. 03. 04.</a:t>
+              <a:t>2024. 03. 05.</a:t>
             </a:fld>
             <a:endParaRPr lang="en-US"/>
           </a:p>
@@ -7196,7 +7560,11 @@
           <a:bodyPr/>
           <a:lstStyle/>
           <a:p>
-            <a:endParaRPr lang="en-US"/>
+            <a:r>
+              <a:rPr lang="hu-HU" dirty="0"/>
+              <a:t>Tóth Gergely</a:t>
+            </a:r>
+            <a:endParaRPr lang="en-US" dirty="0"/>
           </a:p>
         </p:txBody>
       </p:sp>
@@ -7223,12 +7591,42 @@
           <a:p>
             <a:fld id="{927374A8-BCF2-49CD-84BD-18DF129551B3}" type="slidenum">
               <a:rPr lang="en-US" smtClean="0"/>
-              <a:t>14</a:t>
+              <a:t>15</a:t>
             </a:fld>
             <a:endParaRPr lang="en-US"/>
           </a:p>
         </p:txBody>
       </p:sp>
+      <p:pic>
+        <p:nvPicPr>
+          <p:cNvPr id="7" name="Kép 6">
+            <a:extLst>
+              <a:ext uri="{FF2B5EF4-FFF2-40B4-BE49-F238E27FC236}">
+                <a16:creationId xmlns:a16="http://schemas.microsoft.com/office/drawing/2014/main" id="{EC8EB8E5-6572-4C14-9429-B813665AF8C9}"/>
+              </a:ext>
+            </a:extLst>
+          </p:cNvPr>
+          <p:cNvPicPr>
+            <a:picLocks noChangeAspect="1"/>
+          </p:cNvPicPr>
+          <p:nvPr/>
+        </p:nvPicPr>
+        <p:blipFill>
+          <a:blip r:embed="rId2"/>
+          <a:stretch>
+            <a:fillRect/>
+          </a:stretch>
+        </p:blipFill>
+        <p:spPr>
+          <a:xfrm>
+            <a:off x="7004808" y="2066321"/>
+            <a:ext cx="4872368" cy="2725357"/>
+          </a:xfrm>
+          <a:prstGeom prst="rect">
+            <a:avLst/>
+          </a:prstGeom>
+        </p:spPr>
+      </p:pic>
     </p:spTree>
     <p:extLst>
       <p:ext uri="{BB962C8B-B14F-4D97-AF65-F5344CB8AC3E}">
@@ -7242,7 +7640,7 @@
 </p:sld>
 </file>
 
-<file path=ppt/slides/slide15.xml><?xml version="1.0" encoding="utf-8"?>
+<file path=ppt/slides/slide16.xml><?xml version="1.0" encoding="utf-8"?>
 <p:sld xmlns:a="http://schemas.openxmlformats.org/drawingml/2006/main" xmlns:r="http://schemas.openxmlformats.org/officeDocument/2006/relationships" xmlns:p="http://schemas.openxmlformats.org/presentationml/2006/main">
   <p:cSld>
     <p:spTree>
@@ -7264,7 +7662,7 @@
           <p:cNvPr id="2" name="Cím 1">
             <a:extLst>
               <a:ext uri="{FF2B5EF4-FFF2-40B4-BE49-F238E27FC236}">
-                <a16:creationId xmlns:a16="http://schemas.microsoft.com/office/drawing/2014/main" id="{78C47C4C-F141-9146-56C0-57DC4B7BEA3E}"/>
+                <a16:creationId xmlns:a16="http://schemas.microsoft.com/office/drawing/2014/main" id="{4BE2187C-6887-25B8-01B7-0F1FC2E3FEF6}"/>
               </a:ext>
             </a:extLst>
           </p:cNvPr>
@@ -7281,10 +7679,9 @@
           <a:lstStyle/>
           <a:p>
             <a:r>
-              <a:rPr lang="hu-HU" dirty="0" err="1"/>
-              <a:t>Middleware</a:t>
-            </a:r>
-            <a:endParaRPr lang="en-US" dirty="0"/>
+              <a:rPr lang="hu-HU" dirty="0"/>
+              <a:t>EJS</a:t>
+            </a:r>
           </a:p>
         </p:txBody>
       </p:sp>
@@ -7293,7 +7690,7 @@
           <p:cNvPr id="3" name="Tartalom helye 2">
             <a:extLst>
               <a:ext uri="{FF2B5EF4-FFF2-40B4-BE49-F238E27FC236}">
-                <a16:creationId xmlns:a16="http://schemas.microsoft.com/office/drawing/2014/main" id="{53C13D5C-4CED-1983-A039-24EB621E345F}"/>
+                <a16:creationId xmlns:a16="http://schemas.microsoft.com/office/drawing/2014/main" id="{B22FB084-C32B-B87A-68C1-F97B1AEAE77A}"/>
               </a:ext>
             </a:extLst>
           </p:cNvPr>
@@ -7304,12 +7701,20 @@
             <p:ph idx="1"/>
           </p:nvPr>
         </p:nvSpPr>
-        <p:spPr/>
-        <p:txBody>
-          <a:bodyPr/>
-          <a:lstStyle/>
-          <a:p>
-            <a:endParaRPr lang="en-US"/>
+        <p:spPr>
+          <a:xfrm>
+            <a:off x="1141412" y="646586"/>
+            <a:ext cx="9905998" cy="3124201"/>
+          </a:xfrm>
+        </p:spPr>
+        <p:txBody>
+          <a:bodyPr/>
+          <a:lstStyle/>
+          <a:p>
+            <a:r>
+              <a:rPr lang="hu-HU" dirty="0"/>
+              <a:t>HTML struktúrát segít felépíteni, benne JavaScript logikával</a:t>
+            </a:r>
           </a:p>
         </p:txBody>
       </p:sp>
@@ -7318,7 +7723,7 @@
           <p:cNvPr id="4" name="Dátum helye 3">
             <a:extLst>
               <a:ext uri="{FF2B5EF4-FFF2-40B4-BE49-F238E27FC236}">
-                <a16:creationId xmlns:a16="http://schemas.microsoft.com/office/drawing/2014/main" id="{788F9931-50D0-D65D-7177-9E25DE207F0D}"/>
+                <a16:creationId xmlns:a16="http://schemas.microsoft.com/office/drawing/2014/main" id="{0DBEC4AE-FE58-9FB5-C634-D099FBB3D96E}"/>
               </a:ext>
             </a:extLst>
           </p:cNvPr>
@@ -7336,7 +7741,7 @@
           <a:p>
             <a:fld id="{E0D05676-0184-4491-83BE-2E9128DA927C}" type="datetime1">
               <a:rPr lang="hu-HU" smtClean="0"/>
-              <a:t>2024. 03. 04.</a:t>
+              <a:t>2024. 03. 05.</a:t>
             </a:fld>
             <a:endParaRPr lang="en-US"/>
           </a:p>
@@ -7347,7 +7752,7 @@
           <p:cNvPr id="5" name="Élőláb helye 4">
             <a:extLst>
               <a:ext uri="{FF2B5EF4-FFF2-40B4-BE49-F238E27FC236}">
-                <a16:creationId xmlns:a16="http://schemas.microsoft.com/office/drawing/2014/main" id="{201979AA-089F-D262-F0EC-E83E93CAD7D4}"/>
+                <a16:creationId xmlns:a16="http://schemas.microsoft.com/office/drawing/2014/main" id="{563C0BCA-891E-010B-71A3-B212B4A9FBE9}"/>
               </a:ext>
             </a:extLst>
           </p:cNvPr>
@@ -7372,7 +7777,7 @@
           <p:cNvPr id="6" name="Dia számának helye 5">
             <a:extLst>
               <a:ext uri="{FF2B5EF4-FFF2-40B4-BE49-F238E27FC236}">
-                <a16:creationId xmlns:a16="http://schemas.microsoft.com/office/drawing/2014/main" id="{82FFE2DA-201E-9363-A80A-E89BA5FE0676}"/>
+                <a16:creationId xmlns:a16="http://schemas.microsoft.com/office/drawing/2014/main" id="{8DD0BDC8-851E-5991-68EC-8C43143A6B32}"/>
               </a:ext>
             </a:extLst>
           </p:cNvPr>
@@ -7390,16 +7795,76 @@
           <a:p>
             <a:fld id="{927374A8-BCF2-49CD-84BD-18DF129551B3}" type="slidenum">
               <a:rPr lang="en-US" smtClean="0"/>
-              <a:t>15</a:t>
+              <a:t>16</a:t>
             </a:fld>
             <a:endParaRPr lang="en-US"/>
           </a:p>
         </p:txBody>
       </p:sp>
+      <p:pic>
+        <p:nvPicPr>
+          <p:cNvPr id="8" name="Kép 7">
+            <a:extLst>
+              <a:ext uri="{FF2B5EF4-FFF2-40B4-BE49-F238E27FC236}">
+                <a16:creationId xmlns:a16="http://schemas.microsoft.com/office/drawing/2014/main" id="{14F9D2D6-AD49-F15D-F660-CABD1915EDBC}"/>
+              </a:ext>
+            </a:extLst>
+          </p:cNvPr>
+          <p:cNvPicPr>
+            <a:picLocks noChangeAspect="1"/>
+          </p:cNvPicPr>
+          <p:nvPr/>
+        </p:nvPicPr>
+        <p:blipFill>
+          <a:blip r:embed="rId2"/>
+          <a:stretch>
+            <a:fillRect/>
+          </a:stretch>
+        </p:blipFill>
+        <p:spPr>
+          <a:xfrm>
+            <a:off x="1701878" y="2530040"/>
+            <a:ext cx="3251367" cy="3050310"/>
+          </a:xfrm>
+          <a:prstGeom prst="rect">
+            <a:avLst/>
+          </a:prstGeom>
+        </p:spPr>
+      </p:pic>
+      <p:pic>
+        <p:nvPicPr>
+          <p:cNvPr id="10" name="Kép 9">
+            <a:extLst>
+              <a:ext uri="{FF2B5EF4-FFF2-40B4-BE49-F238E27FC236}">
+                <a16:creationId xmlns:a16="http://schemas.microsoft.com/office/drawing/2014/main" id="{C86C1417-3391-952A-D0FC-13D73052CEBE}"/>
+              </a:ext>
+            </a:extLst>
+          </p:cNvPr>
+          <p:cNvPicPr>
+            <a:picLocks noChangeAspect="1"/>
+          </p:cNvPicPr>
+          <p:nvPr/>
+        </p:nvPicPr>
+        <p:blipFill>
+          <a:blip r:embed="rId3"/>
+          <a:stretch>
+            <a:fillRect/>
+          </a:stretch>
+        </p:blipFill>
+        <p:spPr>
+          <a:xfrm>
+            <a:off x="6730799" y="2509529"/>
+            <a:ext cx="3251368" cy="3068785"/>
+          </a:xfrm>
+          <a:prstGeom prst="rect">
+            <a:avLst/>
+          </a:prstGeom>
+        </p:spPr>
+      </p:pic>
     </p:spTree>
     <p:extLst>
       <p:ext uri="{BB962C8B-B14F-4D97-AF65-F5344CB8AC3E}">
-        <p14:creationId xmlns:p14="http://schemas.microsoft.com/office/powerpoint/2010/main" val="4073868805"/>
+        <p14:creationId xmlns:p14="http://schemas.microsoft.com/office/powerpoint/2010/main" val="1435150787"/>
       </p:ext>
     </p:extLst>
   </p:cSld>
@@ -7409,7 +7874,7 @@
 </p:sld>
 </file>
 
-<file path=ppt/slides/slide16.xml><?xml version="1.0" encoding="utf-8"?>
+<file path=ppt/slides/slide17.xml><?xml version="1.0" encoding="utf-8"?>
 <p:sld xmlns:a="http://schemas.openxmlformats.org/drawingml/2006/main" xmlns:r="http://schemas.openxmlformats.org/officeDocument/2006/relationships" xmlns:p="http://schemas.openxmlformats.org/presentationml/2006/main">
   <p:cSld>
     <p:spTree>
@@ -7455,42 +7920,59 @@
           <a:p>
             <a:r>
               <a:rPr lang="hu-HU" dirty="0" err="1"/>
-              <a:t>Git</a:t>
-            </a:r>
+              <a:t>Github</a:t>
+            </a:r>
+            <a:endParaRPr lang="en-US" dirty="0"/>
+          </a:p>
+        </p:txBody>
+      </p:sp>
+      <p:sp>
+        <p:nvSpPr>
+          <p:cNvPr id="3" name="Tartalom helye 2">
+            <a:extLst>
+              <a:ext uri="{FF2B5EF4-FFF2-40B4-BE49-F238E27FC236}">
+                <a16:creationId xmlns:a16="http://schemas.microsoft.com/office/drawing/2014/main" id="{A00E67F5-B445-4671-3FB5-430BABEBD510}"/>
+              </a:ext>
+            </a:extLst>
+          </p:cNvPr>
+          <p:cNvSpPr>
+            <a:spLocks noGrp="1"/>
+          </p:cNvSpPr>
+          <p:nvPr>
+            <p:ph idx="1"/>
+          </p:nvPr>
+        </p:nvSpPr>
+        <p:spPr>
+          <a:xfrm>
+            <a:off x="1118830" y="1562100"/>
+            <a:ext cx="9905998" cy="3124201"/>
+          </a:xfrm>
+        </p:spPr>
+        <p:txBody>
+          <a:bodyPr/>
+          <a:lstStyle/>
+          <a:p>
             <a:r>
               <a:rPr lang="hu-HU" dirty="0"/>
-              <a:t> - </a:t>
+              <a:t>Lehetőséget teremt </a:t>
             </a:r>
             <a:r>
               <a:rPr lang="hu-HU" dirty="0" err="1"/>
-              <a:t>Github</a:t>
-            </a:r>
+              <a:t>hostolni</a:t>
+            </a:r>
+            <a:r>
+              <a:rPr lang="hu-HU" dirty="0"/>
+              <a:t> weblapot ingyenesen</a:t>
+            </a:r>
+          </a:p>
+          <a:p>
+            <a:r>
+              <a:rPr lang="hu-HU" dirty="0"/>
+              <a:t>Korábban volt róla előadás</a:t>
+            </a:r>
+          </a:p>
+          <a:p>
             <a:endParaRPr lang="en-US" dirty="0"/>
-          </a:p>
-        </p:txBody>
-      </p:sp>
-      <p:sp>
-        <p:nvSpPr>
-          <p:cNvPr id="3" name="Tartalom helye 2">
-            <a:extLst>
-              <a:ext uri="{FF2B5EF4-FFF2-40B4-BE49-F238E27FC236}">
-                <a16:creationId xmlns:a16="http://schemas.microsoft.com/office/drawing/2014/main" id="{A00E67F5-B445-4671-3FB5-430BABEBD510}"/>
-              </a:ext>
-            </a:extLst>
-          </p:cNvPr>
-          <p:cNvSpPr>
-            <a:spLocks noGrp="1"/>
-          </p:cNvSpPr>
-          <p:nvPr>
-            <p:ph idx="1"/>
-          </p:nvPr>
-        </p:nvSpPr>
-        <p:spPr/>
-        <p:txBody>
-          <a:bodyPr/>
-          <a:lstStyle/>
-          <a:p>
-            <a:endParaRPr lang="en-US"/>
           </a:p>
         </p:txBody>
       </p:sp>
@@ -7517,7 +7999,7 @@
           <a:p>
             <a:fld id="{92DD11B4-80D5-44DE-A7EE-0D0C4A06CAFB}" type="datetime1">
               <a:rPr lang="hu-HU" smtClean="0"/>
-              <a:t>2024. 03. 04.</a:t>
+              <a:t>2024. 03. 05.</a:t>
             </a:fld>
             <a:endParaRPr lang="en-US"/>
           </a:p>
@@ -7544,7 +8026,11 @@
           <a:bodyPr/>
           <a:lstStyle/>
           <a:p>
-            <a:endParaRPr lang="en-US"/>
+            <a:r>
+              <a:rPr lang="hu-HU" dirty="0"/>
+              <a:t>Tóth Gergely</a:t>
+            </a:r>
+            <a:endParaRPr lang="en-US" dirty="0"/>
           </a:p>
         </p:txBody>
       </p:sp>
@@ -7571,7 +8057,7 @@
           <a:p>
             <a:fld id="{927374A8-BCF2-49CD-84BD-18DF129551B3}" type="slidenum">
               <a:rPr lang="en-US" smtClean="0"/>
-              <a:t>16</a:t>
+              <a:t>17</a:t>
             </a:fld>
             <a:endParaRPr lang="en-US"/>
           </a:p>
@@ -7590,7 +8076,7 @@
 </p:sld>
 </file>
 
-<file path=ppt/slides/slide17.xml><?xml version="1.0" encoding="utf-8"?>
+<file path=ppt/slides/slide18.xml><?xml version="1.0" encoding="utf-8"?>
 <p:sld xmlns:a="http://schemas.openxmlformats.org/drawingml/2006/main" xmlns:r="http://schemas.openxmlformats.org/officeDocument/2006/relationships" xmlns:p="http://schemas.openxmlformats.org/presentationml/2006/main">
   <p:cSld>
     <p:spTree>
@@ -7734,7 +8220,7 @@
           <a:p>
             <a:fld id="{82D5F01D-94D0-4555-86CB-29291917B8C5}" type="datetime1">
               <a:rPr lang="hu-HU" smtClean="0"/>
-              <a:t>2024. 03. 04.</a:t>
+              <a:t>2024. 03. 05.</a:t>
             </a:fld>
             <a:endParaRPr lang="en-US"/>
           </a:p>
@@ -7761,7 +8247,11 @@
           <a:bodyPr/>
           <a:lstStyle/>
           <a:p>
-            <a:endParaRPr lang="en-US"/>
+            <a:r>
+              <a:rPr lang="hu-HU" dirty="0"/>
+              <a:t>Tóth Gergely</a:t>
+            </a:r>
+            <a:endParaRPr lang="en-US" dirty="0"/>
           </a:p>
         </p:txBody>
       </p:sp>
@@ -7788,7 +8278,7 @@
           <a:p>
             <a:fld id="{927374A8-BCF2-49CD-84BD-18DF129551B3}" type="slidenum">
               <a:rPr lang="en-US" smtClean="0"/>
-              <a:t>17</a:t>
+              <a:t>18</a:t>
             </a:fld>
             <a:endParaRPr lang="en-US"/>
           </a:p>
@@ -7807,7 +8297,7 @@
 </p:sld>
 </file>
 
-<file path=ppt/slides/slide18.xml><?xml version="1.0" encoding="utf-8"?>
+<file path=ppt/slides/slide19.xml><?xml version="1.0" encoding="utf-8"?>
 <p:sld xmlns:a="http://schemas.openxmlformats.org/drawingml/2006/main" xmlns:r="http://schemas.openxmlformats.org/officeDocument/2006/relationships" xmlns:p="http://schemas.openxmlformats.org/presentationml/2006/main">
   <p:cSld>
     <p:spTree>
@@ -7951,7 +8441,7 @@
           <a:p>
             <a:fld id="{15A1B103-ECC8-469B-9ACB-426E3EC72F44}" type="datetime1">
               <a:rPr lang="hu-HU" smtClean="0"/>
-              <a:t>2024. 03. 04.</a:t>
+              <a:t>2024. 03. 05.</a:t>
             </a:fld>
             <a:endParaRPr lang="en-US"/>
           </a:p>
@@ -7978,7 +8468,11 @@
           <a:bodyPr/>
           <a:lstStyle/>
           <a:p>
-            <a:endParaRPr lang="en-US"/>
+            <a:r>
+              <a:rPr lang="hu-HU" dirty="0"/>
+              <a:t>Tóth Gergely</a:t>
+            </a:r>
+            <a:endParaRPr lang="en-US" dirty="0"/>
           </a:p>
         </p:txBody>
       </p:sp>
@@ -8005,7 +8499,7 @@
           <a:p>
             <a:fld id="{927374A8-BCF2-49CD-84BD-18DF129551B3}" type="slidenum">
               <a:rPr lang="en-US" smtClean="0"/>
-              <a:t>18</a:t>
+              <a:t>19</a:t>
             </a:fld>
             <a:endParaRPr lang="en-US"/>
           </a:p>
@@ -8015,263 +8509,6 @@
     <p:extLst>
       <p:ext uri="{BB962C8B-B14F-4D97-AF65-F5344CB8AC3E}">
         <p14:creationId xmlns:p14="http://schemas.microsoft.com/office/powerpoint/2010/main" val="1326682337"/>
-      </p:ext>
-    </p:extLst>
-  </p:cSld>
-  <p:clrMapOvr>
-    <a:masterClrMapping/>
-  </p:clrMapOvr>
-</p:sld>
-</file>
-
-<file path=ppt/slides/slide19.xml><?xml version="1.0" encoding="utf-8"?>
-<p:sld xmlns:a="http://schemas.openxmlformats.org/drawingml/2006/main" xmlns:r="http://schemas.openxmlformats.org/officeDocument/2006/relationships" xmlns:p="http://schemas.openxmlformats.org/presentationml/2006/main">
-  <p:cSld>
-    <p:spTree>
-      <p:nvGrpSpPr>
-        <p:cNvPr id="1" name="">
-          <a:extLst>
-            <a:ext uri="{FF2B5EF4-FFF2-40B4-BE49-F238E27FC236}">
-              <a16:creationId xmlns:a16="http://schemas.microsoft.com/office/drawing/2014/main" id="{C1584851-6A58-8226-D38E-5482509584B6}"/>
-            </a:ext>
-          </a:extLst>
-        </p:cNvPr>
-        <p:cNvGrpSpPr/>
-        <p:nvPr/>
-      </p:nvGrpSpPr>
-      <p:grpSpPr>
-        <a:xfrm>
-          <a:off x="0" y="0"/>
-          <a:ext cx="0" cy="0"/>
-          <a:chOff x="0" y="0"/>
-          <a:chExt cx="0" cy="0"/>
-        </a:xfrm>
-      </p:grpSpPr>
-      <p:sp>
-        <p:nvSpPr>
-          <p:cNvPr id="2" name="Cím 1">
-            <a:extLst>
-              <a:ext uri="{FF2B5EF4-FFF2-40B4-BE49-F238E27FC236}">
-                <a16:creationId xmlns:a16="http://schemas.microsoft.com/office/drawing/2014/main" id="{5630C0E7-A7AA-CFCA-BB6A-F3A62BEC1DEF}"/>
-              </a:ext>
-            </a:extLst>
-          </p:cNvPr>
-          <p:cNvSpPr>
-            <a:spLocks noGrp="1"/>
-          </p:cNvSpPr>
-          <p:nvPr>
-            <p:ph type="title"/>
-          </p:nvPr>
-        </p:nvSpPr>
-        <p:spPr/>
-        <p:txBody>
-          <a:bodyPr/>
-          <a:lstStyle/>
-          <a:p>
-            <a:r>
-              <a:rPr lang="hu-HU" dirty="0"/>
-              <a:t>API </a:t>
-            </a:r>
-            <a:r>
-              <a:rPr lang="hu-HU" dirty="0" err="1"/>
-              <a:t>requests</a:t>
-            </a:r>
-            <a:endParaRPr lang="en-US" dirty="0"/>
-          </a:p>
-        </p:txBody>
-      </p:sp>
-      <p:sp>
-        <p:nvSpPr>
-          <p:cNvPr id="3" name="Tartalom helye 2">
-            <a:extLst>
-              <a:ext uri="{FF2B5EF4-FFF2-40B4-BE49-F238E27FC236}">
-                <a16:creationId xmlns:a16="http://schemas.microsoft.com/office/drawing/2014/main" id="{233C7A0A-8ED4-CD5C-2DD2-6B6EBE854764}"/>
-              </a:ext>
-            </a:extLst>
-          </p:cNvPr>
-          <p:cNvSpPr>
-            <a:spLocks noGrp="1"/>
-          </p:cNvSpPr>
-          <p:nvPr>
-            <p:ph idx="1"/>
-          </p:nvPr>
-        </p:nvSpPr>
-        <p:spPr/>
-        <p:txBody>
-          <a:bodyPr/>
-          <a:lstStyle/>
-          <a:p>
-            <a:r>
-              <a:rPr lang="hu-HU" dirty="0" err="1"/>
-              <a:t>Pl</a:t>
-            </a:r>
-            <a:r>
-              <a:rPr lang="hu-HU" dirty="0"/>
-              <a:t>:</a:t>
-            </a:r>
-          </a:p>
-          <a:p>
-            <a:r>
-              <a:rPr lang="en-US" b="0" i="0" dirty="0">
-                <a:solidFill>
-                  <a:srgbClr val="212121"/>
-                </a:solidFill>
-                <a:effectLst/>
-                <a:latin typeface="Inter"/>
-              </a:rPr>
-              <a:t>https://bored-api.appbrewery.com/activity/6081071?type=education&amp;participants=2</a:t>
-            </a:r>
-            <a:endParaRPr lang="hu-HU" dirty="0"/>
-          </a:p>
-          <a:p>
-            <a:r>
-              <a:rPr lang="hu-HU" dirty="0" err="1">
-                <a:solidFill>
-                  <a:srgbClr val="212121"/>
-                </a:solidFill>
-                <a:latin typeface="Inter"/>
-              </a:rPr>
-              <a:t>Pl</a:t>
-            </a:r>
-            <a:r>
-              <a:rPr lang="hu-HU" dirty="0">
-                <a:solidFill>
-                  <a:srgbClr val="212121"/>
-                </a:solidFill>
-                <a:latin typeface="Inter"/>
-              </a:rPr>
-              <a:t> </a:t>
-            </a:r>
-            <a:r>
-              <a:rPr lang="en-US" b="0" i="0" dirty="0">
-                <a:solidFill>
-                  <a:srgbClr val="212121"/>
-                </a:solidFill>
-                <a:effectLst/>
-                <a:latin typeface="Inter"/>
-              </a:rPr>
-              <a:t>https://bored-api.appbrewery.com/activity/6081071</a:t>
-            </a:r>
-            <a:endParaRPr lang="hu-HU" dirty="0">
-              <a:solidFill>
-                <a:srgbClr val="212121"/>
-              </a:solidFill>
-              <a:latin typeface="Inter"/>
-            </a:endParaRPr>
-          </a:p>
-          <a:p>
-            <a:r>
-              <a:rPr lang="hu-HU" dirty="0" err="1"/>
-              <a:t>As</a:t>
-            </a:r>
-            <a:endParaRPr lang="hu-HU" dirty="0"/>
-          </a:p>
-          <a:p>
-            <a:r>
-              <a:rPr lang="hu-HU" dirty="0" err="1"/>
-              <a:t>As</a:t>
-            </a:r>
-            <a:endParaRPr lang="hu-HU" dirty="0"/>
-          </a:p>
-          <a:p>
-            <a:r>
-              <a:rPr lang="hu-HU" dirty="0" err="1"/>
-              <a:t>As</a:t>
-            </a:r>
-            <a:endParaRPr lang="hu-HU" dirty="0"/>
-          </a:p>
-          <a:p>
-            <a:endParaRPr lang="en-US" dirty="0"/>
-          </a:p>
-        </p:txBody>
-      </p:sp>
-      <p:sp>
-        <p:nvSpPr>
-          <p:cNvPr id="4" name="Dátum helye 3">
-            <a:extLst>
-              <a:ext uri="{FF2B5EF4-FFF2-40B4-BE49-F238E27FC236}">
-                <a16:creationId xmlns:a16="http://schemas.microsoft.com/office/drawing/2014/main" id="{99A5DCBD-2318-AF14-736E-E0CAAA74FD02}"/>
-              </a:ext>
-            </a:extLst>
-          </p:cNvPr>
-          <p:cNvSpPr>
-            <a:spLocks noGrp="1"/>
-          </p:cNvSpPr>
-          <p:nvPr>
-            <p:ph type="dt" sz="half" idx="10"/>
-          </p:nvPr>
-        </p:nvSpPr>
-        <p:spPr/>
-        <p:txBody>
-          <a:bodyPr/>
-          <a:lstStyle/>
-          <a:p>
-            <a:fld id="{2C1A3A25-FD19-4ECC-8F38-B0CD4CBEFDF6}" type="datetime1">
-              <a:rPr lang="hu-HU" smtClean="0"/>
-              <a:t>2024. 03. 04.</a:t>
-            </a:fld>
-            <a:endParaRPr lang="en-US"/>
-          </a:p>
-        </p:txBody>
-      </p:sp>
-      <p:sp>
-        <p:nvSpPr>
-          <p:cNvPr id="5" name="Élőláb helye 4">
-            <a:extLst>
-              <a:ext uri="{FF2B5EF4-FFF2-40B4-BE49-F238E27FC236}">
-                <a16:creationId xmlns:a16="http://schemas.microsoft.com/office/drawing/2014/main" id="{33EC1BF5-27A6-9CE5-F0E2-186BD927C38D}"/>
-              </a:ext>
-            </a:extLst>
-          </p:cNvPr>
-          <p:cNvSpPr>
-            <a:spLocks noGrp="1"/>
-          </p:cNvSpPr>
-          <p:nvPr>
-            <p:ph type="ftr" sz="quarter" idx="11"/>
-          </p:nvPr>
-        </p:nvSpPr>
-        <p:spPr/>
-        <p:txBody>
-          <a:bodyPr/>
-          <a:lstStyle/>
-          <a:p>
-            <a:endParaRPr lang="en-US"/>
-          </a:p>
-        </p:txBody>
-      </p:sp>
-      <p:sp>
-        <p:nvSpPr>
-          <p:cNvPr id="6" name="Dia számának helye 5">
-            <a:extLst>
-              <a:ext uri="{FF2B5EF4-FFF2-40B4-BE49-F238E27FC236}">
-                <a16:creationId xmlns:a16="http://schemas.microsoft.com/office/drawing/2014/main" id="{42EB7CF1-478D-3E68-75B2-A8C02D7A548C}"/>
-              </a:ext>
-            </a:extLst>
-          </p:cNvPr>
-          <p:cNvSpPr>
-            <a:spLocks noGrp="1"/>
-          </p:cNvSpPr>
-          <p:nvPr>
-            <p:ph type="sldNum" sz="quarter" idx="12"/>
-          </p:nvPr>
-        </p:nvSpPr>
-        <p:spPr/>
-        <p:txBody>
-          <a:bodyPr/>
-          <a:lstStyle/>
-          <a:p>
-            <a:fld id="{927374A8-BCF2-49CD-84BD-18DF129551B3}" type="slidenum">
-              <a:rPr lang="en-US" smtClean="0"/>
-              <a:t>19</a:t>
-            </a:fld>
-            <a:endParaRPr lang="en-US"/>
-          </a:p>
-        </p:txBody>
-      </p:sp>
-    </p:spTree>
-    <p:extLst>
-      <p:ext uri="{BB962C8B-B14F-4D97-AF65-F5344CB8AC3E}">
-        <p14:creationId xmlns:p14="http://schemas.microsoft.com/office/powerpoint/2010/main" val="2694272554"/>
       </p:ext>
     </p:extLst>
   </p:cSld>
@@ -8433,7 +8670,7 @@
           <a:p>
             <a:fld id="{E0D05676-0184-4491-83BE-2E9128DA927C}" type="datetime1">
               <a:rPr lang="hu-HU" smtClean="0"/>
-              <a:t>2024. 03. 04.</a:t>
+              <a:t>2024. 03. 05.</a:t>
             </a:fld>
             <a:endParaRPr lang="en-US"/>
           </a:p>
@@ -8460,7 +8697,11 @@
           <a:bodyPr/>
           <a:lstStyle/>
           <a:p>
-            <a:endParaRPr lang="en-US"/>
+            <a:r>
+              <a:rPr lang="hu-HU" dirty="0"/>
+              <a:t>Tóth Gergely</a:t>
+            </a:r>
+            <a:endParaRPr lang="en-US" dirty="0"/>
           </a:p>
         </p:txBody>
       </p:sp>
@@ -8507,6 +8748,267 @@
 </file>
 
 <file path=ppt/slides/slide20.xml><?xml version="1.0" encoding="utf-8"?>
+<p:sld xmlns:a="http://schemas.openxmlformats.org/drawingml/2006/main" xmlns:r="http://schemas.openxmlformats.org/officeDocument/2006/relationships" xmlns:p="http://schemas.openxmlformats.org/presentationml/2006/main">
+  <p:cSld>
+    <p:spTree>
+      <p:nvGrpSpPr>
+        <p:cNvPr id="1" name="">
+          <a:extLst>
+            <a:ext uri="{FF2B5EF4-FFF2-40B4-BE49-F238E27FC236}">
+              <a16:creationId xmlns:a16="http://schemas.microsoft.com/office/drawing/2014/main" id="{C1584851-6A58-8226-D38E-5482509584B6}"/>
+            </a:ext>
+          </a:extLst>
+        </p:cNvPr>
+        <p:cNvGrpSpPr/>
+        <p:nvPr/>
+      </p:nvGrpSpPr>
+      <p:grpSpPr>
+        <a:xfrm>
+          <a:off x="0" y="0"/>
+          <a:ext cx="0" cy="0"/>
+          <a:chOff x="0" y="0"/>
+          <a:chExt cx="0" cy="0"/>
+        </a:xfrm>
+      </p:grpSpPr>
+      <p:sp>
+        <p:nvSpPr>
+          <p:cNvPr id="2" name="Cím 1">
+            <a:extLst>
+              <a:ext uri="{FF2B5EF4-FFF2-40B4-BE49-F238E27FC236}">
+                <a16:creationId xmlns:a16="http://schemas.microsoft.com/office/drawing/2014/main" id="{5630C0E7-A7AA-CFCA-BB6A-F3A62BEC1DEF}"/>
+              </a:ext>
+            </a:extLst>
+          </p:cNvPr>
+          <p:cNvSpPr>
+            <a:spLocks noGrp="1"/>
+          </p:cNvSpPr>
+          <p:nvPr>
+            <p:ph type="title"/>
+          </p:nvPr>
+        </p:nvSpPr>
+        <p:spPr/>
+        <p:txBody>
+          <a:bodyPr/>
+          <a:lstStyle/>
+          <a:p>
+            <a:r>
+              <a:rPr lang="hu-HU" dirty="0"/>
+              <a:t>API </a:t>
+            </a:r>
+            <a:r>
+              <a:rPr lang="hu-HU" dirty="0" err="1"/>
+              <a:t>requests</a:t>
+            </a:r>
+            <a:endParaRPr lang="en-US" dirty="0"/>
+          </a:p>
+        </p:txBody>
+      </p:sp>
+      <p:sp>
+        <p:nvSpPr>
+          <p:cNvPr id="3" name="Tartalom helye 2">
+            <a:extLst>
+              <a:ext uri="{FF2B5EF4-FFF2-40B4-BE49-F238E27FC236}">
+                <a16:creationId xmlns:a16="http://schemas.microsoft.com/office/drawing/2014/main" id="{233C7A0A-8ED4-CD5C-2DD2-6B6EBE854764}"/>
+              </a:ext>
+            </a:extLst>
+          </p:cNvPr>
+          <p:cNvSpPr>
+            <a:spLocks noGrp="1"/>
+          </p:cNvSpPr>
+          <p:nvPr>
+            <p:ph idx="1"/>
+          </p:nvPr>
+        </p:nvSpPr>
+        <p:spPr/>
+        <p:txBody>
+          <a:bodyPr/>
+          <a:lstStyle/>
+          <a:p>
+            <a:r>
+              <a:rPr lang="hu-HU" dirty="0" err="1"/>
+              <a:t>Pl</a:t>
+            </a:r>
+            <a:r>
+              <a:rPr lang="hu-HU" dirty="0"/>
+              <a:t>:</a:t>
+            </a:r>
+          </a:p>
+          <a:p>
+            <a:r>
+              <a:rPr lang="en-US" b="0" i="0" dirty="0">
+                <a:solidFill>
+                  <a:srgbClr val="212121"/>
+                </a:solidFill>
+                <a:effectLst/>
+                <a:latin typeface="Inter"/>
+              </a:rPr>
+              <a:t>https://bored-api.appbrewery.com/activity/6081071?type=education&amp;participants=2</a:t>
+            </a:r>
+            <a:endParaRPr lang="hu-HU" dirty="0"/>
+          </a:p>
+          <a:p>
+            <a:r>
+              <a:rPr lang="hu-HU" dirty="0" err="1">
+                <a:solidFill>
+                  <a:srgbClr val="212121"/>
+                </a:solidFill>
+                <a:latin typeface="Inter"/>
+              </a:rPr>
+              <a:t>Pl</a:t>
+            </a:r>
+            <a:r>
+              <a:rPr lang="hu-HU" dirty="0">
+                <a:solidFill>
+                  <a:srgbClr val="212121"/>
+                </a:solidFill>
+                <a:latin typeface="Inter"/>
+              </a:rPr>
+              <a:t> </a:t>
+            </a:r>
+            <a:r>
+              <a:rPr lang="en-US" b="0" i="0" dirty="0">
+                <a:solidFill>
+                  <a:srgbClr val="212121"/>
+                </a:solidFill>
+                <a:effectLst/>
+                <a:latin typeface="Inter"/>
+              </a:rPr>
+              <a:t>https://bored-api.appbrewery.com/activity/6081071</a:t>
+            </a:r>
+            <a:endParaRPr lang="hu-HU" dirty="0">
+              <a:solidFill>
+                <a:srgbClr val="212121"/>
+              </a:solidFill>
+              <a:latin typeface="Inter"/>
+            </a:endParaRPr>
+          </a:p>
+          <a:p>
+            <a:r>
+              <a:rPr lang="hu-HU" dirty="0" err="1"/>
+              <a:t>As</a:t>
+            </a:r>
+            <a:endParaRPr lang="hu-HU" dirty="0"/>
+          </a:p>
+          <a:p>
+            <a:r>
+              <a:rPr lang="hu-HU" dirty="0" err="1"/>
+              <a:t>As</a:t>
+            </a:r>
+            <a:endParaRPr lang="hu-HU" dirty="0"/>
+          </a:p>
+          <a:p>
+            <a:r>
+              <a:rPr lang="hu-HU" dirty="0" err="1"/>
+              <a:t>As</a:t>
+            </a:r>
+            <a:endParaRPr lang="hu-HU" dirty="0"/>
+          </a:p>
+          <a:p>
+            <a:endParaRPr lang="en-US" dirty="0"/>
+          </a:p>
+        </p:txBody>
+      </p:sp>
+      <p:sp>
+        <p:nvSpPr>
+          <p:cNvPr id="4" name="Dátum helye 3">
+            <a:extLst>
+              <a:ext uri="{FF2B5EF4-FFF2-40B4-BE49-F238E27FC236}">
+                <a16:creationId xmlns:a16="http://schemas.microsoft.com/office/drawing/2014/main" id="{99A5DCBD-2318-AF14-736E-E0CAAA74FD02}"/>
+              </a:ext>
+            </a:extLst>
+          </p:cNvPr>
+          <p:cNvSpPr>
+            <a:spLocks noGrp="1"/>
+          </p:cNvSpPr>
+          <p:nvPr>
+            <p:ph type="dt" sz="half" idx="10"/>
+          </p:nvPr>
+        </p:nvSpPr>
+        <p:spPr/>
+        <p:txBody>
+          <a:bodyPr/>
+          <a:lstStyle/>
+          <a:p>
+            <a:fld id="{2C1A3A25-FD19-4ECC-8F38-B0CD4CBEFDF6}" type="datetime1">
+              <a:rPr lang="hu-HU" smtClean="0"/>
+              <a:t>2024. 03. 05.</a:t>
+            </a:fld>
+            <a:endParaRPr lang="en-US"/>
+          </a:p>
+        </p:txBody>
+      </p:sp>
+      <p:sp>
+        <p:nvSpPr>
+          <p:cNvPr id="5" name="Élőláb helye 4">
+            <a:extLst>
+              <a:ext uri="{FF2B5EF4-FFF2-40B4-BE49-F238E27FC236}">
+                <a16:creationId xmlns:a16="http://schemas.microsoft.com/office/drawing/2014/main" id="{33EC1BF5-27A6-9CE5-F0E2-186BD927C38D}"/>
+              </a:ext>
+            </a:extLst>
+          </p:cNvPr>
+          <p:cNvSpPr>
+            <a:spLocks noGrp="1"/>
+          </p:cNvSpPr>
+          <p:nvPr>
+            <p:ph type="ftr" sz="quarter" idx="11"/>
+          </p:nvPr>
+        </p:nvSpPr>
+        <p:spPr/>
+        <p:txBody>
+          <a:bodyPr/>
+          <a:lstStyle/>
+          <a:p>
+            <a:r>
+              <a:rPr lang="hu-HU" dirty="0"/>
+              <a:t>Tóth Gergely</a:t>
+            </a:r>
+            <a:endParaRPr lang="en-US" dirty="0"/>
+          </a:p>
+        </p:txBody>
+      </p:sp>
+      <p:sp>
+        <p:nvSpPr>
+          <p:cNvPr id="6" name="Dia számának helye 5">
+            <a:extLst>
+              <a:ext uri="{FF2B5EF4-FFF2-40B4-BE49-F238E27FC236}">
+                <a16:creationId xmlns:a16="http://schemas.microsoft.com/office/drawing/2014/main" id="{42EB7CF1-478D-3E68-75B2-A8C02D7A548C}"/>
+              </a:ext>
+            </a:extLst>
+          </p:cNvPr>
+          <p:cNvSpPr>
+            <a:spLocks noGrp="1"/>
+          </p:cNvSpPr>
+          <p:nvPr>
+            <p:ph type="sldNum" sz="quarter" idx="12"/>
+          </p:nvPr>
+        </p:nvSpPr>
+        <p:spPr/>
+        <p:txBody>
+          <a:bodyPr/>
+          <a:lstStyle/>
+          <a:p>
+            <a:fld id="{927374A8-BCF2-49CD-84BD-18DF129551B3}" type="slidenum">
+              <a:rPr lang="en-US" smtClean="0"/>
+              <a:t>20</a:t>
+            </a:fld>
+            <a:endParaRPr lang="en-US"/>
+          </a:p>
+        </p:txBody>
+      </p:sp>
+    </p:spTree>
+    <p:extLst>
+      <p:ext uri="{BB962C8B-B14F-4D97-AF65-F5344CB8AC3E}">
+        <p14:creationId xmlns:p14="http://schemas.microsoft.com/office/powerpoint/2010/main" val="2694272554"/>
+      </p:ext>
+    </p:extLst>
+  </p:cSld>
+  <p:clrMapOvr>
+    <a:masterClrMapping/>
+  </p:clrMapOvr>
+</p:sld>
+</file>
+
+<file path=ppt/slides/slide21.xml><?xml version="1.0" encoding="utf-8"?>
 <p:sld xmlns:a="http://schemas.openxmlformats.org/drawingml/2006/main" xmlns:r="http://schemas.openxmlformats.org/officeDocument/2006/relationships" xmlns:p="http://schemas.openxmlformats.org/presentationml/2006/main">
   <p:cSld>
     <p:spTree>
@@ -8650,7 +9152,7 @@
           <a:p>
             <a:fld id="{DD1C1BF3-2DD5-4223-B860-0E40CABDF328}" type="datetime1">
               <a:rPr lang="hu-HU" smtClean="0"/>
-              <a:t>2024. 03. 04.</a:t>
+              <a:t>2024. 03. 05.</a:t>
             </a:fld>
             <a:endParaRPr lang="en-US"/>
           </a:p>
@@ -8677,7 +9179,11 @@
           <a:bodyPr/>
           <a:lstStyle/>
           <a:p>
-            <a:endParaRPr lang="en-US"/>
+            <a:r>
+              <a:rPr lang="hu-HU" dirty="0"/>
+              <a:t>Tóth Gergely</a:t>
+            </a:r>
+            <a:endParaRPr lang="en-US" dirty="0"/>
           </a:p>
         </p:txBody>
       </p:sp>
@@ -8704,7 +9210,7 @@
           <a:p>
             <a:fld id="{927374A8-BCF2-49CD-84BD-18DF129551B3}" type="slidenum">
               <a:rPr lang="en-US" smtClean="0"/>
-              <a:t>20</a:t>
+              <a:t>21</a:t>
             </a:fld>
             <a:endParaRPr lang="en-US"/>
           </a:p>
@@ -8723,7 +9229,7 @@
 </p:sld>
 </file>
 
-<file path=ppt/slides/slide21.xml><?xml version="1.0" encoding="utf-8"?>
+<file path=ppt/slides/slide22.xml><?xml version="1.0" encoding="utf-8"?>
 <p:sld xmlns:a="http://schemas.openxmlformats.org/drawingml/2006/main" xmlns:r="http://schemas.openxmlformats.org/officeDocument/2006/relationships" xmlns:p="http://schemas.openxmlformats.org/presentationml/2006/main">
   <p:cSld>
     <p:spTree>
@@ -8888,7 +9394,7 @@
           <a:p>
             <a:fld id="{FDFA07F5-76D8-4C4D-9F61-61FEE3D9FD04}" type="datetime1">
               <a:rPr lang="hu-HU" smtClean="0"/>
-              <a:t>2024. 03. 04.</a:t>
+              <a:t>2024. 03. 05.</a:t>
             </a:fld>
             <a:endParaRPr lang="en-US"/>
           </a:p>
@@ -8915,7 +9421,11 @@
           <a:bodyPr/>
           <a:lstStyle/>
           <a:p>
-            <a:endParaRPr lang="en-US"/>
+            <a:r>
+              <a:rPr lang="hu-HU" dirty="0"/>
+              <a:t>Tóth Gergely</a:t>
+            </a:r>
+            <a:endParaRPr lang="en-US" dirty="0"/>
           </a:p>
         </p:txBody>
       </p:sp>
@@ -8942,7 +9452,7 @@
           <a:p>
             <a:fld id="{927374A8-BCF2-49CD-84BD-18DF129551B3}" type="slidenum">
               <a:rPr lang="en-US" smtClean="0"/>
-              <a:t>21</a:t>
+              <a:t>22</a:t>
             </a:fld>
             <a:endParaRPr lang="en-US"/>
           </a:p>
@@ -8961,7 +9471,7 @@
 </p:sld>
 </file>
 
-<file path=ppt/slides/slide22.xml><?xml version="1.0" encoding="utf-8"?>
+<file path=ppt/slides/slide23.xml><?xml version="1.0" encoding="utf-8"?>
 <p:sld xmlns:a="http://schemas.openxmlformats.org/drawingml/2006/main" xmlns:r="http://schemas.openxmlformats.org/officeDocument/2006/relationships" xmlns:p="http://schemas.openxmlformats.org/presentationml/2006/main">
   <p:cSld>
     <p:spTree>
@@ -9057,7 +9567,7 @@
           <a:p>
             <a:fld id="{48B87EE5-0B8E-4120-BE41-69C15EC2CEA3}" type="datetime1">
               <a:rPr lang="hu-HU" smtClean="0"/>
-              <a:t>2024. 03. 04.</a:t>
+              <a:t>2024. 03. 05.</a:t>
             </a:fld>
             <a:endParaRPr lang="en-US"/>
           </a:p>
@@ -9084,7 +9594,11 @@
           <a:bodyPr/>
           <a:lstStyle/>
           <a:p>
-            <a:endParaRPr lang="en-US"/>
+            <a:r>
+              <a:rPr lang="hu-HU" dirty="0"/>
+              <a:t>Tóth Gergely</a:t>
+            </a:r>
+            <a:endParaRPr lang="en-US" dirty="0"/>
           </a:p>
         </p:txBody>
       </p:sp>
@@ -9111,7 +9625,7 @@
           <a:p>
             <a:fld id="{927374A8-BCF2-49CD-84BD-18DF129551B3}" type="slidenum">
               <a:rPr lang="en-US" smtClean="0"/>
-              <a:t>22</a:t>
+              <a:t>23</a:t>
             </a:fld>
             <a:endParaRPr lang="en-US"/>
           </a:p>
@@ -9130,7 +9644,7 @@
 </p:sld>
 </file>
 
-<file path=ppt/slides/slide23.xml><?xml version="1.0" encoding="utf-8"?>
+<file path=ppt/slides/slide24.xml><?xml version="1.0" encoding="utf-8"?>
 <p:sld xmlns:a="http://schemas.openxmlformats.org/drawingml/2006/main" xmlns:r="http://schemas.openxmlformats.org/officeDocument/2006/relationships" xmlns:p="http://schemas.openxmlformats.org/presentationml/2006/main">
   <p:cSld>
     <p:spTree>
@@ -9226,7 +9740,7 @@
           <a:p>
             <a:fld id="{9C31EBE7-2F06-4267-A1FB-1558A7BBAB6C}" type="datetime1">
               <a:rPr lang="hu-HU" smtClean="0"/>
-              <a:t>2024. 03. 04.</a:t>
+              <a:t>2024. 03. 05.</a:t>
             </a:fld>
             <a:endParaRPr lang="en-US"/>
           </a:p>
@@ -9253,7 +9767,11 @@
           <a:bodyPr/>
           <a:lstStyle/>
           <a:p>
-            <a:endParaRPr lang="en-US"/>
+            <a:r>
+              <a:rPr lang="hu-HU" dirty="0"/>
+              <a:t>Tóth Gergely</a:t>
+            </a:r>
+            <a:endParaRPr lang="en-US" dirty="0"/>
           </a:p>
         </p:txBody>
       </p:sp>
@@ -9280,7 +9798,7 @@
           <a:p>
             <a:fld id="{927374A8-BCF2-49CD-84BD-18DF129551B3}" type="slidenum">
               <a:rPr lang="en-US" smtClean="0"/>
-              <a:t>23</a:t>
+              <a:t>24</a:t>
             </a:fld>
             <a:endParaRPr lang="en-US"/>
           </a:p>
@@ -9299,7 +9817,7 @@
 </p:sld>
 </file>
 
-<file path=ppt/slides/slide24.xml><?xml version="1.0" encoding="utf-8"?>
+<file path=ppt/slides/slide25.xml><?xml version="1.0" encoding="utf-8"?>
 <p:sld xmlns:a="http://schemas.openxmlformats.org/drawingml/2006/main" xmlns:r="http://schemas.openxmlformats.org/officeDocument/2006/relationships" xmlns:p="http://schemas.openxmlformats.org/presentationml/2006/main">
   <p:cSld>
     <p:spTree>
@@ -9395,7 +9913,7 @@
           <a:p>
             <a:fld id="{4C174181-A6D7-4F32-8C0C-55A6B154D8DA}" type="datetime1">
               <a:rPr lang="hu-HU" smtClean="0"/>
-              <a:t>2024. 03. 04.</a:t>
+              <a:t>2024. 03. 05.</a:t>
             </a:fld>
             <a:endParaRPr lang="en-US"/>
           </a:p>
@@ -9422,7 +9940,11 @@
           <a:bodyPr/>
           <a:lstStyle/>
           <a:p>
-            <a:endParaRPr lang="en-US"/>
+            <a:r>
+              <a:rPr lang="hu-HU" dirty="0"/>
+              <a:t>Tóth Gergely</a:t>
+            </a:r>
+            <a:endParaRPr lang="en-US" dirty="0"/>
           </a:p>
         </p:txBody>
       </p:sp>
@@ -9449,7 +9971,7 @@
           <a:p>
             <a:fld id="{927374A8-BCF2-49CD-84BD-18DF129551B3}" type="slidenum">
               <a:rPr lang="en-US" smtClean="0"/>
-              <a:t>24</a:t>
+              <a:t>25</a:t>
             </a:fld>
             <a:endParaRPr lang="en-US"/>
           </a:p>
@@ -9468,7 +9990,7 @@
 </p:sld>
 </file>
 
-<file path=ppt/slides/slide25.xml><?xml version="1.0" encoding="utf-8"?>
+<file path=ppt/slides/slide26.xml><?xml version="1.0" encoding="utf-8"?>
 <p:sld xmlns:a="http://schemas.openxmlformats.org/drawingml/2006/main" xmlns:r="http://schemas.openxmlformats.org/officeDocument/2006/relationships" xmlns:p="http://schemas.openxmlformats.org/presentationml/2006/main">
   <p:cSld>
     <p:spTree>
@@ -9564,7 +10086,7 @@
           <a:p>
             <a:fld id="{A68155C5-7B97-49AB-98F4-6E0BD49CF600}" type="datetime1">
               <a:rPr lang="hu-HU" smtClean="0"/>
-              <a:t>2024. 03. 04.</a:t>
+              <a:t>2024. 03. 05.</a:t>
             </a:fld>
             <a:endParaRPr lang="en-US"/>
           </a:p>
@@ -9591,7 +10113,11 @@
           <a:bodyPr/>
           <a:lstStyle/>
           <a:p>
-            <a:endParaRPr lang="en-US"/>
+            <a:r>
+              <a:rPr lang="hu-HU" dirty="0"/>
+              <a:t>Tóth Gergely</a:t>
+            </a:r>
+            <a:endParaRPr lang="en-US" dirty="0"/>
           </a:p>
         </p:txBody>
       </p:sp>
@@ -9618,7 +10144,7 @@
           <a:p>
             <a:fld id="{927374A8-BCF2-49CD-84BD-18DF129551B3}" type="slidenum">
               <a:rPr lang="en-US" smtClean="0"/>
-              <a:t>25</a:t>
+              <a:t>26</a:t>
             </a:fld>
             <a:endParaRPr lang="en-US"/>
           </a:p>
@@ -9637,7 +10163,7 @@
 </p:sld>
 </file>
 
-<file path=ppt/slides/slide26.xml><?xml version="1.0" encoding="utf-8"?>
+<file path=ppt/slides/slide27.xml><?xml version="1.0" encoding="utf-8"?>
 <p:sld xmlns:a="http://schemas.openxmlformats.org/drawingml/2006/main" xmlns:r="http://schemas.openxmlformats.org/officeDocument/2006/relationships" xmlns:p="http://schemas.openxmlformats.org/presentationml/2006/main">
   <p:cSld>
     <p:spTree>
@@ -9733,7 +10259,7 @@
           <a:p>
             <a:fld id="{F9AFD8D5-3DF4-42BA-8BF8-50EA2546AD6A}" type="datetime1">
               <a:rPr lang="hu-HU" smtClean="0"/>
-              <a:t>2024. 03. 04.</a:t>
+              <a:t>2024. 03. 05.</a:t>
             </a:fld>
             <a:endParaRPr lang="en-US"/>
           </a:p>
@@ -9760,7 +10286,11 @@
           <a:bodyPr/>
           <a:lstStyle/>
           <a:p>
-            <a:endParaRPr lang="en-US"/>
+            <a:r>
+              <a:rPr lang="hu-HU" dirty="0"/>
+              <a:t>Tóth Gergely</a:t>
+            </a:r>
+            <a:endParaRPr lang="en-US" dirty="0"/>
           </a:p>
         </p:txBody>
       </p:sp>
@@ -9787,7 +10317,7 @@
           <a:p>
             <a:fld id="{927374A8-BCF2-49CD-84BD-18DF129551B3}" type="slidenum">
               <a:rPr lang="en-US" smtClean="0"/>
-              <a:t>26</a:t>
+              <a:t>27</a:t>
             </a:fld>
             <a:endParaRPr lang="en-US"/>
           </a:p>
@@ -9806,7 +10336,7 @@
 </p:sld>
 </file>
 
-<file path=ppt/slides/slide27.xml><?xml version="1.0" encoding="utf-8"?>
+<file path=ppt/slides/slide28.xml><?xml version="1.0" encoding="utf-8"?>
 <p:sld xmlns:a="http://schemas.openxmlformats.org/drawingml/2006/main" xmlns:r="http://schemas.openxmlformats.org/officeDocument/2006/relationships" xmlns:p="http://schemas.openxmlformats.org/presentationml/2006/main">
   <p:cSld>
     <p:spTree>
@@ -9902,7 +10432,7 @@
           <a:p>
             <a:fld id="{A539EC01-D5DD-4CD7-8309-847EF64E0303}" type="datetime1">
               <a:rPr lang="hu-HU" smtClean="0"/>
-              <a:t>2024. 03. 04.</a:t>
+              <a:t>2024. 03. 05.</a:t>
             </a:fld>
             <a:endParaRPr lang="en-US"/>
           </a:p>
@@ -9929,7 +10459,11 @@
           <a:bodyPr/>
           <a:lstStyle/>
           <a:p>
-            <a:endParaRPr lang="en-US"/>
+            <a:r>
+              <a:rPr lang="hu-HU" dirty="0"/>
+              <a:t>Tóth Gergely</a:t>
+            </a:r>
+            <a:endParaRPr lang="en-US" dirty="0"/>
           </a:p>
         </p:txBody>
       </p:sp>
@@ -9956,7 +10490,7 @@
           <a:p>
             <a:fld id="{927374A8-BCF2-49CD-84BD-18DF129551B3}" type="slidenum">
               <a:rPr lang="en-US" smtClean="0"/>
-              <a:t>27</a:t>
+              <a:t>28</a:t>
             </a:fld>
             <a:endParaRPr lang="en-US"/>
           </a:p>
@@ -9975,7 +10509,7 @@
 </p:sld>
 </file>
 
-<file path=ppt/slides/slide28.xml><?xml version="1.0" encoding="utf-8"?>
+<file path=ppt/slides/slide29.xml><?xml version="1.0" encoding="utf-8"?>
 <p:sld xmlns:a="http://schemas.openxmlformats.org/drawingml/2006/main" xmlns:r="http://schemas.openxmlformats.org/officeDocument/2006/relationships" xmlns:p="http://schemas.openxmlformats.org/presentationml/2006/main">
   <p:cSld>
     <p:spTree>
@@ -10071,7 +10605,7 @@
           <a:p>
             <a:fld id="{B8118C83-B13A-48EA-BE8E-E5E4408CF19A}" type="datetime1">
               <a:rPr lang="hu-HU" smtClean="0"/>
-              <a:t>2024. 03. 04.</a:t>
+              <a:t>2024. 03. 05.</a:t>
             </a:fld>
             <a:endParaRPr lang="en-US"/>
           </a:p>
@@ -10098,7 +10632,11 @@
           <a:bodyPr/>
           <a:lstStyle/>
           <a:p>
-            <a:endParaRPr lang="en-US"/>
+            <a:r>
+              <a:rPr lang="hu-HU" dirty="0"/>
+              <a:t>Tóth Gergely</a:t>
+            </a:r>
+            <a:endParaRPr lang="en-US" dirty="0"/>
           </a:p>
         </p:txBody>
       </p:sp>
@@ -10125,7 +10663,7 @@
           <a:p>
             <a:fld id="{927374A8-BCF2-49CD-84BD-18DF129551B3}" type="slidenum">
               <a:rPr lang="en-US" smtClean="0"/>
-              <a:t>28</a:t>
+              <a:t>29</a:t>
             </a:fld>
             <a:endParaRPr lang="en-US"/>
           </a:p>
@@ -10135,175 +10673,6 @@
     <p:extLst>
       <p:ext uri="{BB962C8B-B14F-4D97-AF65-F5344CB8AC3E}">
         <p14:creationId xmlns:p14="http://schemas.microsoft.com/office/powerpoint/2010/main" val="1331491659"/>
-      </p:ext>
-    </p:extLst>
-  </p:cSld>
-  <p:clrMapOvr>
-    <a:masterClrMapping/>
-  </p:clrMapOvr>
-</p:sld>
-</file>
-
-<file path=ppt/slides/slide29.xml><?xml version="1.0" encoding="utf-8"?>
-<p:sld xmlns:a="http://schemas.openxmlformats.org/drawingml/2006/main" xmlns:r="http://schemas.openxmlformats.org/officeDocument/2006/relationships" xmlns:p="http://schemas.openxmlformats.org/presentationml/2006/main">
-  <p:cSld>
-    <p:spTree>
-      <p:nvGrpSpPr>
-        <p:cNvPr id="1" name="">
-          <a:extLst>
-            <a:ext uri="{FF2B5EF4-FFF2-40B4-BE49-F238E27FC236}">
-              <a16:creationId xmlns:a16="http://schemas.microsoft.com/office/drawing/2014/main" id="{9933ADDF-166C-FE2D-948D-FC29F74BDB9C}"/>
-            </a:ext>
-          </a:extLst>
-        </p:cNvPr>
-        <p:cNvGrpSpPr/>
-        <p:nvPr/>
-      </p:nvGrpSpPr>
-      <p:grpSpPr>
-        <a:xfrm>
-          <a:off x="0" y="0"/>
-          <a:ext cx="0" cy="0"/>
-          <a:chOff x="0" y="0"/>
-          <a:chExt cx="0" cy="0"/>
-        </a:xfrm>
-      </p:grpSpPr>
-      <p:sp>
-        <p:nvSpPr>
-          <p:cNvPr id="2" name="Cím 1">
-            <a:extLst>
-              <a:ext uri="{FF2B5EF4-FFF2-40B4-BE49-F238E27FC236}">
-                <a16:creationId xmlns:a16="http://schemas.microsoft.com/office/drawing/2014/main" id="{C3A9F2B4-1A8D-B0DA-0FFE-163BB5F9FF82}"/>
-              </a:ext>
-            </a:extLst>
-          </p:cNvPr>
-          <p:cNvSpPr>
-            <a:spLocks noGrp="1"/>
-          </p:cNvSpPr>
-          <p:nvPr>
-            <p:ph type="title"/>
-          </p:nvPr>
-        </p:nvSpPr>
-        <p:spPr/>
-        <p:txBody>
-          <a:bodyPr/>
-          <a:lstStyle/>
-          <a:p>
-            <a:endParaRPr lang="en-US"/>
-          </a:p>
-        </p:txBody>
-      </p:sp>
-      <p:sp>
-        <p:nvSpPr>
-          <p:cNvPr id="3" name="Tartalom helye 2">
-            <a:extLst>
-              <a:ext uri="{FF2B5EF4-FFF2-40B4-BE49-F238E27FC236}">
-                <a16:creationId xmlns:a16="http://schemas.microsoft.com/office/drawing/2014/main" id="{CCC3E467-B8A2-94EC-40A2-A18FCB146EC3}"/>
-              </a:ext>
-            </a:extLst>
-          </p:cNvPr>
-          <p:cNvSpPr>
-            <a:spLocks noGrp="1"/>
-          </p:cNvSpPr>
-          <p:nvPr>
-            <p:ph idx="1"/>
-          </p:nvPr>
-        </p:nvSpPr>
-        <p:spPr/>
-        <p:txBody>
-          <a:bodyPr/>
-          <a:lstStyle/>
-          <a:p>
-            <a:endParaRPr lang="en-US"/>
-          </a:p>
-        </p:txBody>
-      </p:sp>
-      <p:sp>
-        <p:nvSpPr>
-          <p:cNvPr id="4" name="Dátum helye 3">
-            <a:extLst>
-              <a:ext uri="{FF2B5EF4-FFF2-40B4-BE49-F238E27FC236}">
-                <a16:creationId xmlns:a16="http://schemas.microsoft.com/office/drawing/2014/main" id="{DBC48D12-E9F9-6CDD-55FE-22F7079B45CD}"/>
-              </a:ext>
-            </a:extLst>
-          </p:cNvPr>
-          <p:cNvSpPr>
-            <a:spLocks noGrp="1"/>
-          </p:cNvSpPr>
-          <p:nvPr>
-            <p:ph type="dt" sz="half" idx="10"/>
-          </p:nvPr>
-        </p:nvSpPr>
-        <p:spPr/>
-        <p:txBody>
-          <a:bodyPr/>
-          <a:lstStyle/>
-          <a:p>
-            <a:fld id="{74A88DAD-59EC-4BE8-985A-E61C0558578B}" type="datetime1">
-              <a:rPr lang="hu-HU" smtClean="0"/>
-              <a:t>2024. 03. 04.</a:t>
-            </a:fld>
-            <a:endParaRPr lang="en-US"/>
-          </a:p>
-        </p:txBody>
-      </p:sp>
-      <p:sp>
-        <p:nvSpPr>
-          <p:cNvPr id="5" name="Élőláb helye 4">
-            <a:extLst>
-              <a:ext uri="{FF2B5EF4-FFF2-40B4-BE49-F238E27FC236}">
-                <a16:creationId xmlns:a16="http://schemas.microsoft.com/office/drawing/2014/main" id="{D0FF2930-9D66-A2CB-D5E4-A63E32BB7792}"/>
-              </a:ext>
-            </a:extLst>
-          </p:cNvPr>
-          <p:cNvSpPr>
-            <a:spLocks noGrp="1"/>
-          </p:cNvSpPr>
-          <p:nvPr>
-            <p:ph type="ftr" sz="quarter" idx="11"/>
-          </p:nvPr>
-        </p:nvSpPr>
-        <p:spPr/>
-        <p:txBody>
-          <a:bodyPr/>
-          <a:lstStyle/>
-          <a:p>
-            <a:endParaRPr lang="en-US"/>
-          </a:p>
-        </p:txBody>
-      </p:sp>
-      <p:sp>
-        <p:nvSpPr>
-          <p:cNvPr id="6" name="Dia számának helye 5">
-            <a:extLst>
-              <a:ext uri="{FF2B5EF4-FFF2-40B4-BE49-F238E27FC236}">
-                <a16:creationId xmlns:a16="http://schemas.microsoft.com/office/drawing/2014/main" id="{864EB18B-0526-E987-1584-896655D33952}"/>
-              </a:ext>
-            </a:extLst>
-          </p:cNvPr>
-          <p:cNvSpPr>
-            <a:spLocks noGrp="1"/>
-          </p:cNvSpPr>
-          <p:nvPr>
-            <p:ph type="sldNum" sz="quarter" idx="12"/>
-          </p:nvPr>
-        </p:nvSpPr>
-        <p:spPr/>
-        <p:txBody>
-          <a:bodyPr/>
-          <a:lstStyle/>
-          <a:p>
-            <a:fld id="{927374A8-BCF2-49CD-84BD-18DF129551B3}" type="slidenum">
-              <a:rPr lang="en-US" smtClean="0"/>
-              <a:t>29</a:t>
-            </a:fld>
-            <a:endParaRPr lang="en-US"/>
-          </a:p>
-        </p:txBody>
-      </p:sp>
-    </p:spTree>
-    <p:extLst>
-      <p:ext uri="{BB962C8B-B14F-4D97-AF65-F5344CB8AC3E}">
-        <p14:creationId xmlns:p14="http://schemas.microsoft.com/office/powerpoint/2010/main" val="1620687711"/>
       </p:ext>
     </p:extLst>
   </p:cSld>
@@ -10520,7 +10889,7 @@
           <a:p>
             <a:fld id="{AA7EECDD-3C13-4CE3-9CDC-D4FABA4A0D44}" type="datetime1">
               <a:rPr lang="hu-HU" smtClean="0"/>
-              <a:t>2024. 03. 04.</a:t>
+              <a:t>2024. 03. 05.</a:t>
             </a:fld>
             <a:endParaRPr lang="en-US"/>
           </a:p>
@@ -10598,6 +10967,179 @@
 </file>
 
 <file path=ppt/slides/slide30.xml><?xml version="1.0" encoding="utf-8"?>
+<p:sld xmlns:a="http://schemas.openxmlformats.org/drawingml/2006/main" xmlns:r="http://schemas.openxmlformats.org/officeDocument/2006/relationships" xmlns:p="http://schemas.openxmlformats.org/presentationml/2006/main">
+  <p:cSld>
+    <p:spTree>
+      <p:nvGrpSpPr>
+        <p:cNvPr id="1" name="">
+          <a:extLst>
+            <a:ext uri="{FF2B5EF4-FFF2-40B4-BE49-F238E27FC236}">
+              <a16:creationId xmlns:a16="http://schemas.microsoft.com/office/drawing/2014/main" id="{9933ADDF-166C-FE2D-948D-FC29F74BDB9C}"/>
+            </a:ext>
+          </a:extLst>
+        </p:cNvPr>
+        <p:cNvGrpSpPr/>
+        <p:nvPr/>
+      </p:nvGrpSpPr>
+      <p:grpSpPr>
+        <a:xfrm>
+          <a:off x="0" y="0"/>
+          <a:ext cx="0" cy="0"/>
+          <a:chOff x="0" y="0"/>
+          <a:chExt cx="0" cy="0"/>
+        </a:xfrm>
+      </p:grpSpPr>
+      <p:sp>
+        <p:nvSpPr>
+          <p:cNvPr id="2" name="Cím 1">
+            <a:extLst>
+              <a:ext uri="{FF2B5EF4-FFF2-40B4-BE49-F238E27FC236}">
+                <a16:creationId xmlns:a16="http://schemas.microsoft.com/office/drawing/2014/main" id="{C3A9F2B4-1A8D-B0DA-0FFE-163BB5F9FF82}"/>
+              </a:ext>
+            </a:extLst>
+          </p:cNvPr>
+          <p:cNvSpPr>
+            <a:spLocks noGrp="1"/>
+          </p:cNvSpPr>
+          <p:nvPr>
+            <p:ph type="title"/>
+          </p:nvPr>
+        </p:nvSpPr>
+        <p:spPr/>
+        <p:txBody>
+          <a:bodyPr/>
+          <a:lstStyle/>
+          <a:p>
+            <a:endParaRPr lang="en-US"/>
+          </a:p>
+        </p:txBody>
+      </p:sp>
+      <p:sp>
+        <p:nvSpPr>
+          <p:cNvPr id="3" name="Tartalom helye 2">
+            <a:extLst>
+              <a:ext uri="{FF2B5EF4-FFF2-40B4-BE49-F238E27FC236}">
+                <a16:creationId xmlns:a16="http://schemas.microsoft.com/office/drawing/2014/main" id="{CCC3E467-B8A2-94EC-40A2-A18FCB146EC3}"/>
+              </a:ext>
+            </a:extLst>
+          </p:cNvPr>
+          <p:cNvSpPr>
+            <a:spLocks noGrp="1"/>
+          </p:cNvSpPr>
+          <p:nvPr>
+            <p:ph idx="1"/>
+          </p:nvPr>
+        </p:nvSpPr>
+        <p:spPr/>
+        <p:txBody>
+          <a:bodyPr/>
+          <a:lstStyle/>
+          <a:p>
+            <a:endParaRPr lang="en-US"/>
+          </a:p>
+        </p:txBody>
+      </p:sp>
+      <p:sp>
+        <p:nvSpPr>
+          <p:cNvPr id="4" name="Dátum helye 3">
+            <a:extLst>
+              <a:ext uri="{FF2B5EF4-FFF2-40B4-BE49-F238E27FC236}">
+                <a16:creationId xmlns:a16="http://schemas.microsoft.com/office/drawing/2014/main" id="{DBC48D12-E9F9-6CDD-55FE-22F7079B45CD}"/>
+              </a:ext>
+            </a:extLst>
+          </p:cNvPr>
+          <p:cNvSpPr>
+            <a:spLocks noGrp="1"/>
+          </p:cNvSpPr>
+          <p:nvPr>
+            <p:ph type="dt" sz="half" idx="10"/>
+          </p:nvPr>
+        </p:nvSpPr>
+        <p:spPr/>
+        <p:txBody>
+          <a:bodyPr/>
+          <a:lstStyle/>
+          <a:p>
+            <a:fld id="{74A88DAD-59EC-4BE8-985A-E61C0558578B}" type="datetime1">
+              <a:rPr lang="hu-HU" smtClean="0"/>
+              <a:t>2024. 03. 05.</a:t>
+            </a:fld>
+            <a:endParaRPr lang="en-US"/>
+          </a:p>
+        </p:txBody>
+      </p:sp>
+      <p:sp>
+        <p:nvSpPr>
+          <p:cNvPr id="5" name="Élőláb helye 4">
+            <a:extLst>
+              <a:ext uri="{FF2B5EF4-FFF2-40B4-BE49-F238E27FC236}">
+                <a16:creationId xmlns:a16="http://schemas.microsoft.com/office/drawing/2014/main" id="{D0FF2930-9D66-A2CB-D5E4-A63E32BB7792}"/>
+              </a:ext>
+            </a:extLst>
+          </p:cNvPr>
+          <p:cNvSpPr>
+            <a:spLocks noGrp="1"/>
+          </p:cNvSpPr>
+          <p:nvPr>
+            <p:ph type="ftr" sz="quarter" idx="11"/>
+          </p:nvPr>
+        </p:nvSpPr>
+        <p:spPr/>
+        <p:txBody>
+          <a:bodyPr/>
+          <a:lstStyle/>
+          <a:p>
+            <a:r>
+              <a:rPr lang="hu-HU" dirty="0"/>
+              <a:t>Tóth Gergely</a:t>
+            </a:r>
+            <a:endParaRPr lang="en-US" dirty="0"/>
+          </a:p>
+        </p:txBody>
+      </p:sp>
+      <p:sp>
+        <p:nvSpPr>
+          <p:cNvPr id="6" name="Dia számának helye 5">
+            <a:extLst>
+              <a:ext uri="{FF2B5EF4-FFF2-40B4-BE49-F238E27FC236}">
+                <a16:creationId xmlns:a16="http://schemas.microsoft.com/office/drawing/2014/main" id="{864EB18B-0526-E987-1584-896655D33952}"/>
+              </a:ext>
+            </a:extLst>
+          </p:cNvPr>
+          <p:cNvSpPr>
+            <a:spLocks noGrp="1"/>
+          </p:cNvSpPr>
+          <p:nvPr>
+            <p:ph type="sldNum" sz="quarter" idx="12"/>
+          </p:nvPr>
+        </p:nvSpPr>
+        <p:spPr/>
+        <p:txBody>
+          <a:bodyPr/>
+          <a:lstStyle/>
+          <a:p>
+            <a:fld id="{927374A8-BCF2-49CD-84BD-18DF129551B3}" type="slidenum">
+              <a:rPr lang="en-US" smtClean="0"/>
+              <a:t>30</a:t>
+            </a:fld>
+            <a:endParaRPr lang="en-US"/>
+          </a:p>
+        </p:txBody>
+      </p:sp>
+    </p:spTree>
+    <p:extLst>
+      <p:ext uri="{BB962C8B-B14F-4D97-AF65-F5344CB8AC3E}">
+        <p14:creationId xmlns:p14="http://schemas.microsoft.com/office/powerpoint/2010/main" val="1620687711"/>
+      </p:ext>
+    </p:extLst>
+  </p:cSld>
+  <p:clrMapOvr>
+    <a:masterClrMapping/>
+  </p:clrMapOvr>
+</p:sld>
+</file>
+
+<file path=ppt/slides/slide31.xml><?xml version="1.0" encoding="utf-8"?>
 <p:sld xmlns:a="http://schemas.openxmlformats.org/drawingml/2006/main" xmlns:r="http://schemas.openxmlformats.org/officeDocument/2006/relationships" xmlns:p="http://schemas.openxmlformats.org/presentationml/2006/main">
   <p:cSld>
     <p:spTree>
@@ -10693,7 +11235,7 @@
           <a:p>
             <a:fld id="{A922FAD9-816F-462D-BDAD-8E0F1EFE8E66}" type="datetime1">
               <a:rPr lang="hu-HU" smtClean="0"/>
-              <a:t>2024. 03. 04.</a:t>
+              <a:t>2024. 03. 05.</a:t>
             </a:fld>
             <a:endParaRPr lang="en-US"/>
           </a:p>
@@ -10720,7 +11262,11 @@
           <a:bodyPr/>
           <a:lstStyle/>
           <a:p>
-            <a:endParaRPr lang="en-US"/>
+            <a:r>
+              <a:rPr lang="hu-HU" dirty="0"/>
+              <a:t>Tóth Gergely</a:t>
+            </a:r>
+            <a:endParaRPr lang="en-US" dirty="0"/>
           </a:p>
         </p:txBody>
       </p:sp>
@@ -10747,7 +11293,7 @@
           <a:p>
             <a:fld id="{927374A8-BCF2-49CD-84BD-18DF129551B3}" type="slidenum">
               <a:rPr lang="en-US" smtClean="0"/>
-              <a:t>30</a:t>
+              <a:t>31</a:t>
             </a:fld>
             <a:endParaRPr lang="en-US"/>
           </a:p>
@@ -10766,7 +11312,7 @@
 </p:sld>
 </file>
 
-<file path=ppt/slides/slide31.xml><?xml version="1.0" encoding="utf-8"?>
+<file path=ppt/slides/slide32.xml><?xml version="1.0" encoding="utf-8"?>
 <p:sld xmlns:a="http://schemas.openxmlformats.org/drawingml/2006/main" xmlns:r="http://schemas.openxmlformats.org/officeDocument/2006/relationships" xmlns:p="http://schemas.openxmlformats.org/presentationml/2006/main">
   <p:cSld>
     <p:spTree>
@@ -10862,7 +11408,7 @@
           <a:p>
             <a:fld id="{E619E6C8-FF9C-40FC-BC64-275B510BE022}" type="datetime1">
               <a:rPr lang="hu-HU" smtClean="0"/>
-              <a:t>2024. 03. 04.</a:t>
+              <a:t>2024. 03. 05.</a:t>
             </a:fld>
             <a:endParaRPr lang="en-US"/>
           </a:p>
@@ -10916,7 +11462,7 @@
           <a:p>
             <a:fld id="{927374A8-BCF2-49CD-84BD-18DF129551B3}" type="slidenum">
               <a:rPr lang="en-US" smtClean="0"/>
-              <a:t>31</a:t>
+              <a:t>32</a:t>
             </a:fld>
             <a:endParaRPr lang="en-US"/>
           </a:p>
@@ -10935,7 +11481,7 @@
 </p:sld>
 </file>
 
-<file path=ppt/slides/slide32.xml><?xml version="1.0" encoding="utf-8"?>
+<file path=ppt/slides/slide33.xml><?xml version="1.0" encoding="utf-8"?>
 <p:sld xmlns:a="http://schemas.openxmlformats.org/drawingml/2006/main" xmlns:r="http://schemas.openxmlformats.org/officeDocument/2006/relationships" xmlns:p="http://schemas.openxmlformats.org/presentationml/2006/main">
   <p:cSld>
     <p:spTree>
@@ -11031,7 +11577,7 @@
           <a:p>
             <a:fld id="{E6E49CDF-CC27-4EDF-AA37-994C00BEB422}" type="datetime1">
               <a:rPr lang="hu-HU" smtClean="0"/>
-              <a:t>2024. 03. 04.</a:t>
+              <a:t>2024. 03. 05.</a:t>
             </a:fld>
             <a:endParaRPr lang="en-US"/>
           </a:p>
@@ -11085,7 +11631,7 @@
           <a:p>
             <a:fld id="{927374A8-BCF2-49CD-84BD-18DF129551B3}" type="slidenum">
               <a:rPr lang="en-US" smtClean="0"/>
-              <a:t>32</a:t>
+              <a:t>33</a:t>
             </a:fld>
             <a:endParaRPr lang="en-US"/>
           </a:p>
@@ -11104,7 +11650,7 @@
 </p:sld>
 </file>
 
-<file path=ppt/slides/slide33.xml><?xml version="1.0" encoding="utf-8"?>
+<file path=ppt/slides/slide34.xml><?xml version="1.0" encoding="utf-8"?>
 <p:sld xmlns:a="http://schemas.openxmlformats.org/drawingml/2006/main" xmlns:r="http://schemas.openxmlformats.org/officeDocument/2006/relationships" xmlns:p="http://schemas.openxmlformats.org/presentationml/2006/main">
   <p:cSld>
     <p:spTree>
@@ -11200,7 +11746,7 @@
           <a:p>
             <a:fld id="{EB97F16F-FFE6-41DC-A3AD-CE93007B8BC1}" type="datetime1">
               <a:rPr lang="hu-HU" smtClean="0"/>
-              <a:t>2024. 03. 04.</a:t>
+              <a:t>2024. 03. 05.</a:t>
             </a:fld>
             <a:endParaRPr lang="en-US"/>
           </a:p>
@@ -11254,7 +11800,7 @@
           <a:p>
             <a:fld id="{927374A8-BCF2-49CD-84BD-18DF129551B3}" type="slidenum">
               <a:rPr lang="en-US" smtClean="0"/>
-              <a:t>33</a:t>
+              <a:t>34</a:t>
             </a:fld>
             <a:endParaRPr lang="en-US"/>
           </a:p>
@@ -11273,7 +11819,7 @@
 </p:sld>
 </file>
 
-<file path=ppt/slides/slide34.xml><?xml version="1.0" encoding="utf-8"?>
+<file path=ppt/slides/slide35.xml><?xml version="1.0" encoding="utf-8"?>
 <p:sld xmlns:a="http://schemas.openxmlformats.org/drawingml/2006/main" xmlns:r="http://schemas.openxmlformats.org/officeDocument/2006/relationships" xmlns:p="http://schemas.openxmlformats.org/presentationml/2006/main">
   <p:cSld>
     <p:spTree>
@@ -11369,7 +11915,7 @@
           <a:p>
             <a:fld id="{4BCEB398-D0B5-49F4-BFFD-BF773C3998CE}" type="datetime1">
               <a:rPr lang="hu-HU" smtClean="0"/>
-              <a:t>2024. 03. 04.</a:t>
+              <a:t>2024. 03. 05.</a:t>
             </a:fld>
             <a:endParaRPr lang="en-US"/>
           </a:p>
@@ -11423,7 +11969,7 @@
           <a:p>
             <a:fld id="{927374A8-BCF2-49CD-84BD-18DF129551B3}" type="slidenum">
               <a:rPr lang="en-US" smtClean="0"/>
-              <a:t>34</a:t>
+              <a:t>35</a:t>
             </a:fld>
             <a:endParaRPr lang="en-US"/>
           </a:p>
@@ -11442,7 +11988,7 @@
 </p:sld>
 </file>
 
-<file path=ppt/slides/slide35.xml><?xml version="1.0" encoding="utf-8"?>
+<file path=ppt/slides/slide36.xml><?xml version="1.0" encoding="utf-8"?>
 <p:sld xmlns:a="http://schemas.openxmlformats.org/drawingml/2006/main" xmlns:r="http://schemas.openxmlformats.org/officeDocument/2006/relationships" xmlns:p="http://schemas.openxmlformats.org/presentationml/2006/main">
   <p:cSld>
     <p:spTree>
@@ -11538,7 +12084,7 @@
           <a:p>
             <a:fld id="{9380AAEC-0757-4011-8966-326D523FA5EB}" type="datetime1">
               <a:rPr lang="hu-HU" smtClean="0"/>
-              <a:t>2024. 03. 04.</a:t>
+              <a:t>2024. 03. 05.</a:t>
             </a:fld>
             <a:endParaRPr lang="en-US"/>
           </a:p>
@@ -11592,7 +12138,7 @@
           <a:p>
             <a:fld id="{927374A8-BCF2-49CD-84BD-18DF129551B3}" type="slidenum">
               <a:rPr lang="en-US" smtClean="0"/>
-              <a:t>35</a:t>
+              <a:t>36</a:t>
             </a:fld>
             <a:endParaRPr lang="en-US"/>
           </a:p>
@@ -11611,7 +12157,7 @@
 </p:sld>
 </file>
 
-<file path=ppt/slides/slide36.xml><?xml version="1.0" encoding="utf-8"?>
+<file path=ppt/slides/slide37.xml><?xml version="1.0" encoding="utf-8"?>
 <p:sld xmlns:a="http://schemas.openxmlformats.org/drawingml/2006/main" xmlns:r="http://schemas.openxmlformats.org/officeDocument/2006/relationships" xmlns:p="http://schemas.openxmlformats.org/presentationml/2006/main">
   <p:cSld>
     <p:spTree>
@@ -11707,7 +12253,7 @@
           <a:p>
             <a:fld id="{7AFF3A3C-CB5D-4013-A7B1-2E170D1DA9D3}" type="datetime1">
               <a:rPr lang="hu-HU" smtClean="0"/>
-              <a:t>2024. 03. 04.</a:t>
+              <a:t>2024. 03. 05.</a:t>
             </a:fld>
             <a:endParaRPr lang="en-US"/>
           </a:p>
@@ -11761,7 +12307,7 @@
           <a:p>
             <a:fld id="{927374A8-BCF2-49CD-84BD-18DF129551B3}" type="slidenum">
               <a:rPr lang="en-US" smtClean="0"/>
-              <a:t>36</a:t>
+              <a:t>37</a:t>
             </a:fld>
             <a:endParaRPr lang="en-US"/>
           </a:p>
@@ -11780,7 +12326,7 @@
 </p:sld>
 </file>
 
-<file path=ppt/slides/slide37.xml><?xml version="1.0" encoding="utf-8"?>
+<file path=ppt/slides/slide38.xml><?xml version="1.0" encoding="utf-8"?>
 <p:sld xmlns:a="http://schemas.openxmlformats.org/drawingml/2006/main" xmlns:r="http://schemas.openxmlformats.org/officeDocument/2006/relationships" xmlns:p="http://schemas.openxmlformats.org/presentationml/2006/main">
   <p:cSld>
     <p:spTree>
@@ -11876,7 +12422,7 @@
           <a:p>
             <a:fld id="{317C457E-7F68-4E59-8D91-D8DE8B261664}" type="datetime1">
               <a:rPr lang="hu-HU" smtClean="0"/>
-              <a:t>2024. 03. 04.</a:t>
+              <a:t>2024. 03. 05.</a:t>
             </a:fld>
             <a:endParaRPr lang="en-US"/>
           </a:p>
@@ -11930,7 +12476,7 @@
           <a:p>
             <a:fld id="{927374A8-BCF2-49CD-84BD-18DF129551B3}" type="slidenum">
               <a:rPr lang="en-US" smtClean="0"/>
-              <a:t>37</a:t>
+              <a:t>38</a:t>
             </a:fld>
             <a:endParaRPr lang="en-US"/>
           </a:p>
@@ -11949,7 +12495,7 @@
 </p:sld>
 </file>
 
-<file path=ppt/slides/slide38.xml><?xml version="1.0" encoding="utf-8"?>
+<file path=ppt/slides/slide39.xml><?xml version="1.0" encoding="utf-8"?>
 <p:sld xmlns:a="http://schemas.openxmlformats.org/drawingml/2006/main" xmlns:r="http://schemas.openxmlformats.org/officeDocument/2006/relationships" xmlns:p="http://schemas.openxmlformats.org/presentationml/2006/main">
   <p:cSld>
     <p:spTree>
@@ -12045,7 +12591,7 @@
           <a:p>
             <a:fld id="{78D344C7-78CD-4B15-A28B-0A3D224F87A7}" type="datetime1">
               <a:rPr lang="hu-HU" smtClean="0"/>
-              <a:t>2024. 03. 04.</a:t>
+              <a:t>2024. 03. 05.</a:t>
             </a:fld>
             <a:endParaRPr lang="en-US"/>
           </a:p>
@@ -12099,7 +12645,7 @@
           <a:p>
             <a:fld id="{927374A8-BCF2-49CD-84BD-18DF129551B3}" type="slidenum">
               <a:rPr lang="en-US" smtClean="0"/>
-              <a:t>38</a:t>
+              <a:t>39</a:t>
             </a:fld>
             <a:endParaRPr lang="en-US"/>
           </a:p>
@@ -12109,175 +12655,6 @@
     <p:extLst>
       <p:ext uri="{BB962C8B-B14F-4D97-AF65-F5344CB8AC3E}">
         <p14:creationId xmlns:p14="http://schemas.microsoft.com/office/powerpoint/2010/main" val="664453703"/>
-      </p:ext>
-    </p:extLst>
-  </p:cSld>
-  <p:clrMapOvr>
-    <a:masterClrMapping/>
-  </p:clrMapOvr>
-</p:sld>
-</file>
-
-<file path=ppt/slides/slide39.xml><?xml version="1.0" encoding="utf-8"?>
-<p:sld xmlns:a="http://schemas.openxmlformats.org/drawingml/2006/main" xmlns:r="http://schemas.openxmlformats.org/officeDocument/2006/relationships" xmlns:p="http://schemas.openxmlformats.org/presentationml/2006/main">
-  <p:cSld>
-    <p:spTree>
-      <p:nvGrpSpPr>
-        <p:cNvPr id="1" name="">
-          <a:extLst>
-            <a:ext uri="{FF2B5EF4-FFF2-40B4-BE49-F238E27FC236}">
-              <a16:creationId xmlns:a16="http://schemas.microsoft.com/office/drawing/2014/main" id="{F78FB7C1-9531-40DF-90DF-C70C03229875}"/>
-            </a:ext>
-          </a:extLst>
-        </p:cNvPr>
-        <p:cNvGrpSpPr/>
-        <p:nvPr/>
-      </p:nvGrpSpPr>
-      <p:grpSpPr>
-        <a:xfrm>
-          <a:off x="0" y="0"/>
-          <a:ext cx="0" cy="0"/>
-          <a:chOff x="0" y="0"/>
-          <a:chExt cx="0" cy="0"/>
-        </a:xfrm>
-      </p:grpSpPr>
-      <p:sp>
-        <p:nvSpPr>
-          <p:cNvPr id="2" name="Cím 1">
-            <a:extLst>
-              <a:ext uri="{FF2B5EF4-FFF2-40B4-BE49-F238E27FC236}">
-                <a16:creationId xmlns:a16="http://schemas.microsoft.com/office/drawing/2014/main" id="{E59C4F50-50AE-93CB-BD23-00DAF7DE10FF}"/>
-              </a:ext>
-            </a:extLst>
-          </p:cNvPr>
-          <p:cNvSpPr>
-            <a:spLocks noGrp="1"/>
-          </p:cNvSpPr>
-          <p:nvPr>
-            <p:ph type="title"/>
-          </p:nvPr>
-        </p:nvSpPr>
-        <p:spPr/>
-        <p:txBody>
-          <a:bodyPr/>
-          <a:lstStyle/>
-          <a:p>
-            <a:endParaRPr lang="en-US"/>
-          </a:p>
-        </p:txBody>
-      </p:sp>
-      <p:sp>
-        <p:nvSpPr>
-          <p:cNvPr id="3" name="Tartalom helye 2">
-            <a:extLst>
-              <a:ext uri="{FF2B5EF4-FFF2-40B4-BE49-F238E27FC236}">
-                <a16:creationId xmlns:a16="http://schemas.microsoft.com/office/drawing/2014/main" id="{57DE6EFD-EC2A-A705-4AF6-F7E834066BCD}"/>
-              </a:ext>
-            </a:extLst>
-          </p:cNvPr>
-          <p:cNvSpPr>
-            <a:spLocks noGrp="1"/>
-          </p:cNvSpPr>
-          <p:nvPr>
-            <p:ph idx="1"/>
-          </p:nvPr>
-        </p:nvSpPr>
-        <p:spPr/>
-        <p:txBody>
-          <a:bodyPr/>
-          <a:lstStyle/>
-          <a:p>
-            <a:endParaRPr lang="en-US"/>
-          </a:p>
-        </p:txBody>
-      </p:sp>
-      <p:sp>
-        <p:nvSpPr>
-          <p:cNvPr id="4" name="Dátum helye 3">
-            <a:extLst>
-              <a:ext uri="{FF2B5EF4-FFF2-40B4-BE49-F238E27FC236}">
-                <a16:creationId xmlns:a16="http://schemas.microsoft.com/office/drawing/2014/main" id="{386EB360-409C-2608-8DFB-474057CBE274}"/>
-              </a:ext>
-            </a:extLst>
-          </p:cNvPr>
-          <p:cNvSpPr>
-            <a:spLocks noGrp="1"/>
-          </p:cNvSpPr>
-          <p:nvPr>
-            <p:ph type="dt" sz="half" idx="10"/>
-          </p:nvPr>
-        </p:nvSpPr>
-        <p:spPr/>
-        <p:txBody>
-          <a:bodyPr/>
-          <a:lstStyle/>
-          <a:p>
-            <a:fld id="{BFFD06DE-3E29-4078-B0EF-20AD029256D4}" type="datetime1">
-              <a:rPr lang="hu-HU" smtClean="0"/>
-              <a:t>2024. 03. 04.</a:t>
-            </a:fld>
-            <a:endParaRPr lang="en-US"/>
-          </a:p>
-        </p:txBody>
-      </p:sp>
-      <p:sp>
-        <p:nvSpPr>
-          <p:cNvPr id="5" name="Élőláb helye 4">
-            <a:extLst>
-              <a:ext uri="{FF2B5EF4-FFF2-40B4-BE49-F238E27FC236}">
-                <a16:creationId xmlns:a16="http://schemas.microsoft.com/office/drawing/2014/main" id="{CC895655-36BC-1A48-5BE3-D9376548F66A}"/>
-              </a:ext>
-            </a:extLst>
-          </p:cNvPr>
-          <p:cNvSpPr>
-            <a:spLocks noGrp="1"/>
-          </p:cNvSpPr>
-          <p:nvPr>
-            <p:ph type="ftr" sz="quarter" idx="11"/>
-          </p:nvPr>
-        </p:nvSpPr>
-        <p:spPr/>
-        <p:txBody>
-          <a:bodyPr/>
-          <a:lstStyle/>
-          <a:p>
-            <a:endParaRPr lang="en-US"/>
-          </a:p>
-        </p:txBody>
-      </p:sp>
-      <p:sp>
-        <p:nvSpPr>
-          <p:cNvPr id="6" name="Dia számának helye 5">
-            <a:extLst>
-              <a:ext uri="{FF2B5EF4-FFF2-40B4-BE49-F238E27FC236}">
-                <a16:creationId xmlns:a16="http://schemas.microsoft.com/office/drawing/2014/main" id="{0E0F732B-6743-E3EC-0E3A-B90479EE9446}"/>
-              </a:ext>
-            </a:extLst>
-          </p:cNvPr>
-          <p:cNvSpPr>
-            <a:spLocks noGrp="1"/>
-          </p:cNvSpPr>
-          <p:nvPr>
-            <p:ph type="sldNum" sz="quarter" idx="12"/>
-          </p:nvPr>
-        </p:nvSpPr>
-        <p:spPr/>
-        <p:txBody>
-          <a:bodyPr/>
-          <a:lstStyle/>
-          <a:p>
-            <a:fld id="{927374A8-BCF2-49CD-84BD-18DF129551B3}" type="slidenum">
-              <a:rPr lang="en-US" smtClean="0"/>
-              <a:t>39</a:t>
-            </a:fld>
-            <a:endParaRPr lang="en-US"/>
-          </a:p>
-        </p:txBody>
-      </p:sp>
-    </p:spTree>
-    <p:extLst>
-      <p:ext uri="{BB962C8B-B14F-4D97-AF65-F5344CB8AC3E}">
-        <p14:creationId xmlns:p14="http://schemas.microsoft.com/office/powerpoint/2010/main" val="698182686"/>
       </p:ext>
     </p:extLst>
   </p:cSld>
@@ -12395,7 +12772,7 @@
           <a:p>
             <a:fld id="{72BFC95A-6A61-4C74-81F8-07C57DD7980B}" type="datetime1">
               <a:rPr lang="hu-HU" smtClean="0"/>
-              <a:t>2024. 03. 04.</a:t>
+              <a:t>2024. 03. 05.</a:t>
             </a:fld>
             <a:endParaRPr lang="en-US"/>
           </a:p>
@@ -12422,7 +12799,11 @@
           <a:bodyPr/>
           <a:lstStyle/>
           <a:p>
-            <a:endParaRPr lang="en-US"/>
+            <a:r>
+              <a:rPr lang="hu-HU" dirty="0"/>
+              <a:t>Tóth Gergely</a:t>
+            </a:r>
+            <a:endParaRPr lang="en-US" dirty="0"/>
           </a:p>
         </p:txBody>
       </p:sp>
@@ -12506,6 +12887,175 @@
         <p:cNvPr id="1" name="">
           <a:extLst>
             <a:ext uri="{FF2B5EF4-FFF2-40B4-BE49-F238E27FC236}">
+              <a16:creationId xmlns:a16="http://schemas.microsoft.com/office/drawing/2014/main" id="{F78FB7C1-9531-40DF-90DF-C70C03229875}"/>
+            </a:ext>
+          </a:extLst>
+        </p:cNvPr>
+        <p:cNvGrpSpPr/>
+        <p:nvPr/>
+      </p:nvGrpSpPr>
+      <p:grpSpPr>
+        <a:xfrm>
+          <a:off x="0" y="0"/>
+          <a:ext cx="0" cy="0"/>
+          <a:chOff x="0" y="0"/>
+          <a:chExt cx="0" cy="0"/>
+        </a:xfrm>
+      </p:grpSpPr>
+      <p:sp>
+        <p:nvSpPr>
+          <p:cNvPr id="2" name="Cím 1">
+            <a:extLst>
+              <a:ext uri="{FF2B5EF4-FFF2-40B4-BE49-F238E27FC236}">
+                <a16:creationId xmlns:a16="http://schemas.microsoft.com/office/drawing/2014/main" id="{E59C4F50-50AE-93CB-BD23-00DAF7DE10FF}"/>
+              </a:ext>
+            </a:extLst>
+          </p:cNvPr>
+          <p:cNvSpPr>
+            <a:spLocks noGrp="1"/>
+          </p:cNvSpPr>
+          <p:nvPr>
+            <p:ph type="title"/>
+          </p:nvPr>
+        </p:nvSpPr>
+        <p:spPr/>
+        <p:txBody>
+          <a:bodyPr/>
+          <a:lstStyle/>
+          <a:p>
+            <a:endParaRPr lang="en-US"/>
+          </a:p>
+        </p:txBody>
+      </p:sp>
+      <p:sp>
+        <p:nvSpPr>
+          <p:cNvPr id="3" name="Tartalom helye 2">
+            <a:extLst>
+              <a:ext uri="{FF2B5EF4-FFF2-40B4-BE49-F238E27FC236}">
+                <a16:creationId xmlns:a16="http://schemas.microsoft.com/office/drawing/2014/main" id="{57DE6EFD-EC2A-A705-4AF6-F7E834066BCD}"/>
+              </a:ext>
+            </a:extLst>
+          </p:cNvPr>
+          <p:cNvSpPr>
+            <a:spLocks noGrp="1"/>
+          </p:cNvSpPr>
+          <p:nvPr>
+            <p:ph idx="1"/>
+          </p:nvPr>
+        </p:nvSpPr>
+        <p:spPr/>
+        <p:txBody>
+          <a:bodyPr/>
+          <a:lstStyle/>
+          <a:p>
+            <a:endParaRPr lang="en-US"/>
+          </a:p>
+        </p:txBody>
+      </p:sp>
+      <p:sp>
+        <p:nvSpPr>
+          <p:cNvPr id="4" name="Dátum helye 3">
+            <a:extLst>
+              <a:ext uri="{FF2B5EF4-FFF2-40B4-BE49-F238E27FC236}">
+                <a16:creationId xmlns:a16="http://schemas.microsoft.com/office/drawing/2014/main" id="{386EB360-409C-2608-8DFB-474057CBE274}"/>
+              </a:ext>
+            </a:extLst>
+          </p:cNvPr>
+          <p:cNvSpPr>
+            <a:spLocks noGrp="1"/>
+          </p:cNvSpPr>
+          <p:nvPr>
+            <p:ph type="dt" sz="half" idx="10"/>
+          </p:nvPr>
+        </p:nvSpPr>
+        <p:spPr/>
+        <p:txBody>
+          <a:bodyPr/>
+          <a:lstStyle/>
+          <a:p>
+            <a:fld id="{BFFD06DE-3E29-4078-B0EF-20AD029256D4}" type="datetime1">
+              <a:rPr lang="hu-HU" smtClean="0"/>
+              <a:t>2024. 03. 05.</a:t>
+            </a:fld>
+            <a:endParaRPr lang="en-US"/>
+          </a:p>
+        </p:txBody>
+      </p:sp>
+      <p:sp>
+        <p:nvSpPr>
+          <p:cNvPr id="5" name="Élőláb helye 4">
+            <a:extLst>
+              <a:ext uri="{FF2B5EF4-FFF2-40B4-BE49-F238E27FC236}">
+                <a16:creationId xmlns:a16="http://schemas.microsoft.com/office/drawing/2014/main" id="{CC895655-36BC-1A48-5BE3-D9376548F66A}"/>
+              </a:ext>
+            </a:extLst>
+          </p:cNvPr>
+          <p:cNvSpPr>
+            <a:spLocks noGrp="1"/>
+          </p:cNvSpPr>
+          <p:nvPr>
+            <p:ph type="ftr" sz="quarter" idx="11"/>
+          </p:nvPr>
+        </p:nvSpPr>
+        <p:spPr/>
+        <p:txBody>
+          <a:bodyPr/>
+          <a:lstStyle/>
+          <a:p>
+            <a:endParaRPr lang="en-US"/>
+          </a:p>
+        </p:txBody>
+      </p:sp>
+      <p:sp>
+        <p:nvSpPr>
+          <p:cNvPr id="6" name="Dia számának helye 5">
+            <a:extLst>
+              <a:ext uri="{FF2B5EF4-FFF2-40B4-BE49-F238E27FC236}">
+                <a16:creationId xmlns:a16="http://schemas.microsoft.com/office/drawing/2014/main" id="{0E0F732B-6743-E3EC-0E3A-B90479EE9446}"/>
+              </a:ext>
+            </a:extLst>
+          </p:cNvPr>
+          <p:cNvSpPr>
+            <a:spLocks noGrp="1"/>
+          </p:cNvSpPr>
+          <p:nvPr>
+            <p:ph type="sldNum" sz="quarter" idx="12"/>
+          </p:nvPr>
+        </p:nvSpPr>
+        <p:spPr/>
+        <p:txBody>
+          <a:bodyPr/>
+          <a:lstStyle/>
+          <a:p>
+            <a:fld id="{927374A8-BCF2-49CD-84BD-18DF129551B3}" type="slidenum">
+              <a:rPr lang="en-US" smtClean="0"/>
+              <a:t>40</a:t>
+            </a:fld>
+            <a:endParaRPr lang="en-US"/>
+          </a:p>
+        </p:txBody>
+      </p:sp>
+    </p:spTree>
+    <p:extLst>
+      <p:ext uri="{BB962C8B-B14F-4D97-AF65-F5344CB8AC3E}">
+        <p14:creationId xmlns:p14="http://schemas.microsoft.com/office/powerpoint/2010/main" val="698182686"/>
+      </p:ext>
+    </p:extLst>
+  </p:cSld>
+  <p:clrMapOvr>
+    <a:masterClrMapping/>
+  </p:clrMapOvr>
+</p:sld>
+</file>
+
+<file path=ppt/slides/slide41.xml><?xml version="1.0" encoding="utf-8"?>
+<p:sld xmlns:a="http://schemas.openxmlformats.org/drawingml/2006/main" xmlns:r="http://schemas.openxmlformats.org/officeDocument/2006/relationships" xmlns:p="http://schemas.openxmlformats.org/presentationml/2006/main">
+  <p:cSld>
+    <p:spTree>
+      <p:nvGrpSpPr>
+        <p:cNvPr id="1" name="">
+          <a:extLst>
+            <a:ext uri="{FF2B5EF4-FFF2-40B4-BE49-F238E27FC236}">
               <a16:creationId xmlns:a16="http://schemas.microsoft.com/office/drawing/2014/main" id="{BB475605-4FBE-FC7C-8531-8ECA2568A9B1}"/>
             </a:ext>
           </a:extLst>
@@ -12594,7 +13144,7 @@
           <a:p>
             <a:fld id="{81BDBC62-0E9E-427A-B453-B643110BC060}" type="datetime1">
               <a:rPr lang="hu-HU" smtClean="0"/>
-              <a:t>2024. 03. 04.</a:t>
+              <a:t>2024. 03. 05.</a:t>
             </a:fld>
             <a:endParaRPr lang="en-US"/>
           </a:p>
@@ -12648,7 +13198,7 @@
           <a:p>
             <a:fld id="{927374A8-BCF2-49CD-84BD-18DF129551B3}" type="slidenum">
               <a:rPr lang="en-US" smtClean="0"/>
-              <a:t>40</a:t>
+              <a:t>41</a:t>
             </a:fld>
             <a:endParaRPr lang="en-US"/>
           </a:p>
@@ -12789,7 +13339,7 @@
           <a:p>
             <a:fld id="{C991330B-894B-4C2A-8BD4-7E9BA459AB56}" type="datetime1">
               <a:rPr lang="hu-HU" smtClean="0"/>
-              <a:t>2024. 03. 04.</a:t>
+              <a:t>2024. 03. 05.</a:t>
             </a:fld>
             <a:endParaRPr lang="en-US"/>
           </a:p>
@@ -12816,7 +13366,11 @@
           <a:bodyPr/>
           <a:lstStyle/>
           <a:p>
-            <a:endParaRPr lang="en-US"/>
+            <a:r>
+              <a:rPr lang="hu-HU" dirty="0"/>
+              <a:t>Tóth Gergely</a:t>
+            </a:r>
+            <a:endParaRPr lang="en-US" dirty="0"/>
           </a:p>
         </p:txBody>
       </p:sp>
@@ -12983,7 +13537,7 @@
           <a:p>
             <a:fld id="{4724EA4E-72A3-44D5-B536-F6A0C404CC39}" type="datetime1">
               <a:rPr lang="hu-HU" smtClean="0"/>
-              <a:t>2024. 03. 04.</a:t>
+              <a:t>2024. 03. 05.</a:t>
             </a:fld>
             <a:endParaRPr lang="en-US"/>
           </a:p>
@@ -13010,7 +13564,11 @@
           <a:bodyPr/>
           <a:lstStyle/>
           <a:p>
-            <a:endParaRPr lang="en-US"/>
+            <a:r>
+              <a:rPr lang="hu-HU" dirty="0"/>
+              <a:t>Tóth Gergely</a:t>
+            </a:r>
+            <a:endParaRPr lang="en-US" dirty="0"/>
           </a:p>
         </p:txBody>
       </p:sp>
@@ -13206,7 +13764,7 @@
           <a:p>
             <a:fld id="{FF804E32-905A-49F3-99B8-9C09C2E8727C}" type="datetime1">
               <a:rPr lang="hu-HU" smtClean="0"/>
-              <a:t>2024. 03. 04.</a:t>
+              <a:t>2024. 03. 05.</a:t>
             </a:fld>
             <a:endParaRPr lang="en-US"/>
           </a:p>
@@ -13233,7 +13791,11 @@
           <a:bodyPr/>
           <a:lstStyle/>
           <a:p>
-            <a:endParaRPr lang="en-US"/>
+            <a:r>
+              <a:rPr lang="hu-HU" dirty="0"/>
+              <a:t>Tóth Gergely</a:t>
+            </a:r>
+            <a:endParaRPr lang="en-US" dirty="0"/>
           </a:p>
         </p:txBody>
       </p:sp>
@@ -13401,7 +13963,7 @@
           <a:p>
             <a:fld id="{6AE699B2-AC3E-4B15-B55F-F50A00C67863}" type="datetime1">
               <a:rPr lang="hu-HU" smtClean="0"/>
-              <a:t>2024. 03. 04.</a:t>
+              <a:t>2024. 03. 05.</a:t>
             </a:fld>
             <a:endParaRPr lang="en-US"/>
           </a:p>
@@ -13428,7 +13990,11 @@
           <a:bodyPr/>
           <a:lstStyle/>
           <a:p>
-            <a:endParaRPr lang="en-US"/>
+            <a:r>
+              <a:rPr lang="hu-HU" dirty="0"/>
+              <a:t>Tóth Gergely</a:t>
+            </a:r>
+            <a:endParaRPr lang="en-US" dirty="0"/>
           </a:p>
         </p:txBody>
       </p:sp>
@@ -13622,7 +14188,7 @@
           <a:p>
             <a:fld id="{F640A6E2-0A09-4E2A-B8A1-92B5B68CF3CF}" type="datetime1">
               <a:rPr lang="hu-HU" smtClean="0"/>
-              <a:t>2024. 03. 04.</a:t>
+              <a:t>2024. 03. 05.</a:t>
             </a:fld>
             <a:endParaRPr lang="en-US"/>
           </a:p>
@@ -13649,7 +14215,11 @@
           <a:bodyPr/>
           <a:lstStyle/>
           <a:p>
-            <a:endParaRPr lang="en-US"/>
+            <a:r>
+              <a:rPr lang="hu-HU" dirty="0"/>
+              <a:t>Tóth Gergely</a:t>
+            </a:r>
+            <a:endParaRPr lang="en-US" dirty="0"/>
           </a:p>
         </p:txBody>
       </p:sp>

--- a/Eloadas.pptx
+++ b/Eloadas.pptx
@@ -5,7 +5,7 @@
     <p:sldMasterId id="2147483678" r:id="rId1"/>
   </p:sldMasterIdLst>
   <p:notesMasterIdLst>
-    <p:notesMasterId r:id="rId43"/>
+    <p:notesMasterId r:id="rId29"/>
   </p:notesMasterIdLst>
   <p:sldIdLst>
     <p:sldId id="256" r:id="rId2"/>
@@ -25,30 +25,16 @@
     <p:sldId id="265" r:id="rId16"/>
     <p:sldId id="297" r:id="rId17"/>
     <p:sldId id="266" r:id="rId18"/>
-    <p:sldId id="267" r:id="rId19"/>
-    <p:sldId id="293" r:id="rId20"/>
-    <p:sldId id="268" r:id="rId21"/>
-    <p:sldId id="269" r:id="rId22"/>
-    <p:sldId id="270" r:id="rId23"/>
-    <p:sldId id="271" r:id="rId24"/>
-    <p:sldId id="272" r:id="rId25"/>
-    <p:sldId id="273" r:id="rId26"/>
-    <p:sldId id="274" r:id="rId27"/>
-    <p:sldId id="275" r:id="rId28"/>
-    <p:sldId id="276" r:id="rId29"/>
-    <p:sldId id="277" r:id="rId30"/>
-    <p:sldId id="278" r:id="rId31"/>
-    <p:sldId id="279" r:id="rId32"/>
-    <p:sldId id="280" r:id="rId33"/>
-    <p:sldId id="281" r:id="rId34"/>
-    <p:sldId id="282" r:id="rId35"/>
-    <p:sldId id="283" r:id="rId36"/>
-    <p:sldId id="284" r:id="rId37"/>
-    <p:sldId id="285" r:id="rId38"/>
-    <p:sldId id="286" r:id="rId39"/>
-    <p:sldId id="287" r:id="rId40"/>
-    <p:sldId id="288" r:id="rId41"/>
-    <p:sldId id="289" r:id="rId42"/>
+    <p:sldId id="298" r:id="rId19"/>
+    <p:sldId id="269" r:id="rId20"/>
+    <p:sldId id="299" r:id="rId21"/>
+    <p:sldId id="267" r:id="rId22"/>
+    <p:sldId id="293" r:id="rId23"/>
+    <p:sldId id="268" r:id="rId24"/>
+    <p:sldId id="271" r:id="rId25"/>
+    <p:sldId id="270" r:id="rId26"/>
+    <p:sldId id="300" r:id="rId27"/>
+    <p:sldId id="272" r:id="rId28"/>
   </p:sldIdLst>
   <p:sldSz cx="12192000" cy="6858000"/>
   <p:notesSz cx="6858000" cy="9144000"/>
@@ -7768,7 +7754,11 @@
           <a:bodyPr/>
           <a:lstStyle/>
           <a:p>
-            <a:endParaRPr lang="en-US"/>
+            <a:r>
+              <a:rPr lang="hu-HU" dirty="0"/>
+              <a:t>Tóth Gergely</a:t>
+            </a:r>
+            <a:endParaRPr lang="en-US" dirty="0"/>
           </a:p>
         </p:txBody>
       </p:sp>
@@ -8081,10 +8071,227 @@
   <p:cSld>
     <p:spTree>
       <p:nvGrpSpPr>
+        <p:cNvPr id="1" name=""/>
+        <p:cNvGrpSpPr/>
+        <p:nvPr/>
+      </p:nvGrpSpPr>
+      <p:grpSpPr>
+        <a:xfrm>
+          <a:off x="0" y="0"/>
+          <a:ext cx="0" cy="0"/>
+          <a:chOff x="0" y="0"/>
+          <a:chExt cx="0" cy="0"/>
+        </a:xfrm>
+      </p:grpSpPr>
+      <p:sp>
+        <p:nvSpPr>
+          <p:cNvPr id="2" name="Cím 1">
+            <a:extLst>
+              <a:ext uri="{FF2B5EF4-FFF2-40B4-BE49-F238E27FC236}">
+                <a16:creationId xmlns:a16="http://schemas.microsoft.com/office/drawing/2014/main" id="{AA05A088-302D-F0C6-7A5C-E62D1C07F371}"/>
+              </a:ext>
+            </a:extLst>
+          </p:cNvPr>
+          <p:cNvSpPr>
+            <a:spLocks noGrp="1"/>
+          </p:cNvSpPr>
+          <p:nvPr>
+            <p:ph type="title"/>
+          </p:nvPr>
+        </p:nvSpPr>
+        <p:spPr/>
+        <p:txBody>
+          <a:bodyPr/>
+          <a:lstStyle/>
+          <a:p>
+            <a:r>
+              <a:rPr lang="hu-HU" dirty="0"/>
+              <a:t>API</a:t>
+            </a:r>
+            <a:endParaRPr lang="en-US" dirty="0"/>
+          </a:p>
+        </p:txBody>
+      </p:sp>
+      <p:sp>
+        <p:nvSpPr>
+          <p:cNvPr id="3" name="Tartalom helye 2">
+            <a:extLst>
+              <a:ext uri="{FF2B5EF4-FFF2-40B4-BE49-F238E27FC236}">
+                <a16:creationId xmlns:a16="http://schemas.microsoft.com/office/drawing/2014/main" id="{B4F5A61B-21ED-B5D3-5345-D323A3DA8077}"/>
+              </a:ext>
+            </a:extLst>
+          </p:cNvPr>
+          <p:cNvSpPr>
+            <a:spLocks noGrp="1"/>
+          </p:cNvSpPr>
+          <p:nvPr>
+            <p:ph idx="1"/>
+          </p:nvPr>
+        </p:nvSpPr>
+        <p:spPr>
+          <a:xfrm>
+            <a:off x="1141412" y="1866899"/>
+            <a:ext cx="9905998" cy="3124201"/>
+          </a:xfrm>
+        </p:spPr>
+        <p:txBody>
+          <a:bodyPr/>
+          <a:lstStyle/>
+          <a:p>
+            <a:r>
+              <a:rPr lang="hu-HU" dirty="0" err="1"/>
+              <a:t>Application</a:t>
+            </a:r>
+            <a:r>
+              <a:rPr lang="hu-HU" dirty="0"/>
+              <a:t> </a:t>
+            </a:r>
+            <a:r>
+              <a:rPr lang="hu-HU" dirty="0" err="1"/>
+              <a:t>Programming</a:t>
+            </a:r>
+            <a:r>
+              <a:rPr lang="hu-HU" dirty="0"/>
+              <a:t> </a:t>
+            </a:r>
+            <a:r>
+              <a:rPr lang="hu-HU" dirty="0" err="1"/>
+              <a:t>Interface</a:t>
+            </a:r>
+            <a:endParaRPr lang="hu-HU" dirty="0"/>
+          </a:p>
+          <a:p>
+            <a:r>
+              <a:rPr lang="hu-HU" dirty="0"/>
+              <a:t>Különböző szoftverek között kommunikációt tesznek lehetővé</a:t>
+            </a:r>
+          </a:p>
+          <a:p>
+            <a:r>
+              <a:rPr lang="hu-HU" dirty="0"/>
+              <a:t>Meghatározzák hogyan lehet más programoknak hozzáférni a szolgáltatásokhoz, funkciókhoz</a:t>
+            </a:r>
+          </a:p>
+          <a:p>
+            <a:r>
+              <a:rPr lang="hu-HU" dirty="0"/>
+              <a:t>Példa: időjárás alapján jelenítünk meg egy ikont a weblapunkon</a:t>
+            </a:r>
+          </a:p>
+          <a:p>
+            <a:endParaRPr lang="en-US" dirty="0"/>
+          </a:p>
+        </p:txBody>
+      </p:sp>
+      <p:sp>
+        <p:nvSpPr>
+          <p:cNvPr id="4" name="Dátum helye 3">
+            <a:extLst>
+              <a:ext uri="{FF2B5EF4-FFF2-40B4-BE49-F238E27FC236}">
+                <a16:creationId xmlns:a16="http://schemas.microsoft.com/office/drawing/2014/main" id="{4B28E435-8731-C5DE-0173-1B614D0E48FF}"/>
+              </a:ext>
+            </a:extLst>
+          </p:cNvPr>
+          <p:cNvSpPr>
+            <a:spLocks noGrp="1"/>
+          </p:cNvSpPr>
+          <p:nvPr>
+            <p:ph type="dt" sz="half" idx="10"/>
+          </p:nvPr>
+        </p:nvSpPr>
+        <p:spPr/>
+        <p:txBody>
+          <a:bodyPr/>
+          <a:lstStyle/>
+          <a:p>
+            <a:fld id="{E0D05676-0184-4491-83BE-2E9128DA927C}" type="datetime1">
+              <a:rPr lang="hu-HU" smtClean="0"/>
+              <a:t>2024. 03. 05.</a:t>
+            </a:fld>
+            <a:endParaRPr lang="en-US"/>
+          </a:p>
+        </p:txBody>
+      </p:sp>
+      <p:sp>
+        <p:nvSpPr>
+          <p:cNvPr id="5" name="Élőláb helye 4">
+            <a:extLst>
+              <a:ext uri="{FF2B5EF4-FFF2-40B4-BE49-F238E27FC236}">
+                <a16:creationId xmlns:a16="http://schemas.microsoft.com/office/drawing/2014/main" id="{C3865E69-1BF3-0635-72AF-EE0FCA4C2013}"/>
+              </a:ext>
+            </a:extLst>
+          </p:cNvPr>
+          <p:cNvSpPr>
+            <a:spLocks noGrp="1"/>
+          </p:cNvSpPr>
+          <p:nvPr>
+            <p:ph type="ftr" sz="quarter" idx="11"/>
+          </p:nvPr>
+        </p:nvSpPr>
+        <p:spPr/>
+        <p:txBody>
+          <a:bodyPr/>
+          <a:lstStyle/>
+          <a:p>
+            <a:r>
+              <a:rPr lang="hu-HU" dirty="0"/>
+              <a:t>Tóth Gergely</a:t>
+            </a:r>
+            <a:endParaRPr lang="en-US" dirty="0"/>
+          </a:p>
+        </p:txBody>
+      </p:sp>
+      <p:sp>
+        <p:nvSpPr>
+          <p:cNvPr id="6" name="Dia számának helye 5">
+            <a:extLst>
+              <a:ext uri="{FF2B5EF4-FFF2-40B4-BE49-F238E27FC236}">
+                <a16:creationId xmlns:a16="http://schemas.microsoft.com/office/drawing/2014/main" id="{46EFD515-9649-ECFF-7667-5D73C873F915}"/>
+              </a:ext>
+            </a:extLst>
+          </p:cNvPr>
+          <p:cNvSpPr>
+            <a:spLocks noGrp="1"/>
+          </p:cNvSpPr>
+          <p:nvPr>
+            <p:ph type="sldNum" sz="quarter" idx="12"/>
+          </p:nvPr>
+        </p:nvSpPr>
+        <p:spPr/>
+        <p:txBody>
+          <a:bodyPr/>
+          <a:lstStyle/>
+          <a:p>
+            <a:fld id="{927374A8-BCF2-49CD-84BD-18DF129551B3}" type="slidenum">
+              <a:rPr lang="en-US" smtClean="0"/>
+              <a:t>18</a:t>
+            </a:fld>
+            <a:endParaRPr lang="en-US"/>
+          </a:p>
+        </p:txBody>
+      </p:sp>
+    </p:spTree>
+    <p:extLst>
+      <p:ext uri="{BB962C8B-B14F-4D97-AF65-F5344CB8AC3E}">
+        <p14:creationId xmlns:p14="http://schemas.microsoft.com/office/powerpoint/2010/main" val="4229129374"/>
+      </p:ext>
+    </p:extLst>
+  </p:cSld>
+  <p:clrMapOvr>
+    <a:masterClrMapping/>
+  </p:clrMapOvr>
+</p:sld>
+</file>
+
+<file path=ppt/slides/slide19.xml><?xml version="1.0" encoding="utf-8"?>
+<p:sld xmlns:a="http://schemas.openxmlformats.org/drawingml/2006/main" xmlns:r="http://schemas.openxmlformats.org/officeDocument/2006/relationships" xmlns:p="http://schemas.openxmlformats.org/presentationml/2006/main">
+  <p:cSld>
+    <p:spTree>
+      <p:nvGrpSpPr>
         <p:cNvPr id="1" name="">
           <a:extLst>
             <a:ext uri="{FF2B5EF4-FFF2-40B4-BE49-F238E27FC236}">
-              <a16:creationId xmlns:a16="http://schemas.microsoft.com/office/drawing/2014/main" id="{1802B7C8-8124-540B-898E-7030A173D5DD}"/>
+              <a16:creationId xmlns:a16="http://schemas.microsoft.com/office/drawing/2014/main" id="{5D585CD1-CE58-8742-FB7A-2400532968FD}"/>
             </a:ext>
           </a:extLst>
         </p:cNvPr>
@@ -8104,7 +8311,7 @@
           <p:cNvPr id="2" name="Cím 1">
             <a:extLst>
               <a:ext uri="{FF2B5EF4-FFF2-40B4-BE49-F238E27FC236}">
-                <a16:creationId xmlns:a16="http://schemas.microsoft.com/office/drawing/2014/main" id="{B7A4269F-9E98-A675-0B9B-49206F0F8FFD}"/>
+                <a16:creationId xmlns:a16="http://schemas.microsoft.com/office/drawing/2014/main" id="{A72FE74F-2F7C-A32A-BC8D-E2766F2DCF90}"/>
               </a:ext>
             </a:extLst>
           </p:cNvPr>
@@ -8122,7 +8329,7 @@
           <a:p>
             <a:r>
               <a:rPr lang="hu-HU" dirty="0"/>
-              <a:t>API</a:t>
+              <a:t>JSON</a:t>
             </a:r>
             <a:endParaRPr lang="en-US" dirty="0"/>
           </a:p>
@@ -8133,7 +8340,7 @@
           <p:cNvPr id="3" name="Tartalom helye 2">
             <a:extLst>
               <a:ext uri="{FF2B5EF4-FFF2-40B4-BE49-F238E27FC236}">
-                <a16:creationId xmlns:a16="http://schemas.microsoft.com/office/drawing/2014/main" id="{D6EBCEC3-B600-629B-2DF2-93CD0F1AFB8C}"/>
+                <a16:creationId xmlns:a16="http://schemas.microsoft.com/office/drawing/2014/main" id="{34AD1AA0-C069-6881-0525-39220649ACA6}"/>
               </a:ext>
             </a:extLst>
           </p:cNvPr>
@@ -8144,56 +8351,61 @@
             <p:ph idx="1"/>
           </p:nvPr>
         </p:nvSpPr>
-        <p:spPr/>
+        <p:spPr>
+          <a:xfrm>
+            <a:off x="1141413" y="1475762"/>
+            <a:ext cx="9905998" cy="3124201"/>
+          </a:xfrm>
+        </p:spPr>
         <p:txBody>
           <a:bodyPr/>
           <a:lstStyle/>
           <a:p>
             <a:r>
               <a:rPr lang="hu-HU" dirty="0" err="1"/>
-              <a:t>GraphQL</a:t>
+              <a:t>JavaScrip</a:t>
+            </a:r>
+            <a:r>
+              <a:rPr lang="hu-HU" dirty="0"/>
+              <a:t> </a:t>
+            </a:r>
+            <a:r>
+              <a:rPr lang="hu-HU" dirty="0" err="1"/>
+              <a:t>Object</a:t>
+            </a:r>
+            <a:r>
+              <a:rPr lang="hu-HU" dirty="0"/>
+              <a:t> </a:t>
+            </a:r>
+            <a:r>
+              <a:rPr lang="hu-HU" dirty="0" err="1"/>
+              <a:t>Notation</a:t>
             </a:r>
             <a:endParaRPr lang="hu-HU" dirty="0"/>
           </a:p>
           <a:p>
             <a:r>
-              <a:rPr lang="hu-HU" dirty="0"/>
-              <a:t>SOAP</a:t>
-            </a:r>
-          </a:p>
-          <a:p>
-            <a:r>
-              <a:rPr lang="hu-HU" b="1" dirty="0"/>
-              <a:t>REST:API</a:t>
-            </a:r>
-          </a:p>
-          <a:p>
-            <a:r>
               <a:rPr lang="hu-HU" dirty="0" err="1"/>
-              <a:t>gRPC</a:t>
-            </a:r>
-            <a:endParaRPr lang="hu-HU" dirty="0"/>
-          </a:p>
-          <a:p>
+              <a:t>JavaScrip</a:t>
+            </a:r>
+            <a:r>
+              <a:rPr lang="hu-HU" dirty="0"/>
+              <a:t> </a:t>
+            </a:r>
             <a:r>
               <a:rPr lang="hu-HU" dirty="0" err="1"/>
-              <a:t>Architectureal</a:t>
-            </a:r>
-            <a:r>
-              <a:rPr lang="hu-HU" dirty="0"/>
-              <a:t> </a:t>
-            </a:r>
-            <a:r>
-              <a:rPr lang="hu-HU" dirty="0" err="1"/>
-              <a:t>styles</a:t>
-            </a:r>
-            <a:endParaRPr lang="hu-HU" dirty="0"/>
-          </a:p>
-          <a:p>
-            <a:endParaRPr lang="hu-HU" dirty="0"/>
-          </a:p>
-          <a:p>
-            <a:endParaRPr lang="en-US" dirty="0"/>
+              <a:t>object</a:t>
+            </a:r>
+            <a:r>
+              <a:rPr lang="hu-HU" dirty="0"/>
+              <a:t> alapján van felépítve, és arra szolgál, hogy adatot tudjunk továbbítani</a:t>
+            </a:r>
+          </a:p>
+          <a:p>
+            <a:r>
+              <a:rPr lang="en-US" dirty="0"/>
+              <a:t>https://jsonviewer.stack.hu</a:t>
+            </a:r>
           </a:p>
         </p:txBody>
       </p:sp>
@@ -8202,7 +8414,7 @@
           <p:cNvPr id="4" name="Dátum helye 3">
             <a:extLst>
               <a:ext uri="{FF2B5EF4-FFF2-40B4-BE49-F238E27FC236}">
-                <a16:creationId xmlns:a16="http://schemas.microsoft.com/office/drawing/2014/main" id="{CFED3465-D56C-31D8-85C2-0CD0E732756B}"/>
+                <a16:creationId xmlns:a16="http://schemas.microsoft.com/office/drawing/2014/main" id="{582F4D84-0188-0E8A-BDAC-B0A97EA4FDE4}"/>
               </a:ext>
             </a:extLst>
           </p:cNvPr>
@@ -8218,7 +8430,7 @@
           <a:bodyPr/>
           <a:lstStyle/>
           <a:p>
-            <a:fld id="{82D5F01D-94D0-4555-86CB-29291917B8C5}" type="datetime1">
+            <a:fld id="{DD1C1BF3-2DD5-4223-B860-0E40CABDF328}" type="datetime1">
               <a:rPr lang="hu-HU" smtClean="0"/>
               <a:t>2024. 03. 05.</a:t>
             </a:fld>
@@ -8231,7 +8443,7 @@
           <p:cNvPr id="5" name="Élőláb helye 4">
             <a:extLst>
               <a:ext uri="{FF2B5EF4-FFF2-40B4-BE49-F238E27FC236}">
-                <a16:creationId xmlns:a16="http://schemas.microsoft.com/office/drawing/2014/main" id="{9CC711FA-79CF-332A-D5B8-F01B1CBFC037}"/>
+                <a16:creationId xmlns:a16="http://schemas.microsoft.com/office/drawing/2014/main" id="{C8DEF511-4831-0F6F-5EF9-89A0812A1F9E}"/>
               </a:ext>
             </a:extLst>
           </p:cNvPr>
@@ -8260,228 +8472,7 @@
           <p:cNvPr id="6" name="Dia számának helye 5">
             <a:extLst>
               <a:ext uri="{FF2B5EF4-FFF2-40B4-BE49-F238E27FC236}">
-                <a16:creationId xmlns:a16="http://schemas.microsoft.com/office/drawing/2014/main" id="{730932C7-80DC-6424-13A9-D3F970009E95}"/>
-              </a:ext>
-            </a:extLst>
-          </p:cNvPr>
-          <p:cNvSpPr>
-            <a:spLocks noGrp="1"/>
-          </p:cNvSpPr>
-          <p:nvPr>
-            <p:ph type="sldNum" sz="quarter" idx="12"/>
-          </p:nvPr>
-        </p:nvSpPr>
-        <p:spPr/>
-        <p:txBody>
-          <a:bodyPr/>
-          <a:lstStyle/>
-          <a:p>
-            <a:fld id="{927374A8-BCF2-49CD-84BD-18DF129551B3}" type="slidenum">
-              <a:rPr lang="en-US" smtClean="0"/>
-              <a:t>18</a:t>
-            </a:fld>
-            <a:endParaRPr lang="en-US"/>
-          </a:p>
-        </p:txBody>
-      </p:sp>
-    </p:spTree>
-    <p:extLst>
-      <p:ext uri="{BB962C8B-B14F-4D97-AF65-F5344CB8AC3E}">
-        <p14:creationId xmlns:p14="http://schemas.microsoft.com/office/powerpoint/2010/main" val="3585972756"/>
-      </p:ext>
-    </p:extLst>
-  </p:cSld>
-  <p:clrMapOvr>
-    <a:masterClrMapping/>
-  </p:clrMapOvr>
-</p:sld>
-</file>
-
-<file path=ppt/slides/slide19.xml><?xml version="1.0" encoding="utf-8"?>
-<p:sld xmlns:a="http://schemas.openxmlformats.org/drawingml/2006/main" xmlns:r="http://schemas.openxmlformats.org/officeDocument/2006/relationships" xmlns:p="http://schemas.openxmlformats.org/presentationml/2006/main">
-  <p:cSld>
-    <p:spTree>
-      <p:nvGrpSpPr>
-        <p:cNvPr id="1" name=""/>
-        <p:cNvGrpSpPr/>
-        <p:nvPr/>
-      </p:nvGrpSpPr>
-      <p:grpSpPr>
-        <a:xfrm>
-          <a:off x="0" y="0"/>
-          <a:ext cx="0" cy="0"/>
-          <a:chOff x="0" y="0"/>
-          <a:chExt cx="0" cy="0"/>
-        </a:xfrm>
-      </p:grpSpPr>
-      <p:sp>
-        <p:nvSpPr>
-          <p:cNvPr id="2" name="Cím 1">
-            <a:extLst>
-              <a:ext uri="{FF2B5EF4-FFF2-40B4-BE49-F238E27FC236}">
-                <a16:creationId xmlns:a16="http://schemas.microsoft.com/office/drawing/2014/main" id="{8738C9A4-4035-AE6A-96C1-80F39481A31B}"/>
-              </a:ext>
-            </a:extLst>
-          </p:cNvPr>
-          <p:cNvSpPr>
-            <a:spLocks noGrp="1"/>
-          </p:cNvSpPr>
-          <p:nvPr>
-            <p:ph type="title"/>
-          </p:nvPr>
-        </p:nvSpPr>
-        <p:spPr/>
-        <p:txBody>
-          <a:bodyPr/>
-          <a:lstStyle/>
-          <a:p>
-            <a:r>
-              <a:rPr lang="hu-HU" dirty="0"/>
-              <a:t>REST:API</a:t>
-            </a:r>
-            <a:endParaRPr lang="en-US" dirty="0"/>
-          </a:p>
-        </p:txBody>
-      </p:sp>
-      <p:sp>
-        <p:nvSpPr>
-          <p:cNvPr id="3" name="Tartalom helye 2">
-            <a:extLst>
-              <a:ext uri="{FF2B5EF4-FFF2-40B4-BE49-F238E27FC236}">
-                <a16:creationId xmlns:a16="http://schemas.microsoft.com/office/drawing/2014/main" id="{1D87343B-4444-7FDD-2E35-74B8F9F0D906}"/>
-              </a:ext>
-            </a:extLst>
-          </p:cNvPr>
-          <p:cNvSpPr>
-            <a:spLocks noGrp="1"/>
-          </p:cNvSpPr>
-          <p:nvPr>
-            <p:ph idx="1"/>
-          </p:nvPr>
-        </p:nvSpPr>
-        <p:spPr/>
-        <p:txBody>
-          <a:bodyPr/>
-          <a:lstStyle/>
-          <a:p>
-            <a:r>
-              <a:rPr lang="hu-HU" dirty="0" err="1"/>
-              <a:t>Representational</a:t>
-            </a:r>
-            <a:r>
-              <a:rPr lang="hu-HU" dirty="0"/>
-              <a:t> </a:t>
-            </a:r>
-            <a:r>
-              <a:rPr lang="hu-HU" dirty="0" err="1"/>
-              <a:t>State</a:t>
-            </a:r>
-            <a:r>
-              <a:rPr lang="hu-HU" dirty="0"/>
-              <a:t> </a:t>
-            </a:r>
-            <a:r>
-              <a:rPr lang="hu-HU" dirty="0" err="1"/>
-              <a:t>Transfer</a:t>
-            </a:r>
-            <a:r>
-              <a:rPr lang="hu-HU" dirty="0"/>
-              <a:t> API</a:t>
-            </a:r>
-          </a:p>
-          <a:p>
-            <a:r>
-              <a:rPr lang="hu-HU" dirty="0" err="1"/>
-              <a:t>Mitol</a:t>
-            </a:r>
-            <a:r>
-              <a:rPr lang="hu-HU" dirty="0"/>
-              <a:t> lesz </a:t>
-            </a:r>
-            <a:r>
-              <a:rPr lang="hu-HU" dirty="0" err="1"/>
-              <a:t>restful</a:t>
-            </a:r>
-            <a:r>
-              <a:rPr lang="hu-HU" dirty="0"/>
-              <a:t>? </a:t>
-            </a:r>
-            <a:r>
-              <a:rPr lang="hu-HU" dirty="0" err="1"/>
-              <a:t>Section</a:t>
-            </a:r>
-            <a:r>
-              <a:rPr lang="hu-HU" dirty="0"/>
-              <a:t> 30/1</a:t>
-            </a:r>
-            <a:endParaRPr lang="en-US" dirty="0"/>
-          </a:p>
-        </p:txBody>
-      </p:sp>
-      <p:sp>
-        <p:nvSpPr>
-          <p:cNvPr id="4" name="Dátum helye 3">
-            <a:extLst>
-              <a:ext uri="{FF2B5EF4-FFF2-40B4-BE49-F238E27FC236}">
-                <a16:creationId xmlns:a16="http://schemas.microsoft.com/office/drawing/2014/main" id="{148C64D9-B130-ED47-8E25-075AE18AB7E1}"/>
-              </a:ext>
-            </a:extLst>
-          </p:cNvPr>
-          <p:cNvSpPr>
-            <a:spLocks noGrp="1"/>
-          </p:cNvSpPr>
-          <p:nvPr>
-            <p:ph type="dt" sz="half" idx="10"/>
-          </p:nvPr>
-        </p:nvSpPr>
-        <p:spPr/>
-        <p:txBody>
-          <a:bodyPr/>
-          <a:lstStyle/>
-          <a:p>
-            <a:fld id="{15A1B103-ECC8-469B-9ACB-426E3EC72F44}" type="datetime1">
-              <a:rPr lang="hu-HU" smtClean="0"/>
-              <a:t>2024. 03. 05.</a:t>
-            </a:fld>
-            <a:endParaRPr lang="en-US"/>
-          </a:p>
-        </p:txBody>
-      </p:sp>
-      <p:sp>
-        <p:nvSpPr>
-          <p:cNvPr id="5" name="Élőláb helye 4">
-            <a:extLst>
-              <a:ext uri="{FF2B5EF4-FFF2-40B4-BE49-F238E27FC236}">
-                <a16:creationId xmlns:a16="http://schemas.microsoft.com/office/drawing/2014/main" id="{2C06D153-B07A-350B-0DAE-66F672AA6C32}"/>
-              </a:ext>
-            </a:extLst>
-          </p:cNvPr>
-          <p:cNvSpPr>
-            <a:spLocks noGrp="1"/>
-          </p:cNvSpPr>
-          <p:nvPr>
-            <p:ph type="ftr" sz="quarter" idx="11"/>
-          </p:nvPr>
-        </p:nvSpPr>
-        <p:spPr/>
-        <p:txBody>
-          <a:bodyPr/>
-          <a:lstStyle/>
-          <a:p>
-            <a:r>
-              <a:rPr lang="hu-HU" dirty="0"/>
-              <a:t>Tóth Gergely</a:t>
-            </a:r>
-            <a:endParaRPr lang="en-US" dirty="0"/>
-          </a:p>
-        </p:txBody>
-      </p:sp>
-      <p:sp>
-        <p:nvSpPr>
-          <p:cNvPr id="6" name="Dia számának helye 5">
-            <a:extLst>
-              <a:ext uri="{FF2B5EF4-FFF2-40B4-BE49-F238E27FC236}">
-                <a16:creationId xmlns:a16="http://schemas.microsoft.com/office/drawing/2014/main" id="{1362A935-86C1-79B5-29E7-E8C831D6D32A}"/>
+                <a16:creationId xmlns:a16="http://schemas.microsoft.com/office/drawing/2014/main" id="{9AB4CCEF-916C-94D2-9994-CCCF01F27188}"/>
               </a:ext>
             </a:extLst>
           </p:cNvPr>
@@ -8508,7 +8499,7 @@
     </p:spTree>
     <p:extLst>
       <p:ext uri="{BB962C8B-B14F-4D97-AF65-F5344CB8AC3E}">
-        <p14:creationId xmlns:p14="http://schemas.microsoft.com/office/powerpoint/2010/main" val="1326682337"/>
+        <p14:creationId xmlns:p14="http://schemas.microsoft.com/office/powerpoint/2010/main" val="1161368133"/>
       </p:ext>
     </p:extLst>
   </p:cSld>
@@ -8752,6 +8743,698 @@
   <p:cSld>
     <p:spTree>
       <p:nvGrpSpPr>
+        <p:cNvPr id="1" name=""/>
+        <p:cNvGrpSpPr/>
+        <p:nvPr/>
+      </p:nvGrpSpPr>
+      <p:grpSpPr>
+        <a:xfrm>
+          <a:off x="0" y="0"/>
+          <a:ext cx="0" cy="0"/>
+          <a:chOff x="0" y="0"/>
+          <a:chExt cx="0" cy="0"/>
+        </a:xfrm>
+      </p:grpSpPr>
+      <p:sp>
+        <p:nvSpPr>
+          <p:cNvPr id="2" name="Cím 1">
+            <a:extLst>
+              <a:ext uri="{FF2B5EF4-FFF2-40B4-BE49-F238E27FC236}">
+                <a16:creationId xmlns:a16="http://schemas.microsoft.com/office/drawing/2014/main" id="{6EDBFE41-E710-C92A-73A7-3265D561550C}"/>
+              </a:ext>
+            </a:extLst>
+          </p:cNvPr>
+          <p:cNvSpPr>
+            <a:spLocks noGrp="1"/>
+          </p:cNvSpPr>
+          <p:nvPr>
+            <p:ph type="title"/>
+          </p:nvPr>
+        </p:nvSpPr>
+        <p:spPr/>
+        <p:txBody>
+          <a:bodyPr/>
+          <a:lstStyle/>
+          <a:p>
+            <a:r>
+              <a:rPr lang="hu-HU" dirty="0" err="1"/>
+              <a:t>json</a:t>
+            </a:r>
+            <a:endParaRPr lang="en-US" dirty="0"/>
+          </a:p>
+        </p:txBody>
+      </p:sp>
+      <p:pic>
+        <p:nvPicPr>
+          <p:cNvPr id="8" name="Tartalom helye 7">
+            <a:extLst>
+              <a:ext uri="{FF2B5EF4-FFF2-40B4-BE49-F238E27FC236}">
+                <a16:creationId xmlns:a16="http://schemas.microsoft.com/office/drawing/2014/main" id="{26C37CDD-164B-AAD8-FC24-D4B44C01C12C}"/>
+              </a:ext>
+            </a:extLst>
+          </p:cNvPr>
+          <p:cNvPicPr>
+            <a:picLocks noGrp="1" noChangeAspect="1"/>
+          </p:cNvPicPr>
+          <p:nvPr>
+            <p:ph idx="1"/>
+          </p:nvPr>
+        </p:nvPicPr>
+        <p:blipFill>
+          <a:blip r:embed="rId2"/>
+          <a:stretch>
+            <a:fillRect/>
+          </a:stretch>
+        </p:blipFill>
+        <p:spPr>
+          <a:xfrm>
+            <a:off x="1185931" y="2127516"/>
+            <a:ext cx="5356275" cy="3409217"/>
+          </a:xfrm>
+        </p:spPr>
+      </p:pic>
+      <p:sp>
+        <p:nvSpPr>
+          <p:cNvPr id="4" name="Dátum helye 3">
+            <a:extLst>
+              <a:ext uri="{FF2B5EF4-FFF2-40B4-BE49-F238E27FC236}">
+                <a16:creationId xmlns:a16="http://schemas.microsoft.com/office/drawing/2014/main" id="{958932CE-525C-C357-A28B-E534C21B3D24}"/>
+              </a:ext>
+            </a:extLst>
+          </p:cNvPr>
+          <p:cNvSpPr>
+            <a:spLocks noGrp="1"/>
+          </p:cNvSpPr>
+          <p:nvPr>
+            <p:ph type="dt" sz="half" idx="10"/>
+          </p:nvPr>
+        </p:nvSpPr>
+        <p:spPr/>
+        <p:txBody>
+          <a:bodyPr/>
+          <a:lstStyle/>
+          <a:p>
+            <a:fld id="{E0D05676-0184-4491-83BE-2E9128DA927C}" type="datetime1">
+              <a:rPr lang="hu-HU" smtClean="0"/>
+              <a:t>2024. 03. 05.</a:t>
+            </a:fld>
+            <a:endParaRPr lang="en-US"/>
+          </a:p>
+        </p:txBody>
+      </p:sp>
+      <p:sp>
+        <p:nvSpPr>
+          <p:cNvPr id="5" name="Élőláb helye 4">
+            <a:extLst>
+              <a:ext uri="{FF2B5EF4-FFF2-40B4-BE49-F238E27FC236}">
+                <a16:creationId xmlns:a16="http://schemas.microsoft.com/office/drawing/2014/main" id="{FD537F3A-4675-DE3A-4B2B-A63634B5CB7E}"/>
+              </a:ext>
+            </a:extLst>
+          </p:cNvPr>
+          <p:cNvSpPr>
+            <a:spLocks noGrp="1"/>
+          </p:cNvSpPr>
+          <p:nvPr>
+            <p:ph type="ftr" sz="quarter" idx="11"/>
+          </p:nvPr>
+        </p:nvSpPr>
+        <p:spPr/>
+        <p:txBody>
+          <a:bodyPr/>
+          <a:lstStyle/>
+          <a:p>
+            <a:r>
+              <a:rPr lang="hu-HU" dirty="0"/>
+              <a:t>Tóth Gergely</a:t>
+            </a:r>
+            <a:endParaRPr lang="en-US" dirty="0"/>
+          </a:p>
+        </p:txBody>
+      </p:sp>
+      <p:sp>
+        <p:nvSpPr>
+          <p:cNvPr id="6" name="Dia számának helye 5">
+            <a:extLst>
+              <a:ext uri="{FF2B5EF4-FFF2-40B4-BE49-F238E27FC236}">
+                <a16:creationId xmlns:a16="http://schemas.microsoft.com/office/drawing/2014/main" id="{229603FA-45E0-2360-4D46-59251722500B}"/>
+              </a:ext>
+            </a:extLst>
+          </p:cNvPr>
+          <p:cNvSpPr>
+            <a:spLocks noGrp="1"/>
+          </p:cNvSpPr>
+          <p:nvPr>
+            <p:ph type="sldNum" sz="quarter" idx="12"/>
+          </p:nvPr>
+        </p:nvSpPr>
+        <p:spPr/>
+        <p:txBody>
+          <a:bodyPr/>
+          <a:lstStyle/>
+          <a:p>
+            <a:fld id="{927374A8-BCF2-49CD-84BD-18DF129551B3}" type="slidenum">
+              <a:rPr lang="en-US" smtClean="0"/>
+              <a:t>20</a:t>
+            </a:fld>
+            <a:endParaRPr lang="en-US"/>
+          </a:p>
+        </p:txBody>
+      </p:sp>
+      <p:pic>
+        <p:nvPicPr>
+          <p:cNvPr id="10" name="Kép 9">
+            <a:extLst>
+              <a:ext uri="{FF2B5EF4-FFF2-40B4-BE49-F238E27FC236}">
+                <a16:creationId xmlns:a16="http://schemas.microsoft.com/office/drawing/2014/main" id="{97270C70-B966-A6E0-A2B3-9B80BA5E10BD}"/>
+              </a:ext>
+            </a:extLst>
+          </p:cNvPr>
+          <p:cNvPicPr>
+            <a:picLocks noChangeAspect="1"/>
+          </p:cNvPicPr>
+          <p:nvPr/>
+        </p:nvPicPr>
+        <p:blipFill>
+          <a:blip r:embed="rId3"/>
+          <a:stretch>
+            <a:fillRect/>
+          </a:stretch>
+        </p:blipFill>
+        <p:spPr>
+          <a:xfrm>
+            <a:off x="7089747" y="2807936"/>
+            <a:ext cx="3957664" cy="2048375"/>
+          </a:xfrm>
+          <a:prstGeom prst="rect">
+            <a:avLst/>
+          </a:prstGeom>
+        </p:spPr>
+      </p:pic>
+    </p:spTree>
+    <p:extLst>
+      <p:ext uri="{BB962C8B-B14F-4D97-AF65-F5344CB8AC3E}">
+        <p14:creationId xmlns:p14="http://schemas.microsoft.com/office/powerpoint/2010/main" val="4128133718"/>
+      </p:ext>
+    </p:extLst>
+  </p:cSld>
+  <p:clrMapOvr>
+    <a:masterClrMapping/>
+  </p:clrMapOvr>
+</p:sld>
+</file>
+
+<file path=ppt/slides/slide21.xml><?xml version="1.0" encoding="utf-8"?>
+<p:sld xmlns:a="http://schemas.openxmlformats.org/drawingml/2006/main" xmlns:r="http://schemas.openxmlformats.org/officeDocument/2006/relationships" xmlns:p="http://schemas.openxmlformats.org/presentationml/2006/main">
+  <p:cSld>
+    <p:spTree>
+      <p:nvGrpSpPr>
+        <p:cNvPr id="1" name="">
+          <a:extLst>
+            <a:ext uri="{FF2B5EF4-FFF2-40B4-BE49-F238E27FC236}">
+              <a16:creationId xmlns:a16="http://schemas.microsoft.com/office/drawing/2014/main" id="{1802B7C8-8124-540B-898E-7030A173D5DD}"/>
+            </a:ext>
+          </a:extLst>
+        </p:cNvPr>
+        <p:cNvGrpSpPr/>
+        <p:nvPr/>
+      </p:nvGrpSpPr>
+      <p:grpSpPr>
+        <a:xfrm>
+          <a:off x="0" y="0"/>
+          <a:ext cx="0" cy="0"/>
+          <a:chOff x="0" y="0"/>
+          <a:chExt cx="0" cy="0"/>
+        </a:xfrm>
+      </p:grpSpPr>
+      <p:sp>
+        <p:nvSpPr>
+          <p:cNvPr id="2" name="Cím 1">
+            <a:extLst>
+              <a:ext uri="{FF2B5EF4-FFF2-40B4-BE49-F238E27FC236}">
+                <a16:creationId xmlns:a16="http://schemas.microsoft.com/office/drawing/2014/main" id="{B7A4269F-9E98-A675-0B9B-49206F0F8FFD}"/>
+              </a:ext>
+            </a:extLst>
+          </p:cNvPr>
+          <p:cNvSpPr>
+            <a:spLocks noGrp="1"/>
+          </p:cNvSpPr>
+          <p:nvPr>
+            <p:ph type="title"/>
+          </p:nvPr>
+        </p:nvSpPr>
+        <p:spPr/>
+        <p:txBody>
+          <a:bodyPr/>
+          <a:lstStyle/>
+          <a:p>
+            <a:r>
+              <a:rPr lang="hu-HU" dirty="0"/>
+              <a:t>API</a:t>
+            </a:r>
+            <a:endParaRPr lang="en-US" dirty="0"/>
+          </a:p>
+        </p:txBody>
+      </p:sp>
+      <p:sp>
+        <p:nvSpPr>
+          <p:cNvPr id="3" name="Tartalom helye 2">
+            <a:extLst>
+              <a:ext uri="{FF2B5EF4-FFF2-40B4-BE49-F238E27FC236}">
+                <a16:creationId xmlns:a16="http://schemas.microsoft.com/office/drawing/2014/main" id="{D6EBCEC3-B600-629B-2DF2-93CD0F1AFB8C}"/>
+              </a:ext>
+            </a:extLst>
+          </p:cNvPr>
+          <p:cNvSpPr>
+            <a:spLocks noGrp="1"/>
+          </p:cNvSpPr>
+          <p:nvPr>
+            <p:ph idx="1"/>
+          </p:nvPr>
+        </p:nvSpPr>
+        <p:spPr>
+          <a:xfrm>
+            <a:off x="1141412" y="2138493"/>
+            <a:ext cx="9905998" cy="3124201"/>
+          </a:xfrm>
+        </p:spPr>
+        <p:txBody>
+          <a:bodyPr/>
+          <a:lstStyle/>
+          <a:p>
+            <a:r>
+              <a:rPr lang="hu-HU" dirty="0" err="1"/>
+              <a:t>GraphQL</a:t>
+            </a:r>
+            <a:endParaRPr lang="hu-HU" dirty="0"/>
+          </a:p>
+          <a:p>
+            <a:r>
+              <a:rPr lang="hu-HU" dirty="0"/>
+              <a:t>SOAP</a:t>
+            </a:r>
+          </a:p>
+          <a:p>
+            <a:r>
+              <a:rPr lang="hu-HU" b="1" dirty="0"/>
+              <a:t>REST:API</a:t>
+            </a:r>
+          </a:p>
+          <a:p>
+            <a:r>
+              <a:rPr lang="hu-HU" dirty="0" err="1"/>
+              <a:t>gRPC</a:t>
+            </a:r>
+            <a:endParaRPr lang="hu-HU" dirty="0"/>
+          </a:p>
+          <a:p>
+            <a:r>
+              <a:rPr lang="hu-HU" dirty="0" err="1"/>
+              <a:t>Architectureal</a:t>
+            </a:r>
+            <a:r>
+              <a:rPr lang="hu-HU" dirty="0"/>
+              <a:t> </a:t>
+            </a:r>
+            <a:r>
+              <a:rPr lang="hu-HU" dirty="0" err="1"/>
+              <a:t>styles</a:t>
+            </a:r>
+            <a:endParaRPr lang="hu-HU" dirty="0"/>
+          </a:p>
+          <a:p>
+            <a:endParaRPr lang="hu-HU" dirty="0"/>
+          </a:p>
+          <a:p>
+            <a:endParaRPr lang="en-US" dirty="0"/>
+          </a:p>
+        </p:txBody>
+      </p:sp>
+      <p:sp>
+        <p:nvSpPr>
+          <p:cNvPr id="4" name="Dátum helye 3">
+            <a:extLst>
+              <a:ext uri="{FF2B5EF4-FFF2-40B4-BE49-F238E27FC236}">
+                <a16:creationId xmlns:a16="http://schemas.microsoft.com/office/drawing/2014/main" id="{CFED3465-D56C-31D8-85C2-0CD0E732756B}"/>
+              </a:ext>
+            </a:extLst>
+          </p:cNvPr>
+          <p:cNvSpPr>
+            <a:spLocks noGrp="1"/>
+          </p:cNvSpPr>
+          <p:nvPr>
+            <p:ph type="dt" sz="half" idx="10"/>
+          </p:nvPr>
+        </p:nvSpPr>
+        <p:spPr/>
+        <p:txBody>
+          <a:bodyPr/>
+          <a:lstStyle/>
+          <a:p>
+            <a:fld id="{82D5F01D-94D0-4555-86CB-29291917B8C5}" type="datetime1">
+              <a:rPr lang="hu-HU" smtClean="0"/>
+              <a:t>2024. 03. 05.</a:t>
+            </a:fld>
+            <a:endParaRPr lang="en-US"/>
+          </a:p>
+        </p:txBody>
+      </p:sp>
+      <p:sp>
+        <p:nvSpPr>
+          <p:cNvPr id="5" name="Élőláb helye 4">
+            <a:extLst>
+              <a:ext uri="{FF2B5EF4-FFF2-40B4-BE49-F238E27FC236}">
+                <a16:creationId xmlns:a16="http://schemas.microsoft.com/office/drawing/2014/main" id="{9CC711FA-79CF-332A-D5B8-F01B1CBFC037}"/>
+              </a:ext>
+            </a:extLst>
+          </p:cNvPr>
+          <p:cNvSpPr>
+            <a:spLocks noGrp="1"/>
+          </p:cNvSpPr>
+          <p:nvPr>
+            <p:ph type="ftr" sz="quarter" idx="11"/>
+          </p:nvPr>
+        </p:nvSpPr>
+        <p:spPr/>
+        <p:txBody>
+          <a:bodyPr/>
+          <a:lstStyle/>
+          <a:p>
+            <a:r>
+              <a:rPr lang="hu-HU" dirty="0"/>
+              <a:t>Tóth Gergely</a:t>
+            </a:r>
+            <a:endParaRPr lang="en-US" dirty="0"/>
+          </a:p>
+        </p:txBody>
+      </p:sp>
+      <p:sp>
+        <p:nvSpPr>
+          <p:cNvPr id="6" name="Dia számának helye 5">
+            <a:extLst>
+              <a:ext uri="{FF2B5EF4-FFF2-40B4-BE49-F238E27FC236}">
+                <a16:creationId xmlns:a16="http://schemas.microsoft.com/office/drawing/2014/main" id="{730932C7-80DC-6424-13A9-D3F970009E95}"/>
+              </a:ext>
+            </a:extLst>
+          </p:cNvPr>
+          <p:cNvSpPr>
+            <a:spLocks noGrp="1"/>
+          </p:cNvSpPr>
+          <p:nvPr>
+            <p:ph type="sldNum" sz="quarter" idx="12"/>
+          </p:nvPr>
+        </p:nvSpPr>
+        <p:spPr/>
+        <p:txBody>
+          <a:bodyPr/>
+          <a:lstStyle/>
+          <a:p>
+            <a:fld id="{927374A8-BCF2-49CD-84BD-18DF129551B3}" type="slidenum">
+              <a:rPr lang="en-US" smtClean="0"/>
+              <a:t>21</a:t>
+            </a:fld>
+            <a:endParaRPr lang="en-US"/>
+          </a:p>
+        </p:txBody>
+      </p:sp>
+    </p:spTree>
+    <p:extLst>
+      <p:ext uri="{BB962C8B-B14F-4D97-AF65-F5344CB8AC3E}">
+        <p14:creationId xmlns:p14="http://schemas.microsoft.com/office/powerpoint/2010/main" val="3585972756"/>
+      </p:ext>
+    </p:extLst>
+  </p:cSld>
+  <p:clrMapOvr>
+    <a:masterClrMapping/>
+  </p:clrMapOvr>
+</p:sld>
+</file>
+
+<file path=ppt/slides/slide22.xml><?xml version="1.0" encoding="utf-8"?>
+<p:sld xmlns:a="http://schemas.openxmlformats.org/drawingml/2006/main" xmlns:r="http://schemas.openxmlformats.org/officeDocument/2006/relationships" xmlns:p="http://schemas.openxmlformats.org/presentationml/2006/main">
+  <p:cSld>
+    <p:spTree>
+      <p:nvGrpSpPr>
+        <p:cNvPr id="1" name=""/>
+        <p:cNvGrpSpPr/>
+        <p:nvPr/>
+      </p:nvGrpSpPr>
+      <p:grpSpPr>
+        <a:xfrm>
+          <a:off x="0" y="0"/>
+          <a:ext cx="0" cy="0"/>
+          <a:chOff x="0" y="0"/>
+          <a:chExt cx="0" cy="0"/>
+        </a:xfrm>
+      </p:grpSpPr>
+      <p:sp>
+        <p:nvSpPr>
+          <p:cNvPr id="2" name="Cím 1">
+            <a:extLst>
+              <a:ext uri="{FF2B5EF4-FFF2-40B4-BE49-F238E27FC236}">
+                <a16:creationId xmlns:a16="http://schemas.microsoft.com/office/drawing/2014/main" id="{8738C9A4-4035-AE6A-96C1-80F39481A31B}"/>
+              </a:ext>
+            </a:extLst>
+          </p:cNvPr>
+          <p:cNvSpPr>
+            <a:spLocks noGrp="1"/>
+          </p:cNvSpPr>
+          <p:nvPr>
+            <p:ph type="title"/>
+          </p:nvPr>
+        </p:nvSpPr>
+        <p:spPr/>
+        <p:txBody>
+          <a:bodyPr/>
+          <a:lstStyle/>
+          <a:p>
+            <a:r>
+              <a:rPr lang="hu-HU" dirty="0"/>
+              <a:t>REST:API</a:t>
+            </a:r>
+            <a:endParaRPr lang="en-US" dirty="0"/>
+          </a:p>
+        </p:txBody>
+      </p:sp>
+      <p:sp>
+        <p:nvSpPr>
+          <p:cNvPr id="3" name="Tartalom helye 2">
+            <a:extLst>
+              <a:ext uri="{FF2B5EF4-FFF2-40B4-BE49-F238E27FC236}">
+                <a16:creationId xmlns:a16="http://schemas.microsoft.com/office/drawing/2014/main" id="{1D87343B-4444-7FDD-2E35-74B8F9F0D906}"/>
+              </a:ext>
+            </a:extLst>
+          </p:cNvPr>
+          <p:cNvSpPr>
+            <a:spLocks noGrp="1"/>
+          </p:cNvSpPr>
+          <p:nvPr>
+            <p:ph idx="1"/>
+          </p:nvPr>
+        </p:nvSpPr>
+        <p:spPr>
+          <a:xfrm>
+            <a:off x="1141412" y="1866899"/>
+            <a:ext cx="9905998" cy="3124201"/>
+          </a:xfrm>
+        </p:spPr>
+        <p:txBody>
+          <a:bodyPr/>
+          <a:lstStyle/>
+          <a:p>
+            <a:r>
+              <a:rPr lang="hu-HU" dirty="0" err="1"/>
+              <a:t>Representational</a:t>
+            </a:r>
+            <a:r>
+              <a:rPr lang="hu-HU" dirty="0"/>
+              <a:t> </a:t>
+            </a:r>
+            <a:r>
+              <a:rPr lang="hu-HU" dirty="0" err="1"/>
+              <a:t>State</a:t>
+            </a:r>
+            <a:r>
+              <a:rPr lang="hu-HU" dirty="0"/>
+              <a:t> </a:t>
+            </a:r>
+            <a:r>
+              <a:rPr lang="hu-HU" dirty="0" err="1"/>
+              <a:t>Transfer</a:t>
+            </a:r>
+            <a:r>
+              <a:rPr lang="hu-HU" dirty="0"/>
+              <a:t> API</a:t>
+            </a:r>
+          </a:p>
+          <a:p>
+            <a:r>
+              <a:rPr lang="hu-HU" dirty="0"/>
+              <a:t>Mitől lesz egy </a:t>
+            </a:r>
+            <a:r>
+              <a:rPr lang="hu-HU" dirty="0" err="1"/>
+              <a:t>api</a:t>
+            </a:r>
+            <a:r>
+              <a:rPr lang="hu-HU" dirty="0"/>
+              <a:t> </a:t>
+            </a:r>
+            <a:r>
+              <a:rPr lang="hu-HU" dirty="0" err="1"/>
+              <a:t>restful</a:t>
+            </a:r>
+            <a:r>
+              <a:rPr lang="hu-HU" dirty="0"/>
+              <a:t>?</a:t>
+            </a:r>
+          </a:p>
+          <a:p>
+            <a:pPr lvl="1"/>
+            <a:r>
+              <a:rPr lang="hu-HU" dirty="0"/>
+              <a:t>Állapotmentesség</a:t>
+            </a:r>
+          </a:p>
+          <a:p>
+            <a:pPr lvl="1"/>
+            <a:r>
+              <a:rPr lang="hu-HU" dirty="0"/>
+              <a:t>Erőforrások</a:t>
+            </a:r>
+          </a:p>
+          <a:p>
+            <a:pPr lvl="1"/>
+            <a:r>
+              <a:rPr lang="hu-HU" dirty="0"/>
+              <a:t>Egységes interfész</a:t>
+            </a:r>
+          </a:p>
+          <a:p>
+            <a:pPr lvl="1"/>
+            <a:r>
+              <a:rPr lang="hu-HU" dirty="0"/>
+              <a:t>Reprezentáció</a:t>
+            </a:r>
+          </a:p>
+          <a:p>
+            <a:pPr lvl="1"/>
+            <a:r>
+              <a:rPr lang="hu-HU" dirty="0" err="1"/>
+              <a:t>Hipermedia</a:t>
+            </a:r>
+            <a:r>
+              <a:rPr lang="hu-HU" dirty="0"/>
+              <a:t> vezérlés</a:t>
+            </a:r>
+            <a:endParaRPr lang="en-US" dirty="0"/>
+          </a:p>
+        </p:txBody>
+      </p:sp>
+      <p:sp>
+        <p:nvSpPr>
+          <p:cNvPr id="4" name="Dátum helye 3">
+            <a:extLst>
+              <a:ext uri="{FF2B5EF4-FFF2-40B4-BE49-F238E27FC236}">
+                <a16:creationId xmlns:a16="http://schemas.microsoft.com/office/drawing/2014/main" id="{148C64D9-B130-ED47-8E25-075AE18AB7E1}"/>
+              </a:ext>
+            </a:extLst>
+          </p:cNvPr>
+          <p:cNvSpPr>
+            <a:spLocks noGrp="1"/>
+          </p:cNvSpPr>
+          <p:nvPr>
+            <p:ph type="dt" sz="half" idx="10"/>
+          </p:nvPr>
+        </p:nvSpPr>
+        <p:spPr/>
+        <p:txBody>
+          <a:bodyPr/>
+          <a:lstStyle/>
+          <a:p>
+            <a:fld id="{15A1B103-ECC8-469B-9ACB-426E3EC72F44}" type="datetime1">
+              <a:rPr lang="hu-HU" smtClean="0"/>
+              <a:t>2024. 03. 05.</a:t>
+            </a:fld>
+            <a:endParaRPr lang="en-US"/>
+          </a:p>
+        </p:txBody>
+      </p:sp>
+      <p:sp>
+        <p:nvSpPr>
+          <p:cNvPr id="5" name="Élőláb helye 4">
+            <a:extLst>
+              <a:ext uri="{FF2B5EF4-FFF2-40B4-BE49-F238E27FC236}">
+                <a16:creationId xmlns:a16="http://schemas.microsoft.com/office/drawing/2014/main" id="{2C06D153-B07A-350B-0DAE-66F672AA6C32}"/>
+              </a:ext>
+            </a:extLst>
+          </p:cNvPr>
+          <p:cNvSpPr>
+            <a:spLocks noGrp="1"/>
+          </p:cNvSpPr>
+          <p:nvPr>
+            <p:ph type="ftr" sz="quarter" idx="11"/>
+          </p:nvPr>
+        </p:nvSpPr>
+        <p:spPr/>
+        <p:txBody>
+          <a:bodyPr/>
+          <a:lstStyle/>
+          <a:p>
+            <a:r>
+              <a:rPr lang="hu-HU" dirty="0"/>
+              <a:t>Tóth Gergely</a:t>
+            </a:r>
+            <a:endParaRPr lang="en-US" dirty="0"/>
+          </a:p>
+        </p:txBody>
+      </p:sp>
+      <p:sp>
+        <p:nvSpPr>
+          <p:cNvPr id="6" name="Dia számának helye 5">
+            <a:extLst>
+              <a:ext uri="{FF2B5EF4-FFF2-40B4-BE49-F238E27FC236}">
+                <a16:creationId xmlns:a16="http://schemas.microsoft.com/office/drawing/2014/main" id="{1362A935-86C1-79B5-29E7-E8C831D6D32A}"/>
+              </a:ext>
+            </a:extLst>
+          </p:cNvPr>
+          <p:cNvSpPr>
+            <a:spLocks noGrp="1"/>
+          </p:cNvSpPr>
+          <p:nvPr>
+            <p:ph type="sldNum" sz="quarter" idx="12"/>
+          </p:nvPr>
+        </p:nvSpPr>
+        <p:spPr/>
+        <p:txBody>
+          <a:bodyPr/>
+          <a:lstStyle/>
+          <a:p>
+            <a:fld id="{927374A8-BCF2-49CD-84BD-18DF129551B3}" type="slidenum">
+              <a:rPr lang="en-US" smtClean="0"/>
+              <a:t>22</a:t>
+            </a:fld>
+            <a:endParaRPr lang="en-US"/>
+          </a:p>
+        </p:txBody>
+      </p:sp>
+    </p:spTree>
+    <p:extLst>
+      <p:ext uri="{BB962C8B-B14F-4D97-AF65-F5344CB8AC3E}">
+        <p14:creationId xmlns:p14="http://schemas.microsoft.com/office/powerpoint/2010/main" val="1326682337"/>
+      </p:ext>
+    </p:extLst>
+  </p:cSld>
+  <p:clrMapOvr>
+    <a:masterClrMapping/>
+  </p:clrMapOvr>
+</p:sld>
+</file>
+
+<file path=ppt/slides/slide23.xml><?xml version="1.0" encoding="utf-8"?>
+<p:sld xmlns:a="http://schemas.openxmlformats.org/drawingml/2006/main" xmlns:r="http://schemas.openxmlformats.org/officeDocument/2006/relationships" xmlns:p="http://schemas.openxmlformats.org/presentationml/2006/main">
+  <p:cSld>
+    <p:spTree>
+      <p:nvGrpSpPr>
         <p:cNvPr id="1" name="">
           <a:extLst>
             <a:ext uri="{FF2B5EF4-FFF2-40B4-BE49-F238E27FC236}">
@@ -8821,86 +9504,92 @@
         </p:nvSpPr>
         <p:spPr/>
         <p:txBody>
-          <a:bodyPr/>
+          <a:bodyPr>
+            <a:normAutofit/>
+          </a:bodyPr>
           <a:lstStyle/>
           <a:p>
             <a:r>
               <a:rPr lang="hu-HU" dirty="0" err="1"/>
-              <a:t>Pl</a:t>
-            </a:r>
-            <a:r>
-              <a:rPr lang="hu-HU" dirty="0"/>
-              <a:t>:</a:t>
-            </a:r>
-          </a:p>
-          <a:p>
-            <a:r>
-              <a:rPr lang="en-US" b="0" i="0" dirty="0">
-                <a:solidFill>
-                  <a:srgbClr val="212121"/>
-                </a:solidFill>
-                <a:effectLst/>
-                <a:latin typeface="Inter"/>
-              </a:rPr>
-              <a:t>https://bored-api.appbrewery.com/activity/6081071?type=education&amp;participants=2</a:t>
+              <a:t>Get</a:t>
+            </a:r>
+            <a:r>
+              <a:rPr lang="hu-HU" dirty="0"/>
+              <a:t>, post, </a:t>
+            </a:r>
+            <a:r>
+              <a:rPr lang="hu-HU" dirty="0" err="1"/>
+              <a:t>put</a:t>
+            </a:r>
+            <a:r>
+              <a:rPr lang="hu-HU" dirty="0"/>
+              <a:t>, </a:t>
+            </a:r>
+            <a:r>
+              <a:rPr lang="hu-HU" dirty="0" err="1"/>
+              <a:t>delete</a:t>
             </a:r>
             <a:endParaRPr lang="hu-HU" dirty="0"/>
           </a:p>
           <a:p>
             <a:r>
-              <a:rPr lang="hu-HU" dirty="0" err="1">
-                <a:solidFill>
-                  <a:srgbClr val="212121"/>
-                </a:solidFill>
-                <a:latin typeface="Inter"/>
-              </a:rPr>
-              <a:t>Pl</a:t>
-            </a:r>
-            <a:r>
-              <a:rPr lang="hu-HU" dirty="0">
-                <a:solidFill>
-                  <a:srgbClr val="212121"/>
-                </a:solidFill>
-                <a:latin typeface="Inter"/>
-              </a:rPr>
+              <a:rPr lang="hu-HU" dirty="0"/>
+              <a:t>Minden kérés más végpontot hív meg</a:t>
+            </a:r>
+          </a:p>
+          <a:p>
+            <a:r>
+              <a:rPr lang="hu-HU" dirty="0"/>
+              <a:t>A kérések általában tartalmaznak további információkat is a kéréssel kapcsolatban:</a:t>
+            </a:r>
+          </a:p>
+          <a:p>
+            <a:pPr lvl="1"/>
+            <a:r>
+              <a:rPr lang="hu-HU" dirty="0"/>
+              <a:t>Fejléc információk (</a:t>
+            </a:r>
+            <a:r>
+              <a:rPr lang="hu-HU" dirty="0" err="1"/>
+              <a:t>headers</a:t>
+            </a:r>
+            <a:r>
+              <a:rPr lang="hu-HU" dirty="0"/>
+              <a:t>)</a:t>
+            </a:r>
+          </a:p>
+          <a:p>
+            <a:pPr lvl="1"/>
+            <a:r>
+              <a:rPr lang="hu-HU" dirty="0"/>
+              <a:t>Paramétereket (</a:t>
+            </a:r>
+            <a:r>
+              <a:rPr lang="hu-HU" dirty="0" err="1"/>
+              <a:t>query</a:t>
+            </a:r>
+            <a:r>
+              <a:rPr lang="hu-HU" dirty="0"/>
               <a:t> </a:t>
             </a:r>
             <a:r>
-              <a:rPr lang="en-US" b="0" i="0" dirty="0">
-                <a:solidFill>
-                  <a:srgbClr val="212121"/>
-                </a:solidFill>
-                <a:effectLst/>
-                <a:latin typeface="Inter"/>
-              </a:rPr>
-              <a:t>https://bored-api.appbrewery.com/activity/6081071</a:t>
-            </a:r>
-            <a:endParaRPr lang="hu-HU" dirty="0">
-              <a:solidFill>
-                <a:srgbClr val="212121"/>
-              </a:solidFill>
-              <a:latin typeface="Inter"/>
-            </a:endParaRPr>
-          </a:p>
-          <a:p>
-            <a:r>
               <a:rPr lang="hu-HU" dirty="0" err="1"/>
-              <a:t>As</a:t>
-            </a:r>
-            <a:endParaRPr lang="hu-HU" dirty="0"/>
-          </a:p>
-          <a:p>
-            <a:r>
-              <a:rPr lang="hu-HU" dirty="0" err="1"/>
-              <a:t>As</a:t>
-            </a:r>
-            <a:endParaRPr lang="hu-HU" dirty="0"/>
-          </a:p>
-          <a:p>
-            <a:r>
-              <a:rPr lang="hu-HU" dirty="0" err="1"/>
-              <a:t>As</a:t>
-            </a:r>
+              <a:t>parameters</a:t>
+            </a:r>
+            <a:r>
+              <a:rPr lang="hu-HU" dirty="0"/>
+              <a:t>)</a:t>
+            </a:r>
+          </a:p>
+          <a:p>
+            <a:pPr lvl="1"/>
+            <a:r>
+              <a:rPr lang="hu-HU" dirty="0"/>
+              <a:t>A kérés törzsét (body)</a:t>
+            </a:r>
+          </a:p>
+          <a:p>
+            <a:pPr lvl="1"/>
             <a:endParaRPr lang="hu-HU" dirty="0"/>
           </a:p>
           <a:p>
@@ -8989,7 +9678,7 @@
           <a:p>
             <a:fld id="{927374A8-BCF2-49CD-84BD-18DF129551B3}" type="slidenum">
               <a:rPr lang="en-US" smtClean="0"/>
-              <a:t>20</a:t>
+              <a:t>23</a:t>
             </a:fld>
             <a:endParaRPr lang="en-US"/>
           </a:p>
@@ -9008,7 +9697,7 @@
 </p:sld>
 </file>
 
-<file path=ppt/slides/slide21.xml><?xml version="1.0" encoding="utf-8"?>
+<file path=ppt/slides/slide24.xml><?xml version="1.0" encoding="utf-8"?>
 <p:sld xmlns:a="http://schemas.openxmlformats.org/drawingml/2006/main" xmlns:r="http://schemas.openxmlformats.org/officeDocument/2006/relationships" xmlns:p="http://schemas.openxmlformats.org/presentationml/2006/main">
   <p:cSld>
     <p:spTree>
@@ -9016,7 +9705,7 @@
         <p:cNvPr id="1" name="">
           <a:extLst>
             <a:ext uri="{FF2B5EF4-FFF2-40B4-BE49-F238E27FC236}">
-              <a16:creationId xmlns:a16="http://schemas.microsoft.com/office/drawing/2014/main" id="{5D585CD1-CE58-8742-FB7A-2400532968FD}"/>
+              <a16:creationId xmlns:a16="http://schemas.microsoft.com/office/drawing/2014/main" id="{33F6CD7D-D07D-9AC0-509D-831BC6128109}"/>
             </a:ext>
           </a:extLst>
         </p:cNvPr>
@@ -9036,7 +9725,7 @@
           <p:cNvPr id="2" name="Cím 1">
             <a:extLst>
               <a:ext uri="{FF2B5EF4-FFF2-40B4-BE49-F238E27FC236}">
-                <a16:creationId xmlns:a16="http://schemas.microsoft.com/office/drawing/2014/main" id="{A72FE74F-2F7C-A32A-BC8D-E2766F2DCF90}"/>
+                <a16:creationId xmlns:a16="http://schemas.microsoft.com/office/drawing/2014/main" id="{40AFE33C-09DE-F9BC-2A41-51CC0D19BF5D}"/>
               </a:ext>
             </a:extLst>
           </p:cNvPr>
@@ -9053,88 +9742,48 @@
           <a:lstStyle/>
           <a:p>
             <a:r>
-              <a:rPr lang="hu-HU" dirty="0"/>
-              <a:t>JSON</a:t>
+              <a:rPr lang="hu-HU" dirty="0" err="1"/>
+              <a:t>Rest:api</a:t>
             </a:r>
             <a:endParaRPr lang="en-US" dirty="0"/>
           </a:p>
         </p:txBody>
       </p:sp>
-      <p:sp>
-        <p:nvSpPr>
-          <p:cNvPr id="3" name="Tartalom helye 2">
-            <a:extLst>
-              <a:ext uri="{FF2B5EF4-FFF2-40B4-BE49-F238E27FC236}">
-                <a16:creationId xmlns:a16="http://schemas.microsoft.com/office/drawing/2014/main" id="{34AD1AA0-C069-6881-0525-39220649ACA6}"/>
-              </a:ext>
-            </a:extLst>
-          </p:cNvPr>
-          <p:cNvSpPr>
-            <a:spLocks noGrp="1"/>
-          </p:cNvSpPr>
+      <p:pic>
+        <p:nvPicPr>
+          <p:cNvPr id="8" name="Tartalom helye 7">
+            <a:extLst>
+              <a:ext uri="{FF2B5EF4-FFF2-40B4-BE49-F238E27FC236}">
+                <a16:creationId xmlns:a16="http://schemas.microsoft.com/office/drawing/2014/main" id="{025A4AFA-734A-B113-CD66-ECBF40F1ADBB}"/>
+              </a:ext>
+            </a:extLst>
+          </p:cNvPr>
+          <p:cNvPicPr>
+            <a:picLocks noGrp="1" noChangeAspect="1"/>
+          </p:cNvPicPr>
           <p:nvPr>
             <p:ph idx="1"/>
           </p:nvPr>
-        </p:nvSpPr>
-        <p:spPr/>
-        <p:txBody>
-          <a:bodyPr/>
-          <a:lstStyle/>
-          <a:p>
-            <a:r>
-              <a:rPr lang="hu-HU" dirty="0" err="1"/>
-              <a:t>JavaScrip</a:t>
-            </a:r>
-            <a:r>
-              <a:rPr lang="hu-HU" dirty="0"/>
-              <a:t> </a:t>
-            </a:r>
-            <a:r>
-              <a:rPr lang="hu-HU" dirty="0" err="1"/>
-              <a:t>Object</a:t>
-            </a:r>
-            <a:r>
-              <a:rPr lang="hu-HU" dirty="0"/>
-              <a:t> </a:t>
-            </a:r>
-            <a:r>
-              <a:rPr lang="hu-HU" dirty="0" err="1"/>
-              <a:t>Notation</a:t>
-            </a:r>
-            <a:endParaRPr lang="hu-HU" dirty="0"/>
-          </a:p>
-          <a:p>
-            <a:r>
-              <a:rPr lang="hu-HU" dirty="0" err="1"/>
-              <a:t>JavaScrip</a:t>
-            </a:r>
-            <a:r>
-              <a:rPr lang="hu-HU" dirty="0"/>
-              <a:t> </a:t>
-            </a:r>
-            <a:r>
-              <a:rPr lang="hu-HU" dirty="0" err="1"/>
-              <a:t>object</a:t>
-            </a:r>
-            <a:r>
-              <a:rPr lang="hu-HU" dirty="0"/>
-              <a:t> alapján van felépítve, és arra szolgál, hogy adatot tudjunk továbbítani</a:t>
-            </a:r>
-          </a:p>
-          <a:p>
-            <a:r>
-              <a:rPr lang="en-US" dirty="0"/>
-              <a:t>https://jsonviewer.stack.hu</a:t>
-            </a:r>
-          </a:p>
-        </p:txBody>
-      </p:sp>
+        </p:nvPicPr>
+        <p:blipFill>
+          <a:blip r:embed="rId2"/>
+          <a:stretch>
+            <a:fillRect/>
+          </a:stretch>
+        </p:blipFill>
+        <p:spPr>
+          <a:xfrm>
+            <a:off x="2202146" y="2514600"/>
+            <a:ext cx="7435566" cy="2281630"/>
+          </a:xfrm>
+        </p:spPr>
+      </p:pic>
       <p:sp>
         <p:nvSpPr>
           <p:cNvPr id="4" name="Dátum helye 3">
             <a:extLst>
               <a:ext uri="{FF2B5EF4-FFF2-40B4-BE49-F238E27FC236}">
-                <a16:creationId xmlns:a16="http://schemas.microsoft.com/office/drawing/2014/main" id="{582F4D84-0188-0E8A-BDAC-B0A97EA4FDE4}"/>
+                <a16:creationId xmlns:a16="http://schemas.microsoft.com/office/drawing/2014/main" id="{F63DCEE4-F1CD-682C-1185-E15CC1A0398F}"/>
               </a:ext>
             </a:extLst>
           </p:cNvPr>
@@ -9150,7 +9799,7 @@
           <a:bodyPr/>
           <a:lstStyle/>
           <a:p>
-            <a:fld id="{DD1C1BF3-2DD5-4223-B860-0E40CABDF328}" type="datetime1">
+            <a:fld id="{48B87EE5-0B8E-4120-BE41-69C15EC2CEA3}" type="datetime1">
               <a:rPr lang="hu-HU" smtClean="0"/>
               <a:t>2024. 03. 05.</a:t>
             </a:fld>
@@ -9163,7 +9812,7 @@
           <p:cNvPr id="5" name="Élőláb helye 4">
             <a:extLst>
               <a:ext uri="{FF2B5EF4-FFF2-40B4-BE49-F238E27FC236}">
-                <a16:creationId xmlns:a16="http://schemas.microsoft.com/office/drawing/2014/main" id="{C8DEF511-4831-0F6F-5EF9-89A0812A1F9E}"/>
+                <a16:creationId xmlns:a16="http://schemas.microsoft.com/office/drawing/2014/main" id="{B31FC79E-C410-2CD7-F7C2-35B3EAB8691E}"/>
               </a:ext>
             </a:extLst>
           </p:cNvPr>
@@ -9192,7 +9841,7 @@
           <p:cNvPr id="6" name="Dia számának helye 5">
             <a:extLst>
               <a:ext uri="{FF2B5EF4-FFF2-40B4-BE49-F238E27FC236}">
-                <a16:creationId xmlns:a16="http://schemas.microsoft.com/office/drawing/2014/main" id="{9AB4CCEF-916C-94D2-9994-CCCF01F27188}"/>
+                <a16:creationId xmlns:a16="http://schemas.microsoft.com/office/drawing/2014/main" id="{F8358DA5-33FD-8908-A52E-8D99982C21C8}"/>
               </a:ext>
             </a:extLst>
           </p:cNvPr>
@@ -9210,7 +9859,7 @@
           <a:p>
             <a:fld id="{927374A8-BCF2-49CD-84BD-18DF129551B3}" type="slidenum">
               <a:rPr lang="en-US" smtClean="0"/>
-              <a:t>21</a:t>
+              <a:t>24</a:t>
             </a:fld>
             <a:endParaRPr lang="en-US"/>
           </a:p>
@@ -9219,7 +9868,7 @@
     </p:spTree>
     <p:extLst>
       <p:ext uri="{BB962C8B-B14F-4D97-AF65-F5344CB8AC3E}">
-        <p14:creationId xmlns:p14="http://schemas.microsoft.com/office/powerpoint/2010/main" val="1161368133"/>
+        <p14:creationId xmlns:p14="http://schemas.microsoft.com/office/powerpoint/2010/main" val="348263951"/>
       </p:ext>
     </p:extLst>
   </p:cSld>
@@ -9229,7 +9878,7 @@
 </p:sld>
 </file>
 
-<file path=ppt/slides/slide22.xml><?xml version="1.0" encoding="utf-8"?>
+<file path=ppt/slides/slide25.xml><?xml version="1.0" encoding="utf-8"?>
 <p:sld xmlns:a="http://schemas.openxmlformats.org/drawingml/2006/main" xmlns:r="http://schemas.openxmlformats.org/officeDocument/2006/relationships" xmlns:p="http://schemas.openxmlformats.org/presentationml/2006/main">
   <p:cSld>
     <p:spTree>
@@ -9301,50 +9950,36 @@
             <p:ph idx="1"/>
           </p:nvPr>
         </p:nvSpPr>
-        <p:spPr/>
-        <p:txBody>
-          <a:bodyPr/>
-          <a:lstStyle/>
-          <a:p>
-            <a:r>
-              <a:rPr lang="hu-HU" dirty="0"/>
-              <a:t>No </a:t>
-            </a:r>
+        <p:spPr>
+          <a:xfrm>
+            <a:off x="1141412" y="1866899"/>
+            <a:ext cx="9905998" cy="3124201"/>
+          </a:xfrm>
+        </p:spPr>
+        <p:txBody>
+          <a:bodyPr/>
+          <a:lstStyle/>
+          <a:p>
             <a:r>
               <a:rPr lang="hu-HU" dirty="0" err="1"/>
-              <a:t>authentication</a:t>
-            </a:r>
-            <a:endParaRPr lang="hu-HU" dirty="0"/>
-          </a:p>
-          <a:p>
-            <a:r>
-              <a:rPr lang="hu-HU" dirty="0"/>
-              <a:t>Basic </a:t>
-            </a:r>
-            <a:r>
-              <a:rPr lang="hu-HU" dirty="0" err="1"/>
-              <a:t>authentication</a:t>
-            </a:r>
-            <a:endParaRPr lang="hu-HU" dirty="0"/>
-          </a:p>
-          <a:p>
-            <a:r>
-              <a:rPr lang="hu-HU" dirty="0"/>
-              <a:t>API </a:t>
-            </a:r>
-            <a:r>
-              <a:rPr lang="hu-HU" dirty="0" err="1"/>
-              <a:t>key</a:t>
-            </a:r>
-            <a:r>
-              <a:rPr lang="hu-HU" dirty="0"/>
-              <a:t> </a:t>
-            </a:r>
-            <a:r>
-              <a:rPr lang="hu-HU" dirty="0" err="1"/>
-              <a:t>authentication</a:t>
-            </a:r>
-            <a:endParaRPr lang="hu-HU" dirty="0"/>
+              <a:t>Authentikáció</a:t>
+            </a:r>
+            <a:r>
+              <a:rPr lang="hu-HU" dirty="0"/>
+              <a:t> nélkül</a:t>
+            </a:r>
+          </a:p>
+          <a:p>
+            <a:r>
+              <a:rPr lang="hu-HU" dirty="0"/>
+              <a:t>Felhasználónév jelszó</a:t>
+            </a:r>
+          </a:p>
+          <a:p>
+            <a:r>
+              <a:rPr lang="hu-HU" dirty="0"/>
+              <a:t>API kulcsok</a:t>
+            </a:r>
           </a:p>
           <a:p>
             <a:r>
@@ -9353,21 +9988,13 @@
             </a:r>
             <a:r>
               <a:rPr lang="hu-HU" dirty="0"/>
-              <a:t> </a:t>
+              <a:t> alapú </a:t>
             </a:r>
             <a:r>
               <a:rPr lang="hu-HU" dirty="0" err="1"/>
-              <a:t>Based</a:t>
-            </a:r>
-            <a:r>
-              <a:rPr lang="hu-HU" dirty="0"/>
-              <a:t> </a:t>
-            </a:r>
-            <a:r>
-              <a:rPr lang="hu-HU"/>
-              <a:t>Authentication</a:t>
-            </a:r>
-            <a:endParaRPr lang="en-US"/>
+              <a:t>authentikáció</a:t>
+            </a:r>
+            <a:endParaRPr lang="en-US" dirty="0"/>
           </a:p>
         </p:txBody>
       </p:sp>
@@ -9452,7 +10079,7 @@
           <a:p>
             <a:fld id="{927374A8-BCF2-49CD-84BD-18DF129551B3}" type="slidenum">
               <a:rPr lang="en-US" smtClean="0"/>
-              <a:t>22</a:t>
+              <a:t>25</a:t>
             </a:fld>
             <a:endParaRPr lang="en-US"/>
           </a:p>
@@ -9471,18 +10098,12 @@
 </p:sld>
 </file>
 
-<file path=ppt/slides/slide23.xml><?xml version="1.0" encoding="utf-8"?>
+<file path=ppt/slides/slide26.xml><?xml version="1.0" encoding="utf-8"?>
 <p:sld xmlns:a="http://schemas.openxmlformats.org/drawingml/2006/main" xmlns:r="http://schemas.openxmlformats.org/officeDocument/2006/relationships" xmlns:p="http://schemas.openxmlformats.org/presentationml/2006/main">
   <p:cSld>
     <p:spTree>
       <p:nvGrpSpPr>
-        <p:cNvPr id="1" name="">
-          <a:extLst>
-            <a:ext uri="{FF2B5EF4-FFF2-40B4-BE49-F238E27FC236}">
-              <a16:creationId xmlns:a16="http://schemas.microsoft.com/office/drawing/2014/main" id="{33F6CD7D-D07D-9AC0-509D-831BC6128109}"/>
-            </a:ext>
-          </a:extLst>
-        </p:cNvPr>
+        <p:cNvPr id="1" name=""/>
         <p:cNvGrpSpPr/>
         <p:nvPr/>
       </p:nvGrpSpPr>
@@ -9499,7 +10120,7 @@
           <p:cNvPr id="2" name="Cím 1">
             <a:extLst>
               <a:ext uri="{FF2B5EF4-FFF2-40B4-BE49-F238E27FC236}">
-                <a16:creationId xmlns:a16="http://schemas.microsoft.com/office/drawing/2014/main" id="{40AFE33C-09DE-F9BC-2A41-51CC0D19BF5D}"/>
+                <a16:creationId xmlns:a16="http://schemas.microsoft.com/office/drawing/2014/main" id="{F3D1FC81-3A96-503F-EE37-5805D8928FA8}"/>
               </a:ext>
             </a:extLst>
           </p:cNvPr>
@@ -9515,7 +10136,15 @@
           <a:bodyPr/>
           <a:lstStyle/>
           <a:p>
-            <a:endParaRPr lang="en-US"/>
+            <a:r>
+              <a:rPr lang="hu-HU" dirty="0"/>
+              <a:t>API </a:t>
+            </a:r>
+            <a:r>
+              <a:rPr lang="hu-HU" dirty="0" err="1"/>
+              <a:t>authentication</a:t>
+            </a:r>
+            <a:endParaRPr lang="en-US" dirty="0"/>
           </a:p>
         </p:txBody>
       </p:sp>
@@ -9524,7 +10153,7 @@
           <p:cNvPr id="3" name="Tartalom helye 2">
             <a:extLst>
               <a:ext uri="{FF2B5EF4-FFF2-40B4-BE49-F238E27FC236}">
-                <a16:creationId xmlns:a16="http://schemas.microsoft.com/office/drawing/2014/main" id="{05A1AF17-6C7E-9886-058D-6E06ED0AAD8E}"/>
+                <a16:creationId xmlns:a16="http://schemas.microsoft.com/office/drawing/2014/main" id="{DCEF3E44-87E8-B51B-4FA0-BA821C8ED615}"/>
               </a:ext>
             </a:extLst>
           </p:cNvPr>
@@ -9535,12 +10164,99 @@
             <p:ph idx="1"/>
           </p:nvPr>
         </p:nvSpPr>
-        <p:spPr/>
-        <p:txBody>
-          <a:bodyPr/>
-          <a:lstStyle/>
-          <a:p>
-            <a:endParaRPr lang="en-US"/>
+        <p:spPr>
+          <a:xfrm>
+            <a:off x="1141412" y="1866899"/>
+            <a:ext cx="9905998" cy="3124201"/>
+          </a:xfrm>
+        </p:spPr>
+        <p:txBody>
+          <a:bodyPr/>
+          <a:lstStyle/>
+          <a:p>
+            <a:r>
+              <a:rPr lang="hu-HU" dirty="0" err="1"/>
+              <a:t>Api</a:t>
+            </a:r>
+            <a:r>
+              <a:rPr lang="hu-HU" dirty="0"/>
+              <a:t> kulcsok</a:t>
+            </a:r>
+          </a:p>
+          <a:p>
+            <a:pPr lvl="1"/>
+            <a:r>
+              <a:rPr lang="hu-HU" dirty="0"/>
+              <a:t>Az </a:t>
+            </a:r>
+            <a:r>
+              <a:rPr lang="hu-HU" dirty="0" err="1"/>
+              <a:t>api</a:t>
+            </a:r>
+            <a:r>
+              <a:rPr lang="hu-HU" dirty="0"/>
+              <a:t> kulcsok általában statikusak, nem változnak</a:t>
+            </a:r>
+          </a:p>
+          <a:p>
+            <a:r>
+              <a:rPr lang="hu-HU" dirty="0" err="1"/>
+              <a:t>Token</a:t>
+            </a:r>
+            <a:r>
+              <a:rPr lang="hu-HU" dirty="0"/>
+              <a:t> alapú </a:t>
+            </a:r>
+            <a:r>
+              <a:rPr lang="hu-HU" dirty="0" err="1"/>
+              <a:t>authentikáció</a:t>
+            </a:r>
+            <a:endParaRPr lang="hu-HU" dirty="0"/>
+          </a:p>
+          <a:p>
+            <a:pPr lvl="1"/>
+            <a:r>
+              <a:rPr lang="hu-HU" dirty="0"/>
+              <a:t>A </a:t>
+            </a:r>
+            <a:r>
+              <a:rPr lang="hu-HU" dirty="0" err="1"/>
+              <a:t>tokenek</a:t>
+            </a:r>
+            <a:r>
+              <a:rPr lang="hu-HU" dirty="0"/>
+              <a:t> lejárhatnak, és különféle engedélyeket, vagy jogosultságokat adhatnak a klienseknek</a:t>
+            </a:r>
+          </a:p>
+          <a:p>
+            <a:r>
+              <a:rPr lang="hu-HU" dirty="0"/>
+              <a:t>Összességében, az </a:t>
+            </a:r>
+            <a:r>
+              <a:rPr lang="hu-HU" dirty="0" err="1"/>
+              <a:t>api</a:t>
+            </a:r>
+            <a:r>
+              <a:rPr lang="hu-HU" dirty="0"/>
+              <a:t> kulcsok használata általában gyorsabb, és egyszerűbb, míg a </a:t>
+            </a:r>
+            <a:r>
+              <a:rPr lang="hu-HU" dirty="0" err="1"/>
+              <a:t>token</a:t>
+            </a:r>
+            <a:r>
+              <a:rPr lang="hu-HU" dirty="0"/>
+              <a:t> alapú </a:t>
+            </a:r>
+            <a:r>
+              <a:rPr lang="hu-HU" dirty="0" err="1"/>
+              <a:t>authentikáció</a:t>
+            </a:r>
+            <a:r>
+              <a:rPr lang="hu-HU" dirty="0"/>
+              <a:t> nagyobb biztonságot és rugalmasságot biztosít</a:t>
+            </a:r>
           </a:p>
         </p:txBody>
       </p:sp>
@@ -9549,7 +10265,7 @@
           <p:cNvPr id="4" name="Dátum helye 3">
             <a:extLst>
               <a:ext uri="{FF2B5EF4-FFF2-40B4-BE49-F238E27FC236}">
-                <a16:creationId xmlns:a16="http://schemas.microsoft.com/office/drawing/2014/main" id="{F63DCEE4-F1CD-682C-1185-E15CC1A0398F}"/>
+                <a16:creationId xmlns:a16="http://schemas.microsoft.com/office/drawing/2014/main" id="{F36909E8-B5DD-43E7-459C-1E4E4C084297}"/>
               </a:ext>
             </a:extLst>
           </p:cNvPr>
@@ -9565,7 +10281,7 @@
           <a:bodyPr/>
           <a:lstStyle/>
           <a:p>
-            <a:fld id="{48B87EE5-0B8E-4120-BE41-69C15EC2CEA3}" type="datetime1">
+            <a:fld id="{E0D05676-0184-4491-83BE-2E9128DA927C}" type="datetime1">
               <a:rPr lang="hu-HU" smtClean="0"/>
               <a:t>2024. 03. 05.</a:t>
             </a:fld>
@@ -9578,7 +10294,7 @@
           <p:cNvPr id="5" name="Élőláb helye 4">
             <a:extLst>
               <a:ext uri="{FF2B5EF4-FFF2-40B4-BE49-F238E27FC236}">
-                <a16:creationId xmlns:a16="http://schemas.microsoft.com/office/drawing/2014/main" id="{B31FC79E-C410-2CD7-F7C2-35B3EAB8691E}"/>
+                <a16:creationId xmlns:a16="http://schemas.microsoft.com/office/drawing/2014/main" id="{71A61B31-B95F-CBC1-C9F0-1E987E27B015}"/>
               </a:ext>
             </a:extLst>
           </p:cNvPr>
@@ -9607,7 +10323,7 @@
           <p:cNvPr id="6" name="Dia számának helye 5">
             <a:extLst>
               <a:ext uri="{FF2B5EF4-FFF2-40B4-BE49-F238E27FC236}">
-                <a16:creationId xmlns:a16="http://schemas.microsoft.com/office/drawing/2014/main" id="{F8358DA5-33FD-8908-A52E-8D99982C21C8}"/>
+                <a16:creationId xmlns:a16="http://schemas.microsoft.com/office/drawing/2014/main" id="{90B41744-D210-AC40-A043-71391BA8C6AF}"/>
               </a:ext>
             </a:extLst>
           </p:cNvPr>
@@ -9625,7 +10341,7 @@
           <a:p>
             <a:fld id="{927374A8-BCF2-49CD-84BD-18DF129551B3}" type="slidenum">
               <a:rPr lang="en-US" smtClean="0"/>
-              <a:t>23</a:t>
+              <a:t>26</a:t>
             </a:fld>
             <a:endParaRPr lang="en-US"/>
           </a:p>
@@ -9634,7 +10350,7 @@
     </p:spTree>
     <p:extLst>
       <p:ext uri="{BB962C8B-B14F-4D97-AF65-F5344CB8AC3E}">
-        <p14:creationId xmlns:p14="http://schemas.microsoft.com/office/powerpoint/2010/main" val="348263951"/>
+        <p14:creationId xmlns:p14="http://schemas.microsoft.com/office/powerpoint/2010/main" val="1509438202"/>
       </p:ext>
     </p:extLst>
   </p:cSld>
@@ -9644,7 +10360,7 @@
 </p:sld>
 </file>
 
-<file path=ppt/slides/slide24.xml><?xml version="1.0" encoding="utf-8"?>
+<file path=ppt/slides/slide27.xml><?xml version="1.0" encoding="utf-8"?>
 <p:sld xmlns:a="http://schemas.openxmlformats.org/drawingml/2006/main" xmlns:r="http://schemas.openxmlformats.org/officeDocument/2006/relationships" xmlns:p="http://schemas.openxmlformats.org/presentationml/2006/main">
   <p:cSld>
     <p:spTree>
@@ -9683,37 +10399,21 @@
             <p:ph type="title"/>
           </p:nvPr>
         </p:nvSpPr>
-        <p:spPr/>
-        <p:txBody>
-          <a:bodyPr/>
-          <a:lstStyle/>
-          <a:p>
-            <a:endParaRPr lang="en-US"/>
-          </a:p>
-        </p:txBody>
-      </p:sp>
-      <p:sp>
-        <p:nvSpPr>
-          <p:cNvPr id="3" name="Tartalom helye 2">
-            <a:extLst>
-              <a:ext uri="{FF2B5EF4-FFF2-40B4-BE49-F238E27FC236}">
-                <a16:creationId xmlns:a16="http://schemas.microsoft.com/office/drawing/2014/main" id="{EE5DBFBC-AE32-8DAF-3F40-85A05CE0ED02}"/>
-              </a:ext>
-            </a:extLst>
-          </p:cNvPr>
-          <p:cNvSpPr>
-            <a:spLocks noGrp="1"/>
-          </p:cNvSpPr>
-          <p:nvPr>
-            <p:ph idx="1"/>
-          </p:nvPr>
-        </p:nvSpPr>
-        <p:spPr/>
-        <p:txBody>
-          <a:bodyPr/>
-          <a:lstStyle/>
-          <a:p>
-            <a:endParaRPr lang="en-US"/>
+        <p:spPr>
+          <a:xfrm>
+            <a:off x="2915176" y="2476500"/>
+            <a:ext cx="9905998" cy="1905000"/>
+          </a:xfrm>
+        </p:spPr>
+        <p:txBody>
+          <a:bodyPr/>
+          <a:lstStyle/>
+          <a:p>
+            <a:r>
+              <a:rPr lang="hu-HU" dirty="0"/>
+              <a:t>Köszönöm a figyelmet!</a:t>
+            </a:r>
+            <a:endParaRPr lang="en-US" dirty="0"/>
           </a:p>
         </p:txBody>
       </p:sp>
@@ -9798,7 +10498,7 @@
           <a:p>
             <a:fld id="{927374A8-BCF2-49CD-84BD-18DF129551B3}" type="slidenum">
               <a:rPr lang="en-US" smtClean="0"/>
-              <a:t>24</a:t>
+              <a:t>27</a:t>
             </a:fld>
             <a:endParaRPr lang="en-US"/>
           </a:p>
@@ -9808,871 +10508,6 @@
     <p:extLst>
       <p:ext uri="{BB962C8B-B14F-4D97-AF65-F5344CB8AC3E}">
         <p14:creationId xmlns:p14="http://schemas.microsoft.com/office/powerpoint/2010/main" val="1328845037"/>
-      </p:ext>
-    </p:extLst>
-  </p:cSld>
-  <p:clrMapOvr>
-    <a:masterClrMapping/>
-  </p:clrMapOvr>
-</p:sld>
-</file>
-
-<file path=ppt/slides/slide25.xml><?xml version="1.0" encoding="utf-8"?>
-<p:sld xmlns:a="http://schemas.openxmlformats.org/drawingml/2006/main" xmlns:r="http://schemas.openxmlformats.org/officeDocument/2006/relationships" xmlns:p="http://schemas.openxmlformats.org/presentationml/2006/main">
-  <p:cSld>
-    <p:spTree>
-      <p:nvGrpSpPr>
-        <p:cNvPr id="1" name="">
-          <a:extLst>
-            <a:ext uri="{FF2B5EF4-FFF2-40B4-BE49-F238E27FC236}">
-              <a16:creationId xmlns:a16="http://schemas.microsoft.com/office/drawing/2014/main" id="{23457590-E5FD-E4D3-3ACB-003845665A20}"/>
-            </a:ext>
-          </a:extLst>
-        </p:cNvPr>
-        <p:cNvGrpSpPr/>
-        <p:nvPr/>
-      </p:nvGrpSpPr>
-      <p:grpSpPr>
-        <a:xfrm>
-          <a:off x="0" y="0"/>
-          <a:ext cx="0" cy="0"/>
-          <a:chOff x="0" y="0"/>
-          <a:chExt cx="0" cy="0"/>
-        </a:xfrm>
-      </p:grpSpPr>
-      <p:sp>
-        <p:nvSpPr>
-          <p:cNvPr id="2" name="Cím 1">
-            <a:extLst>
-              <a:ext uri="{FF2B5EF4-FFF2-40B4-BE49-F238E27FC236}">
-                <a16:creationId xmlns:a16="http://schemas.microsoft.com/office/drawing/2014/main" id="{E8304B56-250C-D1E7-2FDF-51268BA59DBD}"/>
-              </a:ext>
-            </a:extLst>
-          </p:cNvPr>
-          <p:cNvSpPr>
-            <a:spLocks noGrp="1"/>
-          </p:cNvSpPr>
-          <p:nvPr>
-            <p:ph type="title"/>
-          </p:nvPr>
-        </p:nvSpPr>
-        <p:spPr/>
-        <p:txBody>
-          <a:bodyPr/>
-          <a:lstStyle/>
-          <a:p>
-            <a:endParaRPr lang="en-US"/>
-          </a:p>
-        </p:txBody>
-      </p:sp>
-      <p:sp>
-        <p:nvSpPr>
-          <p:cNvPr id="3" name="Tartalom helye 2">
-            <a:extLst>
-              <a:ext uri="{FF2B5EF4-FFF2-40B4-BE49-F238E27FC236}">
-                <a16:creationId xmlns:a16="http://schemas.microsoft.com/office/drawing/2014/main" id="{D05285C4-B517-384F-B078-50272043A4B0}"/>
-              </a:ext>
-            </a:extLst>
-          </p:cNvPr>
-          <p:cNvSpPr>
-            <a:spLocks noGrp="1"/>
-          </p:cNvSpPr>
-          <p:nvPr>
-            <p:ph idx="1"/>
-          </p:nvPr>
-        </p:nvSpPr>
-        <p:spPr/>
-        <p:txBody>
-          <a:bodyPr/>
-          <a:lstStyle/>
-          <a:p>
-            <a:endParaRPr lang="en-US"/>
-          </a:p>
-        </p:txBody>
-      </p:sp>
-      <p:sp>
-        <p:nvSpPr>
-          <p:cNvPr id="4" name="Dátum helye 3">
-            <a:extLst>
-              <a:ext uri="{FF2B5EF4-FFF2-40B4-BE49-F238E27FC236}">
-                <a16:creationId xmlns:a16="http://schemas.microsoft.com/office/drawing/2014/main" id="{4EE4D42A-FBE6-4747-7C76-D7BC25A88772}"/>
-              </a:ext>
-            </a:extLst>
-          </p:cNvPr>
-          <p:cNvSpPr>
-            <a:spLocks noGrp="1"/>
-          </p:cNvSpPr>
-          <p:nvPr>
-            <p:ph type="dt" sz="half" idx="10"/>
-          </p:nvPr>
-        </p:nvSpPr>
-        <p:spPr/>
-        <p:txBody>
-          <a:bodyPr/>
-          <a:lstStyle/>
-          <a:p>
-            <a:fld id="{4C174181-A6D7-4F32-8C0C-55A6B154D8DA}" type="datetime1">
-              <a:rPr lang="hu-HU" smtClean="0"/>
-              <a:t>2024. 03. 05.</a:t>
-            </a:fld>
-            <a:endParaRPr lang="en-US"/>
-          </a:p>
-        </p:txBody>
-      </p:sp>
-      <p:sp>
-        <p:nvSpPr>
-          <p:cNvPr id="5" name="Élőláb helye 4">
-            <a:extLst>
-              <a:ext uri="{FF2B5EF4-FFF2-40B4-BE49-F238E27FC236}">
-                <a16:creationId xmlns:a16="http://schemas.microsoft.com/office/drawing/2014/main" id="{9EF622AE-CB6B-05A2-E4B1-0DA9C75091D2}"/>
-              </a:ext>
-            </a:extLst>
-          </p:cNvPr>
-          <p:cNvSpPr>
-            <a:spLocks noGrp="1"/>
-          </p:cNvSpPr>
-          <p:nvPr>
-            <p:ph type="ftr" sz="quarter" idx="11"/>
-          </p:nvPr>
-        </p:nvSpPr>
-        <p:spPr/>
-        <p:txBody>
-          <a:bodyPr/>
-          <a:lstStyle/>
-          <a:p>
-            <a:r>
-              <a:rPr lang="hu-HU" dirty="0"/>
-              <a:t>Tóth Gergely</a:t>
-            </a:r>
-            <a:endParaRPr lang="en-US" dirty="0"/>
-          </a:p>
-        </p:txBody>
-      </p:sp>
-      <p:sp>
-        <p:nvSpPr>
-          <p:cNvPr id="6" name="Dia számának helye 5">
-            <a:extLst>
-              <a:ext uri="{FF2B5EF4-FFF2-40B4-BE49-F238E27FC236}">
-                <a16:creationId xmlns:a16="http://schemas.microsoft.com/office/drawing/2014/main" id="{03DEDA18-2C36-A6BE-3B9B-995DEB649E52}"/>
-              </a:ext>
-            </a:extLst>
-          </p:cNvPr>
-          <p:cNvSpPr>
-            <a:spLocks noGrp="1"/>
-          </p:cNvSpPr>
-          <p:nvPr>
-            <p:ph type="sldNum" sz="quarter" idx="12"/>
-          </p:nvPr>
-        </p:nvSpPr>
-        <p:spPr/>
-        <p:txBody>
-          <a:bodyPr/>
-          <a:lstStyle/>
-          <a:p>
-            <a:fld id="{927374A8-BCF2-49CD-84BD-18DF129551B3}" type="slidenum">
-              <a:rPr lang="en-US" smtClean="0"/>
-              <a:t>25</a:t>
-            </a:fld>
-            <a:endParaRPr lang="en-US"/>
-          </a:p>
-        </p:txBody>
-      </p:sp>
-    </p:spTree>
-    <p:extLst>
-      <p:ext uri="{BB962C8B-B14F-4D97-AF65-F5344CB8AC3E}">
-        <p14:creationId xmlns:p14="http://schemas.microsoft.com/office/powerpoint/2010/main" val="1022289444"/>
-      </p:ext>
-    </p:extLst>
-  </p:cSld>
-  <p:clrMapOvr>
-    <a:masterClrMapping/>
-  </p:clrMapOvr>
-</p:sld>
-</file>
-
-<file path=ppt/slides/slide26.xml><?xml version="1.0" encoding="utf-8"?>
-<p:sld xmlns:a="http://schemas.openxmlformats.org/drawingml/2006/main" xmlns:r="http://schemas.openxmlformats.org/officeDocument/2006/relationships" xmlns:p="http://schemas.openxmlformats.org/presentationml/2006/main">
-  <p:cSld>
-    <p:spTree>
-      <p:nvGrpSpPr>
-        <p:cNvPr id="1" name="">
-          <a:extLst>
-            <a:ext uri="{FF2B5EF4-FFF2-40B4-BE49-F238E27FC236}">
-              <a16:creationId xmlns:a16="http://schemas.microsoft.com/office/drawing/2014/main" id="{1FB0AE48-A5F8-9583-6A74-E3F041E0C8F6}"/>
-            </a:ext>
-          </a:extLst>
-        </p:cNvPr>
-        <p:cNvGrpSpPr/>
-        <p:nvPr/>
-      </p:nvGrpSpPr>
-      <p:grpSpPr>
-        <a:xfrm>
-          <a:off x="0" y="0"/>
-          <a:ext cx="0" cy="0"/>
-          <a:chOff x="0" y="0"/>
-          <a:chExt cx="0" cy="0"/>
-        </a:xfrm>
-      </p:grpSpPr>
-      <p:sp>
-        <p:nvSpPr>
-          <p:cNvPr id="2" name="Cím 1">
-            <a:extLst>
-              <a:ext uri="{FF2B5EF4-FFF2-40B4-BE49-F238E27FC236}">
-                <a16:creationId xmlns:a16="http://schemas.microsoft.com/office/drawing/2014/main" id="{900368D9-A2E4-D736-D395-4DAE05AB0D53}"/>
-              </a:ext>
-            </a:extLst>
-          </p:cNvPr>
-          <p:cNvSpPr>
-            <a:spLocks noGrp="1"/>
-          </p:cNvSpPr>
-          <p:nvPr>
-            <p:ph type="title"/>
-          </p:nvPr>
-        </p:nvSpPr>
-        <p:spPr/>
-        <p:txBody>
-          <a:bodyPr/>
-          <a:lstStyle/>
-          <a:p>
-            <a:endParaRPr lang="en-US"/>
-          </a:p>
-        </p:txBody>
-      </p:sp>
-      <p:sp>
-        <p:nvSpPr>
-          <p:cNvPr id="3" name="Tartalom helye 2">
-            <a:extLst>
-              <a:ext uri="{FF2B5EF4-FFF2-40B4-BE49-F238E27FC236}">
-                <a16:creationId xmlns:a16="http://schemas.microsoft.com/office/drawing/2014/main" id="{4E3EB62D-85EC-6E5A-4BD4-5EE0E463E9EB}"/>
-              </a:ext>
-            </a:extLst>
-          </p:cNvPr>
-          <p:cNvSpPr>
-            <a:spLocks noGrp="1"/>
-          </p:cNvSpPr>
-          <p:nvPr>
-            <p:ph idx="1"/>
-          </p:nvPr>
-        </p:nvSpPr>
-        <p:spPr/>
-        <p:txBody>
-          <a:bodyPr/>
-          <a:lstStyle/>
-          <a:p>
-            <a:endParaRPr lang="en-US"/>
-          </a:p>
-        </p:txBody>
-      </p:sp>
-      <p:sp>
-        <p:nvSpPr>
-          <p:cNvPr id="4" name="Dátum helye 3">
-            <a:extLst>
-              <a:ext uri="{FF2B5EF4-FFF2-40B4-BE49-F238E27FC236}">
-                <a16:creationId xmlns:a16="http://schemas.microsoft.com/office/drawing/2014/main" id="{8BA17690-8123-B644-B467-47AEFFDD7F01}"/>
-              </a:ext>
-            </a:extLst>
-          </p:cNvPr>
-          <p:cNvSpPr>
-            <a:spLocks noGrp="1"/>
-          </p:cNvSpPr>
-          <p:nvPr>
-            <p:ph type="dt" sz="half" idx="10"/>
-          </p:nvPr>
-        </p:nvSpPr>
-        <p:spPr/>
-        <p:txBody>
-          <a:bodyPr/>
-          <a:lstStyle/>
-          <a:p>
-            <a:fld id="{A68155C5-7B97-49AB-98F4-6E0BD49CF600}" type="datetime1">
-              <a:rPr lang="hu-HU" smtClean="0"/>
-              <a:t>2024. 03. 05.</a:t>
-            </a:fld>
-            <a:endParaRPr lang="en-US"/>
-          </a:p>
-        </p:txBody>
-      </p:sp>
-      <p:sp>
-        <p:nvSpPr>
-          <p:cNvPr id="5" name="Élőláb helye 4">
-            <a:extLst>
-              <a:ext uri="{FF2B5EF4-FFF2-40B4-BE49-F238E27FC236}">
-                <a16:creationId xmlns:a16="http://schemas.microsoft.com/office/drawing/2014/main" id="{7B81AD1D-0C15-34CB-53D0-6225F7404B16}"/>
-              </a:ext>
-            </a:extLst>
-          </p:cNvPr>
-          <p:cNvSpPr>
-            <a:spLocks noGrp="1"/>
-          </p:cNvSpPr>
-          <p:nvPr>
-            <p:ph type="ftr" sz="quarter" idx="11"/>
-          </p:nvPr>
-        </p:nvSpPr>
-        <p:spPr/>
-        <p:txBody>
-          <a:bodyPr/>
-          <a:lstStyle/>
-          <a:p>
-            <a:r>
-              <a:rPr lang="hu-HU" dirty="0"/>
-              <a:t>Tóth Gergely</a:t>
-            </a:r>
-            <a:endParaRPr lang="en-US" dirty="0"/>
-          </a:p>
-        </p:txBody>
-      </p:sp>
-      <p:sp>
-        <p:nvSpPr>
-          <p:cNvPr id="6" name="Dia számának helye 5">
-            <a:extLst>
-              <a:ext uri="{FF2B5EF4-FFF2-40B4-BE49-F238E27FC236}">
-                <a16:creationId xmlns:a16="http://schemas.microsoft.com/office/drawing/2014/main" id="{56017073-2A5C-C63E-1BAB-2421DEF6887F}"/>
-              </a:ext>
-            </a:extLst>
-          </p:cNvPr>
-          <p:cNvSpPr>
-            <a:spLocks noGrp="1"/>
-          </p:cNvSpPr>
-          <p:nvPr>
-            <p:ph type="sldNum" sz="quarter" idx="12"/>
-          </p:nvPr>
-        </p:nvSpPr>
-        <p:spPr/>
-        <p:txBody>
-          <a:bodyPr/>
-          <a:lstStyle/>
-          <a:p>
-            <a:fld id="{927374A8-BCF2-49CD-84BD-18DF129551B3}" type="slidenum">
-              <a:rPr lang="en-US" smtClean="0"/>
-              <a:t>26</a:t>
-            </a:fld>
-            <a:endParaRPr lang="en-US"/>
-          </a:p>
-        </p:txBody>
-      </p:sp>
-    </p:spTree>
-    <p:extLst>
-      <p:ext uri="{BB962C8B-B14F-4D97-AF65-F5344CB8AC3E}">
-        <p14:creationId xmlns:p14="http://schemas.microsoft.com/office/powerpoint/2010/main" val="2003989561"/>
-      </p:ext>
-    </p:extLst>
-  </p:cSld>
-  <p:clrMapOvr>
-    <a:masterClrMapping/>
-  </p:clrMapOvr>
-</p:sld>
-</file>
-
-<file path=ppt/slides/slide27.xml><?xml version="1.0" encoding="utf-8"?>
-<p:sld xmlns:a="http://schemas.openxmlformats.org/drawingml/2006/main" xmlns:r="http://schemas.openxmlformats.org/officeDocument/2006/relationships" xmlns:p="http://schemas.openxmlformats.org/presentationml/2006/main">
-  <p:cSld>
-    <p:spTree>
-      <p:nvGrpSpPr>
-        <p:cNvPr id="1" name="">
-          <a:extLst>
-            <a:ext uri="{FF2B5EF4-FFF2-40B4-BE49-F238E27FC236}">
-              <a16:creationId xmlns:a16="http://schemas.microsoft.com/office/drawing/2014/main" id="{A389F02C-CDC6-A110-BA59-152137087D90}"/>
-            </a:ext>
-          </a:extLst>
-        </p:cNvPr>
-        <p:cNvGrpSpPr/>
-        <p:nvPr/>
-      </p:nvGrpSpPr>
-      <p:grpSpPr>
-        <a:xfrm>
-          <a:off x="0" y="0"/>
-          <a:ext cx="0" cy="0"/>
-          <a:chOff x="0" y="0"/>
-          <a:chExt cx="0" cy="0"/>
-        </a:xfrm>
-      </p:grpSpPr>
-      <p:sp>
-        <p:nvSpPr>
-          <p:cNvPr id="2" name="Cím 1">
-            <a:extLst>
-              <a:ext uri="{FF2B5EF4-FFF2-40B4-BE49-F238E27FC236}">
-                <a16:creationId xmlns:a16="http://schemas.microsoft.com/office/drawing/2014/main" id="{CC06F0F6-9144-ECB6-94B2-A4DE89059B8E}"/>
-              </a:ext>
-            </a:extLst>
-          </p:cNvPr>
-          <p:cNvSpPr>
-            <a:spLocks noGrp="1"/>
-          </p:cNvSpPr>
-          <p:nvPr>
-            <p:ph type="title"/>
-          </p:nvPr>
-        </p:nvSpPr>
-        <p:spPr/>
-        <p:txBody>
-          <a:bodyPr/>
-          <a:lstStyle/>
-          <a:p>
-            <a:endParaRPr lang="en-US"/>
-          </a:p>
-        </p:txBody>
-      </p:sp>
-      <p:sp>
-        <p:nvSpPr>
-          <p:cNvPr id="3" name="Tartalom helye 2">
-            <a:extLst>
-              <a:ext uri="{FF2B5EF4-FFF2-40B4-BE49-F238E27FC236}">
-                <a16:creationId xmlns:a16="http://schemas.microsoft.com/office/drawing/2014/main" id="{DA22DABC-DF67-E1DC-4B2E-E0A67507220B}"/>
-              </a:ext>
-            </a:extLst>
-          </p:cNvPr>
-          <p:cNvSpPr>
-            <a:spLocks noGrp="1"/>
-          </p:cNvSpPr>
-          <p:nvPr>
-            <p:ph idx="1"/>
-          </p:nvPr>
-        </p:nvSpPr>
-        <p:spPr/>
-        <p:txBody>
-          <a:bodyPr/>
-          <a:lstStyle/>
-          <a:p>
-            <a:endParaRPr lang="en-US"/>
-          </a:p>
-        </p:txBody>
-      </p:sp>
-      <p:sp>
-        <p:nvSpPr>
-          <p:cNvPr id="4" name="Dátum helye 3">
-            <a:extLst>
-              <a:ext uri="{FF2B5EF4-FFF2-40B4-BE49-F238E27FC236}">
-                <a16:creationId xmlns:a16="http://schemas.microsoft.com/office/drawing/2014/main" id="{AC05F1DD-DF08-A72B-16A3-076531474603}"/>
-              </a:ext>
-            </a:extLst>
-          </p:cNvPr>
-          <p:cNvSpPr>
-            <a:spLocks noGrp="1"/>
-          </p:cNvSpPr>
-          <p:nvPr>
-            <p:ph type="dt" sz="half" idx="10"/>
-          </p:nvPr>
-        </p:nvSpPr>
-        <p:spPr/>
-        <p:txBody>
-          <a:bodyPr/>
-          <a:lstStyle/>
-          <a:p>
-            <a:fld id="{F9AFD8D5-3DF4-42BA-8BF8-50EA2546AD6A}" type="datetime1">
-              <a:rPr lang="hu-HU" smtClean="0"/>
-              <a:t>2024. 03. 05.</a:t>
-            </a:fld>
-            <a:endParaRPr lang="en-US"/>
-          </a:p>
-        </p:txBody>
-      </p:sp>
-      <p:sp>
-        <p:nvSpPr>
-          <p:cNvPr id="5" name="Élőláb helye 4">
-            <a:extLst>
-              <a:ext uri="{FF2B5EF4-FFF2-40B4-BE49-F238E27FC236}">
-                <a16:creationId xmlns:a16="http://schemas.microsoft.com/office/drawing/2014/main" id="{C370255E-B3C2-FA0F-9913-9360ED7003F5}"/>
-              </a:ext>
-            </a:extLst>
-          </p:cNvPr>
-          <p:cNvSpPr>
-            <a:spLocks noGrp="1"/>
-          </p:cNvSpPr>
-          <p:nvPr>
-            <p:ph type="ftr" sz="quarter" idx="11"/>
-          </p:nvPr>
-        </p:nvSpPr>
-        <p:spPr/>
-        <p:txBody>
-          <a:bodyPr/>
-          <a:lstStyle/>
-          <a:p>
-            <a:r>
-              <a:rPr lang="hu-HU" dirty="0"/>
-              <a:t>Tóth Gergely</a:t>
-            </a:r>
-            <a:endParaRPr lang="en-US" dirty="0"/>
-          </a:p>
-        </p:txBody>
-      </p:sp>
-      <p:sp>
-        <p:nvSpPr>
-          <p:cNvPr id="6" name="Dia számának helye 5">
-            <a:extLst>
-              <a:ext uri="{FF2B5EF4-FFF2-40B4-BE49-F238E27FC236}">
-                <a16:creationId xmlns:a16="http://schemas.microsoft.com/office/drawing/2014/main" id="{A3490D41-C64F-AB91-16B6-5AE652C910C1}"/>
-              </a:ext>
-            </a:extLst>
-          </p:cNvPr>
-          <p:cNvSpPr>
-            <a:spLocks noGrp="1"/>
-          </p:cNvSpPr>
-          <p:nvPr>
-            <p:ph type="sldNum" sz="quarter" idx="12"/>
-          </p:nvPr>
-        </p:nvSpPr>
-        <p:spPr/>
-        <p:txBody>
-          <a:bodyPr/>
-          <a:lstStyle/>
-          <a:p>
-            <a:fld id="{927374A8-BCF2-49CD-84BD-18DF129551B3}" type="slidenum">
-              <a:rPr lang="en-US" smtClean="0"/>
-              <a:t>27</a:t>
-            </a:fld>
-            <a:endParaRPr lang="en-US"/>
-          </a:p>
-        </p:txBody>
-      </p:sp>
-    </p:spTree>
-    <p:extLst>
-      <p:ext uri="{BB962C8B-B14F-4D97-AF65-F5344CB8AC3E}">
-        <p14:creationId xmlns:p14="http://schemas.microsoft.com/office/powerpoint/2010/main" val="2426050567"/>
-      </p:ext>
-    </p:extLst>
-  </p:cSld>
-  <p:clrMapOvr>
-    <a:masterClrMapping/>
-  </p:clrMapOvr>
-</p:sld>
-</file>
-
-<file path=ppt/slides/slide28.xml><?xml version="1.0" encoding="utf-8"?>
-<p:sld xmlns:a="http://schemas.openxmlformats.org/drawingml/2006/main" xmlns:r="http://schemas.openxmlformats.org/officeDocument/2006/relationships" xmlns:p="http://schemas.openxmlformats.org/presentationml/2006/main">
-  <p:cSld>
-    <p:spTree>
-      <p:nvGrpSpPr>
-        <p:cNvPr id="1" name="">
-          <a:extLst>
-            <a:ext uri="{FF2B5EF4-FFF2-40B4-BE49-F238E27FC236}">
-              <a16:creationId xmlns:a16="http://schemas.microsoft.com/office/drawing/2014/main" id="{7865DCEC-B315-14D0-4A55-BE6B736A2B20}"/>
-            </a:ext>
-          </a:extLst>
-        </p:cNvPr>
-        <p:cNvGrpSpPr/>
-        <p:nvPr/>
-      </p:nvGrpSpPr>
-      <p:grpSpPr>
-        <a:xfrm>
-          <a:off x="0" y="0"/>
-          <a:ext cx="0" cy="0"/>
-          <a:chOff x="0" y="0"/>
-          <a:chExt cx="0" cy="0"/>
-        </a:xfrm>
-      </p:grpSpPr>
-      <p:sp>
-        <p:nvSpPr>
-          <p:cNvPr id="2" name="Cím 1">
-            <a:extLst>
-              <a:ext uri="{FF2B5EF4-FFF2-40B4-BE49-F238E27FC236}">
-                <a16:creationId xmlns:a16="http://schemas.microsoft.com/office/drawing/2014/main" id="{CED57F14-715C-7EA1-F639-2936BB5E9F95}"/>
-              </a:ext>
-            </a:extLst>
-          </p:cNvPr>
-          <p:cNvSpPr>
-            <a:spLocks noGrp="1"/>
-          </p:cNvSpPr>
-          <p:nvPr>
-            <p:ph type="title"/>
-          </p:nvPr>
-        </p:nvSpPr>
-        <p:spPr/>
-        <p:txBody>
-          <a:bodyPr/>
-          <a:lstStyle/>
-          <a:p>
-            <a:endParaRPr lang="en-US"/>
-          </a:p>
-        </p:txBody>
-      </p:sp>
-      <p:sp>
-        <p:nvSpPr>
-          <p:cNvPr id="3" name="Tartalom helye 2">
-            <a:extLst>
-              <a:ext uri="{FF2B5EF4-FFF2-40B4-BE49-F238E27FC236}">
-                <a16:creationId xmlns:a16="http://schemas.microsoft.com/office/drawing/2014/main" id="{908F978D-5E77-4FCF-56BF-ECADA8FC7DA1}"/>
-              </a:ext>
-            </a:extLst>
-          </p:cNvPr>
-          <p:cNvSpPr>
-            <a:spLocks noGrp="1"/>
-          </p:cNvSpPr>
-          <p:nvPr>
-            <p:ph idx="1"/>
-          </p:nvPr>
-        </p:nvSpPr>
-        <p:spPr/>
-        <p:txBody>
-          <a:bodyPr/>
-          <a:lstStyle/>
-          <a:p>
-            <a:endParaRPr lang="en-US"/>
-          </a:p>
-        </p:txBody>
-      </p:sp>
-      <p:sp>
-        <p:nvSpPr>
-          <p:cNvPr id="4" name="Dátum helye 3">
-            <a:extLst>
-              <a:ext uri="{FF2B5EF4-FFF2-40B4-BE49-F238E27FC236}">
-                <a16:creationId xmlns:a16="http://schemas.microsoft.com/office/drawing/2014/main" id="{733855E5-0A7F-9A05-50CE-306C38C43259}"/>
-              </a:ext>
-            </a:extLst>
-          </p:cNvPr>
-          <p:cNvSpPr>
-            <a:spLocks noGrp="1"/>
-          </p:cNvSpPr>
-          <p:nvPr>
-            <p:ph type="dt" sz="half" idx="10"/>
-          </p:nvPr>
-        </p:nvSpPr>
-        <p:spPr/>
-        <p:txBody>
-          <a:bodyPr/>
-          <a:lstStyle/>
-          <a:p>
-            <a:fld id="{A539EC01-D5DD-4CD7-8309-847EF64E0303}" type="datetime1">
-              <a:rPr lang="hu-HU" smtClean="0"/>
-              <a:t>2024. 03. 05.</a:t>
-            </a:fld>
-            <a:endParaRPr lang="en-US"/>
-          </a:p>
-        </p:txBody>
-      </p:sp>
-      <p:sp>
-        <p:nvSpPr>
-          <p:cNvPr id="5" name="Élőláb helye 4">
-            <a:extLst>
-              <a:ext uri="{FF2B5EF4-FFF2-40B4-BE49-F238E27FC236}">
-                <a16:creationId xmlns:a16="http://schemas.microsoft.com/office/drawing/2014/main" id="{FC319F7E-678B-0A22-FAD5-6550B77B32DB}"/>
-              </a:ext>
-            </a:extLst>
-          </p:cNvPr>
-          <p:cNvSpPr>
-            <a:spLocks noGrp="1"/>
-          </p:cNvSpPr>
-          <p:nvPr>
-            <p:ph type="ftr" sz="quarter" idx="11"/>
-          </p:nvPr>
-        </p:nvSpPr>
-        <p:spPr/>
-        <p:txBody>
-          <a:bodyPr/>
-          <a:lstStyle/>
-          <a:p>
-            <a:r>
-              <a:rPr lang="hu-HU" dirty="0"/>
-              <a:t>Tóth Gergely</a:t>
-            </a:r>
-            <a:endParaRPr lang="en-US" dirty="0"/>
-          </a:p>
-        </p:txBody>
-      </p:sp>
-      <p:sp>
-        <p:nvSpPr>
-          <p:cNvPr id="6" name="Dia számának helye 5">
-            <a:extLst>
-              <a:ext uri="{FF2B5EF4-FFF2-40B4-BE49-F238E27FC236}">
-                <a16:creationId xmlns:a16="http://schemas.microsoft.com/office/drawing/2014/main" id="{7849839D-5668-2AF0-2B35-A6B3401786A8}"/>
-              </a:ext>
-            </a:extLst>
-          </p:cNvPr>
-          <p:cNvSpPr>
-            <a:spLocks noGrp="1"/>
-          </p:cNvSpPr>
-          <p:nvPr>
-            <p:ph type="sldNum" sz="quarter" idx="12"/>
-          </p:nvPr>
-        </p:nvSpPr>
-        <p:spPr/>
-        <p:txBody>
-          <a:bodyPr/>
-          <a:lstStyle/>
-          <a:p>
-            <a:fld id="{927374A8-BCF2-49CD-84BD-18DF129551B3}" type="slidenum">
-              <a:rPr lang="en-US" smtClean="0"/>
-              <a:t>28</a:t>
-            </a:fld>
-            <a:endParaRPr lang="en-US"/>
-          </a:p>
-        </p:txBody>
-      </p:sp>
-    </p:spTree>
-    <p:extLst>
-      <p:ext uri="{BB962C8B-B14F-4D97-AF65-F5344CB8AC3E}">
-        <p14:creationId xmlns:p14="http://schemas.microsoft.com/office/powerpoint/2010/main" val="415635006"/>
-      </p:ext>
-    </p:extLst>
-  </p:cSld>
-  <p:clrMapOvr>
-    <a:masterClrMapping/>
-  </p:clrMapOvr>
-</p:sld>
-</file>
-
-<file path=ppt/slides/slide29.xml><?xml version="1.0" encoding="utf-8"?>
-<p:sld xmlns:a="http://schemas.openxmlformats.org/drawingml/2006/main" xmlns:r="http://schemas.openxmlformats.org/officeDocument/2006/relationships" xmlns:p="http://schemas.openxmlformats.org/presentationml/2006/main">
-  <p:cSld>
-    <p:spTree>
-      <p:nvGrpSpPr>
-        <p:cNvPr id="1" name="">
-          <a:extLst>
-            <a:ext uri="{FF2B5EF4-FFF2-40B4-BE49-F238E27FC236}">
-              <a16:creationId xmlns:a16="http://schemas.microsoft.com/office/drawing/2014/main" id="{17707090-8475-5750-CCF3-55C3AAE603F9}"/>
-            </a:ext>
-          </a:extLst>
-        </p:cNvPr>
-        <p:cNvGrpSpPr/>
-        <p:nvPr/>
-      </p:nvGrpSpPr>
-      <p:grpSpPr>
-        <a:xfrm>
-          <a:off x="0" y="0"/>
-          <a:ext cx="0" cy="0"/>
-          <a:chOff x="0" y="0"/>
-          <a:chExt cx="0" cy="0"/>
-        </a:xfrm>
-      </p:grpSpPr>
-      <p:sp>
-        <p:nvSpPr>
-          <p:cNvPr id="2" name="Cím 1">
-            <a:extLst>
-              <a:ext uri="{FF2B5EF4-FFF2-40B4-BE49-F238E27FC236}">
-                <a16:creationId xmlns:a16="http://schemas.microsoft.com/office/drawing/2014/main" id="{3191F141-638A-93DA-CF66-316BE6A0C432}"/>
-              </a:ext>
-            </a:extLst>
-          </p:cNvPr>
-          <p:cNvSpPr>
-            <a:spLocks noGrp="1"/>
-          </p:cNvSpPr>
-          <p:nvPr>
-            <p:ph type="title"/>
-          </p:nvPr>
-        </p:nvSpPr>
-        <p:spPr/>
-        <p:txBody>
-          <a:bodyPr/>
-          <a:lstStyle/>
-          <a:p>
-            <a:endParaRPr lang="en-US"/>
-          </a:p>
-        </p:txBody>
-      </p:sp>
-      <p:sp>
-        <p:nvSpPr>
-          <p:cNvPr id="3" name="Tartalom helye 2">
-            <a:extLst>
-              <a:ext uri="{FF2B5EF4-FFF2-40B4-BE49-F238E27FC236}">
-                <a16:creationId xmlns:a16="http://schemas.microsoft.com/office/drawing/2014/main" id="{A31DAB51-E0D9-E593-8ABF-D473850B26CD}"/>
-              </a:ext>
-            </a:extLst>
-          </p:cNvPr>
-          <p:cNvSpPr>
-            <a:spLocks noGrp="1"/>
-          </p:cNvSpPr>
-          <p:nvPr>
-            <p:ph idx="1"/>
-          </p:nvPr>
-        </p:nvSpPr>
-        <p:spPr/>
-        <p:txBody>
-          <a:bodyPr/>
-          <a:lstStyle/>
-          <a:p>
-            <a:endParaRPr lang="en-US"/>
-          </a:p>
-        </p:txBody>
-      </p:sp>
-      <p:sp>
-        <p:nvSpPr>
-          <p:cNvPr id="4" name="Dátum helye 3">
-            <a:extLst>
-              <a:ext uri="{FF2B5EF4-FFF2-40B4-BE49-F238E27FC236}">
-                <a16:creationId xmlns:a16="http://schemas.microsoft.com/office/drawing/2014/main" id="{ECE3BB56-18AC-2A11-14D7-327923628D03}"/>
-              </a:ext>
-            </a:extLst>
-          </p:cNvPr>
-          <p:cNvSpPr>
-            <a:spLocks noGrp="1"/>
-          </p:cNvSpPr>
-          <p:nvPr>
-            <p:ph type="dt" sz="half" idx="10"/>
-          </p:nvPr>
-        </p:nvSpPr>
-        <p:spPr/>
-        <p:txBody>
-          <a:bodyPr/>
-          <a:lstStyle/>
-          <a:p>
-            <a:fld id="{B8118C83-B13A-48EA-BE8E-E5E4408CF19A}" type="datetime1">
-              <a:rPr lang="hu-HU" smtClean="0"/>
-              <a:t>2024. 03. 05.</a:t>
-            </a:fld>
-            <a:endParaRPr lang="en-US"/>
-          </a:p>
-        </p:txBody>
-      </p:sp>
-      <p:sp>
-        <p:nvSpPr>
-          <p:cNvPr id="5" name="Élőláb helye 4">
-            <a:extLst>
-              <a:ext uri="{FF2B5EF4-FFF2-40B4-BE49-F238E27FC236}">
-                <a16:creationId xmlns:a16="http://schemas.microsoft.com/office/drawing/2014/main" id="{B9E99E0D-2888-6C0E-18D1-F13033ED945C}"/>
-              </a:ext>
-            </a:extLst>
-          </p:cNvPr>
-          <p:cNvSpPr>
-            <a:spLocks noGrp="1"/>
-          </p:cNvSpPr>
-          <p:nvPr>
-            <p:ph type="ftr" sz="quarter" idx="11"/>
-          </p:nvPr>
-        </p:nvSpPr>
-        <p:spPr/>
-        <p:txBody>
-          <a:bodyPr/>
-          <a:lstStyle/>
-          <a:p>
-            <a:r>
-              <a:rPr lang="hu-HU" dirty="0"/>
-              <a:t>Tóth Gergely</a:t>
-            </a:r>
-            <a:endParaRPr lang="en-US" dirty="0"/>
-          </a:p>
-        </p:txBody>
-      </p:sp>
-      <p:sp>
-        <p:nvSpPr>
-          <p:cNvPr id="6" name="Dia számának helye 5">
-            <a:extLst>
-              <a:ext uri="{FF2B5EF4-FFF2-40B4-BE49-F238E27FC236}">
-                <a16:creationId xmlns:a16="http://schemas.microsoft.com/office/drawing/2014/main" id="{E1B86B35-6E1D-97D8-B06B-7986851D4F3D}"/>
-              </a:ext>
-            </a:extLst>
-          </p:cNvPr>
-          <p:cNvSpPr>
-            <a:spLocks noGrp="1"/>
-          </p:cNvSpPr>
-          <p:nvPr>
-            <p:ph type="sldNum" sz="quarter" idx="12"/>
-          </p:nvPr>
-        </p:nvSpPr>
-        <p:spPr/>
-        <p:txBody>
-          <a:bodyPr/>
-          <a:lstStyle/>
-          <a:p>
-            <a:fld id="{927374A8-BCF2-49CD-84BD-18DF129551B3}" type="slidenum">
-              <a:rPr lang="en-US" smtClean="0"/>
-              <a:t>29</a:t>
-            </a:fld>
-            <a:endParaRPr lang="en-US"/>
-          </a:p>
-        </p:txBody>
-      </p:sp>
-    </p:spTree>
-    <p:extLst>
-      <p:ext uri="{BB962C8B-B14F-4D97-AF65-F5344CB8AC3E}">
-        <p14:creationId xmlns:p14="http://schemas.microsoft.com/office/powerpoint/2010/main" val="1331491659"/>
       </p:ext>
     </p:extLst>
   </p:cSld>
@@ -10957,1704 +10792,6 @@
     <p:extLst>
       <p:ext uri="{BB962C8B-B14F-4D97-AF65-F5344CB8AC3E}">
         <p14:creationId xmlns:p14="http://schemas.microsoft.com/office/powerpoint/2010/main" val="1897996604"/>
-      </p:ext>
-    </p:extLst>
-  </p:cSld>
-  <p:clrMapOvr>
-    <a:masterClrMapping/>
-  </p:clrMapOvr>
-</p:sld>
-</file>
-
-<file path=ppt/slides/slide30.xml><?xml version="1.0" encoding="utf-8"?>
-<p:sld xmlns:a="http://schemas.openxmlformats.org/drawingml/2006/main" xmlns:r="http://schemas.openxmlformats.org/officeDocument/2006/relationships" xmlns:p="http://schemas.openxmlformats.org/presentationml/2006/main">
-  <p:cSld>
-    <p:spTree>
-      <p:nvGrpSpPr>
-        <p:cNvPr id="1" name="">
-          <a:extLst>
-            <a:ext uri="{FF2B5EF4-FFF2-40B4-BE49-F238E27FC236}">
-              <a16:creationId xmlns:a16="http://schemas.microsoft.com/office/drawing/2014/main" id="{9933ADDF-166C-FE2D-948D-FC29F74BDB9C}"/>
-            </a:ext>
-          </a:extLst>
-        </p:cNvPr>
-        <p:cNvGrpSpPr/>
-        <p:nvPr/>
-      </p:nvGrpSpPr>
-      <p:grpSpPr>
-        <a:xfrm>
-          <a:off x="0" y="0"/>
-          <a:ext cx="0" cy="0"/>
-          <a:chOff x="0" y="0"/>
-          <a:chExt cx="0" cy="0"/>
-        </a:xfrm>
-      </p:grpSpPr>
-      <p:sp>
-        <p:nvSpPr>
-          <p:cNvPr id="2" name="Cím 1">
-            <a:extLst>
-              <a:ext uri="{FF2B5EF4-FFF2-40B4-BE49-F238E27FC236}">
-                <a16:creationId xmlns:a16="http://schemas.microsoft.com/office/drawing/2014/main" id="{C3A9F2B4-1A8D-B0DA-0FFE-163BB5F9FF82}"/>
-              </a:ext>
-            </a:extLst>
-          </p:cNvPr>
-          <p:cNvSpPr>
-            <a:spLocks noGrp="1"/>
-          </p:cNvSpPr>
-          <p:nvPr>
-            <p:ph type="title"/>
-          </p:nvPr>
-        </p:nvSpPr>
-        <p:spPr/>
-        <p:txBody>
-          <a:bodyPr/>
-          <a:lstStyle/>
-          <a:p>
-            <a:endParaRPr lang="en-US"/>
-          </a:p>
-        </p:txBody>
-      </p:sp>
-      <p:sp>
-        <p:nvSpPr>
-          <p:cNvPr id="3" name="Tartalom helye 2">
-            <a:extLst>
-              <a:ext uri="{FF2B5EF4-FFF2-40B4-BE49-F238E27FC236}">
-                <a16:creationId xmlns:a16="http://schemas.microsoft.com/office/drawing/2014/main" id="{CCC3E467-B8A2-94EC-40A2-A18FCB146EC3}"/>
-              </a:ext>
-            </a:extLst>
-          </p:cNvPr>
-          <p:cNvSpPr>
-            <a:spLocks noGrp="1"/>
-          </p:cNvSpPr>
-          <p:nvPr>
-            <p:ph idx="1"/>
-          </p:nvPr>
-        </p:nvSpPr>
-        <p:spPr/>
-        <p:txBody>
-          <a:bodyPr/>
-          <a:lstStyle/>
-          <a:p>
-            <a:endParaRPr lang="en-US"/>
-          </a:p>
-        </p:txBody>
-      </p:sp>
-      <p:sp>
-        <p:nvSpPr>
-          <p:cNvPr id="4" name="Dátum helye 3">
-            <a:extLst>
-              <a:ext uri="{FF2B5EF4-FFF2-40B4-BE49-F238E27FC236}">
-                <a16:creationId xmlns:a16="http://schemas.microsoft.com/office/drawing/2014/main" id="{DBC48D12-E9F9-6CDD-55FE-22F7079B45CD}"/>
-              </a:ext>
-            </a:extLst>
-          </p:cNvPr>
-          <p:cNvSpPr>
-            <a:spLocks noGrp="1"/>
-          </p:cNvSpPr>
-          <p:nvPr>
-            <p:ph type="dt" sz="half" idx="10"/>
-          </p:nvPr>
-        </p:nvSpPr>
-        <p:spPr/>
-        <p:txBody>
-          <a:bodyPr/>
-          <a:lstStyle/>
-          <a:p>
-            <a:fld id="{74A88DAD-59EC-4BE8-985A-E61C0558578B}" type="datetime1">
-              <a:rPr lang="hu-HU" smtClean="0"/>
-              <a:t>2024. 03. 05.</a:t>
-            </a:fld>
-            <a:endParaRPr lang="en-US"/>
-          </a:p>
-        </p:txBody>
-      </p:sp>
-      <p:sp>
-        <p:nvSpPr>
-          <p:cNvPr id="5" name="Élőláb helye 4">
-            <a:extLst>
-              <a:ext uri="{FF2B5EF4-FFF2-40B4-BE49-F238E27FC236}">
-                <a16:creationId xmlns:a16="http://schemas.microsoft.com/office/drawing/2014/main" id="{D0FF2930-9D66-A2CB-D5E4-A63E32BB7792}"/>
-              </a:ext>
-            </a:extLst>
-          </p:cNvPr>
-          <p:cNvSpPr>
-            <a:spLocks noGrp="1"/>
-          </p:cNvSpPr>
-          <p:nvPr>
-            <p:ph type="ftr" sz="quarter" idx="11"/>
-          </p:nvPr>
-        </p:nvSpPr>
-        <p:spPr/>
-        <p:txBody>
-          <a:bodyPr/>
-          <a:lstStyle/>
-          <a:p>
-            <a:r>
-              <a:rPr lang="hu-HU" dirty="0"/>
-              <a:t>Tóth Gergely</a:t>
-            </a:r>
-            <a:endParaRPr lang="en-US" dirty="0"/>
-          </a:p>
-        </p:txBody>
-      </p:sp>
-      <p:sp>
-        <p:nvSpPr>
-          <p:cNvPr id="6" name="Dia számának helye 5">
-            <a:extLst>
-              <a:ext uri="{FF2B5EF4-FFF2-40B4-BE49-F238E27FC236}">
-                <a16:creationId xmlns:a16="http://schemas.microsoft.com/office/drawing/2014/main" id="{864EB18B-0526-E987-1584-896655D33952}"/>
-              </a:ext>
-            </a:extLst>
-          </p:cNvPr>
-          <p:cNvSpPr>
-            <a:spLocks noGrp="1"/>
-          </p:cNvSpPr>
-          <p:nvPr>
-            <p:ph type="sldNum" sz="quarter" idx="12"/>
-          </p:nvPr>
-        </p:nvSpPr>
-        <p:spPr/>
-        <p:txBody>
-          <a:bodyPr/>
-          <a:lstStyle/>
-          <a:p>
-            <a:fld id="{927374A8-BCF2-49CD-84BD-18DF129551B3}" type="slidenum">
-              <a:rPr lang="en-US" smtClean="0"/>
-              <a:t>30</a:t>
-            </a:fld>
-            <a:endParaRPr lang="en-US"/>
-          </a:p>
-        </p:txBody>
-      </p:sp>
-    </p:spTree>
-    <p:extLst>
-      <p:ext uri="{BB962C8B-B14F-4D97-AF65-F5344CB8AC3E}">
-        <p14:creationId xmlns:p14="http://schemas.microsoft.com/office/powerpoint/2010/main" val="1620687711"/>
-      </p:ext>
-    </p:extLst>
-  </p:cSld>
-  <p:clrMapOvr>
-    <a:masterClrMapping/>
-  </p:clrMapOvr>
-</p:sld>
-</file>
-
-<file path=ppt/slides/slide31.xml><?xml version="1.0" encoding="utf-8"?>
-<p:sld xmlns:a="http://schemas.openxmlformats.org/drawingml/2006/main" xmlns:r="http://schemas.openxmlformats.org/officeDocument/2006/relationships" xmlns:p="http://schemas.openxmlformats.org/presentationml/2006/main">
-  <p:cSld>
-    <p:spTree>
-      <p:nvGrpSpPr>
-        <p:cNvPr id="1" name="">
-          <a:extLst>
-            <a:ext uri="{FF2B5EF4-FFF2-40B4-BE49-F238E27FC236}">
-              <a16:creationId xmlns:a16="http://schemas.microsoft.com/office/drawing/2014/main" id="{B421DDBE-D680-7F0A-842B-8A6DFA1B2ED6}"/>
-            </a:ext>
-          </a:extLst>
-        </p:cNvPr>
-        <p:cNvGrpSpPr/>
-        <p:nvPr/>
-      </p:nvGrpSpPr>
-      <p:grpSpPr>
-        <a:xfrm>
-          <a:off x="0" y="0"/>
-          <a:ext cx="0" cy="0"/>
-          <a:chOff x="0" y="0"/>
-          <a:chExt cx="0" cy="0"/>
-        </a:xfrm>
-      </p:grpSpPr>
-      <p:sp>
-        <p:nvSpPr>
-          <p:cNvPr id="2" name="Cím 1">
-            <a:extLst>
-              <a:ext uri="{FF2B5EF4-FFF2-40B4-BE49-F238E27FC236}">
-                <a16:creationId xmlns:a16="http://schemas.microsoft.com/office/drawing/2014/main" id="{577019EA-BF2A-10EB-0F9D-CCB4D5C64F9D}"/>
-              </a:ext>
-            </a:extLst>
-          </p:cNvPr>
-          <p:cNvSpPr>
-            <a:spLocks noGrp="1"/>
-          </p:cNvSpPr>
-          <p:nvPr>
-            <p:ph type="title"/>
-          </p:nvPr>
-        </p:nvSpPr>
-        <p:spPr/>
-        <p:txBody>
-          <a:bodyPr/>
-          <a:lstStyle/>
-          <a:p>
-            <a:endParaRPr lang="en-US"/>
-          </a:p>
-        </p:txBody>
-      </p:sp>
-      <p:sp>
-        <p:nvSpPr>
-          <p:cNvPr id="3" name="Tartalom helye 2">
-            <a:extLst>
-              <a:ext uri="{FF2B5EF4-FFF2-40B4-BE49-F238E27FC236}">
-                <a16:creationId xmlns:a16="http://schemas.microsoft.com/office/drawing/2014/main" id="{C131C5A2-932C-C52A-6492-8D78732DE328}"/>
-              </a:ext>
-            </a:extLst>
-          </p:cNvPr>
-          <p:cNvSpPr>
-            <a:spLocks noGrp="1"/>
-          </p:cNvSpPr>
-          <p:nvPr>
-            <p:ph idx="1"/>
-          </p:nvPr>
-        </p:nvSpPr>
-        <p:spPr/>
-        <p:txBody>
-          <a:bodyPr/>
-          <a:lstStyle/>
-          <a:p>
-            <a:endParaRPr lang="en-US"/>
-          </a:p>
-        </p:txBody>
-      </p:sp>
-      <p:sp>
-        <p:nvSpPr>
-          <p:cNvPr id="4" name="Dátum helye 3">
-            <a:extLst>
-              <a:ext uri="{FF2B5EF4-FFF2-40B4-BE49-F238E27FC236}">
-                <a16:creationId xmlns:a16="http://schemas.microsoft.com/office/drawing/2014/main" id="{B65F8DFC-E62D-6355-BCF7-59FC19611645}"/>
-              </a:ext>
-            </a:extLst>
-          </p:cNvPr>
-          <p:cNvSpPr>
-            <a:spLocks noGrp="1"/>
-          </p:cNvSpPr>
-          <p:nvPr>
-            <p:ph type="dt" sz="half" idx="10"/>
-          </p:nvPr>
-        </p:nvSpPr>
-        <p:spPr/>
-        <p:txBody>
-          <a:bodyPr/>
-          <a:lstStyle/>
-          <a:p>
-            <a:fld id="{A922FAD9-816F-462D-BDAD-8E0F1EFE8E66}" type="datetime1">
-              <a:rPr lang="hu-HU" smtClean="0"/>
-              <a:t>2024. 03. 05.</a:t>
-            </a:fld>
-            <a:endParaRPr lang="en-US"/>
-          </a:p>
-        </p:txBody>
-      </p:sp>
-      <p:sp>
-        <p:nvSpPr>
-          <p:cNvPr id="5" name="Élőláb helye 4">
-            <a:extLst>
-              <a:ext uri="{FF2B5EF4-FFF2-40B4-BE49-F238E27FC236}">
-                <a16:creationId xmlns:a16="http://schemas.microsoft.com/office/drawing/2014/main" id="{A7CA66EA-26EC-BD63-4EA9-8873FC7E42DF}"/>
-              </a:ext>
-            </a:extLst>
-          </p:cNvPr>
-          <p:cNvSpPr>
-            <a:spLocks noGrp="1"/>
-          </p:cNvSpPr>
-          <p:nvPr>
-            <p:ph type="ftr" sz="quarter" idx="11"/>
-          </p:nvPr>
-        </p:nvSpPr>
-        <p:spPr/>
-        <p:txBody>
-          <a:bodyPr/>
-          <a:lstStyle/>
-          <a:p>
-            <a:r>
-              <a:rPr lang="hu-HU" dirty="0"/>
-              <a:t>Tóth Gergely</a:t>
-            </a:r>
-            <a:endParaRPr lang="en-US" dirty="0"/>
-          </a:p>
-        </p:txBody>
-      </p:sp>
-      <p:sp>
-        <p:nvSpPr>
-          <p:cNvPr id="6" name="Dia számának helye 5">
-            <a:extLst>
-              <a:ext uri="{FF2B5EF4-FFF2-40B4-BE49-F238E27FC236}">
-                <a16:creationId xmlns:a16="http://schemas.microsoft.com/office/drawing/2014/main" id="{69CF3B58-4DCD-EA51-CA9B-80E97A9C12FF}"/>
-              </a:ext>
-            </a:extLst>
-          </p:cNvPr>
-          <p:cNvSpPr>
-            <a:spLocks noGrp="1"/>
-          </p:cNvSpPr>
-          <p:nvPr>
-            <p:ph type="sldNum" sz="quarter" idx="12"/>
-          </p:nvPr>
-        </p:nvSpPr>
-        <p:spPr/>
-        <p:txBody>
-          <a:bodyPr/>
-          <a:lstStyle/>
-          <a:p>
-            <a:fld id="{927374A8-BCF2-49CD-84BD-18DF129551B3}" type="slidenum">
-              <a:rPr lang="en-US" smtClean="0"/>
-              <a:t>31</a:t>
-            </a:fld>
-            <a:endParaRPr lang="en-US"/>
-          </a:p>
-        </p:txBody>
-      </p:sp>
-    </p:spTree>
-    <p:extLst>
-      <p:ext uri="{BB962C8B-B14F-4D97-AF65-F5344CB8AC3E}">
-        <p14:creationId xmlns:p14="http://schemas.microsoft.com/office/powerpoint/2010/main" val="1525749908"/>
-      </p:ext>
-    </p:extLst>
-  </p:cSld>
-  <p:clrMapOvr>
-    <a:masterClrMapping/>
-  </p:clrMapOvr>
-</p:sld>
-</file>
-
-<file path=ppt/slides/slide32.xml><?xml version="1.0" encoding="utf-8"?>
-<p:sld xmlns:a="http://schemas.openxmlformats.org/drawingml/2006/main" xmlns:r="http://schemas.openxmlformats.org/officeDocument/2006/relationships" xmlns:p="http://schemas.openxmlformats.org/presentationml/2006/main">
-  <p:cSld>
-    <p:spTree>
-      <p:nvGrpSpPr>
-        <p:cNvPr id="1" name="">
-          <a:extLst>
-            <a:ext uri="{FF2B5EF4-FFF2-40B4-BE49-F238E27FC236}">
-              <a16:creationId xmlns:a16="http://schemas.microsoft.com/office/drawing/2014/main" id="{736C82AB-08B1-E454-514B-B336508896EC}"/>
-            </a:ext>
-          </a:extLst>
-        </p:cNvPr>
-        <p:cNvGrpSpPr/>
-        <p:nvPr/>
-      </p:nvGrpSpPr>
-      <p:grpSpPr>
-        <a:xfrm>
-          <a:off x="0" y="0"/>
-          <a:ext cx="0" cy="0"/>
-          <a:chOff x="0" y="0"/>
-          <a:chExt cx="0" cy="0"/>
-        </a:xfrm>
-      </p:grpSpPr>
-      <p:sp>
-        <p:nvSpPr>
-          <p:cNvPr id="2" name="Cím 1">
-            <a:extLst>
-              <a:ext uri="{FF2B5EF4-FFF2-40B4-BE49-F238E27FC236}">
-                <a16:creationId xmlns:a16="http://schemas.microsoft.com/office/drawing/2014/main" id="{23E5FF71-2C22-58AF-D520-2124625D4C7F}"/>
-              </a:ext>
-            </a:extLst>
-          </p:cNvPr>
-          <p:cNvSpPr>
-            <a:spLocks noGrp="1"/>
-          </p:cNvSpPr>
-          <p:nvPr>
-            <p:ph type="title"/>
-          </p:nvPr>
-        </p:nvSpPr>
-        <p:spPr/>
-        <p:txBody>
-          <a:bodyPr/>
-          <a:lstStyle/>
-          <a:p>
-            <a:endParaRPr lang="en-US"/>
-          </a:p>
-        </p:txBody>
-      </p:sp>
-      <p:sp>
-        <p:nvSpPr>
-          <p:cNvPr id="3" name="Tartalom helye 2">
-            <a:extLst>
-              <a:ext uri="{FF2B5EF4-FFF2-40B4-BE49-F238E27FC236}">
-                <a16:creationId xmlns:a16="http://schemas.microsoft.com/office/drawing/2014/main" id="{8BBC9748-6095-51F3-C87A-2837ADAA6489}"/>
-              </a:ext>
-            </a:extLst>
-          </p:cNvPr>
-          <p:cNvSpPr>
-            <a:spLocks noGrp="1"/>
-          </p:cNvSpPr>
-          <p:nvPr>
-            <p:ph idx="1"/>
-          </p:nvPr>
-        </p:nvSpPr>
-        <p:spPr/>
-        <p:txBody>
-          <a:bodyPr/>
-          <a:lstStyle/>
-          <a:p>
-            <a:endParaRPr lang="en-US"/>
-          </a:p>
-        </p:txBody>
-      </p:sp>
-      <p:sp>
-        <p:nvSpPr>
-          <p:cNvPr id="4" name="Dátum helye 3">
-            <a:extLst>
-              <a:ext uri="{FF2B5EF4-FFF2-40B4-BE49-F238E27FC236}">
-                <a16:creationId xmlns:a16="http://schemas.microsoft.com/office/drawing/2014/main" id="{6CE9D192-90F8-65D9-AE4D-7CEA8CAE80FF}"/>
-              </a:ext>
-            </a:extLst>
-          </p:cNvPr>
-          <p:cNvSpPr>
-            <a:spLocks noGrp="1"/>
-          </p:cNvSpPr>
-          <p:nvPr>
-            <p:ph type="dt" sz="half" idx="10"/>
-          </p:nvPr>
-        </p:nvSpPr>
-        <p:spPr/>
-        <p:txBody>
-          <a:bodyPr/>
-          <a:lstStyle/>
-          <a:p>
-            <a:fld id="{E619E6C8-FF9C-40FC-BC64-275B510BE022}" type="datetime1">
-              <a:rPr lang="hu-HU" smtClean="0"/>
-              <a:t>2024. 03. 05.</a:t>
-            </a:fld>
-            <a:endParaRPr lang="en-US"/>
-          </a:p>
-        </p:txBody>
-      </p:sp>
-      <p:sp>
-        <p:nvSpPr>
-          <p:cNvPr id="5" name="Élőláb helye 4">
-            <a:extLst>
-              <a:ext uri="{FF2B5EF4-FFF2-40B4-BE49-F238E27FC236}">
-                <a16:creationId xmlns:a16="http://schemas.microsoft.com/office/drawing/2014/main" id="{6EEB6CAA-65BB-040C-C89E-604B86D71950}"/>
-              </a:ext>
-            </a:extLst>
-          </p:cNvPr>
-          <p:cNvSpPr>
-            <a:spLocks noGrp="1"/>
-          </p:cNvSpPr>
-          <p:nvPr>
-            <p:ph type="ftr" sz="quarter" idx="11"/>
-          </p:nvPr>
-        </p:nvSpPr>
-        <p:spPr/>
-        <p:txBody>
-          <a:bodyPr/>
-          <a:lstStyle/>
-          <a:p>
-            <a:endParaRPr lang="en-US"/>
-          </a:p>
-        </p:txBody>
-      </p:sp>
-      <p:sp>
-        <p:nvSpPr>
-          <p:cNvPr id="6" name="Dia számának helye 5">
-            <a:extLst>
-              <a:ext uri="{FF2B5EF4-FFF2-40B4-BE49-F238E27FC236}">
-                <a16:creationId xmlns:a16="http://schemas.microsoft.com/office/drawing/2014/main" id="{97B463E4-1CE7-9AED-2970-44D5C0A00299}"/>
-              </a:ext>
-            </a:extLst>
-          </p:cNvPr>
-          <p:cNvSpPr>
-            <a:spLocks noGrp="1"/>
-          </p:cNvSpPr>
-          <p:nvPr>
-            <p:ph type="sldNum" sz="quarter" idx="12"/>
-          </p:nvPr>
-        </p:nvSpPr>
-        <p:spPr/>
-        <p:txBody>
-          <a:bodyPr/>
-          <a:lstStyle/>
-          <a:p>
-            <a:fld id="{927374A8-BCF2-49CD-84BD-18DF129551B3}" type="slidenum">
-              <a:rPr lang="en-US" smtClean="0"/>
-              <a:t>32</a:t>
-            </a:fld>
-            <a:endParaRPr lang="en-US"/>
-          </a:p>
-        </p:txBody>
-      </p:sp>
-    </p:spTree>
-    <p:extLst>
-      <p:ext uri="{BB962C8B-B14F-4D97-AF65-F5344CB8AC3E}">
-        <p14:creationId xmlns:p14="http://schemas.microsoft.com/office/powerpoint/2010/main" val="2799748605"/>
-      </p:ext>
-    </p:extLst>
-  </p:cSld>
-  <p:clrMapOvr>
-    <a:masterClrMapping/>
-  </p:clrMapOvr>
-</p:sld>
-</file>
-
-<file path=ppt/slides/slide33.xml><?xml version="1.0" encoding="utf-8"?>
-<p:sld xmlns:a="http://schemas.openxmlformats.org/drawingml/2006/main" xmlns:r="http://schemas.openxmlformats.org/officeDocument/2006/relationships" xmlns:p="http://schemas.openxmlformats.org/presentationml/2006/main">
-  <p:cSld>
-    <p:spTree>
-      <p:nvGrpSpPr>
-        <p:cNvPr id="1" name="">
-          <a:extLst>
-            <a:ext uri="{FF2B5EF4-FFF2-40B4-BE49-F238E27FC236}">
-              <a16:creationId xmlns:a16="http://schemas.microsoft.com/office/drawing/2014/main" id="{32447D92-4271-9738-3F90-2BDBB4DA8B84}"/>
-            </a:ext>
-          </a:extLst>
-        </p:cNvPr>
-        <p:cNvGrpSpPr/>
-        <p:nvPr/>
-      </p:nvGrpSpPr>
-      <p:grpSpPr>
-        <a:xfrm>
-          <a:off x="0" y="0"/>
-          <a:ext cx="0" cy="0"/>
-          <a:chOff x="0" y="0"/>
-          <a:chExt cx="0" cy="0"/>
-        </a:xfrm>
-      </p:grpSpPr>
-      <p:sp>
-        <p:nvSpPr>
-          <p:cNvPr id="2" name="Cím 1">
-            <a:extLst>
-              <a:ext uri="{FF2B5EF4-FFF2-40B4-BE49-F238E27FC236}">
-                <a16:creationId xmlns:a16="http://schemas.microsoft.com/office/drawing/2014/main" id="{3056B8FE-D1C8-5F43-C8DE-C33620CA6D4A}"/>
-              </a:ext>
-            </a:extLst>
-          </p:cNvPr>
-          <p:cNvSpPr>
-            <a:spLocks noGrp="1"/>
-          </p:cNvSpPr>
-          <p:nvPr>
-            <p:ph type="title"/>
-          </p:nvPr>
-        </p:nvSpPr>
-        <p:spPr/>
-        <p:txBody>
-          <a:bodyPr/>
-          <a:lstStyle/>
-          <a:p>
-            <a:endParaRPr lang="en-US"/>
-          </a:p>
-        </p:txBody>
-      </p:sp>
-      <p:sp>
-        <p:nvSpPr>
-          <p:cNvPr id="3" name="Tartalom helye 2">
-            <a:extLst>
-              <a:ext uri="{FF2B5EF4-FFF2-40B4-BE49-F238E27FC236}">
-                <a16:creationId xmlns:a16="http://schemas.microsoft.com/office/drawing/2014/main" id="{54BD6F1D-DC1F-64D7-8B63-2F52D9D336A4}"/>
-              </a:ext>
-            </a:extLst>
-          </p:cNvPr>
-          <p:cNvSpPr>
-            <a:spLocks noGrp="1"/>
-          </p:cNvSpPr>
-          <p:nvPr>
-            <p:ph idx="1"/>
-          </p:nvPr>
-        </p:nvSpPr>
-        <p:spPr/>
-        <p:txBody>
-          <a:bodyPr/>
-          <a:lstStyle/>
-          <a:p>
-            <a:endParaRPr lang="en-US"/>
-          </a:p>
-        </p:txBody>
-      </p:sp>
-      <p:sp>
-        <p:nvSpPr>
-          <p:cNvPr id="4" name="Dátum helye 3">
-            <a:extLst>
-              <a:ext uri="{FF2B5EF4-FFF2-40B4-BE49-F238E27FC236}">
-                <a16:creationId xmlns:a16="http://schemas.microsoft.com/office/drawing/2014/main" id="{06FDDA65-DB4E-E6EF-6E51-CD8CD01C0E29}"/>
-              </a:ext>
-            </a:extLst>
-          </p:cNvPr>
-          <p:cNvSpPr>
-            <a:spLocks noGrp="1"/>
-          </p:cNvSpPr>
-          <p:nvPr>
-            <p:ph type="dt" sz="half" idx="10"/>
-          </p:nvPr>
-        </p:nvSpPr>
-        <p:spPr/>
-        <p:txBody>
-          <a:bodyPr/>
-          <a:lstStyle/>
-          <a:p>
-            <a:fld id="{E6E49CDF-CC27-4EDF-AA37-994C00BEB422}" type="datetime1">
-              <a:rPr lang="hu-HU" smtClean="0"/>
-              <a:t>2024. 03. 05.</a:t>
-            </a:fld>
-            <a:endParaRPr lang="en-US"/>
-          </a:p>
-        </p:txBody>
-      </p:sp>
-      <p:sp>
-        <p:nvSpPr>
-          <p:cNvPr id="5" name="Élőláb helye 4">
-            <a:extLst>
-              <a:ext uri="{FF2B5EF4-FFF2-40B4-BE49-F238E27FC236}">
-                <a16:creationId xmlns:a16="http://schemas.microsoft.com/office/drawing/2014/main" id="{29B6AB55-CE1B-9B81-FFCE-530EA63A4C3F}"/>
-              </a:ext>
-            </a:extLst>
-          </p:cNvPr>
-          <p:cNvSpPr>
-            <a:spLocks noGrp="1"/>
-          </p:cNvSpPr>
-          <p:nvPr>
-            <p:ph type="ftr" sz="quarter" idx="11"/>
-          </p:nvPr>
-        </p:nvSpPr>
-        <p:spPr/>
-        <p:txBody>
-          <a:bodyPr/>
-          <a:lstStyle/>
-          <a:p>
-            <a:endParaRPr lang="en-US"/>
-          </a:p>
-        </p:txBody>
-      </p:sp>
-      <p:sp>
-        <p:nvSpPr>
-          <p:cNvPr id="6" name="Dia számának helye 5">
-            <a:extLst>
-              <a:ext uri="{FF2B5EF4-FFF2-40B4-BE49-F238E27FC236}">
-                <a16:creationId xmlns:a16="http://schemas.microsoft.com/office/drawing/2014/main" id="{C816DD89-576D-BCAE-457F-0221CDBAC613}"/>
-              </a:ext>
-            </a:extLst>
-          </p:cNvPr>
-          <p:cNvSpPr>
-            <a:spLocks noGrp="1"/>
-          </p:cNvSpPr>
-          <p:nvPr>
-            <p:ph type="sldNum" sz="quarter" idx="12"/>
-          </p:nvPr>
-        </p:nvSpPr>
-        <p:spPr/>
-        <p:txBody>
-          <a:bodyPr/>
-          <a:lstStyle/>
-          <a:p>
-            <a:fld id="{927374A8-BCF2-49CD-84BD-18DF129551B3}" type="slidenum">
-              <a:rPr lang="en-US" smtClean="0"/>
-              <a:t>33</a:t>
-            </a:fld>
-            <a:endParaRPr lang="en-US"/>
-          </a:p>
-        </p:txBody>
-      </p:sp>
-    </p:spTree>
-    <p:extLst>
-      <p:ext uri="{BB962C8B-B14F-4D97-AF65-F5344CB8AC3E}">
-        <p14:creationId xmlns:p14="http://schemas.microsoft.com/office/powerpoint/2010/main" val="107439782"/>
-      </p:ext>
-    </p:extLst>
-  </p:cSld>
-  <p:clrMapOvr>
-    <a:masterClrMapping/>
-  </p:clrMapOvr>
-</p:sld>
-</file>
-
-<file path=ppt/slides/slide34.xml><?xml version="1.0" encoding="utf-8"?>
-<p:sld xmlns:a="http://schemas.openxmlformats.org/drawingml/2006/main" xmlns:r="http://schemas.openxmlformats.org/officeDocument/2006/relationships" xmlns:p="http://schemas.openxmlformats.org/presentationml/2006/main">
-  <p:cSld>
-    <p:spTree>
-      <p:nvGrpSpPr>
-        <p:cNvPr id="1" name="">
-          <a:extLst>
-            <a:ext uri="{FF2B5EF4-FFF2-40B4-BE49-F238E27FC236}">
-              <a16:creationId xmlns:a16="http://schemas.microsoft.com/office/drawing/2014/main" id="{6A98303F-FFA3-0ACB-4B90-1640171889ED}"/>
-            </a:ext>
-          </a:extLst>
-        </p:cNvPr>
-        <p:cNvGrpSpPr/>
-        <p:nvPr/>
-      </p:nvGrpSpPr>
-      <p:grpSpPr>
-        <a:xfrm>
-          <a:off x="0" y="0"/>
-          <a:ext cx="0" cy="0"/>
-          <a:chOff x="0" y="0"/>
-          <a:chExt cx="0" cy="0"/>
-        </a:xfrm>
-      </p:grpSpPr>
-      <p:sp>
-        <p:nvSpPr>
-          <p:cNvPr id="2" name="Cím 1">
-            <a:extLst>
-              <a:ext uri="{FF2B5EF4-FFF2-40B4-BE49-F238E27FC236}">
-                <a16:creationId xmlns:a16="http://schemas.microsoft.com/office/drawing/2014/main" id="{CF0018DB-40AA-AA69-5169-21A9DCCA564A}"/>
-              </a:ext>
-            </a:extLst>
-          </p:cNvPr>
-          <p:cNvSpPr>
-            <a:spLocks noGrp="1"/>
-          </p:cNvSpPr>
-          <p:nvPr>
-            <p:ph type="title"/>
-          </p:nvPr>
-        </p:nvSpPr>
-        <p:spPr/>
-        <p:txBody>
-          <a:bodyPr/>
-          <a:lstStyle/>
-          <a:p>
-            <a:endParaRPr lang="en-US"/>
-          </a:p>
-        </p:txBody>
-      </p:sp>
-      <p:sp>
-        <p:nvSpPr>
-          <p:cNvPr id="3" name="Tartalom helye 2">
-            <a:extLst>
-              <a:ext uri="{FF2B5EF4-FFF2-40B4-BE49-F238E27FC236}">
-                <a16:creationId xmlns:a16="http://schemas.microsoft.com/office/drawing/2014/main" id="{6C00AFB7-3DC9-D588-9AEE-CCD3D0220434}"/>
-              </a:ext>
-            </a:extLst>
-          </p:cNvPr>
-          <p:cNvSpPr>
-            <a:spLocks noGrp="1"/>
-          </p:cNvSpPr>
-          <p:nvPr>
-            <p:ph idx="1"/>
-          </p:nvPr>
-        </p:nvSpPr>
-        <p:spPr/>
-        <p:txBody>
-          <a:bodyPr/>
-          <a:lstStyle/>
-          <a:p>
-            <a:endParaRPr lang="en-US"/>
-          </a:p>
-        </p:txBody>
-      </p:sp>
-      <p:sp>
-        <p:nvSpPr>
-          <p:cNvPr id="4" name="Dátum helye 3">
-            <a:extLst>
-              <a:ext uri="{FF2B5EF4-FFF2-40B4-BE49-F238E27FC236}">
-                <a16:creationId xmlns:a16="http://schemas.microsoft.com/office/drawing/2014/main" id="{685326CF-AB43-BF91-783F-D8DC1E53F187}"/>
-              </a:ext>
-            </a:extLst>
-          </p:cNvPr>
-          <p:cNvSpPr>
-            <a:spLocks noGrp="1"/>
-          </p:cNvSpPr>
-          <p:nvPr>
-            <p:ph type="dt" sz="half" idx="10"/>
-          </p:nvPr>
-        </p:nvSpPr>
-        <p:spPr/>
-        <p:txBody>
-          <a:bodyPr/>
-          <a:lstStyle/>
-          <a:p>
-            <a:fld id="{EB97F16F-FFE6-41DC-A3AD-CE93007B8BC1}" type="datetime1">
-              <a:rPr lang="hu-HU" smtClean="0"/>
-              <a:t>2024. 03. 05.</a:t>
-            </a:fld>
-            <a:endParaRPr lang="en-US"/>
-          </a:p>
-        </p:txBody>
-      </p:sp>
-      <p:sp>
-        <p:nvSpPr>
-          <p:cNvPr id="5" name="Élőláb helye 4">
-            <a:extLst>
-              <a:ext uri="{FF2B5EF4-FFF2-40B4-BE49-F238E27FC236}">
-                <a16:creationId xmlns:a16="http://schemas.microsoft.com/office/drawing/2014/main" id="{7297C95F-8964-83CD-0087-7EE9ACF278E7}"/>
-              </a:ext>
-            </a:extLst>
-          </p:cNvPr>
-          <p:cNvSpPr>
-            <a:spLocks noGrp="1"/>
-          </p:cNvSpPr>
-          <p:nvPr>
-            <p:ph type="ftr" sz="quarter" idx="11"/>
-          </p:nvPr>
-        </p:nvSpPr>
-        <p:spPr/>
-        <p:txBody>
-          <a:bodyPr/>
-          <a:lstStyle/>
-          <a:p>
-            <a:endParaRPr lang="en-US"/>
-          </a:p>
-        </p:txBody>
-      </p:sp>
-      <p:sp>
-        <p:nvSpPr>
-          <p:cNvPr id="6" name="Dia számának helye 5">
-            <a:extLst>
-              <a:ext uri="{FF2B5EF4-FFF2-40B4-BE49-F238E27FC236}">
-                <a16:creationId xmlns:a16="http://schemas.microsoft.com/office/drawing/2014/main" id="{1D630C00-7B77-C24F-0ABD-CC85F35B6E71}"/>
-              </a:ext>
-            </a:extLst>
-          </p:cNvPr>
-          <p:cNvSpPr>
-            <a:spLocks noGrp="1"/>
-          </p:cNvSpPr>
-          <p:nvPr>
-            <p:ph type="sldNum" sz="quarter" idx="12"/>
-          </p:nvPr>
-        </p:nvSpPr>
-        <p:spPr/>
-        <p:txBody>
-          <a:bodyPr/>
-          <a:lstStyle/>
-          <a:p>
-            <a:fld id="{927374A8-BCF2-49CD-84BD-18DF129551B3}" type="slidenum">
-              <a:rPr lang="en-US" smtClean="0"/>
-              <a:t>34</a:t>
-            </a:fld>
-            <a:endParaRPr lang="en-US"/>
-          </a:p>
-        </p:txBody>
-      </p:sp>
-    </p:spTree>
-    <p:extLst>
-      <p:ext uri="{BB962C8B-B14F-4D97-AF65-F5344CB8AC3E}">
-        <p14:creationId xmlns:p14="http://schemas.microsoft.com/office/powerpoint/2010/main" val="4209739796"/>
-      </p:ext>
-    </p:extLst>
-  </p:cSld>
-  <p:clrMapOvr>
-    <a:masterClrMapping/>
-  </p:clrMapOvr>
-</p:sld>
-</file>
-
-<file path=ppt/slides/slide35.xml><?xml version="1.0" encoding="utf-8"?>
-<p:sld xmlns:a="http://schemas.openxmlformats.org/drawingml/2006/main" xmlns:r="http://schemas.openxmlformats.org/officeDocument/2006/relationships" xmlns:p="http://schemas.openxmlformats.org/presentationml/2006/main">
-  <p:cSld>
-    <p:spTree>
-      <p:nvGrpSpPr>
-        <p:cNvPr id="1" name="">
-          <a:extLst>
-            <a:ext uri="{FF2B5EF4-FFF2-40B4-BE49-F238E27FC236}">
-              <a16:creationId xmlns:a16="http://schemas.microsoft.com/office/drawing/2014/main" id="{48605962-86F5-A6E3-BC2D-F924EA0F5D7D}"/>
-            </a:ext>
-          </a:extLst>
-        </p:cNvPr>
-        <p:cNvGrpSpPr/>
-        <p:nvPr/>
-      </p:nvGrpSpPr>
-      <p:grpSpPr>
-        <a:xfrm>
-          <a:off x="0" y="0"/>
-          <a:ext cx="0" cy="0"/>
-          <a:chOff x="0" y="0"/>
-          <a:chExt cx="0" cy="0"/>
-        </a:xfrm>
-      </p:grpSpPr>
-      <p:sp>
-        <p:nvSpPr>
-          <p:cNvPr id="2" name="Cím 1">
-            <a:extLst>
-              <a:ext uri="{FF2B5EF4-FFF2-40B4-BE49-F238E27FC236}">
-                <a16:creationId xmlns:a16="http://schemas.microsoft.com/office/drawing/2014/main" id="{FF8ECAF4-CF89-94A6-5DF7-8F1308825688}"/>
-              </a:ext>
-            </a:extLst>
-          </p:cNvPr>
-          <p:cNvSpPr>
-            <a:spLocks noGrp="1"/>
-          </p:cNvSpPr>
-          <p:nvPr>
-            <p:ph type="title"/>
-          </p:nvPr>
-        </p:nvSpPr>
-        <p:spPr/>
-        <p:txBody>
-          <a:bodyPr/>
-          <a:lstStyle/>
-          <a:p>
-            <a:endParaRPr lang="en-US"/>
-          </a:p>
-        </p:txBody>
-      </p:sp>
-      <p:sp>
-        <p:nvSpPr>
-          <p:cNvPr id="3" name="Tartalom helye 2">
-            <a:extLst>
-              <a:ext uri="{FF2B5EF4-FFF2-40B4-BE49-F238E27FC236}">
-                <a16:creationId xmlns:a16="http://schemas.microsoft.com/office/drawing/2014/main" id="{53B3DDB0-4358-A89E-AF9A-C49B0E0A7C7B}"/>
-              </a:ext>
-            </a:extLst>
-          </p:cNvPr>
-          <p:cNvSpPr>
-            <a:spLocks noGrp="1"/>
-          </p:cNvSpPr>
-          <p:nvPr>
-            <p:ph idx="1"/>
-          </p:nvPr>
-        </p:nvSpPr>
-        <p:spPr/>
-        <p:txBody>
-          <a:bodyPr/>
-          <a:lstStyle/>
-          <a:p>
-            <a:endParaRPr lang="en-US"/>
-          </a:p>
-        </p:txBody>
-      </p:sp>
-      <p:sp>
-        <p:nvSpPr>
-          <p:cNvPr id="4" name="Dátum helye 3">
-            <a:extLst>
-              <a:ext uri="{FF2B5EF4-FFF2-40B4-BE49-F238E27FC236}">
-                <a16:creationId xmlns:a16="http://schemas.microsoft.com/office/drawing/2014/main" id="{54CAA46D-2A82-7E2D-B22A-3B45E4B27FA7}"/>
-              </a:ext>
-            </a:extLst>
-          </p:cNvPr>
-          <p:cNvSpPr>
-            <a:spLocks noGrp="1"/>
-          </p:cNvSpPr>
-          <p:nvPr>
-            <p:ph type="dt" sz="half" idx="10"/>
-          </p:nvPr>
-        </p:nvSpPr>
-        <p:spPr/>
-        <p:txBody>
-          <a:bodyPr/>
-          <a:lstStyle/>
-          <a:p>
-            <a:fld id="{4BCEB398-D0B5-49F4-BFFD-BF773C3998CE}" type="datetime1">
-              <a:rPr lang="hu-HU" smtClean="0"/>
-              <a:t>2024. 03. 05.</a:t>
-            </a:fld>
-            <a:endParaRPr lang="en-US"/>
-          </a:p>
-        </p:txBody>
-      </p:sp>
-      <p:sp>
-        <p:nvSpPr>
-          <p:cNvPr id="5" name="Élőláb helye 4">
-            <a:extLst>
-              <a:ext uri="{FF2B5EF4-FFF2-40B4-BE49-F238E27FC236}">
-                <a16:creationId xmlns:a16="http://schemas.microsoft.com/office/drawing/2014/main" id="{F4653724-E007-513C-FD45-8D641EF30D82}"/>
-              </a:ext>
-            </a:extLst>
-          </p:cNvPr>
-          <p:cNvSpPr>
-            <a:spLocks noGrp="1"/>
-          </p:cNvSpPr>
-          <p:nvPr>
-            <p:ph type="ftr" sz="quarter" idx="11"/>
-          </p:nvPr>
-        </p:nvSpPr>
-        <p:spPr/>
-        <p:txBody>
-          <a:bodyPr/>
-          <a:lstStyle/>
-          <a:p>
-            <a:endParaRPr lang="en-US"/>
-          </a:p>
-        </p:txBody>
-      </p:sp>
-      <p:sp>
-        <p:nvSpPr>
-          <p:cNvPr id="6" name="Dia számának helye 5">
-            <a:extLst>
-              <a:ext uri="{FF2B5EF4-FFF2-40B4-BE49-F238E27FC236}">
-                <a16:creationId xmlns:a16="http://schemas.microsoft.com/office/drawing/2014/main" id="{33F52419-D19D-34F6-924F-D408CD146446}"/>
-              </a:ext>
-            </a:extLst>
-          </p:cNvPr>
-          <p:cNvSpPr>
-            <a:spLocks noGrp="1"/>
-          </p:cNvSpPr>
-          <p:nvPr>
-            <p:ph type="sldNum" sz="quarter" idx="12"/>
-          </p:nvPr>
-        </p:nvSpPr>
-        <p:spPr/>
-        <p:txBody>
-          <a:bodyPr/>
-          <a:lstStyle/>
-          <a:p>
-            <a:fld id="{927374A8-BCF2-49CD-84BD-18DF129551B3}" type="slidenum">
-              <a:rPr lang="en-US" smtClean="0"/>
-              <a:t>35</a:t>
-            </a:fld>
-            <a:endParaRPr lang="en-US"/>
-          </a:p>
-        </p:txBody>
-      </p:sp>
-    </p:spTree>
-    <p:extLst>
-      <p:ext uri="{BB962C8B-B14F-4D97-AF65-F5344CB8AC3E}">
-        <p14:creationId xmlns:p14="http://schemas.microsoft.com/office/powerpoint/2010/main" val="1798607486"/>
-      </p:ext>
-    </p:extLst>
-  </p:cSld>
-  <p:clrMapOvr>
-    <a:masterClrMapping/>
-  </p:clrMapOvr>
-</p:sld>
-</file>
-
-<file path=ppt/slides/slide36.xml><?xml version="1.0" encoding="utf-8"?>
-<p:sld xmlns:a="http://schemas.openxmlformats.org/drawingml/2006/main" xmlns:r="http://schemas.openxmlformats.org/officeDocument/2006/relationships" xmlns:p="http://schemas.openxmlformats.org/presentationml/2006/main">
-  <p:cSld>
-    <p:spTree>
-      <p:nvGrpSpPr>
-        <p:cNvPr id="1" name="">
-          <a:extLst>
-            <a:ext uri="{FF2B5EF4-FFF2-40B4-BE49-F238E27FC236}">
-              <a16:creationId xmlns:a16="http://schemas.microsoft.com/office/drawing/2014/main" id="{EC295C81-B4AF-5AEF-0A55-82E7CEA28C31}"/>
-            </a:ext>
-          </a:extLst>
-        </p:cNvPr>
-        <p:cNvGrpSpPr/>
-        <p:nvPr/>
-      </p:nvGrpSpPr>
-      <p:grpSpPr>
-        <a:xfrm>
-          <a:off x="0" y="0"/>
-          <a:ext cx="0" cy="0"/>
-          <a:chOff x="0" y="0"/>
-          <a:chExt cx="0" cy="0"/>
-        </a:xfrm>
-      </p:grpSpPr>
-      <p:sp>
-        <p:nvSpPr>
-          <p:cNvPr id="2" name="Cím 1">
-            <a:extLst>
-              <a:ext uri="{FF2B5EF4-FFF2-40B4-BE49-F238E27FC236}">
-                <a16:creationId xmlns:a16="http://schemas.microsoft.com/office/drawing/2014/main" id="{B321F35F-14CD-BB06-C17B-11ADC0652D5A}"/>
-              </a:ext>
-            </a:extLst>
-          </p:cNvPr>
-          <p:cNvSpPr>
-            <a:spLocks noGrp="1"/>
-          </p:cNvSpPr>
-          <p:nvPr>
-            <p:ph type="title"/>
-          </p:nvPr>
-        </p:nvSpPr>
-        <p:spPr/>
-        <p:txBody>
-          <a:bodyPr/>
-          <a:lstStyle/>
-          <a:p>
-            <a:endParaRPr lang="en-US"/>
-          </a:p>
-        </p:txBody>
-      </p:sp>
-      <p:sp>
-        <p:nvSpPr>
-          <p:cNvPr id="3" name="Tartalom helye 2">
-            <a:extLst>
-              <a:ext uri="{FF2B5EF4-FFF2-40B4-BE49-F238E27FC236}">
-                <a16:creationId xmlns:a16="http://schemas.microsoft.com/office/drawing/2014/main" id="{CC3E3C6F-6003-FFE2-F5AE-3FF979F62D1F}"/>
-              </a:ext>
-            </a:extLst>
-          </p:cNvPr>
-          <p:cNvSpPr>
-            <a:spLocks noGrp="1"/>
-          </p:cNvSpPr>
-          <p:nvPr>
-            <p:ph idx="1"/>
-          </p:nvPr>
-        </p:nvSpPr>
-        <p:spPr/>
-        <p:txBody>
-          <a:bodyPr/>
-          <a:lstStyle/>
-          <a:p>
-            <a:endParaRPr lang="en-US"/>
-          </a:p>
-        </p:txBody>
-      </p:sp>
-      <p:sp>
-        <p:nvSpPr>
-          <p:cNvPr id="4" name="Dátum helye 3">
-            <a:extLst>
-              <a:ext uri="{FF2B5EF4-FFF2-40B4-BE49-F238E27FC236}">
-                <a16:creationId xmlns:a16="http://schemas.microsoft.com/office/drawing/2014/main" id="{ACFF4E46-E3A8-7EA7-73FE-19FA8F187D9E}"/>
-              </a:ext>
-            </a:extLst>
-          </p:cNvPr>
-          <p:cNvSpPr>
-            <a:spLocks noGrp="1"/>
-          </p:cNvSpPr>
-          <p:nvPr>
-            <p:ph type="dt" sz="half" idx="10"/>
-          </p:nvPr>
-        </p:nvSpPr>
-        <p:spPr/>
-        <p:txBody>
-          <a:bodyPr/>
-          <a:lstStyle/>
-          <a:p>
-            <a:fld id="{9380AAEC-0757-4011-8966-326D523FA5EB}" type="datetime1">
-              <a:rPr lang="hu-HU" smtClean="0"/>
-              <a:t>2024. 03. 05.</a:t>
-            </a:fld>
-            <a:endParaRPr lang="en-US"/>
-          </a:p>
-        </p:txBody>
-      </p:sp>
-      <p:sp>
-        <p:nvSpPr>
-          <p:cNvPr id="5" name="Élőláb helye 4">
-            <a:extLst>
-              <a:ext uri="{FF2B5EF4-FFF2-40B4-BE49-F238E27FC236}">
-                <a16:creationId xmlns:a16="http://schemas.microsoft.com/office/drawing/2014/main" id="{7C391F11-3A85-EC1D-4246-EDCE5CA495FC}"/>
-              </a:ext>
-            </a:extLst>
-          </p:cNvPr>
-          <p:cNvSpPr>
-            <a:spLocks noGrp="1"/>
-          </p:cNvSpPr>
-          <p:nvPr>
-            <p:ph type="ftr" sz="quarter" idx="11"/>
-          </p:nvPr>
-        </p:nvSpPr>
-        <p:spPr/>
-        <p:txBody>
-          <a:bodyPr/>
-          <a:lstStyle/>
-          <a:p>
-            <a:endParaRPr lang="en-US"/>
-          </a:p>
-        </p:txBody>
-      </p:sp>
-      <p:sp>
-        <p:nvSpPr>
-          <p:cNvPr id="6" name="Dia számának helye 5">
-            <a:extLst>
-              <a:ext uri="{FF2B5EF4-FFF2-40B4-BE49-F238E27FC236}">
-                <a16:creationId xmlns:a16="http://schemas.microsoft.com/office/drawing/2014/main" id="{316E978D-C5E0-238D-126B-6D30D6CD7C7B}"/>
-              </a:ext>
-            </a:extLst>
-          </p:cNvPr>
-          <p:cNvSpPr>
-            <a:spLocks noGrp="1"/>
-          </p:cNvSpPr>
-          <p:nvPr>
-            <p:ph type="sldNum" sz="quarter" idx="12"/>
-          </p:nvPr>
-        </p:nvSpPr>
-        <p:spPr/>
-        <p:txBody>
-          <a:bodyPr/>
-          <a:lstStyle/>
-          <a:p>
-            <a:fld id="{927374A8-BCF2-49CD-84BD-18DF129551B3}" type="slidenum">
-              <a:rPr lang="en-US" smtClean="0"/>
-              <a:t>36</a:t>
-            </a:fld>
-            <a:endParaRPr lang="en-US"/>
-          </a:p>
-        </p:txBody>
-      </p:sp>
-    </p:spTree>
-    <p:extLst>
-      <p:ext uri="{BB962C8B-B14F-4D97-AF65-F5344CB8AC3E}">
-        <p14:creationId xmlns:p14="http://schemas.microsoft.com/office/powerpoint/2010/main" val="2327993938"/>
-      </p:ext>
-    </p:extLst>
-  </p:cSld>
-  <p:clrMapOvr>
-    <a:masterClrMapping/>
-  </p:clrMapOvr>
-</p:sld>
-</file>
-
-<file path=ppt/slides/slide37.xml><?xml version="1.0" encoding="utf-8"?>
-<p:sld xmlns:a="http://schemas.openxmlformats.org/drawingml/2006/main" xmlns:r="http://schemas.openxmlformats.org/officeDocument/2006/relationships" xmlns:p="http://schemas.openxmlformats.org/presentationml/2006/main">
-  <p:cSld>
-    <p:spTree>
-      <p:nvGrpSpPr>
-        <p:cNvPr id="1" name="">
-          <a:extLst>
-            <a:ext uri="{FF2B5EF4-FFF2-40B4-BE49-F238E27FC236}">
-              <a16:creationId xmlns:a16="http://schemas.microsoft.com/office/drawing/2014/main" id="{21472F92-F50B-C31B-3B7C-0C1D66D95966}"/>
-            </a:ext>
-          </a:extLst>
-        </p:cNvPr>
-        <p:cNvGrpSpPr/>
-        <p:nvPr/>
-      </p:nvGrpSpPr>
-      <p:grpSpPr>
-        <a:xfrm>
-          <a:off x="0" y="0"/>
-          <a:ext cx="0" cy="0"/>
-          <a:chOff x="0" y="0"/>
-          <a:chExt cx="0" cy="0"/>
-        </a:xfrm>
-      </p:grpSpPr>
-      <p:sp>
-        <p:nvSpPr>
-          <p:cNvPr id="2" name="Cím 1">
-            <a:extLst>
-              <a:ext uri="{FF2B5EF4-FFF2-40B4-BE49-F238E27FC236}">
-                <a16:creationId xmlns:a16="http://schemas.microsoft.com/office/drawing/2014/main" id="{077B96B8-2278-2262-06FB-24D13D72E9BD}"/>
-              </a:ext>
-            </a:extLst>
-          </p:cNvPr>
-          <p:cNvSpPr>
-            <a:spLocks noGrp="1"/>
-          </p:cNvSpPr>
-          <p:nvPr>
-            <p:ph type="title"/>
-          </p:nvPr>
-        </p:nvSpPr>
-        <p:spPr/>
-        <p:txBody>
-          <a:bodyPr/>
-          <a:lstStyle/>
-          <a:p>
-            <a:endParaRPr lang="en-US"/>
-          </a:p>
-        </p:txBody>
-      </p:sp>
-      <p:sp>
-        <p:nvSpPr>
-          <p:cNvPr id="3" name="Tartalom helye 2">
-            <a:extLst>
-              <a:ext uri="{FF2B5EF4-FFF2-40B4-BE49-F238E27FC236}">
-                <a16:creationId xmlns:a16="http://schemas.microsoft.com/office/drawing/2014/main" id="{25C44789-49EB-91F4-C8C8-EE5F147EAB2C}"/>
-              </a:ext>
-            </a:extLst>
-          </p:cNvPr>
-          <p:cNvSpPr>
-            <a:spLocks noGrp="1"/>
-          </p:cNvSpPr>
-          <p:nvPr>
-            <p:ph idx="1"/>
-          </p:nvPr>
-        </p:nvSpPr>
-        <p:spPr/>
-        <p:txBody>
-          <a:bodyPr/>
-          <a:lstStyle/>
-          <a:p>
-            <a:endParaRPr lang="en-US"/>
-          </a:p>
-        </p:txBody>
-      </p:sp>
-      <p:sp>
-        <p:nvSpPr>
-          <p:cNvPr id="4" name="Dátum helye 3">
-            <a:extLst>
-              <a:ext uri="{FF2B5EF4-FFF2-40B4-BE49-F238E27FC236}">
-                <a16:creationId xmlns:a16="http://schemas.microsoft.com/office/drawing/2014/main" id="{9C774B24-2060-BE96-064C-0267DD145DCC}"/>
-              </a:ext>
-            </a:extLst>
-          </p:cNvPr>
-          <p:cNvSpPr>
-            <a:spLocks noGrp="1"/>
-          </p:cNvSpPr>
-          <p:nvPr>
-            <p:ph type="dt" sz="half" idx="10"/>
-          </p:nvPr>
-        </p:nvSpPr>
-        <p:spPr/>
-        <p:txBody>
-          <a:bodyPr/>
-          <a:lstStyle/>
-          <a:p>
-            <a:fld id="{7AFF3A3C-CB5D-4013-A7B1-2E170D1DA9D3}" type="datetime1">
-              <a:rPr lang="hu-HU" smtClean="0"/>
-              <a:t>2024. 03. 05.</a:t>
-            </a:fld>
-            <a:endParaRPr lang="en-US"/>
-          </a:p>
-        </p:txBody>
-      </p:sp>
-      <p:sp>
-        <p:nvSpPr>
-          <p:cNvPr id="5" name="Élőláb helye 4">
-            <a:extLst>
-              <a:ext uri="{FF2B5EF4-FFF2-40B4-BE49-F238E27FC236}">
-                <a16:creationId xmlns:a16="http://schemas.microsoft.com/office/drawing/2014/main" id="{01AEA849-032A-CEDC-0E44-FE89715A45D4}"/>
-              </a:ext>
-            </a:extLst>
-          </p:cNvPr>
-          <p:cNvSpPr>
-            <a:spLocks noGrp="1"/>
-          </p:cNvSpPr>
-          <p:nvPr>
-            <p:ph type="ftr" sz="quarter" idx="11"/>
-          </p:nvPr>
-        </p:nvSpPr>
-        <p:spPr/>
-        <p:txBody>
-          <a:bodyPr/>
-          <a:lstStyle/>
-          <a:p>
-            <a:endParaRPr lang="en-US"/>
-          </a:p>
-        </p:txBody>
-      </p:sp>
-      <p:sp>
-        <p:nvSpPr>
-          <p:cNvPr id="6" name="Dia számának helye 5">
-            <a:extLst>
-              <a:ext uri="{FF2B5EF4-FFF2-40B4-BE49-F238E27FC236}">
-                <a16:creationId xmlns:a16="http://schemas.microsoft.com/office/drawing/2014/main" id="{ADC3DB1F-C824-8DA4-67BD-43690A237672}"/>
-              </a:ext>
-            </a:extLst>
-          </p:cNvPr>
-          <p:cNvSpPr>
-            <a:spLocks noGrp="1"/>
-          </p:cNvSpPr>
-          <p:nvPr>
-            <p:ph type="sldNum" sz="quarter" idx="12"/>
-          </p:nvPr>
-        </p:nvSpPr>
-        <p:spPr/>
-        <p:txBody>
-          <a:bodyPr/>
-          <a:lstStyle/>
-          <a:p>
-            <a:fld id="{927374A8-BCF2-49CD-84BD-18DF129551B3}" type="slidenum">
-              <a:rPr lang="en-US" smtClean="0"/>
-              <a:t>37</a:t>
-            </a:fld>
-            <a:endParaRPr lang="en-US"/>
-          </a:p>
-        </p:txBody>
-      </p:sp>
-    </p:spTree>
-    <p:extLst>
-      <p:ext uri="{BB962C8B-B14F-4D97-AF65-F5344CB8AC3E}">
-        <p14:creationId xmlns:p14="http://schemas.microsoft.com/office/powerpoint/2010/main" val="3094222309"/>
-      </p:ext>
-    </p:extLst>
-  </p:cSld>
-  <p:clrMapOvr>
-    <a:masterClrMapping/>
-  </p:clrMapOvr>
-</p:sld>
-</file>
-
-<file path=ppt/slides/slide38.xml><?xml version="1.0" encoding="utf-8"?>
-<p:sld xmlns:a="http://schemas.openxmlformats.org/drawingml/2006/main" xmlns:r="http://schemas.openxmlformats.org/officeDocument/2006/relationships" xmlns:p="http://schemas.openxmlformats.org/presentationml/2006/main">
-  <p:cSld>
-    <p:spTree>
-      <p:nvGrpSpPr>
-        <p:cNvPr id="1" name="">
-          <a:extLst>
-            <a:ext uri="{FF2B5EF4-FFF2-40B4-BE49-F238E27FC236}">
-              <a16:creationId xmlns:a16="http://schemas.microsoft.com/office/drawing/2014/main" id="{0EFD9816-EF88-059D-257E-E189648B6AE7}"/>
-            </a:ext>
-          </a:extLst>
-        </p:cNvPr>
-        <p:cNvGrpSpPr/>
-        <p:nvPr/>
-      </p:nvGrpSpPr>
-      <p:grpSpPr>
-        <a:xfrm>
-          <a:off x="0" y="0"/>
-          <a:ext cx="0" cy="0"/>
-          <a:chOff x="0" y="0"/>
-          <a:chExt cx="0" cy="0"/>
-        </a:xfrm>
-      </p:grpSpPr>
-      <p:sp>
-        <p:nvSpPr>
-          <p:cNvPr id="2" name="Cím 1">
-            <a:extLst>
-              <a:ext uri="{FF2B5EF4-FFF2-40B4-BE49-F238E27FC236}">
-                <a16:creationId xmlns:a16="http://schemas.microsoft.com/office/drawing/2014/main" id="{41FB978F-2BD7-87A5-CC39-0C6B06D60394}"/>
-              </a:ext>
-            </a:extLst>
-          </p:cNvPr>
-          <p:cNvSpPr>
-            <a:spLocks noGrp="1"/>
-          </p:cNvSpPr>
-          <p:nvPr>
-            <p:ph type="title"/>
-          </p:nvPr>
-        </p:nvSpPr>
-        <p:spPr/>
-        <p:txBody>
-          <a:bodyPr/>
-          <a:lstStyle/>
-          <a:p>
-            <a:endParaRPr lang="en-US"/>
-          </a:p>
-        </p:txBody>
-      </p:sp>
-      <p:sp>
-        <p:nvSpPr>
-          <p:cNvPr id="3" name="Tartalom helye 2">
-            <a:extLst>
-              <a:ext uri="{FF2B5EF4-FFF2-40B4-BE49-F238E27FC236}">
-                <a16:creationId xmlns:a16="http://schemas.microsoft.com/office/drawing/2014/main" id="{240CA2DC-46F8-8724-45CF-0581DDEF8348}"/>
-              </a:ext>
-            </a:extLst>
-          </p:cNvPr>
-          <p:cNvSpPr>
-            <a:spLocks noGrp="1"/>
-          </p:cNvSpPr>
-          <p:nvPr>
-            <p:ph idx="1"/>
-          </p:nvPr>
-        </p:nvSpPr>
-        <p:spPr/>
-        <p:txBody>
-          <a:bodyPr/>
-          <a:lstStyle/>
-          <a:p>
-            <a:endParaRPr lang="en-US"/>
-          </a:p>
-        </p:txBody>
-      </p:sp>
-      <p:sp>
-        <p:nvSpPr>
-          <p:cNvPr id="4" name="Dátum helye 3">
-            <a:extLst>
-              <a:ext uri="{FF2B5EF4-FFF2-40B4-BE49-F238E27FC236}">
-                <a16:creationId xmlns:a16="http://schemas.microsoft.com/office/drawing/2014/main" id="{5C29319D-AF18-F15B-9FCA-A77EDB5E9128}"/>
-              </a:ext>
-            </a:extLst>
-          </p:cNvPr>
-          <p:cNvSpPr>
-            <a:spLocks noGrp="1"/>
-          </p:cNvSpPr>
-          <p:nvPr>
-            <p:ph type="dt" sz="half" idx="10"/>
-          </p:nvPr>
-        </p:nvSpPr>
-        <p:spPr/>
-        <p:txBody>
-          <a:bodyPr/>
-          <a:lstStyle/>
-          <a:p>
-            <a:fld id="{317C457E-7F68-4E59-8D91-D8DE8B261664}" type="datetime1">
-              <a:rPr lang="hu-HU" smtClean="0"/>
-              <a:t>2024. 03. 05.</a:t>
-            </a:fld>
-            <a:endParaRPr lang="en-US"/>
-          </a:p>
-        </p:txBody>
-      </p:sp>
-      <p:sp>
-        <p:nvSpPr>
-          <p:cNvPr id="5" name="Élőláb helye 4">
-            <a:extLst>
-              <a:ext uri="{FF2B5EF4-FFF2-40B4-BE49-F238E27FC236}">
-                <a16:creationId xmlns:a16="http://schemas.microsoft.com/office/drawing/2014/main" id="{84DBCEF8-61A6-892F-78ED-A42CF3792038}"/>
-              </a:ext>
-            </a:extLst>
-          </p:cNvPr>
-          <p:cNvSpPr>
-            <a:spLocks noGrp="1"/>
-          </p:cNvSpPr>
-          <p:nvPr>
-            <p:ph type="ftr" sz="quarter" idx="11"/>
-          </p:nvPr>
-        </p:nvSpPr>
-        <p:spPr/>
-        <p:txBody>
-          <a:bodyPr/>
-          <a:lstStyle/>
-          <a:p>
-            <a:endParaRPr lang="en-US"/>
-          </a:p>
-        </p:txBody>
-      </p:sp>
-      <p:sp>
-        <p:nvSpPr>
-          <p:cNvPr id="6" name="Dia számának helye 5">
-            <a:extLst>
-              <a:ext uri="{FF2B5EF4-FFF2-40B4-BE49-F238E27FC236}">
-                <a16:creationId xmlns:a16="http://schemas.microsoft.com/office/drawing/2014/main" id="{4EE648F6-4B41-E8CD-A14E-762189F63BCB}"/>
-              </a:ext>
-            </a:extLst>
-          </p:cNvPr>
-          <p:cNvSpPr>
-            <a:spLocks noGrp="1"/>
-          </p:cNvSpPr>
-          <p:nvPr>
-            <p:ph type="sldNum" sz="quarter" idx="12"/>
-          </p:nvPr>
-        </p:nvSpPr>
-        <p:spPr/>
-        <p:txBody>
-          <a:bodyPr/>
-          <a:lstStyle/>
-          <a:p>
-            <a:fld id="{927374A8-BCF2-49CD-84BD-18DF129551B3}" type="slidenum">
-              <a:rPr lang="en-US" smtClean="0"/>
-              <a:t>38</a:t>
-            </a:fld>
-            <a:endParaRPr lang="en-US"/>
-          </a:p>
-        </p:txBody>
-      </p:sp>
-    </p:spTree>
-    <p:extLst>
-      <p:ext uri="{BB962C8B-B14F-4D97-AF65-F5344CB8AC3E}">
-        <p14:creationId xmlns:p14="http://schemas.microsoft.com/office/powerpoint/2010/main" val="1232345935"/>
-      </p:ext>
-    </p:extLst>
-  </p:cSld>
-  <p:clrMapOvr>
-    <a:masterClrMapping/>
-  </p:clrMapOvr>
-</p:sld>
-</file>
-
-<file path=ppt/slides/slide39.xml><?xml version="1.0" encoding="utf-8"?>
-<p:sld xmlns:a="http://schemas.openxmlformats.org/drawingml/2006/main" xmlns:r="http://schemas.openxmlformats.org/officeDocument/2006/relationships" xmlns:p="http://schemas.openxmlformats.org/presentationml/2006/main">
-  <p:cSld>
-    <p:spTree>
-      <p:nvGrpSpPr>
-        <p:cNvPr id="1" name="">
-          <a:extLst>
-            <a:ext uri="{FF2B5EF4-FFF2-40B4-BE49-F238E27FC236}">
-              <a16:creationId xmlns:a16="http://schemas.microsoft.com/office/drawing/2014/main" id="{610E0522-72A5-FD1B-6B8A-BCF0610518C5}"/>
-            </a:ext>
-          </a:extLst>
-        </p:cNvPr>
-        <p:cNvGrpSpPr/>
-        <p:nvPr/>
-      </p:nvGrpSpPr>
-      <p:grpSpPr>
-        <a:xfrm>
-          <a:off x="0" y="0"/>
-          <a:ext cx="0" cy="0"/>
-          <a:chOff x="0" y="0"/>
-          <a:chExt cx="0" cy="0"/>
-        </a:xfrm>
-      </p:grpSpPr>
-      <p:sp>
-        <p:nvSpPr>
-          <p:cNvPr id="2" name="Cím 1">
-            <a:extLst>
-              <a:ext uri="{FF2B5EF4-FFF2-40B4-BE49-F238E27FC236}">
-                <a16:creationId xmlns:a16="http://schemas.microsoft.com/office/drawing/2014/main" id="{A27CFD70-B7D9-F056-AD7F-3D152EC73091}"/>
-              </a:ext>
-            </a:extLst>
-          </p:cNvPr>
-          <p:cNvSpPr>
-            <a:spLocks noGrp="1"/>
-          </p:cNvSpPr>
-          <p:nvPr>
-            <p:ph type="title"/>
-          </p:nvPr>
-        </p:nvSpPr>
-        <p:spPr/>
-        <p:txBody>
-          <a:bodyPr/>
-          <a:lstStyle/>
-          <a:p>
-            <a:endParaRPr lang="en-US"/>
-          </a:p>
-        </p:txBody>
-      </p:sp>
-      <p:sp>
-        <p:nvSpPr>
-          <p:cNvPr id="3" name="Tartalom helye 2">
-            <a:extLst>
-              <a:ext uri="{FF2B5EF4-FFF2-40B4-BE49-F238E27FC236}">
-                <a16:creationId xmlns:a16="http://schemas.microsoft.com/office/drawing/2014/main" id="{556603B4-015C-1F4F-68BB-EFD8CCB29B6C}"/>
-              </a:ext>
-            </a:extLst>
-          </p:cNvPr>
-          <p:cNvSpPr>
-            <a:spLocks noGrp="1"/>
-          </p:cNvSpPr>
-          <p:nvPr>
-            <p:ph idx="1"/>
-          </p:nvPr>
-        </p:nvSpPr>
-        <p:spPr/>
-        <p:txBody>
-          <a:bodyPr/>
-          <a:lstStyle/>
-          <a:p>
-            <a:endParaRPr lang="en-US"/>
-          </a:p>
-        </p:txBody>
-      </p:sp>
-      <p:sp>
-        <p:nvSpPr>
-          <p:cNvPr id="4" name="Dátum helye 3">
-            <a:extLst>
-              <a:ext uri="{FF2B5EF4-FFF2-40B4-BE49-F238E27FC236}">
-                <a16:creationId xmlns:a16="http://schemas.microsoft.com/office/drawing/2014/main" id="{AB958072-4172-5CC5-72A1-A10C15B62C3C}"/>
-              </a:ext>
-            </a:extLst>
-          </p:cNvPr>
-          <p:cNvSpPr>
-            <a:spLocks noGrp="1"/>
-          </p:cNvSpPr>
-          <p:nvPr>
-            <p:ph type="dt" sz="half" idx="10"/>
-          </p:nvPr>
-        </p:nvSpPr>
-        <p:spPr/>
-        <p:txBody>
-          <a:bodyPr/>
-          <a:lstStyle/>
-          <a:p>
-            <a:fld id="{78D344C7-78CD-4B15-A28B-0A3D224F87A7}" type="datetime1">
-              <a:rPr lang="hu-HU" smtClean="0"/>
-              <a:t>2024. 03. 05.</a:t>
-            </a:fld>
-            <a:endParaRPr lang="en-US"/>
-          </a:p>
-        </p:txBody>
-      </p:sp>
-      <p:sp>
-        <p:nvSpPr>
-          <p:cNvPr id="5" name="Élőláb helye 4">
-            <a:extLst>
-              <a:ext uri="{FF2B5EF4-FFF2-40B4-BE49-F238E27FC236}">
-                <a16:creationId xmlns:a16="http://schemas.microsoft.com/office/drawing/2014/main" id="{22BDF72C-F098-D16A-43F0-AE310A57A5DD}"/>
-              </a:ext>
-            </a:extLst>
-          </p:cNvPr>
-          <p:cNvSpPr>
-            <a:spLocks noGrp="1"/>
-          </p:cNvSpPr>
-          <p:nvPr>
-            <p:ph type="ftr" sz="quarter" idx="11"/>
-          </p:nvPr>
-        </p:nvSpPr>
-        <p:spPr/>
-        <p:txBody>
-          <a:bodyPr/>
-          <a:lstStyle/>
-          <a:p>
-            <a:endParaRPr lang="en-US"/>
-          </a:p>
-        </p:txBody>
-      </p:sp>
-      <p:sp>
-        <p:nvSpPr>
-          <p:cNvPr id="6" name="Dia számának helye 5">
-            <a:extLst>
-              <a:ext uri="{FF2B5EF4-FFF2-40B4-BE49-F238E27FC236}">
-                <a16:creationId xmlns:a16="http://schemas.microsoft.com/office/drawing/2014/main" id="{E0527142-AAC9-033C-A4C7-DDCE3C59939E}"/>
-              </a:ext>
-            </a:extLst>
-          </p:cNvPr>
-          <p:cNvSpPr>
-            <a:spLocks noGrp="1"/>
-          </p:cNvSpPr>
-          <p:nvPr>
-            <p:ph type="sldNum" sz="quarter" idx="12"/>
-          </p:nvPr>
-        </p:nvSpPr>
-        <p:spPr/>
-        <p:txBody>
-          <a:bodyPr/>
-          <a:lstStyle/>
-          <a:p>
-            <a:fld id="{927374A8-BCF2-49CD-84BD-18DF129551B3}" type="slidenum">
-              <a:rPr lang="en-US" smtClean="0"/>
-              <a:t>39</a:t>
-            </a:fld>
-            <a:endParaRPr lang="en-US"/>
-          </a:p>
-        </p:txBody>
-      </p:sp>
-    </p:spTree>
-    <p:extLst>
-      <p:ext uri="{BB962C8B-B14F-4D97-AF65-F5344CB8AC3E}">
-        <p14:creationId xmlns:p14="http://schemas.microsoft.com/office/powerpoint/2010/main" val="664453703"/>
       </p:ext>
     </p:extLst>
   </p:cSld>
@@ -12870,344 +11007,6 @@
     <p:extLst>
       <p:ext uri="{BB962C8B-B14F-4D97-AF65-F5344CB8AC3E}">
         <p14:creationId xmlns:p14="http://schemas.microsoft.com/office/powerpoint/2010/main" val="548370336"/>
-      </p:ext>
-    </p:extLst>
-  </p:cSld>
-  <p:clrMapOvr>
-    <a:masterClrMapping/>
-  </p:clrMapOvr>
-</p:sld>
-</file>
-
-<file path=ppt/slides/slide40.xml><?xml version="1.0" encoding="utf-8"?>
-<p:sld xmlns:a="http://schemas.openxmlformats.org/drawingml/2006/main" xmlns:r="http://schemas.openxmlformats.org/officeDocument/2006/relationships" xmlns:p="http://schemas.openxmlformats.org/presentationml/2006/main">
-  <p:cSld>
-    <p:spTree>
-      <p:nvGrpSpPr>
-        <p:cNvPr id="1" name="">
-          <a:extLst>
-            <a:ext uri="{FF2B5EF4-FFF2-40B4-BE49-F238E27FC236}">
-              <a16:creationId xmlns:a16="http://schemas.microsoft.com/office/drawing/2014/main" id="{F78FB7C1-9531-40DF-90DF-C70C03229875}"/>
-            </a:ext>
-          </a:extLst>
-        </p:cNvPr>
-        <p:cNvGrpSpPr/>
-        <p:nvPr/>
-      </p:nvGrpSpPr>
-      <p:grpSpPr>
-        <a:xfrm>
-          <a:off x="0" y="0"/>
-          <a:ext cx="0" cy="0"/>
-          <a:chOff x="0" y="0"/>
-          <a:chExt cx="0" cy="0"/>
-        </a:xfrm>
-      </p:grpSpPr>
-      <p:sp>
-        <p:nvSpPr>
-          <p:cNvPr id="2" name="Cím 1">
-            <a:extLst>
-              <a:ext uri="{FF2B5EF4-FFF2-40B4-BE49-F238E27FC236}">
-                <a16:creationId xmlns:a16="http://schemas.microsoft.com/office/drawing/2014/main" id="{E59C4F50-50AE-93CB-BD23-00DAF7DE10FF}"/>
-              </a:ext>
-            </a:extLst>
-          </p:cNvPr>
-          <p:cNvSpPr>
-            <a:spLocks noGrp="1"/>
-          </p:cNvSpPr>
-          <p:nvPr>
-            <p:ph type="title"/>
-          </p:nvPr>
-        </p:nvSpPr>
-        <p:spPr/>
-        <p:txBody>
-          <a:bodyPr/>
-          <a:lstStyle/>
-          <a:p>
-            <a:endParaRPr lang="en-US"/>
-          </a:p>
-        </p:txBody>
-      </p:sp>
-      <p:sp>
-        <p:nvSpPr>
-          <p:cNvPr id="3" name="Tartalom helye 2">
-            <a:extLst>
-              <a:ext uri="{FF2B5EF4-FFF2-40B4-BE49-F238E27FC236}">
-                <a16:creationId xmlns:a16="http://schemas.microsoft.com/office/drawing/2014/main" id="{57DE6EFD-EC2A-A705-4AF6-F7E834066BCD}"/>
-              </a:ext>
-            </a:extLst>
-          </p:cNvPr>
-          <p:cNvSpPr>
-            <a:spLocks noGrp="1"/>
-          </p:cNvSpPr>
-          <p:nvPr>
-            <p:ph idx="1"/>
-          </p:nvPr>
-        </p:nvSpPr>
-        <p:spPr/>
-        <p:txBody>
-          <a:bodyPr/>
-          <a:lstStyle/>
-          <a:p>
-            <a:endParaRPr lang="en-US"/>
-          </a:p>
-        </p:txBody>
-      </p:sp>
-      <p:sp>
-        <p:nvSpPr>
-          <p:cNvPr id="4" name="Dátum helye 3">
-            <a:extLst>
-              <a:ext uri="{FF2B5EF4-FFF2-40B4-BE49-F238E27FC236}">
-                <a16:creationId xmlns:a16="http://schemas.microsoft.com/office/drawing/2014/main" id="{386EB360-409C-2608-8DFB-474057CBE274}"/>
-              </a:ext>
-            </a:extLst>
-          </p:cNvPr>
-          <p:cNvSpPr>
-            <a:spLocks noGrp="1"/>
-          </p:cNvSpPr>
-          <p:nvPr>
-            <p:ph type="dt" sz="half" idx="10"/>
-          </p:nvPr>
-        </p:nvSpPr>
-        <p:spPr/>
-        <p:txBody>
-          <a:bodyPr/>
-          <a:lstStyle/>
-          <a:p>
-            <a:fld id="{BFFD06DE-3E29-4078-B0EF-20AD029256D4}" type="datetime1">
-              <a:rPr lang="hu-HU" smtClean="0"/>
-              <a:t>2024. 03. 05.</a:t>
-            </a:fld>
-            <a:endParaRPr lang="en-US"/>
-          </a:p>
-        </p:txBody>
-      </p:sp>
-      <p:sp>
-        <p:nvSpPr>
-          <p:cNvPr id="5" name="Élőláb helye 4">
-            <a:extLst>
-              <a:ext uri="{FF2B5EF4-FFF2-40B4-BE49-F238E27FC236}">
-                <a16:creationId xmlns:a16="http://schemas.microsoft.com/office/drawing/2014/main" id="{CC895655-36BC-1A48-5BE3-D9376548F66A}"/>
-              </a:ext>
-            </a:extLst>
-          </p:cNvPr>
-          <p:cNvSpPr>
-            <a:spLocks noGrp="1"/>
-          </p:cNvSpPr>
-          <p:nvPr>
-            <p:ph type="ftr" sz="quarter" idx="11"/>
-          </p:nvPr>
-        </p:nvSpPr>
-        <p:spPr/>
-        <p:txBody>
-          <a:bodyPr/>
-          <a:lstStyle/>
-          <a:p>
-            <a:endParaRPr lang="en-US"/>
-          </a:p>
-        </p:txBody>
-      </p:sp>
-      <p:sp>
-        <p:nvSpPr>
-          <p:cNvPr id="6" name="Dia számának helye 5">
-            <a:extLst>
-              <a:ext uri="{FF2B5EF4-FFF2-40B4-BE49-F238E27FC236}">
-                <a16:creationId xmlns:a16="http://schemas.microsoft.com/office/drawing/2014/main" id="{0E0F732B-6743-E3EC-0E3A-B90479EE9446}"/>
-              </a:ext>
-            </a:extLst>
-          </p:cNvPr>
-          <p:cNvSpPr>
-            <a:spLocks noGrp="1"/>
-          </p:cNvSpPr>
-          <p:nvPr>
-            <p:ph type="sldNum" sz="quarter" idx="12"/>
-          </p:nvPr>
-        </p:nvSpPr>
-        <p:spPr/>
-        <p:txBody>
-          <a:bodyPr/>
-          <a:lstStyle/>
-          <a:p>
-            <a:fld id="{927374A8-BCF2-49CD-84BD-18DF129551B3}" type="slidenum">
-              <a:rPr lang="en-US" smtClean="0"/>
-              <a:t>40</a:t>
-            </a:fld>
-            <a:endParaRPr lang="en-US"/>
-          </a:p>
-        </p:txBody>
-      </p:sp>
-    </p:spTree>
-    <p:extLst>
-      <p:ext uri="{BB962C8B-B14F-4D97-AF65-F5344CB8AC3E}">
-        <p14:creationId xmlns:p14="http://schemas.microsoft.com/office/powerpoint/2010/main" val="698182686"/>
-      </p:ext>
-    </p:extLst>
-  </p:cSld>
-  <p:clrMapOvr>
-    <a:masterClrMapping/>
-  </p:clrMapOvr>
-</p:sld>
-</file>
-
-<file path=ppt/slides/slide41.xml><?xml version="1.0" encoding="utf-8"?>
-<p:sld xmlns:a="http://schemas.openxmlformats.org/drawingml/2006/main" xmlns:r="http://schemas.openxmlformats.org/officeDocument/2006/relationships" xmlns:p="http://schemas.openxmlformats.org/presentationml/2006/main">
-  <p:cSld>
-    <p:spTree>
-      <p:nvGrpSpPr>
-        <p:cNvPr id="1" name="">
-          <a:extLst>
-            <a:ext uri="{FF2B5EF4-FFF2-40B4-BE49-F238E27FC236}">
-              <a16:creationId xmlns:a16="http://schemas.microsoft.com/office/drawing/2014/main" id="{BB475605-4FBE-FC7C-8531-8ECA2568A9B1}"/>
-            </a:ext>
-          </a:extLst>
-        </p:cNvPr>
-        <p:cNvGrpSpPr/>
-        <p:nvPr/>
-      </p:nvGrpSpPr>
-      <p:grpSpPr>
-        <a:xfrm>
-          <a:off x="0" y="0"/>
-          <a:ext cx="0" cy="0"/>
-          <a:chOff x="0" y="0"/>
-          <a:chExt cx="0" cy="0"/>
-        </a:xfrm>
-      </p:grpSpPr>
-      <p:sp>
-        <p:nvSpPr>
-          <p:cNvPr id="2" name="Cím 1">
-            <a:extLst>
-              <a:ext uri="{FF2B5EF4-FFF2-40B4-BE49-F238E27FC236}">
-                <a16:creationId xmlns:a16="http://schemas.microsoft.com/office/drawing/2014/main" id="{76908C83-BF11-5CD9-B928-ADB7F9D170ED}"/>
-              </a:ext>
-            </a:extLst>
-          </p:cNvPr>
-          <p:cNvSpPr>
-            <a:spLocks noGrp="1"/>
-          </p:cNvSpPr>
-          <p:nvPr>
-            <p:ph type="title"/>
-          </p:nvPr>
-        </p:nvSpPr>
-        <p:spPr/>
-        <p:txBody>
-          <a:bodyPr/>
-          <a:lstStyle/>
-          <a:p>
-            <a:endParaRPr lang="en-US"/>
-          </a:p>
-        </p:txBody>
-      </p:sp>
-      <p:sp>
-        <p:nvSpPr>
-          <p:cNvPr id="3" name="Tartalom helye 2">
-            <a:extLst>
-              <a:ext uri="{FF2B5EF4-FFF2-40B4-BE49-F238E27FC236}">
-                <a16:creationId xmlns:a16="http://schemas.microsoft.com/office/drawing/2014/main" id="{35D0BE34-4BE5-8E5F-8F27-04BEA79ED98D}"/>
-              </a:ext>
-            </a:extLst>
-          </p:cNvPr>
-          <p:cNvSpPr>
-            <a:spLocks noGrp="1"/>
-          </p:cNvSpPr>
-          <p:nvPr>
-            <p:ph idx="1"/>
-          </p:nvPr>
-        </p:nvSpPr>
-        <p:spPr/>
-        <p:txBody>
-          <a:bodyPr/>
-          <a:lstStyle/>
-          <a:p>
-            <a:endParaRPr lang="en-US"/>
-          </a:p>
-        </p:txBody>
-      </p:sp>
-      <p:sp>
-        <p:nvSpPr>
-          <p:cNvPr id="4" name="Dátum helye 3">
-            <a:extLst>
-              <a:ext uri="{FF2B5EF4-FFF2-40B4-BE49-F238E27FC236}">
-                <a16:creationId xmlns:a16="http://schemas.microsoft.com/office/drawing/2014/main" id="{72447433-0917-DE23-971C-B77A2468959E}"/>
-              </a:ext>
-            </a:extLst>
-          </p:cNvPr>
-          <p:cNvSpPr>
-            <a:spLocks noGrp="1"/>
-          </p:cNvSpPr>
-          <p:nvPr>
-            <p:ph type="dt" sz="half" idx="10"/>
-          </p:nvPr>
-        </p:nvSpPr>
-        <p:spPr/>
-        <p:txBody>
-          <a:bodyPr/>
-          <a:lstStyle/>
-          <a:p>
-            <a:fld id="{81BDBC62-0E9E-427A-B453-B643110BC060}" type="datetime1">
-              <a:rPr lang="hu-HU" smtClean="0"/>
-              <a:t>2024. 03. 05.</a:t>
-            </a:fld>
-            <a:endParaRPr lang="en-US"/>
-          </a:p>
-        </p:txBody>
-      </p:sp>
-      <p:sp>
-        <p:nvSpPr>
-          <p:cNvPr id="5" name="Élőláb helye 4">
-            <a:extLst>
-              <a:ext uri="{FF2B5EF4-FFF2-40B4-BE49-F238E27FC236}">
-                <a16:creationId xmlns:a16="http://schemas.microsoft.com/office/drawing/2014/main" id="{882D61DF-A3E9-F574-8D50-142F337D6BDC}"/>
-              </a:ext>
-            </a:extLst>
-          </p:cNvPr>
-          <p:cNvSpPr>
-            <a:spLocks noGrp="1"/>
-          </p:cNvSpPr>
-          <p:nvPr>
-            <p:ph type="ftr" sz="quarter" idx="11"/>
-          </p:nvPr>
-        </p:nvSpPr>
-        <p:spPr/>
-        <p:txBody>
-          <a:bodyPr/>
-          <a:lstStyle/>
-          <a:p>
-            <a:endParaRPr lang="en-US"/>
-          </a:p>
-        </p:txBody>
-      </p:sp>
-      <p:sp>
-        <p:nvSpPr>
-          <p:cNvPr id="6" name="Dia számának helye 5">
-            <a:extLst>
-              <a:ext uri="{FF2B5EF4-FFF2-40B4-BE49-F238E27FC236}">
-                <a16:creationId xmlns:a16="http://schemas.microsoft.com/office/drawing/2014/main" id="{2C7BA923-8DFF-1B2A-943A-D2A43863D7CD}"/>
-              </a:ext>
-            </a:extLst>
-          </p:cNvPr>
-          <p:cNvSpPr>
-            <a:spLocks noGrp="1"/>
-          </p:cNvSpPr>
-          <p:nvPr>
-            <p:ph type="sldNum" sz="quarter" idx="12"/>
-          </p:nvPr>
-        </p:nvSpPr>
-        <p:spPr/>
-        <p:txBody>
-          <a:bodyPr/>
-          <a:lstStyle/>
-          <a:p>
-            <a:fld id="{927374A8-BCF2-49CD-84BD-18DF129551B3}" type="slidenum">
-              <a:rPr lang="en-US" smtClean="0"/>
-              <a:t>41</a:t>
-            </a:fld>
-            <a:endParaRPr lang="en-US"/>
-          </a:p>
-        </p:txBody>
-      </p:sp>
-    </p:spTree>
-    <p:extLst>
-      <p:ext uri="{BB962C8B-B14F-4D97-AF65-F5344CB8AC3E}">
-        <p14:creationId xmlns:p14="http://schemas.microsoft.com/office/powerpoint/2010/main" val="469837368"/>
       </p:ext>
     </p:extLst>
   </p:cSld>

--- a/Eloadas.pptx
+++ b/Eloadas.pptx
@@ -11286,7 +11286,7 @@
         <p:spPr>
           <a:xfrm>
             <a:off x="1141411" y="1293653"/>
-            <a:ext cx="9905998" cy="3124201"/>
+            <a:ext cx="5032886" cy="4788365"/>
           </a:xfrm>
         </p:spPr>
         <p:txBody>
@@ -11295,7 +11295,7 @@
           <a:p>
             <a:r>
               <a:rPr lang="hu-HU" dirty="0"/>
-              <a:t>Létrehozhatunk osztályokat benn, így nem kell minden elem tulajdonságát külön megadni, csak az adott osztályhoz kell rendelnünk az elemünket a HTML fájlban</a:t>
+              <a:t>Létrehozhatunk osztályokat benne, így nem kell minden elem tulajdonságát külön megadni, csak az adott osztályhoz kell rendelnünk az elemünket a HTML fájlban</a:t>
             </a:r>
           </a:p>
           <a:p>
@@ -11422,8 +11422,8 @@
         </p:blipFill>
         <p:spPr>
           <a:xfrm>
-            <a:off x="4306952" y="3711574"/>
-            <a:ext cx="3574917" cy="1995389"/>
+            <a:off x="6398528" y="2192220"/>
+            <a:ext cx="5359055" cy="2991230"/>
           </a:xfrm>
           <a:prstGeom prst="rect">
             <a:avLst/>

--- a/Eloadas.pptx
+++ b/Eloadas.pptx
@@ -5,36 +5,38 @@
     <p:sldMasterId id="2147483678" r:id="rId1"/>
   </p:sldMasterIdLst>
   <p:notesMasterIdLst>
-    <p:notesMasterId r:id="rId29"/>
+    <p:notesMasterId r:id="rId31"/>
   </p:notesMasterIdLst>
   <p:sldIdLst>
     <p:sldId id="256" r:id="rId2"/>
     <p:sldId id="294" r:id="rId3"/>
-    <p:sldId id="258" r:id="rId4"/>
-    <p:sldId id="290" r:id="rId5"/>
-    <p:sldId id="259" r:id="rId6"/>
-    <p:sldId id="291" r:id="rId7"/>
-    <p:sldId id="261" r:id="rId8"/>
-    <p:sldId id="262" r:id="rId9"/>
-    <p:sldId id="260" r:id="rId10"/>
-    <p:sldId id="292" r:id="rId11"/>
-    <p:sldId id="263" r:id="rId12"/>
-    <p:sldId id="296" r:id="rId13"/>
-    <p:sldId id="264" r:id="rId14"/>
-    <p:sldId id="295" r:id="rId15"/>
-    <p:sldId id="265" r:id="rId16"/>
-    <p:sldId id="297" r:id="rId17"/>
-    <p:sldId id="266" r:id="rId18"/>
-    <p:sldId id="298" r:id="rId19"/>
-    <p:sldId id="269" r:id="rId20"/>
-    <p:sldId id="299" r:id="rId21"/>
-    <p:sldId id="267" r:id="rId22"/>
-    <p:sldId id="293" r:id="rId23"/>
-    <p:sldId id="268" r:id="rId24"/>
-    <p:sldId id="271" r:id="rId25"/>
-    <p:sldId id="270" r:id="rId26"/>
-    <p:sldId id="300" r:id="rId27"/>
-    <p:sldId id="272" r:id="rId28"/>
+    <p:sldId id="266" r:id="rId4"/>
+    <p:sldId id="258" r:id="rId5"/>
+    <p:sldId id="290" r:id="rId6"/>
+    <p:sldId id="259" r:id="rId7"/>
+    <p:sldId id="291" r:id="rId8"/>
+    <p:sldId id="261" r:id="rId9"/>
+    <p:sldId id="262" r:id="rId10"/>
+    <p:sldId id="260" r:id="rId11"/>
+    <p:sldId id="292" r:id="rId12"/>
+    <p:sldId id="263" r:id="rId13"/>
+    <p:sldId id="296" r:id="rId14"/>
+    <p:sldId id="264" r:id="rId15"/>
+    <p:sldId id="295" r:id="rId16"/>
+    <p:sldId id="265" r:id="rId17"/>
+    <p:sldId id="297" r:id="rId18"/>
+    <p:sldId id="302" r:id="rId19"/>
+    <p:sldId id="298" r:id="rId20"/>
+    <p:sldId id="269" r:id="rId21"/>
+    <p:sldId id="299" r:id="rId22"/>
+    <p:sldId id="267" r:id="rId23"/>
+    <p:sldId id="293" r:id="rId24"/>
+    <p:sldId id="268" r:id="rId25"/>
+    <p:sldId id="271" r:id="rId26"/>
+    <p:sldId id="270" r:id="rId27"/>
+    <p:sldId id="300" r:id="rId28"/>
+    <p:sldId id="301" r:id="rId29"/>
+    <p:sldId id="272" r:id="rId30"/>
   </p:sldIdLst>
   <p:sldSz cx="12192000" cy="6858000"/>
   <p:notesSz cx="6858000" cy="9144000"/>
@@ -223,7 +225,7 @@
           <a:p>
             <a:fld id="{9539DBB2-DA9E-4BD2-8B96-8EC01E745535}" type="datetimeFigureOut">
               <a:rPr lang="hu-HU" smtClean="0"/>
-              <a:t>2024. 03. 05.</a:t>
+              <a:t>2024. 03. 06.</a:t>
             </a:fld>
             <a:endParaRPr lang="hu-HU"/>
           </a:p>
@@ -703,7 +705,7 @@
           <a:p>
             <a:fld id="{35F6CDDD-4D09-4325-AAB0-6994F1F6DF1D}" type="datetime1">
               <a:rPr lang="hu-HU" smtClean="0"/>
-              <a:t>2024. 03. 05.</a:t>
+              <a:t>2024. 03. 06.</a:t>
             </a:fld>
             <a:endParaRPr lang="en-US"/>
           </a:p>
@@ -994,7 +996,7 @@
           <a:p>
             <a:fld id="{6CA5DD3F-BD74-4592-AD62-EE2B5668FD20}" type="datetime1">
               <a:rPr lang="hu-HU" smtClean="0"/>
-              <a:t>2024. 03. 05.</a:t>
+              <a:t>2024. 03. 06.</a:t>
             </a:fld>
             <a:endParaRPr lang="en-US"/>
           </a:p>
@@ -1253,7 +1255,7 @@
           <a:p>
             <a:fld id="{C532F4C0-6C3B-434E-8985-3FE9D841DE33}" type="datetime1">
               <a:rPr lang="hu-HU" smtClean="0"/>
-              <a:t>2024. 03. 05.</a:t>
+              <a:t>2024. 03. 06.</a:t>
             </a:fld>
             <a:endParaRPr lang="en-US"/>
           </a:p>
@@ -1722,7 +1724,7 @@
           <a:p>
             <a:fld id="{DB55B1BB-66D8-48C6-B3E9-6A3294BF66ED}" type="datetime1">
               <a:rPr lang="hu-HU" smtClean="0"/>
-              <a:t>2024. 03. 05.</a:t>
+              <a:t>2024. 03. 06.</a:t>
             </a:fld>
             <a:endParaRPr lang="en-US"/>
           </a:p>
@@ -1902,7 +1904,7 @@
           <a:p>
             <a:fld id="{49EC83CC-F374-49ED-BC21-1BB4999D5F2E}" type="datetime1">
               <a:rPr lang="hu-HU" smtClean="0"/>
-              <a:t>2024. 03. 05.</a:t>
+              <a:t>2024. 03. 06.</a:t>
             </a:fld>
             <a:endParaRPr lang="en-US"/>
           </a:p>
@@ -2478,7 +2480,7 @@
           <a:p>
             <a:fld id="{FCCC7D26-52FD-4F8B-A666-74BD5B15A815}" type="datetime1">
               <a:rPr lang="hu-HU" smtClean="0"/>
-              <a:t>2024. 03. 05.</a:t>
+              <a:t>2024. 03. 06.</a:t>
             </a:fld>
             <a:endParaRPr lang="en-US"/>
           </a:p>
@@ -2810,7 +2812,7 @@
           <a:p>
             <a:fld id="{CF3E9872-871E-4FDD-8A7D-7FE20CE0BA1B}" type="datetime1">
               <a:rPr lang="hu-HU" smtClean="0"/>
-              <a:t>2024. 03. 05.</a:t>
+              <a:t>2024. 03. 06.</a:t>
             </a:fld>
             <a:endParaRPr lang="en-US"/>
           </a:p>
@@ -2985,7 +2987,7 @@
           <a:p>
             <a:fld id="{0BA1DBA7-4590-4B3F-9648-242176767EE1}" type="datetime1">
               <a:rPr lang="hu-HU" smtClean="0"/>
-              <a:t>2024. 03. 05.</a:t>
+              <a:t>2024. 03. 06.</a:t>
             </a:fld>
             <a:endParaRPr lang="en-US"/>
           </a:p>
@@ -3165,7 +3167,7 @@
           <a:p>
             <a:fld id="{CA8E1152-7537-437A-A378-7721DD277177}" type="datetime1">
               <a:rPr lang="hu-HU" smtClean="0"/>
-              <a:t>2024. 03. 05.</a:t>
+              <a:t>2024. 03. 06.</a:t>
             </a:fld>
             <a:endParaRPr lang="en-US"/>
           </a:p>
@@ -3335,7 +3337,7 @@
           <a:p>
             <a:fld id="{E0D05676-0184-4491-83BE-2E9128DA927C}" type="datetime1">
               <a:rPr lang="hu-HU" smtClean="0"/>
-              <a:t>2024. 03. 05.</a:t>
+              <a:t>2024. 03. 06.</a:t>
             </a:fld>
             <a:endParaRPr lang="en-US"/>
           </a:p>
@@ -3592,7 +3594,7 @@
           <a:p>
             <a:fld id="{794BBC14-934D-407B-B570-0E213EE45376}" type="datetime1">
               <a:rPr lang="hu-HU" smtClean="0"/>
-              <a:t>2024. 03. 05.</a:t>
+              <a:t>2024. 03. 06.</a:t>
             </a:fld>
             <a:endParaRPr lang="en-US"/>
           </a:p>
@@ -3884,7 +3886,7 @@
           <a:p>
             <a:fld id="{64AFC66C-B1E3-4331-B998-C4FF86A0CB73}" type="datetime1">
               <a:rPr lang="hu-HU" smtClean="0"/>
-              <a:t>2024. 03. 05.</a:t>
+              <a:t>2024. 03. 06.</a:t>
             </a:fld>
             <a:endParaRPr lang="en-US"/>
           </a:p>
@@ -4314,7 +4316,7 @@
           <a:p>
             <a:fld id="{F0AD6A2C-8EF1-43AA-B62A-10066E0BC334}" type="datetime1">
               <a:rPr lang="hu-HU" smtClean="0"/>
-              <a:t>2024. 03. 05.</a:t>
+              <a:t>2024. 03. 06.</a:t>
             </a:fld>
             <a:endParaRPr lang="en-US"/>
           </a:p>
@@ -4432,7 +4434,7 @@
           <a:p>
             <a:fld id="{381753EF-6E48-4FBF-BF52-EDA576793409}" type="datetime1">
               <a:rPr lang="hu-HU" smtClean="0"/>
-              <a:t>2024. 03. 05.</a:t>
+              <a:t>2024. 03. 06.</a:t>
             </a:fld>
             <a:endParaRPr lang="en-US"/>
           </a:p>
@@ -4527,7 +4529,7 @@
           <a:p>
             <a:fld id="{B535D664-E444-4E6A-8753-FD95071F0340}" type="datetime1">
               <a:rPr lang="hu-HU" smtClean="0"/>
-              <a:t>2024. 03. 05.</a:t>
+              <a:t>2024. 03. 06.</a:t>
             </a:fld>
             <a:endParaRPr lang="en-US"/>
           </a:p>
@@ -4810,7 +4812,7 @@
           <a:p>
             <a:fld id="{A1D01FA1-9B59-48DD-966B-1E37F582F694}" type="datetime1">
               <a:rPr lang="hu-HU" smtClean="0"/>
-              <a:t>2024. 03. 05.</a:t>
+              <a:t>2024. 03. 06.</a:t>
             </a:fld>
             <a:endParaRPr lang="en-US"/>
           </a:p>
@@ -5101,7 +5103,7 @@
           <a:p>
             <a:fld id="{1ECCCA80-C6B6-4458-B564-7F77D293528D}" type="datetime1">
               <a:rPr lang="hu-HU" smtClean="0"/>
-              <a:t>2024. 03. 05.</a:t>
+              <a:t>2024. 03. 06.</a:t>
             </a:fld>
             <a:endParaRPr lang="en-US"/>
           </a:p>
@@ -5332,7 +5334,7 @@
           <a:p>
             <a:fld id="{1D65D15B-46DF-4FB3-ABD2-924E8F02A47D}" type="datetime1">
               <a:rPr lang="hu-HU" smtClean="0"/>
-              <a:t>2024. 03. 05.</a:t>
+              <a:t>2024. 03. 06.</a:t>
             </a:fld>
             <a:endParaRPr lang="en-US"/>
           </a:p>
@@ -6179,7 +6181,7 @@
           <a:p>
             <a:fld id="{DD4C33B9-A6B8-4212-9644-1927E84D6641}" type="datetime1">
               <a:rPr lang="hu-HU" smtClean="0"/>
-              <a:t>2024. 03. 05.</a:t>
+              <a:t>2024. 03. 06.</a:t>
             </a:fld>
             <a:endParaRPr lang="en-US"/>
           </a:p>
@@ -6257,6 +6259,231 @@
 </file>
 
 <file path=ppt/slides/slide10.xml><?xml version="1.0" encoding="utf-8"?>
+<p:sld xmlns:a="http://schemas.openxmlformats.org/drawingml/2006/main" xmlns:r="http://schemas.openxmlformats.org/officeDocument/2006/relationships" xmlns:p="http://schemas.openxmlformats.org/presentationml/2006/main">
+  <p:cSld>
+    <p:spTree>
+      <p:nvGrpSpPr>
+        <p:cNvPr id="1" name="">
+          <a:extLst>
+            <a:ext uri="{FF2B5EF4-FFF2-40B4-BE49-F238E27FC236}">
+              <a16:creationId xmlns:a16="http://schemas.microsoft.com/office/drawing/2014/main" id="{CEF1262C-2A07-F6CB-1B1B-6DAE8963A05F}"/>
+            </a:ext>
+          </a:extLst>
+        </p:cNvPr>
+        <p:cNvGrpSpPr/>
+        <p:nvPr/>
+      </p:nvGrpSpPr>
+      <p:grpSpPr>
+        <a:xfrm>
+          <a:off x="0" y="0"/>
+          <a:ext cx="0" cy="0"/>
+          <a:chOff x="0" y="0"/>
+          <a:chExt cx="0" cy="0"/>
+        </a:xfrm>
+      </p:grpSpPr>
+      <p:sp>
+        <p:nvSpPr>
+          <p:cNvPr id="2" name="Cím 1">
+            <a:extLst>
+              <a:ext uri="{FF2B5EF4-FFF2-40B4-BE49-F238E27FC236}">
+                <a16:creationId xmlns:a16="http://schemas.microsoft.com/office/drawing/2014/main" id="{0F2F72FA-16DD-96B0-8167-659EFA752EEA}"/>
+              </a:ext>
+            </a:extLst>
+          </p:cNvPr>
+          <p:cNvSpPr>
+            <a:spLocks noGrp="1"/>
+          </p:cNvSpPr>
+          <p:nvPr>
+            <p:ph type="title"/>
+          </p:nvPr>
+        </p:nvSpPr>
+        <p:spPr/>
+        <p:txBody>
+          <a:bodyPr/>
+          <a:lstStyle/>
+          <a:p>
+            <a:r>
+              <a:rPr lang="hu-HU" dirty="0"/>
+              <a:t>JS</a:t>
+            </a:r>
+            <a:endParaRPr lang="en-US" dirty="0"/>
+          </a:p>
+        </p:txBody>
+      </p:sp>
+      <p:sp>
+        <p:nvSpPr>
+          <p:cNvPr id="3" name="Tartalom helye 2">
+            <a:extLst>
+              <a:ext uri="{FF2B5EF4-FFF2-40B4-BE49-F238E27FC236}">
+                <a16:creationId xmlns:a16="http://schemas.microsoft.com/office/drawing/2014/main" id="{A391DC70-64BE-5FDC-F1EA-7747204FBC64}"/>
+              </a:ext>
+            </a:extLst>
+          </p:cNvPr>
+          <p:cNvSpPr>
+            <a:spLocks noGrp="1"/>
+          </p:cNvSpPr>
+          <p:nvPr>
+            <p:ph idx="1"/>
+          </p:nvPr>
+        </p:nvSpPr>
+        <p:spPr>
+          <a:xfrm>
+            <a:off x="1141412" y="2091656"/>
+            <a:ext cx="9905998" cy="3124201"/>
+          </a:xfrm>
+        </p:spPr>
+        <p:txBody>
+          <a:bodyPr/>
+          <a:lstStyle/>
+          <a:p>
+            <a:r>
+              <a:rPr lang="hu-HU" dirty="0"/>
+              <a:t>JavaScript </a:t>
+            </a:r>
+            <a:r>
+              <a:rPr lang="hu-HU" dirty="0" err="1"/>
+              <a:t>kódót</a:t>
+            </a:r>
+            <a:r>
+              <a:rPr lang="hu-HU" dirty="0"/>
+              <a:t> tartalmaz</a:t>
+            </a:r>
+          </a:p>
+          <a:p>
+            <a:r>
+              <a:rPr lang="hu-HU" dirty="0"/>
+              <a:t>A weboldalak interaktív műveleteinek és viselkedésének vezérlésére használják</a:t>
+            </a:r>
+          </a:p>
+          <a:p>
+            <a:r>
+              <a:rPr lang="hu-HU" dirty="0"/>
+              <a:t>Segítségével lehet dinamikusan manipulálni a HTML tartalmat</a:t>
+            </a:r>
+          </a:p>
+          <a:p>
+            <a:pPr lvl="1"/>
+            <a:r>
+              <a:rPr lang="hu-HU" dirty="0"/>
+              <a:t>Reagálni felhasználó interakciókra, lekérdezni vagy módosítani adatokat</a:t>
+            </a:r>
+          </a:p>
+          <a:p>
+            <a:pPr lvl="1"/>
+            <a:r>
+              <a:rPr lang="hu-HU" dirty="0"/>
+              <a:t>Valamint egyéb funkciókat adni a weboldalhoz</a:t>
+            </a:r>
+          </a:p>
+          <a:p>
+            <a:endParaRPr lang="hu-HU" dirty="0"/>
+          </a:p>
+          <a:p>
+            <a:endParaRPr lang="en-US" dirty="0"/>
+          </a:p>
+        </p:txBody>
+      </p:sp>
+      <p:sp>
+        <p:nvSpPr>
+          <p:cNvPr id="4" name="Dátum helye 3">
+            <a:extLst>
+              <a:ext uri="{FF2B5EF4-FFF2-40B4-BE49-F238E27FC236}">
+                <a16:creationId xmlns:a16="http://schemas.microsoft.com/office/drawing/2014/main" id="{6F54A393-7820-1D7C-AC5B-B941A4411CC8}"/>
+              </a:ext>
+            </a:extLst>
+          </p:cNvPr>
+          <p:cNvSpPr>
+            <a:spLocks noGrp="1"/>
+          </p:cNvSpPr>
+          <p:nvPr>
+            <p:ph type="dt" sz="half" idx="10"/>
+          </p:nvPr>
+        </p:nvSpPr>
+        <p:spPr/>
+        <p:txBody>
+          <a:bodyPr/>
+          <a:lstStyle/>
+          <a:p>
+            <a:fld id="{F640A6E2-0A09-4E2A-B8A1-92B5B68CF3CF}" type="datetime1">
+              <a:rPr lang="hu-HU" smtClean="0"/>
+              <a:t>2024. 03. 06.</a:t>
+            </a:fld>
+            <a:endParaRPr lang="en-US"/>
+          </a:p>
+        </p:txBody>
+      </p:sp>
+      <p:sp>
+        <p:nvSpPr>
+          <p:cNvPr id="5" name="Élőláb helye 4">
+            <a:extLst>
+              <a:ext uri="{FF2B5EF4-FFF2-40B4-BE49-F238E27FC236}">
+                <a16:creationId xmlns:a16="http://schemas.microsoft.com/office/drawing/2014/main" id="{820123B3-9BA4-6E68-D5B4-5A385EE54BA2}"/>
+              </a:ext>
+            </a:extLst>
+          </p:cNvPr>
+          <p:cNvSpPr>
+            <a:spLocks noGrp="1"/>
+          </p:cNvSpPr>
+          <p:nvPr>
+            <p:ph type="ftr" sz="quarter" idx="11"/>
+          </p:nvPr>
+        </p:nvSpPr>
+        <p:spPr/>
+        <p:txBody>
+          <a:bodyPr/>
+          <a:lstStyle/>
+          <a:p>
+            <a:r>
+              <a:rPr lang="hu-HU" dirty="0"/>
+              <a:t>Tóth Gergely</a:t>
+            </a:r>
+            <a:endParaRPr lang="en-US" dirty="0"/>
+          </a:p>
+        </p:txBody>
+      </p:sp>
+      <p:sp>
+        <p:nvSpPr>
+          <p:cNvPr id="6" name="Dia számának helye 5">
+            <a:extLst>
+              <a:ext uri="{FF2B5EF4-FFF2-40B4-BE49-F238E27FC236}">
+                <a16:creationId xmlns:a16="http://schemas.microsoft.com/office/drawing/2014/main" id="{2F06BDE8-91CE-0F51-82A5-4198E5EB57E4}"/>
+              </a:ext>
+            </a:extLst>
+          </p:cNvPr>
+          <p:cNvSpPr>
+            <a:spLocks noGrp="1"/>
+          </p:cNvSpPr>
+          <p:nvPr>
+            <p:ph type="sldNum" sz="quarter" idx="12"/>
+          </p:nvPr>
+        </p:nvSpPr>
+        <p:spPr/>
+        <p:txBody>
+          <a:bodyPr/>
+          <a:lstStyle/>
+          <a:p>
+            <a:fld id="{927374A8-BCF2-49CD-84BD-18DF129551B3}" type="slidenum">
+              <a:rPr lang="en-US" smtClean="0"/>
+              <a:t>10</a:t>
+            </a:fld>
+            <a:endParaRPr lang="en-US"/>
+          </a:p>
+        </p:txBody>
+      </p:sp>
+    </p:spTree>
+    <p:extLst>
+      <p:ext uri="{BB962C8B-B14F-4D97-AF65-F5344CB8AC3E}">
+        <p14:creationId xmlns:p14="http://schemas.microsoft.com/office/powerpoint/2010/main" val="1670281844"/>
+      </p:ext>
+    </p:extLst>
+  </p:cSld>
+  <p:clrMapOvr>
+    <a:masterClrMapping/>
+  </p:clrMapOvr>
+</p:sld>
+</file>
+
+<file path=ppt/slides/slide11.xml><?xml version="1.0" encoding="utf-8"?>
 <p:sld xmlns:a="http://schemas.openxmlformats.org/drawingml/2006/main" xmlns:r="http://schemas.openxmlformats.org/officeDocument/2006/relationships" xmlns:p="http://schemas.openxmlformats.org/presentationml/2006/main">
   <p:cSld>
     <p:spTree>
@@ -6365,7 +6592,7 @@
           <a:p>
             <a:fld id="{1BD0E5E0-A0E5-4712-AC71-8FC7E1A1C62D}" type="datetime1">
               <a:rPr lang="hu-HU" smtClean="0"/>
-              <a:t>2024. 03. 05.</a:t>
+              <a:t>2024. 03. 06.</a:t>
             </a:fld>
             <a:endParaRPr lang="en-US"/>
           </a:p>
@@ -6423,7 +6650,7 @@
           <a:p>
             <a:fld id="{927374A8-BCF2-49CD-84BD-18DF129551B3}" type="slidenum">
               <a:rPr lang="en-US" smtClean="0"/>
-              <a:t>10</a:t>
+              <a:t>11</a:t>
             </a:fld>
             <a:endParaRPr lang="en-US"/>
           </a:p>
@@ -6442,7 +6669,7 @@
 </p:sld>
 </file>
 
-<file path=ppt/slides/slide11.xml><?xml version="1.0" encoding="utf-8"?>
+<file path=ppt/slides/slide12.xml><?xml version="1.0" encoding="utf-8"?>
 <p:sld xmlns:a="http://schemas.openxmlformats.org/drawingml/2006/main" xmlns:r="http://schemas.openxmlformats.org/officeDocument/2006/relationships" xmlns:p="http://schemas.openxmlformats.org/presentationml/2006/main">
   <p:cSld>
     <p:spTree>
@@ -6573,8 +6800,12 @@
           <a:p>
             <a:pPr lvl="1"/>
             <a:r>
-              <a:rPr lang="hu-HU" dirty="0"/>
-              <a:t>Mikroszolgáltatások használatát</a:t>
+              <a:rPr lang="hu-HU" dirty="0" err="1"/>
+              <a:t>Mikroszolgáltatások</a:t>
+            </a:r>
+            <a:r>
+              <a:rPr lang="hu-HU" dirty="0"/>
+              <a:t> használatát</a:t>
             </a:r>
           </a:p>
           <a:p>
@@ -6610,7 +6841,7 @@
           <a:p>
             <a:fld id="{09ADD76B-5E97-42F4-BE1C-F97FC8519DED}" type="datetime1">
               <a:rPr lang="hu-HU" smtClean="0"/>
-              <a:t>2024. 03. 05.</a:t>
+              <a:t>2024. 03. 06.</a:t>
             </a:fld>
             <a:endParaRPr lang="en-US"/>
           </a:p>
@@ -6668,7 +6899,7 @@
           <a:p>
             <a:fld id="{927374A8-BCF2-49CD-84BD-18DF129551B3}" type="slidenum">
               <a:rPr lang="en-US" smtClean="0"/>
-              <a:t>11</a:t>
+              <a:t>12</a:t>
             </a:fld>
             <a:endParaRPr lang="en-US"/>
           </a:p>
@@ -6687,7 +6918,7 @@
 </p:sld>
 </file>
 
-<file path=ppt/slides/slide12.xml><?xml version="1.0" encoding="utf-8"?>
+<file path=ppt/slides/slide13.xml><?xml version="1.0" encoding="utf-8"?>
 <p:sld xmlns:a="http://schemas.openxmlformats.org/drawingml/2006/main" xmlns:r="http://schemas.openxmlformats.org/officeDocument/2006/relationships" xmlns:p="http://schemas.openxmlformats.org/presentationml/2006/main">
   <p:cSld>
     <p:spTree>
@@ -6833,7 +7064,7 @@
           <a:p>
             <a:fld id="{E0D05676-0184-4491-83BE-2E9128DA927C}" type="datetime1">
               <a:rPr lang="hu-HU" smtClean="0"/>
-              <a:t>2024. 03. 05.</a:t>
+              <a:t>2024. 03. 06.</a:t>
             </a:fld>
             <a:endParaRPr lang="en-US"/>
           </a:p>
@@ -6891,7 +7122,7 @@
           <a:p>
             <a:fld id="{927374A8-BCF2-49CD-84BD-18DF129551B3}" type="slidenum">
               <a:rPr lang="en-US" smtClean="0"/>
-              <a:t>12</a:t>
+              <a:t>13</a:t>
             </a:fld>
             <a:endParaRPr lang="en-US"/>
           </a:p>
@@ -6940,7 +7171,7 @@
 </p:sld>
 </file>
 
-<file path=ppt/slides/slide13.xml><?xml version="1.0" encoding="utf-8"?>
+<file path=ppt/slides/slide14.xml><?xml version="1.0" encoding="utf-8"?>
 <p:sld xmlns:a="http://schemas.openxmlformats.org/drawingml/2006/main" xmlns:r="http://schemas.openxmlformats.org/officeDocument/2006/relationships" xmlns:p="http://schemas.openxmlformats.org/presentationml/2006/main">
   <p:cSld>
     <p:spTree>
@@ -7102,7 +7333,7 @@
           <a:p>
             <a:fld id="{6F93DF9F-0DD8-4A19-A096-18518C94C96D}" type="datetime1">
               <a:rPr lang="hu-HU" smtClean="0"/>
-              <a:t>2024. 03. 05.</a:t>
+              <a:t>2024. 03. 06.</a:t>
             </a:fld>
             <a:endParaRPr lang="en-US"/>
           </a:p>
@@ -7160,7 +7391,7 @@
           <a:p>
             <a:fld id="{927374A8-BCF2-49CD-84BD-18DF129551B3}" type="slidenum">
               <a:rPr lang="en-US" smtClean="0"/>
-              <a:t>13</a:t>
+              <a:t>14</a:t>
             </a:fld>
             <a:endParaRPr lang="en-US"/>
           </a:p>
@@ -7179,7 +7410,7 @@
 </p:sld>
 </file>
 
-<file path=ppt/slides/slide14.xml><?xml version="1.0" encoding="utf-8"?>
+<file path=ppt/slides/slide15.xml><?xml version="1.0" encoding="utf-8"?>
 <p:sld xmlns:a="http://schemas.openxmlformats.org/drawingml/2006/main" xmlns:r="http://schemas.openxmlformats.org/officeDocument/2006/relationships" xmlns:p="http://schemas.openxmlformats.org/presentationml/2006/main">
   <p:cSld>
     <p:spTree>
@@ -7259,7 +7490,7 @@
           <a:p>
             <a:r>
               <a:rPr lang="hu-HU" dirty="0"/>
-              <a:t>Segítségével manipulálhatni, ellenőrizni lehet a bejövő kéréseket</a:t>
+              <a:t>Segítségével manipulálhatni, ellenőrizni lehet a bejövő kéréseket, és a kimenő válaszokat</a:t>
             </a:r>
           </a:p>
           <a:p>
@@ -7313,7 +7544,7 @@
           <a:p>
             <a:fld id="{E0D05676-0184-4491-83BE-2E9128DA927C}" type="datetime1">
               <a:rPr lang="hu-HU" smtClean="0"/>
-              <a:t>2024. 03. 05.</a:t>
+              <a:t>2024. 03. 06.</a:t>
             </a:fld>
             <a:endParaRPr lang="en-US"/>
           </a:p>
@@ -7371,7 +7602,7 @@
           <a:p>
             <a:fld id="{927374A8-BCF2-49CD-84BD-18DF129551B3}" type="slidenum">
               <a:rPr lang="en-US" smtClean="0"/>
-              <a:t>14</a:t>
+              <a:t>15</a:t>
             </a:fld>
             <a:endParaRPr lang="en-US"/>
           </a:p>
@@ -7390,7 +7621,7 @@
 </p:sld>
 </file>
 
-<file path=ppt/slides/slide15.xml><?xml version="1.0" encoding="utf-8"?>
+<file path=ppt/slides/slide16.xml><?xml version="1.0" encoding="utf-8"?>
 <p:sld xmlns:a="http://schemas.openxmlformats.org/drawingml/2006/main" xmlns:r="http://schemas.openxmlformats.org/officeDocument/2006/relationships" xmlns:p="http://schemas.openxmlformats.org/presentationml/2006/main">
   <p:cSld>
     <p:spTree>
@@ -7486,12 +7717,6 @@
             </a:r>
           </a:p>
           <a:p>
-            <a:r>
-              <a:rPr lang="hu-HU" dirty="0"/>
-              <a:t>Segíthet jobban elkülöníteni a frontendet a backendtől</a:t>
-            </a:r>
-          </a:p>
-          <a:p>
             <a:endParaRPr lang="en-US" dirty="0"/>
           </a:p>
         </p:txBody>
@@ -7519,7 +7744,7 @@
           <a:p>
             <a:fld id="{0932C999-B6F9-4D04-B13B-6E303EAC2D46}" type="datetime1">
               <a:rPr lang="hu-HU" smtClean="0"/>
-              <a:t>2024. 03. 05.</a:t>
+              <a:t>2024. 03. 06.</a:t>
             </a:fld>
             <a:endParaRPr lang="en-US"/>
           </a:p>
@@ -7577,7 +7802,7 @@
           <a:p>
             <a:fld id="{927374A8-BCF2-49CD-84BD-18DF129551B3}" type="slidenum">
               <a:rPr lang="en-US" smtClean="0"/>
-              <a:t>15</a:t>
+              <a:t>16</a:t>
             </a:fld>
             <a:endParaRPr lang="en-US"/>
           </a:p>
@@ -7626,7 +7851,7 @@
 </p:sld>
 </file>
 
-<file path=ppt/slides/slide16.xml><?xml version="1.0" encoding="utf-8"?>
+<file path=ppt/slides/slide17.xml><?xml version="1.0" encoding="utf-8"?>
 <p:sld xmlns:a="http://schemas.openxmlformats.org/drawingml/2006/main" xmlns:r="http://schemas.openxmlformats.org/officeDocument/2006/relationships" xmlns:p="http://schemas.openxmlformats.org/presentationml/2006/main">
   <p:cSld>
     <p:spTree>
@@ -7727,7 +7952,7 @@
           <a:p>
             <a:fld id="{E0D05676-0184-4491-83BE-2E9128DA927C}" type="datetime1">
               <a:rPr lang="hu-HU" smtClean="0"/>
-              <a:t>2024. 03. 05.</a:t>
+              <a:t>2024. 03. 06.</a:t>
             </a:fld>
             <a:endParaRPr lang="en-US"/>
           </a:p>
@@ -7785,7 +8010,7 @@
           <a:p>
             <a:fld id="{927374A8-BCF2-49CD-84BD-18DF129551B3}" type="slidenum">
               <a:rPr lang="en-US" smtClean="0"/>
-              <a:t>16</a:t>
+              <a:t>17</a:t>
             </a:fld>
             <a:endParaRPr lang="en-US"/>
           </a:p>
@@ -7864,208 +8089,6 @@
 </p:sld>
 </file>
 
-<file path=ppt/slides/slide17.xml><?xml version="1.0" encoding="utf-8"?>
-<p:sld xmlns:a="http://schemas.openxmlformats.org/drawingml/2006/main" xmlns:r="http://schemas.openxmlformats.org/officeDocument/2006/relationships" xmlns:p="http://schemas.openxmlformats.org/presentationml/2006/main">
-  <p:cSld>
-    <p:spTree>
-      <p:nvGrpSpPr>
-        <p:cNvPr id="1" name="">
-          <a:extLst>
-            <a:ext uri="{FF2B5EF4-FFF2-40B4-BE49-F238E27FC236}">
-              <a16:creationId xmlns:a16="http://schemas.microsoft.com/office/drawing/2014/main" id="{8609113A-B9BE-27A3-1906-E67A29B78A5C}"/>
-            </a:ext>
-          </a:extLst>
-        </p:cNvPr>
-        <p:cNvGrpSpPr/>
-        <p:nvPr/>
-      </p:nvGrpSpPr>
-      <p:grpSpPr>
-        <a:xfrm>
-          <a:off x="0" y="0"/>
-          <a:ext cx="0" cy="0"/>
-          <a:chOff x="0" y="0"/>
-          <a:chExt cx="0" cy="0"/>
-        </a:xfrm>
-      </p:grpSpPr>
-      <p:sp>
-        <p:nvSpPr>
-          <p:cNvPr id="2" name="Cím 1">
-            <a:extLst>
-              <a:ext uri="{FF2B5EF4-FFF2-40B4-BE49-F238E27FC236}">
-                <a16:creationId xmlns:a16="http://schemas.microsoft.com/office/drawing/2014/main" id="{DBB76A7D-16BF-9C4C-806B-F6D32BA78FF9}"/>
-              </a:ext>
-            </a:extLst>
-          </p:cNvPr>
-          <p:cNvSpPr>
-            <a:spLocks noGrp="1"/>
-          </p:cNvSpPr>
-          <p:nvPr>
-            <p:ph type="title"/>
-          </p:nvPr>
-        </p:nvSpPr>
-        <p:spPr/>
-        <p:txBody>
-          <a:bodyPr/>
-          <a:lstStyle/>
-          <a:p>
-            <a:r>
-              <a:rPr lang="hu-HU" dirty="0" err="1"/>
-              <a:t>Github</a:t>
-            </a:r>
-            <a:endParaRPr lang="en-US" dirty="0"/>
-          </a:p>
-        </p:txBody>
-      </p:sp>
-      <p:sp>
-        <p:nvSpPr>
-          <p:cNvPr id="3" name="Tartalom helye 2">
-            <a:extLst>
-              <a:ext uri="{FF2B5EF4-FFF2-40B4-BE49-F238E27FC236}">
-                <a16:creationId xmlns:a16="http://schemas.microsoft.com/office/drawing/2014/main" id="{A00E67F5-B445-4671-3FB5-430BABEBD510}"/>
-              </a:ext>
-            </a:extLst>
-          </p:cNvPr>
-          <p:cNvSpPr>
-            <a:spLocks noGrp="1"/>
-          </p:cNvSpPr>
-          <p:nvPr>
-            <p:ph idx="1"/>
-          </p:nvPr>
-        </p:nvSpPr>
-        <p:spPr>
-          <a:xfrm>
-            <a:off x="1118830" y="1562100"/>
-            <a:ext cx="9905998" cy="3124201"/>
-          </a:xfrm>
-        </p:spPr>
-        <p:txBody>
-          <a:bodyPr/>
-          <a:lstStyle/>
-          <a:p>
-            <a:r>
-              <a:rPr lang="hu-HU" dirty="0"/>
-              <a:t>Lehetőséget teremt </a:t>
-            </a:r>
-            <a:r>
-              <a:rPr lang="hu-HU" dirty="0" err="1"/>
-              <a:t>hostolni</a:t>
-            </a:r>
-            <a:r>
-              <a:rPr lang="hu-HU" dirty="0"/>
-              <a:t> weblapot ingyenesen</a:t>
-            </a:r>
-          </a:p>
-          <a:p>
-            <a:r>
-              <a:rPr lang="hu-HU" dirty="0"/>
-              <a:t>Korábban volt róla előadás</a:t>
-            </a:r>
-          </a:p>
-          <a:p>
-            <a:endParaRPr lang="en-US" dirty="0"/>
-          </a:p>
-        </p:txBody>
-      </p:sp>
-      <p:sp>
-        <p:nvSpPr>
-          <p:cNvPr id="4" name="Dátum helye 3">
-            <a:extLst>
-              <a:ext uri="{FF2B5EF4-FFF2-40B4-BE49-F238E27FC236}">
-                <a16:creationId xmlns:a16="http://schemas.microsoft.com/office/drawing/2014/main" id="{27A32E8E-037B-0C7F-4AC3-EB36FDB5048E}"/>
-              </a:ext>
-            </a:extLst>
-          </p:cNvPr>
-          <p:cNvSpPr>
-            <a:spLocks noGrp="1"/>
-          </p:cNvSpPr>
-          <p:nvPr>
-            <p:ph type="dt" sz="half" idx="10"/>
-          </p:nvPr>
-        </p:nvSpPr>
-        <p:spPr/>
-        <p:txBody>
-          <a:bodyPr/>
-          <a:lstStyle/>
-          <a:p>
-            <a:fld id="{92DD11B4-80D5-44DE-A7EE-0D0C4A06CAFB}" type="datetime1">
-              <a:rPr lang="hu-HU" smtClean="0"/>
-              <a:t>2024. 03. 05.</a:t>
-            </a:fld>
-            <a:endParaRPr lang="en-US"/>
-          </a:p>
-        </p:txBody>
-      </p:sp>
-      <p:sp>
-        <p:nvSpPr>
-          <p:cNvPr id="5" name="Élőláb helye 4">
-            <a:extLst>
-              <a:ext uri="{FF2B5EF4-FFF2-40B4-BE49-F238E27FC236}">
-                <a16:creationId xmlns:a16="http://schemas.microsoft.com/office/drawing/2014/main" id="{1E506CCC-1B15-DD9E-3E1C-E2DC11881A6C}"/>
-              </a:ext>
-            </a:extLst>
-          </p:cNvPr>
-          <p:cNvSpPr>
-            <a:spLocks noGrp="1"/>
-          </p:cNvSpPr>
-          <p:nvPr>
-            <p:ph type="ftr" sz="quarter" idx="11"/>
-          </p:nvPr>
-        </p:nvSpPr>
-        <p:spPr/>
-        <p:txBody>
-          <a:bodyPr/>
-          <a:lstStyle/>
-          <a:p>
-            <a:r>
-              <a:rPr lang="hu-HU" dirty="0"/>
-              <a:t>Tóth Gergely</a:t>
-            </a:r>
-            <a:endParaRPr lang="en-US" dirty="0"/>
-          </a:p>
-        </p:txBody>
-      </p:sp>
-      <p:sp>
-        <p:nvSpPr>
-          <p:cNvPr id="6" name="Dia számának helye 5">
-            <a:extLst>
-              <a:ext uri="{FF2B5EF4-FFF2-40B4-BE49-F238E27FC236}">
-                <a16:creationId xmlns:a16="http://schemas.microsoft.com/office/drawing/2014/main" id="{6D86B534-D7F0-0E8A-4F20-715F83C7A441}"/>
-              </a:ext>
-            </a:extLst>
-          </p:cNvPr>
-          <p:cNvSpPr>
-            <a:spLocks noGrp="1"/>
-          </p:cNvSpPr>
-          <p:nvPr>
-            <p:ph type="sldNum" sz="quarter" idx="12"/>
-          </p:nvPr>
-        </p:nvSpPr>
-        <p:spPr/>
-        <p:txBody>
-          <a:bodyPr/>
-          <a:lstStyle/>
-          <a:p>
-            <a:fld id="{927374A8-BCF2-49CD-84BD-18DF129551B3}" type="slidenum">
-              <a:rPr lang="en-US" smtClean="0"/>
-              <a:t>17</a:t>
-            </a:fld>
-            <a:endParaRPr lang="en-US"/>
-          </a:p>
-        </p:txBody>
-      </p:sp>
-    </p:spTree>
-    <p:extLst>
-      <p:ext uri="{BB962C8B-B14F-4D97-AF65-F5344CB8AC3E}">
-        <p14:creationId xmlns:p14="http://schemas.microsoft.com/office/powerpoint/2010/main" val="2740941923"/>
-      </p:ext>
-    </p:extLst>
-  </p:cSld>
-  <p:clrMapOvr>
-    <a:masterClrMapping/>
-  </p:clrMapOvr>
-</p:sld>
-</file>
-
 <file path=ppt/slides/slide18.xml><?xml version="1.0" encoding="utf-8"?>
 <p:sld xmlns:a="http://schemas.openxmlformats.org/drawingml/2006/main" xmlns:r="http://schemas.openxmlformats.org/officeDocument/2006/relationships" xmlns:p="http://schemas.openxmlformats.org/presentationml/2006/main">
   <p:cSld>
@@ -8088,7 +8111,7 @@
           <p:cNvPr id="2" name="Cím 1">
             <a:extLst>
               <a:ext uri="{FF2B5EF4-FFF2-40B4-BE49-F238E27FC236}">
-                <a16:creationId xmlns:a16="http://schemas.microsoft.com/office/drawing/2014/main" id="{AA05A088-302D-F0C6-7A5C-E62D1C07F371}"/>
+                <a16:creationId xmlns:a16="http://schemas.microsoft.com/office/drawing/2014/main" id="{3AC58DEB-264A-D9AF-0037-F9C0C760DE2A}"/>
               </a:ext>
             </a:extLst>
           </p:cNvPr>
@@ -8106,89 +8129,46 @@
           <a:p>
             <a:r>
               <a:rPr lang="hu-HU" dirty="0"/>
-              <a:t>API</a:t>
-            </a:r>
-            <a:endParaRPr lang="en-US" dirty="0"/>
-          </a:p>
-        </p:txBody>
-      </p:sp>
-      <p:sp>
-        <p:nvSpPr>
-          <p:cNvPr id="3" name="Tartalom helye 2">
-            <a:extLst>
-              <a:ext uri="{FF2B5EF4-FFF2-40B4-BE49-F238E27FC236}">
-                <a16:creationId xmlns:a16="http://schemas.microsoft.com/office/drawing/2014/main" id="{B4F5A61B-21ED-B5D3-5345-D323A3DA8077}"/>
-              </a:ext>
-            </a:extLst>
-          </p:cNvPr>
-          <p:cNvSpPr>
-            <a:spLocks noGrp="1"/>
-          </p:cNvSpPr>
+              <a:t>EJS</a:t>
+            </a:r>
+          </a:p>
+        </p:txBody>
+      </p:sp>
+      <p:pic>
+        <p:nvPicPr>
+          <p:cNvPr id="8" name="Tartalom helye 7">
+            <a:extLst>
+              <a:ext uri="{FF2B5EF4-FFF2-40B4-BE49-F238E27FC236}">
+                <a16:creationId xmlns:a16="http://schemas.microsoft.com/office/drawing/2014/main" id="{122DF43C-71BE-1279-4889-5BF68FCE1E93}"/>
+              </a:ext>
+            </a:extLst>
+          </p:cNvPr>
+          <p:cNvPicPr>
+            <a:picLocks noGrp="1" noChangeAspect="1"/>
+          </p:cNvPicPr>
           <p:nvPr>
             <p:ph idx="1"/>
           </p:nvPr>
-        </p:nvSpPr>
+        </p:nvPicPr>
+        <p:blipFill>
+          <a:blip r:embed="rId2"/>
+          <a:stretch>
+            <a:fillRect/>
+          </a:stretch>
+        </p:blipFill>
         <p:spPr>
           <a:xfrm>
-            <a:off x="1141412" y="1866899"/>
-            <a:ext cx="9905998" cy="3124201"/>
+            <a:off x="3615616" y="1902321"/>
+            <a:ext cx="4957591" cy="3980954"/>
           </a:xfrm>
         </p:spPr>
-        <p:txBody>
-          <a:bodyPr/>
-          <a:lstStyle/>
-          <a:p>
-            <a:r>
-              <a:rPr lang="hu-HU" dirty="0" err="1"/>
-              <a:t>Application</a:t>
-            </a:r>
-            <a:r>
-              <a:rPr lang="hu-HU" dirty="0"/>
-              <a:t> </a:t>
-            </a:r>
-            <a:r>
-              <a:rPr lang="hu-HU" dirty="0" err="1"/>
-              <a:t>Programming</a:t>
-            </a:r>
-            <a:r>
-              <a:rPr lang="hu-HU" dirty="0"/>
-              <a:t> </a:t>
-            </a:r>
-            <a:r>
-              <a:rPr lang="hu-HU" dirty="0" err="1"/>
-              <a:t>Interface</a:t>
-            </a:r>
-            <a:endParaRPr lang="hu-HU" dirty="0"/>
-          </a:p>
-          <a:p>
-            <a:r>
-              <a:rPr lang="hu-HU" dirty="0"/>
-              <a:t>Különböző szoftverek között kommunikációt tesznek lehetővé</a:t>
-            </a:r>
-          </a:p>
-          <a:p>
-            <a:r>
-              <a:rPr lang="hu-HU" dirty="0"/>
-              <a:t>Meghatározzák hogyan lehet más programoknak hozzáférni a szolgáltatásokhoz, funkciókhoz</a:t>
-            </a:r>
-          </a:p>
-          <a:p>
-            <a:r>
-              <a:rPr lang="hu-HU" dirty="0"/>
-              <a:t>Példa: időjárás alapján jelenítünk meg egy ikont a weblapunkon</a:t>
-            </a:r>
-          </a:p>
-          <a:p>
-            <a:endParaRPr lang="en-US" dirty="0"/>
-          </a:p>
-        </p:txBody>
-      </p:sp>
+      </p:pic>
       <p:sp>
         <p:nvSpPr>
           <p:cNvPr id="4" name="Dátum helye 3">
             <a:extLst>
               <a:ext uri="{FF2B5EF4-FFF2-40B4-BE49-F238E27FC236}">
-                <a16:creationId xmlns:a16="http://schemas.microsoft.com/office/drawing/2014/main" id="{4B28E435-8731-C5DE-0173-1B614D0E48FF}"/>
+                <a16:creationId xmlns:a16="http://schemas.microsoft.com/office/drawing/2014/main" id="{A9E768BF-C4F2-DFC5-8648-7359755CF59C}"/>
               </a:ext>
             </a:extLst>
           </p:cNvPr>
@@ -8206,7 +8186,7 @@
           <a:p>
             <a:fld id="{E0D05676-0184-4491-83BE-2E9128DA927C}" type="datetime1">
               <a:rPr lang="hu-HU" smtClean="0"/>
-              <a:t>2024. 03. 05.</a:t>
+              <a:t>2024. 03. 06.</a:t>
             </a:fld>
             <a:endParaRPr lang="en-US"/>
           </a:p>
@@ -8217,7 +8197,7 @@
           <p:cNvPr id="5" name="Élőláb helye 4">
             <a:extLst>
               <a:ext uri="{FF2B5EF4-FFF2-40B4-BE49-F238E27FC236}">
-                <a16:creationId xmlns:a16="http://schemas.microsoft.com/office/drawing/2014/main" id="{C3865E69-1BF3-0635-72AF-EE0FCA4C2013}"/>
+                <a16:creationId xmlns:a16="http://schemas.microsoft.com/office/drawing/2014/main" id="{5AF78FB4-4107-12B2-C01F-C188C13BA330}"/>
               </a:ext>
             </a:extLst>
           </p:cNvPr>
@@ -8246,7 +8226,7 @@
           <p:cNvPr id="6" name="Dia számának helye 5">
             <a:extLst>
               <a:ext uri="{FF2B5EF4-FFF2-40B4-BE49-F238E27FC236}">
-                <a16:creationId xmlns:a16="http://schemas.microsoft.com/office/drawing/2014/main" id="{46EFD515-9649-ECFF-7667-5D73C873F915}"/>
+                <a16:creationId xmlns:a16="http://schemas.microsoft.com/office/drawing/2014/main" id="{3E1FF64D-3A05-5947-4C9A-D22F58AA04DF}"/>
               </a:ext>
             </a:extLst>
           </p:cNvPr>
@@ -8273,7 +8253,7 @@
     </p:spTree>
     <p:extLst>
       <p:ext uri="{BB962C8B-B14F-4D97-AF65-F5344CB8AC3E}">
-        <p14:creationId xmlns:p14="http://schemas.microsoft.com/office/powerpoint/2010/main" val="4229129374"/>
+        <p14:creationId xmlns:p14="http://schemas.microsoft.com/office/powerpoint/2010/main" val="2912409242"/>
       </p:ext>
     </p:extLst>
   </p:cSld>
@@ -8288,13 +8268,7 @@
   <p:cSld>
     <p:spTree>
       <p:nvGrpSpPr>
-        <p:cNvPr id="1" name="">
-          <a:extLst>
-            <a:ext uri="{FF2B5EF4-FFF2-40B4-BE49-F238E27FC236}">
-              <a16:creationId xmlns:a16="http://schemas.microsoft.com/office/drawing/2014/main" id="{5D585CD1-CE58-8742-FB7A-2400532968FD}"/>
-            </a:ext>
-          </a:extLst>
-        </p:cNvPr>
+        <p:cNvPr id="1" name=""/>
         <p:cNvGrpSpPr/>
         <p:nvPr/>
       </p:nvGrpSpPr>
@@ -8311,7 +8285,7 @@
           <p:cNvPr id="2" name="Cím 1">
             <a:extLst>
               <a:ext uri="{FF2B5EF4-FFF2-40B4-BE49-F238E27FC236}">
-                <a16:creationId xmlns:a16="http://schemas.microsoft.com/office/drawing/2014/main" id="{A72FE74F-2F7C-A32A-BC8D-E2766F2DCF90}"/>
+                <a16:creationId xmlns:a16="http://schemas.microsoft.com/office/drawing/2014/main" id="{AA05A088-302D-F0C6-7A5C-E62D1C07F371}"/>
               </a:ext>
             </a:extLst>
           </p:cNvPr>
@@ -8329,7 +8303,7 @@
           <a:p>
             <a:r>
               <a:rPr lang="hu-HU" dirty="0"/>
-              <a:t>JSON</a:t>
+              <a:t>API</a:t>
             </a:r>
             <a:endParaRPr lang="en-US" dirty="0"/>
           </a:p>
@@ -8340,7 +8314,7 @@
           <p:cNvPr id="3" name="Tartalom helye 2">
             <a:extLst>
               <a:ext uri="{FF2B5EF4-FFF2-40B4-BE49-F238E27FC236}">
-                <a16:creationId xmlns:a16="http://schemas.microsoft.com/office/drawing/2014/main" id="{34AD1AA0-C069-6881-0525-39220649ACA6}"/>
+                <a16:creationId xmlns:a16="http://schemas.microsoft.com/office/drawing/2014/main" id="{B4F5A61B-21ED-B5D3-5345-D323A3DA8077}"/>
               </a:ext>
             </a:extLst>
           </p:cNvPr>
@@ -8353,7 +8327,7 @@
         </p:nvSpPr>
         <p:spPr>
           <a:xfrm>
-            <a:off x="1141413" y="1475762"/>
+            <a:off x="1141412" y="1866899"/>
             <a:ext cx="9905998" cy="3124201"/>
           </a:xfrm>
         </p:spPr>
@@ -8363,7 +8337,7 @@
           <a:p>
             <a:r>
               <a:rPr lang="hu-HU" dirty="0" err="1"/>
-              <a:t>JavaScrip</a:t>
+              <a:t>Application</a:t>
             </a:r>
             <a:r>
               <a:rPr lang="hu-HU" dirty="0"/>
@@ -8371,7 +8345,7 @@
             </a:r>
             <a:r>
               <a:rPr lang="hu-HU" dirty="0" err="1"/>
-              <a:t>Object</a:t>
+              <a:t>Programming</a:t>
             </a:r>
             <a:r>
               <a:rPr lang="hu-HU" dirty="0"/>
@@ -8379,33 +8353,30 @@
             </a:r>
             <a:r>
               <a:rPr lang="hu-HU" dirty="0" err="1"/>
-              <a:t>Notation</a:t>
+              <a:t>Interface</a:t>
             </a:r>
             <a:endParaRPr lang="hu-HU" dirty="0"/>
           </a:p>
           <a:p>
             <a:r>
-              <a:rPr lang="hu-HU" dirty="0" err="1"/>
-              <a:t>JavaScrip</a:t>
-            </a:r>
-            <a:r>
-              <a:rPr lang="hu-HU" dirty="0"/>
-              <a:t> </a:t>
-            </a:r>
-            <a:r>
-              <a:rPr lang="hu-HU" dirty="0" err="1"/>
-              <a:t>object</a:t>
-            </a:r>
-            <a:r>
-              <a:rPr lang="hu-HU" dirty="0"/>
-              <a:t> alapján van felépítve, és arra szolgál, hogy adatot tudjunk továbbítani</a:t>
-            </a:r>
-          </a:p>
-          <a:p>
-            <a:r>
-              <a:rPr lang="en-US" dirty="0"/>
-              <a:t>https://jsonviewer.stack.hu</a:t>
-            </a:r>
+              <a:rPr lang="hu-HU" dirty="0"/>
+              <a:t>Különböző szoftverek között kommunikációt tesznek lehetővé</a:t>
+            </a:r>
+          </a:p>
+          <a:p>
+            <a:r>
+              <a:rPr lang="hu-HU" dirty="0"/>
+              <a:t>Meghatározzák hogyan lehet más programoknak hozzáférni a szolgáltatásokhoz, funkciókhoz</a:t>
+            </a:r>
+          </a:p>
+          <a:p>
+            <a:r>
+              <a:rPr lang="hu-HU" dirty="0"/>
+              <a:t>Példa: időjárás alapján jelenítünk meg egy ikont a weblapunkon</a:t>
+            </a:r>
+          </a:p>
+          <a:p>
+            <a:endParaRPr lang="en-US" dirty="0"/>
           </a:p>
         </p:txBody>
       </p:sp>
@@ -8414,7 +8385,7 @@
           <p:cNvPr id="4" name="Dátum helye 3">
             <a:extLst>
               <a:ext uri="{FF2B5EF4-FFF2-40B4-BE49-F238E27FC236}">
-                <a16:creationId xmlns:a16="http://schemas.microsoft.com/office/drawing/2014/main" id="{582F4D84-0188-0E8A-BDAC-B0A97EA4FDE4}"/>
+                <a16:creationId xmlns:a16="http://schemas.microsoft.com/office/drawing/2014/main" id="{4B28E435-8731-C5DE-0173-1B614D0E48FF}"/>
               </a:ext>
             </a:extLst>
           </p:cNvPr>
@@ -8430,9 +8401,9 @@
           <a:bodyPr/>
           <a:lstStyle/>
           <a:p>
-            <a:fld id="{DD1C1BF3-2DD5-4223-B860-0E40CABDF328}" type="datetime1">
+            <a:fld id="{E0D05676-0184-4491-83BE-2E9128DA927C}" type="datetime1">
               <a:rPr lang="hu-HU" smtClean="0"/>
-              <a:t>2024. 03. 05.</a:t>
+              <a:t>2024. 03. 06.</a:t>
             </a:fld>
             <a:endParaRPr lang="en-US"/>
           </a:p>
@@ -8443,7 +8414,7 @@
           <p:cNvPr id="5" name="Élőláb helye 4">
             <a:extLst>
               <a:ext uri="{FF2B5EF4-FFF2-40B4-BE49-F238E27FC236}">
-                <a16:creationId xmlns:a16="http://schemas.microsoft.com/office/drawing/2014/main" id="{C8DEF511-4831-0F6F-5EF9-89A0812A1F9E}"/>
+                <a16:creationId xmlns:a16="http://schemas.microsoft.com/office/drawing/2014/main" id="{C3865E69-1BF3-0635-72AF-EE0FCA4C2013}"/>
               </a:ext>
             </a:extLst>
           </p:cNvPr>
@@ -8472,7 +8443,7 @@
           <p:cNvPr id="6" name="Dia számának helye 5">
             <a:extLst>
               <a:ext uri="{FF2B5EF4-FFF2-40B4-BE49-F238E27FC236}">
-                <a16:creationId xmlns:a16="http://schemas.microsoft.com/office/drawing/2014/main" id="{9AB4CCEF-916C-94D2-9994-CCCF01F27188}"/>
+                <a16:creationId xmlns:a16="http://schemas.microsoft.com/office/drawing/2014/main" id="{46EFD515-9649-ECFF-7667-5D73C873F915}"/>
               </a:ext>
             </a:extLst>
           </p:cNvPr>
@@ -8499,7 +8470,7 @@
     </p:spTree>
     <p:extLst>
       <p:ext uri="{BB962C8B-B14F-4D97-AF65-F5344CB8AC3E}">
-        <p14:creationId xmlns:p14="http://schemas.microsoft.com/office/powerpoint/2010/main" val="1161368133"/>
+        <p14:creationId xmlns:p14="http://schemas.microsoft.com/office/powerpoint/2010/main" val="4229129374"/>
       </p:ext>
     </p:extLst>
   </p:cSld>
@@ -8636,6 +8607,34 @@
               </a:solidFill>
             </a:endParaRPr>
           </a:p>
+          <a:p>
+            <a:r>
+              <a:rPr lang="hu-HU" dirty="0">
+                <a:solidFill>
+                  <a:schemeClr val="accent5">
+                    <a:lumMod val="60000"/>
+                    <a:lumOff val="40000"/>
+                  </a:schemeClr>
+                </a:solidFill>
+                <a:hlinkClick r:id="rId4">
+                  <a:extLst>
+                    <a:ext uri="{A12FA001-AC4F-418D-AE19-62706E023703}">
+                      <ahyp:hlinkClr xmlns:ahyp="http://schemas.microsoft.com/office/drawing/2018/hyperlinkcolor" val="tx"/>
+                    </a:ext>
+                  </a:extLst>
+                </a:hlinkClick>
+              </a:rPr>
+              <a:t>https://icell.udemy.com/course/the-complete-web-development-bootcamp/learn/lecture/12638830#overview</a:t>
+            </a:r>
+            <a:endParaRPr lang="hu-HU" dirty="0">
+              <a:solidFill>
+                <a:schemeClr val="accent5">
+                  <a:lumMod val="60000"/>
+                  <a:lumOff val="40000"/>
+                </a:schemeClr>
+              </a:solidFill>
+            </a:endParaRPr>
+          </a:p>
         </p:txBody>
       </p:sp>
       <p:sp>
@@ -8661,7 +8660,7 @@
           <a:p>
             <a:fld id="{E0D05676-0184-4491-83BE-2E9128DA927C}" type="datetime1">
               <a:rPr lang="hu-HU" smtClean="0"/>
-              <a:t>2024. 03. 05.</a:t>
+              <a:t>2024. 03. 06.</a:t>
             </a:fld>
             <a:endParaRPr lang="en-US"/>
           </a:p>
@@ -8743,6 +8742,232 @@
   <p:cSld>
     <p:spTree>
       <p:nvGrpSpPr>
+        <p:cNvPr id="1" name="">
+          <a:extLst>
+            <a:ext uri="{FF2B5EF4-FFF2-40B4-BE49-F238E27FC236}">
+              <a16:creationId xmlns:a16="http://schemas.microsoft.com/office/drawing/2014/main" id="{5D585CD1-CE58-8742-FB7A-2400532968FD}"/>
+            </a:ext>
+          </a:extLst>
+        </p:cNvPr>
+        <p:cNvGrpSpPr/>
+        <p:nvPr/>
+      </p:nvGrpSpPr>
+      <p:grpSpPr>
+        <a:xfrm>
+          <a:off x="0" y="0"/>
+          <a:ext cx="0" cy="0"/>
+          <a:chOff x="0" y="0"/>
+          <a:chExt cx="0" cy="0"/>
+        </a:xfrm>
+      </p:grpSpPr>
+      <p:sp>
+        <p:nvSpPr>
+          <p:cNvPr id="2" name="Cím 1">
+            <a:extLst>
+              <a:ext uri="{FF2B5EF4-FFF2-40B4-BE49-F238E27FC236}">
+                <a16:creationId xmlns:a16="http://schemas.microsoft.com/office/drawing/2014/main" id="{A72FE74F-2F7C-A32A-BC8D-E2766F2DCF90}"/>
+              </a:ext>
+            </a:extLst>
+          </p:cNvPr>
+          <p:cNvSpPr>
+            <a:spLocks noGrp="1"/>
+          </p:cNvSpPr>
+          <p:nvPr>
+            <p:ph type="title"/>
+          </p:nvPr>
+        </p:nvSpPr>
+        <p:spPr/>
+        <p:txBody>
+          <a:bodyPr/>
+          <a:lstStyle/>
+          <a:p>
+            <a:r>
+              <a:rPr lang="hu-HU" dirty="0"/>
+              <a:t>JSON</a:t>
+            </a:r>
+            <a:endParaRPr lang="en-US" dirty="0"/>
+          </a:p>
+        </p:txBody>
+      </p:sp>
+      <p:sp>
+        <p:nvSpPr>
+          <p:cNvPr id="3" name="Tartalom helye 2">
+            <a:extLst>
+              <a:ext uri="{FF2B5EF4-FFF2-40B4-BE49-F238E27FC236}">
+                <a16:creationId xmlns:a16="http://schemas.microsoft.com/office/drawing/2014/main" id="{34AD1AA0-C069-6881-0525-39220649ACA6}"/>
+              </a:ext>
+            </a:extLst>
+          </p:cNvPr>
+          <p:cNvSpPr>
+            <a:spLocks noGrp="1"/>
+          </p:cNvSpPr>
+          <p:nvPr>
+            <p:ph idx="1"/>
+          </p:nvPr>
+        </p:nvSpPr>
+        <p:spPr>
+          <a:xfrm>
+            <a:off x="1141413" y="1475762"/>
+            <a:ext cx="9905998" cy="3124201"/>
+          </a:xfrm>
+        </p:spPr>
+        <p:txBody>
+          <a:bodyPr/>
+          <a:lstStyle/>
+          <a:p>
+            <a:r>
+              <a:rPr lang="hu-HU" dirty="0" err="1"/>
+              <a:t>JavaScrip</a:t>
+            </a:r>
+            <a:r>
+              <a:rPr lang="hu-HU" dirty="0"/>
+              <a:t> </a:t>
+            </a:r>
+            <a:r>
+              <a:rPr lang="hu-HU" dirty="0" err="1"/>
+              <a:t>Object</a:t>
+            </a:r>
+            <a:r>
+              <a:rPr lang="hu-HU" dirty="0"/>
+              <a:t> </a:t>
+            </a:r>
+            <a:r>
+              <a:rPr lang="hu-HU" dirty="0" err="1"/>
+              <a:t>Notation</a:t>
+            </a:r>
+            <a:endParaRPr lang="hu-HU" dirty="0"/>
+          </a:p>
+          <a:p>
+            <a:r>
+              <a:rPr lang="hu-HU" dirty="0" err="1"/>
+              <a:t>JavaScrip</a:t>
+            </a:r>
+            <a:r>
+              <a:rPr lang="hu-HU" dirty="0"/>
+              <a:t> </a:t>
+            </a:r>
+            <a:r>
+              <a:rPr lang="hu-HU" dirty="0" err="1"/>
+              <a:t>object</a:t>
+            </a:r>
+            <a:r>
+              <a:rPr lang="hu-HU" dirty="0"/>
+              <a:t> alapján van felépítve, és arra szolgál, hogy adatot tudjunk továbbítani</a:t>
+            </a:r>
+          </a:p>
+          <a:p>
+            <a:r>
+              <a:rPr lang="en-US" dirty="0"/>
+              <a:t>https://jsonviewer.stack.hu</a:t>
+            </a:r>
+          </a:p>
+        </p:txBody>
+      </p:sp>
+      <p:sp>
+        <p:nvSpPr>
+          <p:cNvPr id="4" name="Dátum helye 3">
+            <a:extLst>
+              <a:ext uri="{FF2B5EF4-FFF2-40B4-BE49-F238E27FC236}">
+                <a16:creationId xmlns:a16="http://schemas.microsoft.com/office/drawing/2014/main" id="{582F4D84-0188-0E8A-BDAC-B0A97EA4FDE4}"/>
+              </a:ext>
+            </a:extLst>
+          </p:cNvPr>
+          <p:cNvSpPr>
+            <a:spLocks noGrp="1"/>
+          </p:cNvSpPr>
+          <p:nvPr>
+            <p:ph type="dt" sz="half" idx="10"/>
+          </p:nvPr>
+        </p:nvSpPr>
+        <p:spPr/>
+        <p:txBody>
+          <a:bodyPr/>
+          <a:lstStyle/>
+          <a:p>
+            <a:fld id="{DD1C1BF3-2DD5-4223-B860-0E40CABDF328}" type="datetime1">
+              <a:rPr lang="hu-HU" smtClean="0"/>
+              <a:t>2024. 03. 06.</a:t>
+            </a:fld>
+            <a:endParaRPr lang="en-US"/>
+          </a:p>
+        </p:txBody>
+      </p:sp>
+      <p:sp>
+        <p:nvSpPr>
+          <p:cNvPr id="5" name="Élőláb helye 4">
+            <a:extLst>
+              <a:ext uri="{FF2B5EF4-FFF2-40B4-BE49-F238E27FC236}">
+                <a16:creationId xmlns:a16="http://schemas.microsoft.com/office/drawing/2014/main" id="{C8DEF511-4831-0F6F-5EF9-89A0812A1F9E}"/>
+              </a:ext>
+            </a:extLst>
+          </p:cNvPr>
+          <p:cNvSpPr>
+            <a:spLocks noGrp="1"/>
+          </p:cNvSpPr>
+          <p:nvPr>
+            <p:ph type="ftr" sz="quarter" idx="11"/>
+          </p:nvPr>
+        </p:nvSpPr>
+        <p:spPr/>
+        <p:txBody>
+          <a:bodyPr/>
+          <a:lstStyle/>
+          <a:p>
+            <a:r>
+              <a:rPr lang="hu-HU" dirty="0"/>
+              <a:t>Tóth Gergely</a:t>
+            </a:r>
+            <a:endParaRPr lang="en-US" dirty="0"/>
+          </a:p>
+        </p:txBody>
+      </p:sp>
+      <p:sp>
+        <p:nvSpPr>
+          <p:cNvPr id="6" name="Dia számának helye 5">
+            <a:extLst>
+              <a:ext uri="{FF2B5EF4-FFF2-40B4-BE49-F238E27FC236}">
+                <a16:creationId xmlns:a16="http://schemas.microsoft.com/office/drawing/2014/main" id="{9AB4CCEF-916C-94D2-9994-CCCF01F27188}"/>
+              </a:ext>
+            </a:extLst>
+          </p:cNvPr>
+          <p:cNvSpPr>
+            <a:spLocks noGrp="1"/>
+          </p:cNvSpPr>
+          <p:nvPr>
+            <p:ph type="sldNum" sz="quarter" idx="12"/>
+          </p:nvPr>
+        </p:nvSpPr>
+        <p:spPr/>
+        <p:txBody>
+          <a:bodyPr/>
+          <a:lstStyle/>
+          <a:p>
+            <a:fld id="{927374A8-BCF2-49CD-84BD-18DF129551B3}" type="slidenum">
+              <a:rPr lang="en-US" smtClean="0"/>
+              <a:t>20</a:t>
+            </a:fld>
+            <a:endParaRPr lang="en-US"/>
+          </a:p>
+        </p:txBody>
+      </p:sp>
+    </p:spTree>
+    <p:extLst>
+      <p:ext uri="{BB962C8B-B14F-4D97-AF65-F5344CB8AC3E}">
+        <p14:creationId xmlns:p14="http://schemas.microsoft.com/office/powerpoint/2010/main" val="1161368133"/>
+      </p:ext>
+    </p:extLst>
+  </p:cSld>
+  <p:clrMapOvr>
+    <a:masterClrMapping/>
+  </p:clrMapOvr>
+</p:sld>
+</file>
+
+<file path=ppt/slides/slide21.xml><?xml version="1.0" encoding="utf-8"?>
+<p:sld xmlns:a="http://schemas.openxmlformats.org/drawingml/2006/main" xmlns:r="http://schemas.openxmlformats.org/officeDocument/2006/relationships" xmlns:p="http://schemas.openxmlformats.org/presentationml/2006/main">
+  <p:cSld>
+    <p:spTree>
+      <p:nvGrpSpPr>
         <p:cNvPr id="1" name=""/>
         <p:cNvGrpSpPr/>
         <p:nvPr/>
@@ -8836,7 +9061,7 @@
           <a:p>
             <a:fld id="{E0D05676-0184-4491-83BE-2E9128DA927C}" type="datetime1">
               <a:rPr lang="hu-HU" smtClean="0"/>
-              <a:t>2024. 03. 05.</a:t>
+              <a:t>2024. 03. 06.</a:t>
             </a:fld>
             <a:endParaRPr lang="en-US"/>
           </a:p>
@@ -8894,7 +9119,7 @@
           <a:p>
             <a:fld id="{927374A8-BCF2-49CD-84BD-18DF129551B3}" type="slidenum">
               <a:rPr lang="en-US" smtClean="0"/>
-              <a:t>20</a:t>
+              <a:t>21</a:t>
             </a:fld>
             <a:endParaRPr lang="en-US"/>
           </a:p>
@@ -8943,7 +9168,7 @@
 </p:sld>
 </file>
 
-<file path=ppt/slides/slide21.xml><?xml version="1.0" encoding="utf-8"?>
+<file path=ppt/slides/slide22.xml><?xml version="1.0" encoding="utf-8"?>
 <p:sld xmlns:a="http://schemas.openxmlformats.org/drawingml/2006/main" xmlns:r="http://schemas.openxmlformats.org/officeDocument/2006/relationships" xmlns:p="http://schemas.openxmlformats.org/presentationml/2006/main">
   <p:cSld>
     <p:spTree>
@@ -9092,7 +9317,7 @@
           <a:p>
             <a:fld id="{82D5F01D-94D0-4555-86CB-29291917B8C5}" type="datetime1">
               <a:rPr lang="hu-HU" smtClean="0"/>
-              <a:t>2024. 03. 05.</a:t>
+              <a:t>2024. 03. 06.</a:t>
             </a:fld>
             <a:endParaRPr lang="en-US"/>
           </a:p>
@@ -9150,7 +9375,7 @@
           <a:p>
             <a:fld id="{927374A8-BCF2-49CD-84BD-18DF129551B3}" type="slidenum">
               <a:rPr lang="en-US" smtClean="0"/>
-              <a:t>21</a:t>
+              <a:t>22</a:t>
             </a:fld>
             <a:endParaRPr lang="en-US"/>
           </a:p>
@@ -9169,7 +9394,7 @@
 </p:sld>
 </file>
 
-<file path=ppt/slides/slide22.xml><?xml version="1.0" encoding="utf-8"?>
+<file path=ppt/slides/slide23.xml><?xml version="1.0" encoding="utf-8"?>
 <p:sld xmlns:a="http://schemas.openxmlformats.org/drawingml/2006/main" xmlns:r="http://schemas.openxmlformats.org/officeDocument/2006/relationships" xmlns:p="http://schemas.openxmlformats.org/presentationml/2006/main">
   <p:cSld>
     <p:spTree>
@@ -9353,7 +9578,7 @@
           <a:p>
             <a:fld id="{15A1B103-ECC8-469B-9ACB-426E3EC72F44}" type="datetime1">
               <a:rPr lang="hu-HU" smtClean="0"/>
-              <a:t>2024. 03. 05.</a:t>
+              <a:t>2024. 03. 06.</a:t>
             </a:fld>
             <a:endParaRPr lang="en-US"/>
           </a:p>
@@ -9411,7 +9636,7 @@
           <a:p>
             <a:fld id="{927374A8-BCF2-49CD-84BD-18DF129551B3}" type="slidenum">
               <a:rPr lang="en-US" smtClean="0"/>
-              <a:t>22</a:t>
+              <a:t>23</a:t>
             </a:fld>
             <a:endParaRPr lang="en-US"/>
           </a:p>
@@ -9430,7 +9655,7 @@
 </p:sld>
 </file>
 
-<file path=ppt/slides/slide23.xml><?xml version="1.0" encoding="utf-8"?>
+<file path=ppt/slides/slide24.xml><?xml version="1.0" encoding="utf-8"?>
 <p:sld xmlns:a="http://schemas.openxmlformats.org/drawingml/2006/main" xmlns:r="http://schemas.openxmlformats.org/officeDocument/2006/relationships" xmlns:p="http://schemas.openxmlformats.org/presentationml/2006/main">
   <p:cSld>
     <p:spTree>
@@ -9620,7 +9845,7 @@
           <a:p>
             <a:fld id="{2C1A3A25-FD19-4ECC-8F38-B0CD4CBEFDF6}" type="datetime1">
               <a:rPr lang="hu-HU" smtClean="0"/>
-              <a:t>2024. 03. 05.</a:t>
+              <a:t>2024. 03. 06.</a:t>
             </a:fld>
             <a:endParaRPr lang="en-US"/>
           </a:p>
@@ -9678,7 +9903,7 @@
           <a:p>
             <a:fld id="{927374A8-BCF2-49CD-84BD-18DF129551B3}" type="slidenum">
               <a:rPr lang="en-US" smtClean="0"/>
-              <a:t>23</a:t>
+              <a:t>24</a:t>
             </a:fld>
             <a:endParaRPr lang="en-US"/>
           </a:p>
@@ -9697,7 +9922,7 @@
 </p:sld>
 </file>
 
-<file path=ppt/slides/slide24.xml><?xml version="1.0" encoding="utf-8"?>
+<file path=ppt/slides/slide25.xml><?xml version="1.0" encoding="utf-8"?>
 <p:sld xmlns:a="http://schemas.openxmlformats.org/drawingml/2006/main" xmlns:r="http://schemas.openxmlformats.org/officeDocument/2006/relationships" xmlns:p="http://schemas.openxmlformats.org/presentationml/2006/main">
   <p:cSld>
     <p:spTree>
@@ -9801,7 +10026,7 @@
           <a:p>
             <a:fld id="{48B87EE5-0B8E-4120-BE41-69C15EC2CEA3}" type="datetime1">
               <a:rPr lang="hu-HU" smtClean="0"/>
-              <a:t>2024. 03. 05.</a:t>
+              <a:t>2024. 03. 06.</a:t>
             </a:fld>
             <a:endParaRPr lang="en-US"/>
           </a:p>
@@ -9859,7 +10084,7 @@
           <a:p>
             <a:fld id="{927374A8-BCF2-49CD-84BD-18DF129551B3}" type="slidenum">
               <a:rPr lang="en-US" smtClean="0"/>
-              <a:t>24</a:t>
+              <a:t>25</a:t>
             </a:fld>
             <a:endParaRPr lang="en-US"/>
           </a:p>
@@ -9878,7 +10103,7 @@
 </p:sld>
 </file>
 
-<file path=ppt/slides/slide25.xml><?xml version="1.0" encoding="utf-8"?>
+<file path=ppt/slides/slide26.xml><?xml version="1.0" encoding="utf-8"?>
 <p:sld xmlns:a="http://schemas.openxmlformats.org/drawingml/2006/main" xmlns:r="http://schemas.openxmlformats.org/officeDocument/2006/relationships" xmlns:p="http://schemas.openxmlformats.org/presentationml/2006/main">
   <p:cSld>
     <p:spTree>
@@ -10021,7 +10246,7 @@
           <a:p>
             <a:fld id="{FDFA07F5-76D8-4C4D-9F61-61FEE3D9FD04}" type="datetime1">
               <a:rPr lang="hu-HU" smtClean="0"/>
-              <a:t>2024. 03. 05.</a:t>
+              <a:t>2024. 03. 06.</a:t>
             </a:fld>
             <a:endParaRPr lang="en-US"/>
           </a:p>
@@ -10079,7 +10304,7 @@
           <a:p>
             <a:fld id="{927374A8-BCF2-49CD-84BD-18DF129551B3}" type="slidenum">
               <a:rPr lang="en-US" smtClean="0"/>
-              <a:t>25</a:t>
+              <a:t>26</a:t>
             </a:fld>
             <a:endParaRPr lang="en-US"/>
           </a:p>
@@ -10098,7 +10323,7 @@
 </p:sld>
 </file>
 
-<file path=ppt/slides/slide26.xml><?xml version="1.0" encoding="utf-8"?>
+<file path=ppt/slides/slide27.xml><?xml version="1.0" encoding="utf-8"?>
 <p:sld xmlns:a="http://schemas.openxmlformats.org/drawingml/2006/main" xmlns:r="http://schemas.openxmlformats.org/officeDocument/2006/relationships" xmlns:p="http://schemas.openxmlformats.org/presentationml/2006/main">
   <p:cSld>
     <p:spTree>
@@ -10283,7 +10508,7 @@
           <a:p>
             <a:fld id="{E0D05676-0184-4491-83BE-2E9128DA927C}" type="datetime1">
               <a:rPr lang="hu-HU" smtClean="0"/>
-              <a:t>2024. 03. 05.</a:t>
+              <a:t>2024. 03. 06.</a:t>
             </a:fld>
             <a:endParaRPr lang="en-US"/>
           </a:p>
@@ -10341,7 +10566,7 @@
           <a:p>
             <a:fld id="{927374A8-BCF2-49CD-84BD-18DF129551B3}" type="slidenum">
               <a:rPr lang="en-US" smtClean="0"/>
-              <a:t>26</a:t>
+              <a:t>27</a:t>
             </a:fld>
             <a:endParaRPr lang="en-US"/>
           </a:p>
@@ -10360,7 +10585,207 @@
 </p:sld>
 </file>
 
-<file path=ppt/slides/slide27.xml><?xml version="1.0" encoding="utf-8"?>
+<file path=ppt/slides/slide28.xml><?xml version="1.0" encoding="utf-8"?>
+<p:sld xmlns:a="http://schemas.openxmlformats.org/drawingml/2006/main" xmlns:r="http://schemas.openxmlformats.org/officeDocument/2006/relationships" xmlns:p="http://schemas.openxmlformats.org/presentationml/2006/main">
+  <p:cSld>
+    <p:spTree>
+      <p:nvGrpSpPr>
+        <p:cNvPr id="1" name=""/>
+        <p:cNvGrpSpPr/>
+        <p:nvPr/>
+      </p:nvGrpSpPr>
+      <p:grpSpPr>
+        <a:xfrm>
+          <a:off x="0" y="0"/>
+          <a:ext cx="0" cy="0"/>
+          <a:chOff x="0" y="0"/>
+          <a:chExt cx="0" cy="0"/>
+        </a:xfrm>
+      </p:grpSpPr>
+      <p:sp>
+        <p:nvSpPr>
+          <p:cNvPr id="2" name="Cím 1">
+            <a:extLst>
+              <a:ext uri="{FF2B5EF4-FFF2-40B4-BE49-F238E27FC236}">
+                <a16:creationId xmlns:a16="http://schemas.microsoft.com/office/drawing/2014/main" id="{424A0AD6-69ED-806F-5651-2F9D37A99F24}"/>
+              </a:ext>
+            </a:extLst>
+          </p:cNvPr>
+          <p:cNvSpPr>
+            <a:spLocks noGrp="1"/>
+          </p:cNvSpPr>
+          <p:nvPr>
+            <p:ph type="title"/>
+          </p:nvPr>
+        </p:nvSpPr>
+        <p:spPr/>
+        <p:txBody>
+          <a:bodyPr/>
+          <a:lstStyle/>
+          <a:p>
+            <a:r>
+              <a:rPr lang="hu-HU" dirty="0"/>
+              <a:t>A Projekt felépítése</a:t>
+            </a:r>
+          </a:p>
+        </p:txBody>
+      </p:sp>
+      <p:sp>
+        <p:nvSpPr>
+          <p:cNvPr id="3" name="Tartalom helye 2">
+            <a:extLst>
+              <a:ext uri="{FF2B5EF4-FFF2-40B4-BE49-F238E27FC236}">
+                <a16:creationId xmlns:a16="http://schemas.microsoft.com/office/drawing/2014/main" id="{450C4725-8B04-6608-F9F7-ECDAF6FDA3B2}"/>
+              </a:ext>
+            </a:extLst>
+          </p:cNvPr>
+          <p:cNvSpPr>
+            <a:spLocks noGrp="1"/>
+          </p:cNvSpPr>
+          <p:nvPr>
+            <p:ph idx="1"/>
+          </p:nvPr>
+        </p:nvSpPr>
+        <p:spPr/>
+        <p:txBody>
+          <a:bodyPr/>
+          <a:lstStyle/>
+          <a:p>
+            <a:endParaRPr lang="hu-HU"/>
+          </a:p>
+        </p:txBody>
+      </p:sp>
+      <p:sp>
+        <p:nvSpPr>
+          <p:cNvPr id="4" name="Dátum helye 3">
+            <a:extLst>
+              <a:ext uri="{FF2B5EF4-FFF2-40B4-BE49-F238E27FC236}">
+                <a16:creationId xmlns:a16="http://schemas.microsoft.com/office/drawing/2014/main" id="{5D0F09E2-C4E4-BFC2-CC16-240D499C5420}"/>
+              </a:ext>
+            </a:extLst>
+          </p:cNvPr>
+          <p:cNvSpPr>
+            <a:spLocks noGrp="1"/>
+          </p:cNvSpPr>
+          <p:nvPr>
+            <p:ph type="dt" sz="half" idx="10"/>
+          </p:nvPr>
+        </p:nvSpPr>
+        <p:spPr/>
+        <p:txBody>
+          <a:bodyPr/>
+          <a:lstStyle/>
+          <a:p>
+            <a:fld id="{E0D05676-0184-4491-83BE-2E9128DA927C}" type="datetime1">
+              <a:rPr lang="hu-HU" smtClean="0"/>
+              <a:t>2024. 03. 06.</a:t>
+            </a:fld>
+            <a:endParaRPr lang="en-US"/>
+          </a:p>
+        </p:txBody>
+      </p:sp>
+      <p:sp>
+        <p:nvSpPr>
+          <p:cNvPr id="5" name="Élőláb helye 4">
+            <a:extLst>
+              <a:ext uri="{FF2B5EF4-FFF2-40B4-BE49-F238E27FC236}">
+                <a16:creationId xmlns:a16="http://schemas.microsoft.com/office/drawing/2014/main" id="{ADBAA5BF-D843-14BA-8D44-1549FEE1F2D2}"/>
+              </a:ext>
+            </a:extLst>
+          </p:cNvPr>
+          <p:cNvSpPr>
+            <a:spLocks noGrp="1"/>
+          </p:cNvSpPr>
+          <p:nvPr>
+            <p:ph type="ftr" sz="quarter" idx="11"/>
+          </p:nvPr>
+        </p:nvSpPr>
+        <p:spPr/>
+        <p:txBody>
+          <a:bodyPr/>
+          <a:lstStyle/>
+          <a:p>
+            <a:r>
+              <a:rPr lang="hu-HU" dirty="0"/>
+              <a:t>Tóth Gergely</a:t>
+            </a:r>
+            <a:endParaRPr lang="en-US" dirty="0"/>
+          </a:p>
+        </p:txBody>
+      </p:sp>
+      <p:sp>
+        <p:nvSpPr>
+          <p:cNvPr id="6" name="Dia számának helye 5">
+            <a:extLst>
+              <a:ext uri="{FF2B5EF4-FFF2-40B4-BE49-F238E27FC236}">
+                <a16:creationId xmlns:a16="http://schemas.microsoft.com/office/drawing/2014/main" id="{6F50B1F7-46FB-A7FB-E507-2AC5D7C1D6C8}"/>
+              </a:ext>
+            </a:extLst>
+          </p:cNvPr>
+          <p:cNvSpPr>
+            <a:spLocks noGrp="1"/>
+          </p:cNvSpPr>
+          <p:nvPr>
+            <p:ph type="sldNum" sz="quarter" idx="12"/>
+          </p:nvPr>
+        </p:nvSpPr>
+        <p:spPr/>
+        <p:txBody>
+          <a:bodyPr/>
+          <a:lstStyle/>
+          <a:p>
+            <a:fld id="{927374A8-BCF2-49CD-84BD-18DF129551B3}" type="slidenum">
+              <a:rPr lang="en-US" smtClean="0"/>
+              <a:t>28</a:t>
+            </a:fld>
+            <a:endParaRPr lang="en-US"/>
+          </a:p>
+        </p:txBody>
+      </p:sp>
+      <p:pic>
+        <p:nvPicPr>
+          <p:cNvPr id="8" name="Kép 7">
+            <a:extLst>
+              <a:ext uri="{FF2B5EF4-FFF2-40B4-BE49-F238E27FC236}">
+                <a16:creationId xmlns:a16="http://schemas.microsoft.com/office/drawing/2014/main" id="{A284D6CA-C9E9-8806-BE5A-D4CE5182C504}"/>
+              </a:ext>
+            </a:extLst>
+          </p:cNvPr>
+          <p:cNvPicPr>
+            <a:picLocks noChangeAspect="1"/>
+          </p:cNvPicPr>
+          <p:nvPr/>
+        </p:nvPicPr>
+        <p:blipFill>
+          <a:blip r:embed="rId2"/>
+          <a:stretch>
+            <a:fillRect/>
+          </a:stretch>
+        </p:blipFill>
+        <p:spPr>
+          <a:xfrm>
+            <a:off x="3351211" y="2666999"/>
+            <a:ext cx="5486401" cy="1905000"/>
+          </a:xfrm>
+          <a:prstGeom prst="rect">
+            <a:avLst/>
+          </a:prstGeom>
+        </p:spPr>
+      </p:pic>
+    </p:spTree>
+    <p:extLst>
+      <p:ext uri="{BB962C8B-B14F-4D97-AF65-F5344CB8AC3E}">
+        <p14:creationId xmlns:p14="http://schemas.microsoft.com/office/powerpoint/2010/main" val="2018137093"/>
+      </p:ext>
+    </p:extLst>
+  </p:cSld>
+  <p:clrMapOvr>
+    <a:masterClrMapping/>
+  </p:clrMapOvr>
+</p:sld>
+</file>
+
+<file path=ppt/slides/slide29.xml><?xml version="1.0" encoding="utf-8"?>
 <p:sld xmlns:a="http://schemas.openxmlformats.org/drawingml/2006/main" xmlns:r="http://schemas.openxmlformats.org/officeDocument/2006/relationships" xmlns:p="http://schemas.openxmlformats.org/presentationml/2006/main">
   <p:cSld>
     <p:spTree>
@@ -10440,7 +10865,7 @@
           <a:p>
             <a:fld id="{9C31EBE7-2F06-4267-A1FB-1558A7BBAB6C}" type="datetime1">
               <a:rPr lang="hu-HU" smtClean="0"/>
-              <a:t>2024. 03. 05.</a:t>
+              <a:t>2024. 03. 06.</a:t>
             </a:fld>
             <a:endParaRPr lang="en-US"/>
           </a:p>
@@ -10498,7 +10923,7 @@
           <a:p>
             <a:fld id="{927374A8-BCF2-49CD-84BD-18DF129551B3}" type="slidenum">
               <a:rPr lang="en-US" smtClean="0"/>
-              <a:t>27</a:t>
+              <a:t>29</a:t>
             </a:fld>
             <a:endParaRPr lang="en-US"/>
           </a:p>
@@ -10522,6 +10947,208 @@
   <p:cSld>
     <p:spTree>
       <p:nvGrpSpPr>
+        <p:cNvPr id="1" name="">
+          <a:extLst>
+            <a:ext uri="{FF2B5EF4-FFF2-40B4-BE49-F238E27FC236}">
+              <a16:creationId xmlns:a16="http://schemas.microsoft.com/office/drawing/2014/main" id="{8609113A-B9BE-27A3-1906-E67A29B78A5C}"/>
+            </a:ext>
+          </a:extLst>
+        </p:cNvPr>
+        <p:cNvGrpSpPr/>
+        <p:nvPr/>
+      </p:nvGrpSpPr>
+      <p:grpSpPr>
+        <a:xfrm>
+          <a:off x="0" y="0"/>
+          <a:ext cx="0" cy="0"/>
+          <a:chOff x="0" y="0"/>
+          <a:chExt cx="0" cy="0"/>
+        </a:xfrm>
+      </p:grpSpPr>
+      <p:sp>
+        <p:nvSpPr>
+          <p:cNvPr id="2" name="Cím 1">
+            <a:extLst>
+              <a:ext uri="{FF2B5EF4-FFF2-40B4-BE49-F238E27FC236}">
+                <a16:creationId xmlns:a16="http://schemas.microsoft.com/office/drawing/2014/main" id="{DBB76A7D-16BF-9C4C-806B-F6D32BA78FF9}"/>
+              </a:ext>
+            </a:extLst>
+          </p:cNvPr>
+          <p:cNvSpPr>
+            <a:spLocks noGrp="1"/>
+          </p:cNvSpPr>
+          <p:nvPr>
+            <p:ph type="title"/>
+          </p:nvPr>
+        </p:nvSpPr>
+        <p:spPr/>
+        <p:txBody>
+          <a:bodyPr/>
+          <a:lstStyle/>
+          <a:p>
+            <a:r>
+              <a:rPr lang="hu-HU" dirty="0" err="1"/>
+              <a:t>Github</a:t>
+            </a:r>
+            <a:endParaRPr lang="en-US" dirty="0"/>
+          </a:p>
+        </p:txBody>
+      </p:sp>
+      <p:sp>
+        <p:nvSpPr>
+          <p:cNvPr id="3" name="Tartalom helye 2">
+            <a:extLst>
+              <a:ext uri="{FF2B5EF4-FFF2-40B4-BE49-F238E27FC236}">
+                <a16:creationId xmlns:a16="http://schemas.microsoft.com/office/drawing/2014/main" id="{A00E67F5-B445-4671-3FB5-430BABEBD510}"/>
+              </a:ext>
+            </a:extLst>
+          </p:cNvPr>
+          <p:cNvSpPr>
+            <a:spLocks noGrp="1"/>
+          </p:cNvSpPr>
+          <p:nvPr>
+            <p:ph idx="1"/>
+          </p:nvPr>
+        </p:nvSpPr>
+        <p:spPr>
+          <a:xfrm>
+            <a:off x="1118830" y="1562100"/>
+            <a:ext cx="9905998" cy="3124201"/>
+          </a:xfrm>
+        </p:spPr>
+        <p:txBody>
+          <a:bodyPr/>
+          <a:lstStyle/>
+          <a:p>
+            <a:r>
+              <a:rPr lang="hu-HU" dirty="0"/>
+              <a:t>Lehetőséget teremt </a:t>
+            </a:r>
+            <a:r>
+              <a:rPr lang="hu-HU" dirty="0" err="1"/>
+              <a:t>hostolni</a:t>
+            </a:r>
+            <a:r>
+              <a:rPr lang="hu-HU" dirty="0"/>
+              <a:t> weblapot ingyenesen</a:t>
+            </a:r>
+          </a:p>
+          <a:p>
+            <a:r>
+              <a:rPr lang="hu-HU" dirty="0"/>
+              <a:t>Korábban volt róla előadás</a:t>
+            </a:r>
+          </a:p>
+          <a:p>
+            <a:endParaRPr lang="en-US" dirty="0"/>
+          </a:p>
+        </p:txBody>
+      </p:sp>
+      <p:sp>
+        <p:nvSpPr>
+          <p:cNvPr id="4" name="Dátum helye 3">
+            <a:extLst>
+              <a:ext uri="{FF2B5EF4-FFF2-40B4-BE49-F238E27FC236}">
+                <a16:creationId xmlns:a16="http://schemas.microsoft.com/office/drawing/2014/main" id="{27A32E8E-037B-0C7F-4AC3-EB36FDB5048E}"/>
+              </a:ext>
+            </a:extLst>
+          </p:cNvPr>
+          <p:cNvSpPr>
+            <a:spLocks noGrp="1"/>
+          </p:cNvSpPr>
+          <p:nvPr>
+            <p:ph type="dt" sz="half" idx="10"/>
+          </p:nvPr>
+        </p:nvSpPr>
+        <p:spPr/>
+        <p:txBody>
+          <a:bodyPr/>
+          <a:lstStyle/>
+          <a:p>
+            <a:fld id="{92DD11B4-80D5-44DE-A7EE-0D0C4A06CAFB}" type="datetime1">
+              <a:rPr lang="hu-HU" smtClean="0"/>
+              <a:t>2024. 03. 06.</a:t>
+            </a:fld>
+            <a:endParaRPr lang="en-US"/>
+          </a:p>
+        </p:txBody>
+      </p:sp>
+      <p:sp>
+        <p:nvSpPr>
+          <p:cNvPr id="5" name="Élőláb helye 4">
+            <a:extLst>
+              <a:ext uri="{FF2B5EF4-FFF2-40B4-BE49-F238E27FC236}">
+                <a16:creationId xmlns:a16="http://schemas.microsoft.com/office/drawing/2014/main" id="{1E506CCC-1B15-DD9E-3E1C-E2DC11881A6C}"/>
+              </a:ext>
+            </a:extLst>
+          </p:cNvPr>
+          <p:cNvSpPr>
+            <a:spLocks noGrp="1"/>
+          </p:cNvSpPr>
+          <p:nvPr>
+            <p:ph type="ftr" sz="quarter" idx="11"/>
+          </p:nvPr>
+        </p:nvSpPr>
+        <p:spPr/>
+        <p:txBody>
+          <a:bodyPr/>
+          <a:lstStyle/>
+          <a:p>
+            <a:r>
+              <a:rPr lang="hu-HU" dirty="0"/>
+              <a:t>Tóth Gergely</a:t>
+            </a:r>
+            <a:endParaRPr lang="en-US" dirty="0"/>
+          </a:p>
+        </p:txBody>
+      </p:sp>
+      <p:sp>
+        <p:nvSpPr>
+          <p:cNvPr id="6" name="Dia számának helye 5">
+            <a:extLst>
+              <a:ext uri="{FF2B5EF4-FFF2-40B4-BE49-F238E27FC236}">
+                <a16:creationId xmlns:a16="http://schemas.microsoft.com/office/drawing/2014/main" id="{6D86B534-D7F0-0E8A-4F20-715F83C7A441}"/>
+              </a:ext>
+            </a:extLst>
+          </p:cNvPr>
+          <p:cNvSpPr>
+            <a:spLocks noGrp="1"/>
+          </p:cNvSpPr>
+          <p:nvPr>
+            <p:ph type="sldNum" sz="quarter" idx="12"/>
+          </p:nvPr>
+        </p:nvSpPr>
+        <p:spPr/>
+        <p:txBody>
+          <a:bodyPr/>
+          <a:lstStyle/>
+          <a:p>
+            <a:fld id="{927374A8-BCF2-49CD-84BD-18DF129551B3}" type="slidenum">
+              <a:rPr lang="en-US" smtClean="0"/>
+              <a:t>3</a:t>
+            </a:fld>
+            <a:endParaRPr lang="en-US"/>
+          </a:p>
+        </p:txBody>
+      </p:sp>
+    </p:spTree>
+    <p:extLst>
+      <p:ext uri="{BB962C8B-B14F-4D97-AF65-F5344CB8AC3E}">
+        <p14:creationId xmlns:p14="http://schemas.microsoft.com/office/powerpoint/2010/main" val="2740941923"/>
+      </p:ext>
+    </p:extLst>
+  </p:cSld>
+  <p:clrMapOvr>
+    <a:masterClrMapping/>
+  </p:clrMapOvr>
+</p:sld>
+</file>
+
+<file path=ppt/slides/slide4.xml><?xml version="1.0" encoding="utf-8"?>
+<p:sld xmlns:a="http://schemas.openxmlformats.org/drawingml/2006/main" xmlns:r="http://schemas.openxmlformats.org/officeDocument/2006/relationships" xmlns:p="http://schemas.openxmlformats.org/presentationml/2006/main">
+  <p:cSld>
+    <p:spTree>
+      <p:nvGrpSpPr>
         <p:cNvPr id="1" name=""/>
         <p:cNvGrpSpPr/>
         <p:nvPr/>
@@ -10724,7 +11351,7 @@
           <a:p>
             <a:fld id="{AA7EECDD-3C13-4CE3-9CDC-D4FABA4A0D44}" type="datetime1">
               <a:rPr lang="hu-HU" smtClean="0"/>
-              <a:t>2024. 03. 05.</a:t>
+              <a:t>2024. 03. 06.</a:t>
             </a:fld>
             <a:endParaRPr lang="en-US"/>
           </a:p>
@@ -10782,7 +11409,7 @@
           <a:p>
             <a:fld id="{927374A8-BCF2-49CD-84BD-18DF129551B3}" type="slidenum">
               <a:rPr lang="en-US" smtClean="0"/>
-              <a:t>3</a:t>
+              <a:t>4</a:t>
             </a:fld>
             <a:endParaRPr lang="en-US"/>
           </a:p>
@@ -10801,7 +11428,7 @@
 </p:sld>
 </file>
 
-<file path=ppt/slides/slide4.xml><?xml version="1.0" encoding="utf-8"?>
+<file path=ppt/slides/slide5.xml><?xml version="1.0" encoding="utf-8"?>
 <p:sld xmlns:a="http://schemas.openxmlformats.org/drawingml/2006/main" xmlns:r="http://schemas.openxmlformats.org/officeDocument/2006/relationships" xmlns:p="http://schemas.openxmlformats.org/presentationml/2006/main">
   <p:cSld>
     <p:spTree>
@@ -10909,7 +11536,7 @@
           <a:p>
             <a:fld id="{72BFC95A-6A61-4C74-81F8-07C57DD7980B}" type="datetime1">
               <a:rPr lang="hu-HU" smtClean="0"/>
-              <a:t>2024. 03. 05.</a:t>
+              <a:t>2024. 03. 06.</a:t>
             </a:fld>
             <a:endParaRPr lang="en-US"/>
           </a:p>
@@ -10967,7 +11594,7 @@
           <a:p>
             <a:fld id="{927374A8-BCF2-49CD-84BD-18DF129551B3}" type="slidenum">
               <a:rPr lang="en-US" smtClean="0"/>
-              <a:t>4</a:t>
+              <a:t>5</a:t>
             </a:fld>
             <a:endParaRPr lang="en-US"/>
           </a:p>
@@ -11016,7 +11643,7 @@
 </p:sld>
 </file>
 
-<file path=ppt/slides/slide5.xml><?xml version="1.0" encoding="utf-8"?>
+<file path=ppt/slides/slide6.xml><?xml version="1.0" encoding="utf-8"?>
 <p:sld xmlns:a="http://schemas.openxmlformats.org/drawingml/2006/main" xmlns:r="http://schemas.openxmlformats.org/officeDocument/2006/relationships" xmlns:p="http://schemas.openxmlformats.org/presentationml/2006/main">
   <p:cSld>
     <p:spTree>
@@ -11138,7 +11765,7 @@
           <a:p>
             <a:fld id="{C991330B-894B-4C2A-8BD4-7E9BA459AB56}" type="datetime1">
               <a:rPr lang="hu-HU" smtClean="0"/>
-              <a:t>2024. 03. 05.</a:t>
+              <a:t>2024. 03. 06.</a:t>
             </a:fld>
             <a:endParaRPr lang="en-US"/>
           </a:p>
@@ -11196,7 +11823,7 @@
           <a:p>
             <a:fld id="{927374A8-BCF2-49CD-84BD-18DF129551B3}" type="slidenum">
               <a:rPr lang="en-US" smtClean="0"/>
-              <a:t>5</a:t>
+              <a:t>6</a:t>
             </a:fld>
             <a:endParaRPr lang="en-US"/>
           </a:p>
@@ -11215,7 +11842,7 @@
 </p:sld>
 </file>
 
-<file path=ppt/slides/slide6.xml><?xml version="1.0" encoding="utf-8"?>
+<file path=ppt/slides/slide7.xml><?xml version="1.0" encoding="utf-8"?>
 <p:sld xmlns:a="http://schemas.openxmlformats.org/drawingml/2006/main" xmlns:r="http://schemas.openxmlformats.org/officeDocument/2006/relationships" xmlns:p="http://schemas.openxmlformats.org/presentationml/2006/main">
   <p:cSld>
     <p:spTree>
@@ -11336,7 +11963,7 @@
           <a:p>
             <a:fld id="{4724EA4E-72A3-44D5-B536-F6A0C404CC39}" type="datetime1">
               <a:rPr lang="hu-HU" smtClean="0"/>
-              <a:t>2024. 03. 05.</a:t>
+              <a:t>2024. 03. 06.</a:t>
             </a:fld>
             <a:endParaRPr lang="en-US"/>
           </a:p>
@@ -11394,7 +12021,7 @@
           <a:p>
             <a:fld id="{927374A8-BCF2-49CD-84BD-18DF129551B3}" type="slidenum">
               <a:rPr lang="en-US" smtClean="0"/>
-              <a:t>6</a:t>
+              <a:t>7</a:t>
             </a:fld>
             <a:endParaRPr lang="en-US"/>
           </a:p>
@@ -11443,7 +12070,7 @@
 </p:sld>
 </file>
 
-<file path=ppt/slides/slide7.xml><?xml version="1.0" encoding="utf-8"?>
+<file path=ppt/slides/slide8.xml><?xml version="1.0" encoding="utf-8"?>
 <p:sld xmlns:a="http://schemas.openxmlformats.org/drawingml/2006/main" xmlns:r="http://schemas.openxmlformats.org/officeDocument/2006/relationships" xmlns:p="http://schemas.openxmlformats.org/presentationml/2006/main">
   <p:cSld>
     <p:spTree>
@@ -11563,7 +12190,7 @@
           <a:p>
             <a:fld id="{FF804E32-905A-49F3-99B8-9C09C2E8727C}" type="datetime1">
               <a:rPr lang="hu-HU" smtClean="0"/>
-              <a:t>2024. 03. 05.</a:t>
+              <a:t>2024. 03. 06.</a:t>
             </a:fld>
             <a:endParaRPr lang="en-US"/>
           </a:p>
@@ -11621,7 +12248,7 @@
           <a:p>
             <a:fld id="{927374A8-BCF2-49CD-84BD-18DF129551B3}" type="slidenum">
               <a:rPr lang="en-US" smtClean="0"/>
-              <a:t>7</a:t>
+              <a:t>8</a:t>
             </a:fld>
             <a:endParaRPr lang="en-US"/>
           </a:p>
@@ -11640,7 +12267,7 @@
 </p:sld>
 </file>
 
-<file path=ppt/slides/slide8.xml><?xml version="1.0" encoding="utf-8"?>
+<file path=ppt/slides/slide9.xml><?xml version="1.0" encoding="utf-8"?>
 <p:sld xmlns:a="http://schemas.openxmlformats.org/drawingml/2006/main" xmlns:r="http://schemas.openxmlformats.org/officeDocument/2006/relationships" xmlns:p="http://schemas.openxmlformats.org/presentationml/2006/main">
   <p:cSld>
     <p:spTree>
@@ -11728,12 +12355,8 @@
           </a:p>
           <a:p>
             <a:r>
-              <a:rPr lang="hu-HU" dirty="0" err="1"/>
-              <a:t>Segítéget</a:t>
-            </a:r>
-            <a:r>
-              <a:rPr lang="hu-HU" dirty="0"/>
-              <a:t> nyújt a design megalkotásához</a:t>
+              <a:rPr lang="hu-HU" dirty="0"/>
+              <a:t>Segítséget nyújt a design megalkotásához</a:t>
             </a:r>
             <a:endParaRPr lang="en-US" dirty="0"/>
           </a:p>
@@ -11762,7 +12385,7 @@
           <a:p>
             <a:fld id="{6AE699B2-AC3E-4B15-B55F-F50A00C67863}" type="datetime1">
               <a:rPr lang="hu-HU" smtClean="0"/>
-              <a:t>2024. 03. 05.</a:t>
+              <a:t>2024. 03. 06.</a:t>
             </a:fld>
             <a:endParaRPr lang="en-US"/>
           </a:p>
@@ -11803,231 +12426,6 @@
             <a:extLst>
               <a:ext uri="{FF2B5EF4-FFF2-40B4-BE49-F238E27FC236}">
                 <a16:creationId xmlns:a16="http://schemas.microsoft.com/office/drawing/2014/main" id="{7A717759-DBA3-1B7E-93F6-FB32ACE397E0}"/>
-              </a:ext>
-            </a:extLst>
-          </p:cNvPr>
-          <p:cNvSpPr>
-            <a:spLocks noGrp="1"/>
-          </p:cNvSpPr>
-          <p:nvPr>
-            <p:ph type="sldNum" sz="quarter" idx="12"/>
-          </p:nvPr>
-        </p:nvSpPr>
-        <p:spPr/>
-        <p:txBody>
-          <a:bodyPr/>
-          <a:lstStyle/>
-          <a:p>
-            <a:fld id="{927374A8-BCF2-49CD-84BD-18DF129551B3}" type="slidenum">
-              <a:rPr lang="en-US" smtClean="0"/>
-              <a:t>8</a:t>
-            </a:fld>
-            <a:endParaRPr lang="en-US"/>
-          </a:p>
-        </p:txBody>
-      </p:sp>
-    </p:spTree>
-    <p:extLst>
-      <p:ext uri="{BB962C8B-B14F-4D97-AF65-F5344CB8AC3E}">
-        <p14:creationId xmlns:p14="http://schemas.microsoft.com/office/powerpoint/2010/main" val="2598129947"/>
-      </p:ext>
-    </p:extLst>
-  </p:cSld>
-  <p:clrMapOvr>
-    <a:masterClrMapping/>
-  </p:clrMapOvr>
-</p:sld>
-</file>
-
-<file path=ppt/slides/slide9.xml><?xml version="1.0" encoding="utf-8"?>
-<p:sld xmlns:a="http://schemas.openxmlformats.org/drawingml/2006/main" xmlns:r="http://schemas.openxmlformats.org/officeDocument/2006/relationships" xmlns:p="http://schemas.openxmlformats.org/presentationml/2006/main">
-  <p:cSld>
-    <p:spTree>
-      <p:nvGrpSpPr>
-        <p:cNvPr id="1" name="">
-          <a:extLst>
-            <a:ext uri="{FF2B5EF4-FFF2-40B4-BE49-F238E27FC236}">
-              <a16:creationId xmlns:a16="http://schemas.microsoft.com/office/drawing/2014/main" id="{CEF1262C-2A07-F6CB-1B1B-6DAE8963A05F}"/>
-            </a:ext>
-          </a:extLst>
-        </p:cNvPr>
-        <p:cNvGrpSpPr/>
-        <p:nvPr/>
-      </p:nvGrpSpPr>
-      <p:grpSpPr>
-        <a:xfrm>
-          <a:off x="0" y="0"/>
-          <a:ext cx="0" cy="0"/>
-          <a:chOff x="0" y="0"/>
-          <a:chExt cx="0" cy="0"/>
-        </a:xfrm>
-      </p:grpSpPr>
-      <p:sp>
-        <p:nvSpPr>
-          <p:cNvPr id="2" name="Cím 1">
-            <a:extLst>
-              <a:ext uri="{FF2B5EF4-FFF2-40B4-BE49-F238E27FC236}">
-                <a16:creationId xmlns:a16="http://schemas.microsoft.com/office/drawing/2014/main" id="{0F2F72FA-16DD-96B0-8167-659EFA752EEA}"/>
-              </a:ext>
-            </a:extLst>
-          </p:cNvPr>
-          <p:cNvSpPr>
-            <a:spLocks noGrp="1"/>
-          </p:cNvSpPr>
-          <p:nvPr>
-            <p:ph type="title"/>
-          </p:nvPr>
-        </p:nvSpPr>
-        <p:spPr/>
-        <p:txBody>
-          <a:bodyPr/>
-          <a:lstStyle/>
-          <a:p>
-            <a:r>
-              <a:rPr lang="hu-HU" dirty="0"/>
-              <a:t>JS</a:t>
-            </a:r>
-            <a:endParaRPr lang="en-US" dirty="0"/>
-          </a:p>
-        </p:txBody>
-      </p:sp>
-      <p:sp>
-        <p:nvSpPr>
-          <p:cNvPr id="3" name="Tartalom helye 2">
-            <a:extLst>
-              <a:ext uri="{FF2B5EF4-FFF2-40B4-BE49-F238E27FC236}">
-                <a16:creationId xmlns:a16="http://schemas.microsoft.com/office/drawing/2014/main" id="{A391DC70-64BE-5FDC-F1EA-7747204FBC64}"/>
-              </a:ext>
-            </a:extLst>
-          </p:cNvPr>
-          <p:cNvSpPr>
-            <a:spLocks noGrp="1"/>
-          </p:cNvSpPr>
-          <p:nvPr>
-            <p:ph idx="1"/>
-          </p:nvPr>
-        </p:nvSpPr>
-        <p:spPr>
-          <a:xfrm>
-            <a:off x="1141412" y="2091656"/>
-            <a:ext cx="9905998" cy="3124201"/>
-          </a:xfrm>
-        </p:spPr>
-        <p:txBody>
-          <a:bodyPr/>
-          <a:lstStyle/>
-          <a:p>
-            <a:r>
-              <a:rPr lang="hu-HU" dirty="0"/>
-              <a:t>JavaScript </a:t>
-            </a:r>
-            <a:r>
-              <a:rPr lang="hu-HU" dirty="0" err="1"/>
-              <a:t>kódót</a:t>
-            </a:r>
-            <a:r>
-              <a:rPr lang="hu-HU" dirty="0"/>
-              <a:t> tartalmaz</a:t>
-            </a:r>
-          </a:p>
-          <a:p>
-            <a:r>
-              <a:rPr lang="hu-HU" dirty="0"/>
-              <a:t>A weboldalak interaktív műveleteinek és viselkedésének vezérlésére használják</a:t>
-            </a:r>
-          </a:p>
-          <a:p>
-            <a:r>
-              <a:rPr lang="hu-HU" dirty="0"/>
-              <a:t>Segítségével lehet dinamikusan manipulálni a HTML tartalmat</a:t>
-            </a:r>
-          </a:p>
-          <a:p>
-            <a:pPr lvl="1"/>
-            <a:r>
-              <a:rPr lang="hu-HU" dirty="0"/>
-              <a:t>Reagálni felhasználó interakciókra, lekérdezni vagy módosítani adatokat</a:t>
-            </a:r>
-          </a:p>
-          <a:p>
-            <a:pPr lvl="1"/>
-            <a:r>
-              <a:rPr lang="hu-HU" dirty="0"/>
-              <a:t>Valamint egyéb funkciókat adni a weboldalhoz</a:t>
-            </a:r>
-          </a:p>
-          <a:p>
-            <a:endParaRPr lang="hu-HU" dirty="0"/>
-          </a:p>
-          <a:p>
-            <a:endParaRPr lang="en-US" dirty="0"/>
-          </a:p>
-        </p:txBody>
-      </p:sp>
-      <p:sp>
-        <p:nvSpPr>
-          <p:cNvPr id="4" name="Dátum helye 3">
-            <a:extLst>
-              <a:ext uri="{FF2B5EF4-FFF2-40B4-BE49-F238E27FC236}">
-                <a16:creationId xmlns:a16="http://schemas.microsoft.com/office/drawing/2014/main" id="{6F54A393-7820-1D7C-AC5B-B941A4411CC8}"/>
-              </a:ext>
-            </a:extLst>
-          </p:cNvPr>
-          <p:cNvSpPr>
-            <a:spLocks noGrp="1"/>
-          </p:cNvSpPr>
-          <p:nvPr>
-            <p:ph type="dt" sz="half" idx="10"/>
-          </p:nvPr>
-        </p:nvSpPr>
-        <p:spPr/>
-        <p:txBody>
-          <a:bodyPr/>
-          <a:lstStyle/>
-          <a:p>
-            <a:fld id="{F640A6E2-0A09-4E2A-B8A1-92B5B68CF3CF}" type="datetime1">
-              <a:rPr lang="hu-HU" smtClean="0"/>
-              <a:t>2024. 03. 05.</a:t>
-            </a:fld>
-            <a:endParaRPr lang="en-US"/>
-          </a:p>
-        </p:txBody>
-      </p:sp>
-      <p:sp>
-        <p:nvSpPr>
-          <p:cNvPr id="5" name="Élőláb helye 4">
-            <a:extLst>
-              <a:ext uri="{FF2B5EF4-FFF2-40B4-BE49-F238E27FC236}">
-                <a16:creationId xmlns:a16="http://schemas.microsoft.com/office/drawing/2014/main" id="{820123B3-9BA4-6E68-D5B4-5A385EE54BA2}"/>
-              </a:ext>
-            </a:extLst>
-          </p:cNvPr>
-          <p:cNvSpPr>
-            <a:spLocks noGrp="1"/>
-          </p:cNvSpPr>
-          <p:nvPr>
-            <p:ph type="ftr" sz="quarter" idx="11"/>
-          </p:nvPr>
-        </p:nvSpPr>
-        <p:spPr/>
-        <p:txBody>
-          <a:bodyPr/>
-          <a:lstStyle/>
-          <a:p>
-            <a:r>
-              <a:rPr lang="hu-HU" dirty="0"/>
-              <a:t>Tóth Gergely</a:t>
-            </a:r>
-            <a:endParaRPr lang="en-US" dirty="0"/>
-          </a:p>
-        </p:txBody>
-      </p:sp>
-      <p:sp>
-        <p:nvSpPr>
-          <p:cNvPr id="6" name="Dia számának helye 5">
-            <a:extLst>
-              <a:ext uri="{FF2B5EF4-FFF2-40B4-BE49-F238E27FC236}">
-                <a16:creationId xmlns:a16="http://schemas.microsoft.com/office/drawing/2014/main" id="{2F06BDE8-91CE-0F51-82A5-4198E5EB57E4}"/>
               </a:ext>
             </a:extLst>
           </p:cNvPr>
@@ -12054,7 +12452,7 @@
     </p:spTree>
     <p:extLst>
       <p:ext uri="{BB962C8B-B14F-4D97-AF65-F5344CB8AC3E}">
-        <p14:creationId xmlns:p14="http://schemas.microsoft.com/office/powerpoint/2010/main" val="1670281844"/>
+        <p14:creationId xmlns:p14="http://schemas.microsoft.com/office/powerpoint/2010/main" val="2598129947"/>
       </p:ext>
     </p:extLst>
   </p:cSld>
